--- a/docs/FinalSeminarPresentation.pptx
+++ b/docs/FinalSeminarPresentation.pptx
@@ -7,6 +7,9 @@
   <p:notesMasterIdLst>
     <p:notesMasterId r:id="rId34"/>
   </p:notesMasterIdLst>
+  <p:handoutMasterIdLst>
+    <p:handoutMasterId r:id="rId35"/>
+  </p:handoutMasterIdLst>
   <p:sldIdLst>
     <p:sldId id="268" r:id="rId2"/>
     <p:sldId id="287" r:id="rId3"/>
@@ -157,6 +160,195 @@
 </p:presentation>
 </file>
 
+<file path=ppt/handoutMasters/handoutMaster1.xml><?xml version="1.0" encoding="utf-8"?>
+<p:handoutMaster xmlns:a="http://schemas.openxmlformats.org/drawingml/2006/main" xmlns:r="http://schemas.openxmlformats.org/officeDocument/2006/relationships" xmlns:p="http://schemas.openxmlformats.org/presentationml/2006/main">
+  <p:cSld>
+    <p:bg>
+      <p:bgRef idx="1001">
+        <a:schemeClr val="bg1"/>
+      </p:bgRef>
+    </p:bg>
+    <p:spTree>
+      <p:nvGrpSpPr>
+        <p:cNvPr id="1" name=""/>
+        <p:cNvGrpSpPr/>
+        <p:nvPr/>
+      </p:nvGrpSpPr>
+      <p:grpSpPr>
+        <a:xfrm>
+          <a:off x="0" y="0"/>
+          <a:ext cx="0" cy="0"/>
+          <a:chOff x="0" y="0"/>
+          <a:chExt cx="0" cy="0"/>
+        </a:xfrm>
+      </p:grpSpPr>
+      <p:sp>
+        <p:nvSpPr>
+          <p:cNvPr id="2" name="Header Placeholder 1">
+            <a:extLst>
+              <a:ext uri="{FF2B5EF4-FFF2-40B4-BE49-F238E27FC236}">
+                <a16:creationId xmlns:a16="http://schemas.microsoft.com/office/drawing/2014/main" id="{A02C128F-F16C-4C40-B479-9F09AE0327BE}"/>
+              </a:ext>
+            </a:extLst>
+          </p:cNvPr>
+          <p:cNvSpPr>
+            <a:spLocks noGrp="1"/>
+          </p:cNvSpPr>
+          <p:nvPr>
+            <p:ph type="hdr" sz="quarter"/>
+          </p:nvPr>
+        </p:nvSpPr>
+        <p:spPr>
+          <a:xfrm>
+            <a:off x="0" y="0"/>
+            <a:ext cx="2971800" cy="458788"/>
+          </a:xfrm>
+          <a:prstGeom prst="rect">
+            <a:avLst/>
+          </a:prstGeom>
+        </p:spPr>
+        <p:txBody>
+          <a:bodyPr vert="horz" lIns="91440" tIns="45720" rIns="91440" bIns="45720" rtlCol="0"/>
+          <a:lstStyle>
+            <a:lvl1pPr algn="l">
+              <a:defRPr sz="1200"/>
+            </a:lvl1pPr>
+          </a:lstStyle>
+          <a:p>
+            <a:endParaRPr lang="en-US"/>
+          </a:p>
+        </p:txBody>
+      </p:sp>
+      <p:sp>
+        <p:nvSpPr>
+          <p:cNvPr id="3" name="Date Placeholder 2">
+            <a:extLst>
+              <a:ext uri="{FF2B5EF4-FFF2-40B4-BE49-F238E27FC236}">
+                <a16:creationId xmlns:a16="http://schemas.microsoft.com/office/drawing/2014/main" id="{7761272E-7DB0-BB4E-8A26-177D260EDABD}"/>
+              </a:ext>
+            </a:extLst>
+          </p:cNvPr>
+          <p:cNvSpPr>
+            <a:spLocks noGrp="1"/>
+          </p:cNvSpPr>
+          <p:nvPr>
+            <p:ph type="dt" sz="quarter" idx="1"/>
+          </p:nvPr>
+        </p:nvSpPr>
+        <p:spPr>
+          <a:xfrm>
+            <a:off x="3884613" y="0"/>
+            <a:ext cx="2971800" cy="458788"/>
+          </a:xfrm>
+          <a:prstGeom prst="rect">
+            <a:avLst/>
+          </a:prstGeom>
+        </p:spPr>
+        <p:txBody>
+          <a:bodyPr vert="horz" lIns="91440" tIns="45720" rIns="91440" bIns="45720" rtlCol="0"/>
+          <a:lstStyle>
+            <a:lvl1pPr algn="r">
+              <a:defRPr sz="1200"/>
+            </a:lvl1pPr>
+          </a:lstStyle>
+          <a:p>
+            <a:fld id="{6D6A8138-D4C2-A24A-80FA-6A1EE5914956}" type="datetimeFigureOut">
+              <a:rPr lang="en-US" smtClean="0"/>
+              <a:t>12/1/20</a:t>
+            </a:fld>
+            <a:endParaRPr lang="en-US"/>
+          </a:p>
+        </p:txBody>
+      </p:sp>
+      <p:sp>
+        <p:nvSpPr>
+          <p:cNvPr id="4" name="Footer Placeholder 3">
+            <a:extLst>
+              <a:ext uri="{FF2B5EF4-FFF2-40B4-BE49-F238E27FC236}">
+                <a16:creationId xmlns:a16="http://schemas.microsoft.com/office/drawing/2014/main" id="{FF51FD10-C7CE-D143-A189-57803E3882BC}"/>
+              </a:ext>
+            </a:extLst>
+          </p:cNvPr>
+          <p:cNvSpPr>
+            <a:spLocks noGrp="1"/>
+          </p:cNvSpPr>
+          <p:nvPr>
+            <p:ph type="ftr" sz="quarter" idx="2"/>
+          </p:nvPr>
+        </p:nvSpPr>
+        <p:spPr>
+          <a:xfrm>
+            <a:off x="0" y="8685213"/>
+            <a:ext cx="2971800" cy="458787"/>
+          </a:xfrm>
+          <a:prstGeom prst="rect">
+            <a:avLst/>
+          </a:prstGeom>
+        </p:spPr>
+        <p:txBody>
+          <a:bodyPr vert="horz" lIns="91440" tIns="45720" rIns="91440" bIns="45720" rtlCol="0" anchor="b"/>
+          <a:lstStyle>
+            <a:lvl1pPr algn="l">
+              <a:defRPr sz="1200"/>
+            </a:lvl1pPr>
+          </a:lstStyle>
+          <a:p>
+            <a:endParaRPr lang="en-US"/>
+          </a:p>
+        </p:txBody>
+      </p:sp>
+      <p:sp>
+        <p:nvSpPr>
+          <p:cNvPr id="5" name="Slide Number Placeholder 4">
+            <a:extLst>
+              <a:ext uri="{FF2B5EF4-FFF2-40B4-BE49-F238E27FC236}">
+                <a16:creationId xmlns:a16="http://schemas.microsoft.com/office/drawing/2014/main" id="{964C6D28-16B8-AA45-BFE8-28E29D6EB142}"/>
+              </a:ext>
+            </a:extLst>
+          </p:cNvPr>
+          <p:cNvSpPr>
+            <a:spLocks noGrp="1"/>
+          </p:cNvSpPr>
+          <p:nvPr>
+            <p:ph type="sldNum" sz="quarter" idx="3"/>
+          </p:nvPr>
+        </p:nvSpPr>
+        <p:spPr>
+          <a:xfrm>
+            <a:off x="3884613" y="8685213"/>
+            <a:ext cx="2971800" cy="458787"/>
+          </a:xfrm>
+          <a:prstGeom prst="rect">
+            <a:avLst/>
+          </a:prstGeom>
+        </p:spPr>
+        <p:txBody>
+          <a:bodyPr vert="horz" lIns="91440" tIns="45720" rIns="91440" bIns="45720" rtlCol="0" anchor="b"/>
+          <a:lstStyle>
+            <a:lvl1pPr algn="r">
+              <a:defRPr sz="1200"/>
+            </a:lvl1pPr>
+          </a:lstStyle>
+          <a:p>
+            <a:fld id="{8A4EFA19-D1E2-FC40-84DF-90EE035C30AD}" type="slidenum">
+              <a:rPr lang="en-US" smtClean="0"/>
+              <a:t>‹#›</a:t>
+            </a:fld>
+            <a:endParaRPr lang="en-US"/>
+          </a:p>
+        </p:txBody>
+      </p:sp>
+    </p:spTree>
+    <p:extLst>
+      <p:ext uri="{BB962C8B-B14F-4D97-AF65-F5344CB8AC3E}">
+        <p14:creationId xmlns:p14="http://schemas.microsoft.com/office/powerpoint/2010/main" val="3642845892"/>
+      </p:ext>
+    </p:extLst>
+  </p:cSld>
+  <p:clrMap bg1="lt1" tx1="dk1" bg2="lt2" tx2="dk2" accent1="accent1" accent2="accent2" accent3="accent3" accent4="accent4" accent5="accent5" accent6="accent6" hlink="hlink" folHlink="folHlink"/>
+</p:handoutMaster>
+</file>
+
 <file path=ppt/notesMasters/notesMaster1.xml><?xml version="1.0" encoding="utf-8"?>
 <p:notesMaster xmlns:a="http://schemas.openxmlformats.org/drawingml/2006/main" xmlns:r="http://schemas.openxmlformats.org/officeDocument/2006/relationships" xmlns:p="http://schemas.openxmlformats.org/presentationml/2006/main">
   <p:cSld>
@@ -550,7 +742,10 @@
           <a:bodyPr/>
           <a:lstStyle/>
           <a:p>
-            <a:endParaRPr lang="en-US"/>
+            <a:r>
+              <a:rPr lang="en-US" dirty="0"/>
+              <a:t>Will</a:t>
+            </a:r>
           </a:p>
         </p:txBody>
       </p:sp>
@@ -581,6 +776,876 @@
     <p:extLst>
       <p:ext uri="{BB962C8B-B14F-4D97-AF65-F5344CB8AC3E}">
         <p14:creationId xmlns:p14="http://schemas.microsoft.com/office/powerpoint/2010/main" val="1760878827"/>
+      </p:ext>
+    </p:extLst>
+  </p:cSld>
+  <p:clrMapOvr>
+    <a:masterClrMapping/>
+  </p:clrMapOvr>
+</p:notes>
+</file>
+
+<file path=ppt/notesSlides/notesSlide10.xml><?xml version="1.0" encoding="utf-8"?>
+<p:notes xmlns:a="http://schemas.openxmlformats.org/drawingml/2006/main" xmlns:r="http://schemas.openxmlformats.org/officeDocument/2006/relationships" xmlns:p="http://schemas.openxmlformats.org/presentationml/2006/main">
+  <p:cSld>
+    <p:spTree>
+      <p:nvGrpSpPr>
+        <p:cNvPr id="1" name=""/>
+        <p:cNvGrpSpPr/>
+        <p:nvPr/>
+      </p:nvGrpSpPr>
+      <p:grpSpPr>
+        <a:xfrm>
+          <a:off x="0" y="0"/>
+          <a:ext cx="0" cy="0"/>
+          <a:chOff x="0" y="0"/>
+          <a:chExt cx="0" cy="0"/>
+        </a:xfrm>
+      </p:grpSpPr>
+      <p:sp>
+        <p:nvSpPr>
+          <p:cNvPr id="2" name="Slide Image Placeholder 1"/>
+          <p:cNvSpPr>
+            <a:spLocks noGrp="1" noRot="1" noChangeAspect="1"/>
+          </p:cNvSpPr>
+          <p:nvPr>
+            <p:ph type="sldImg"/>
+          </p:nvPr>
+        </p:nvSpPr>
+        <p:spPr/>
+      </p:sp>
+      <p:sp>
+        <p:nvSpPr>
+          <p:cNvPr id="3" name="Notes Placeholder 2"/>
+          <p:cNvSpPr>
+            <a:spLocks noGrp="1"/>
+          </p:cNvSpPr>
+          <p:nvPr>
+            <p:ph type="body" idx="1"/>
+          </p:nvPr>
+        </p:nvSpPr>
+        <p:spPr/>
+        <p:txBody>
+          <a:bodyPr/>
+          <a:lstStyle/>
+          <a:p>
+            <a:r>
+              <a:rPr lang="en-US" dirty="0"/>
+              <a:t>Andrew</a:t>
+            </a:r>
+          </a:p>
+        </p:txBody>
+      </p:sp>
+      <p:sp>
+        <p:nvSpPr>
+          <p:cNvPr id="4" name="Slide Number Placeholder 3"/>
+          <p:cNvSpPr>
+            <a:spLocks noGrp="1"/>
+          </p:cNvSpPr>
+          <p:nvPr>
+            <p:ph type="sldNum" sz="quarter" idx="5"/>
+          </p:nvPr>
+        </p:nvSpPr>
+        <p:spPr/>
+        <p:txBody>
+          <a:bodyPr/>
+          <a:lstStyle/>
+          <a:p>
+            <a:fld id="{1A934060-6132-4B8B-8B22-FF0A6A4F4F62}" type="slidenum">
+              <a:rPr lang="en-US" smtClean="0"/>
+              <a:t>10</a:t>
+            </a:fld>
+            <a:endParaRPr lang="en-US"/>
+          </a:p>
+        </p:txBody>
+      </p:sp>
+    </p:spTree>
+    <p:extLst>
+      <p:ext uri="{BB962C8B-B14F-4D97-AF65-F5344CB8AC3E}">
+        <p14:creationId xmlns:p14="http://schemas.microsoft.com/office/powerpoint/2010/main" val="3365894709"/>
+      </p:ext>
+    </p:extLst>
+  </p:cSld>
+  <p:clrMapOvr>
+    <a:masterClrMapping/>
+  </p:clrMapOvr>
+</p:notes>
+</file>
+
+<file path=ppt/notesSlides/notesSlide11.xml><?xml version="1.0" encoding="utf-8"?>
+<p:notes xmlns:a="http://schemas.openxmlformats.org/drawingml/2006/main" xmlns:r="http://schemas.openxmlformats.org/officeDocument/2006/relationships" xmlns:p="http://schemas.openxmlformats.org/presentationml/2006/main">
+  <p:cSld>
+    <p:spTree>
+      <p:nvGrpSpPr>
+        <p:cNvPr id="1" name=""/>
+        <p:cNvGrpSpPr/>
+        <p:nvPr/>
+      </p:nvGrpSpPr>
+      <p:grpSpPr>
+        <a:xfrm>
+          <a:off x="0" y="0"/>
+          <a:ext cx="0" cy="0"/>
+          <a:chOff x="0" y="0"/>
+          <a:chExt cx="0" cy="0"/>
+        </a:xfrm>
+      </p:grpSpPr>
+      <p:sp>
+        <p:nvSpPr>
+          <p:cNvPr id="2" name="Slide Image Placeholder 1"/>
+          <p:cNvSpPr>
+            <a:spLocks noGrp="1" noRot="1" noChangeAspect="1"/>
+          </p:cNvSpPr>
+          <p:nvPr>
+            <p:ph type="sldImg"/>
+          </p:nvPr>
+        </p:nvSpPr>
+        <p:spPr/>
+      </p:sp>
+      <p:sp>
+        <p:nvSpPr>
+          <p:cNvPr id="3" name="Notes Placeholder 2"/>
+          <p:cNvSpPr>
+            <a:spLocks noGrp="1"/>
+          </p:cNvSpPr>
+          <p:nvPr>
+            <p:ph type="body" idx="1"/>
+          </p:nvPr>
+        </p:nvSpPr>
+        <p:spPr/>
+        <p:txBody>
+          <a:bodyPr/>
+          <a:lstStyle/>
+          <a:p>
+            <a:r>
+              <a:rPr lang="en-US" dirty="0"/>
+              <a:t>Bryce</a:t>
+            </a:r>
+          </a:p>
+        </p:txBody>
+      </p:sp>
+      <p:sp>
+        <p:nvSpPr>
+          <p:cNvPr id="4" name="Slide Number Placeholder 3"/>
+          <p:cNvSpPr>
+            <a:spLocks noGrp="1"/>
+          </p:cNvSpPr>
+          <p:nvPr>
+            <p:ph type="sldNum" sz="quarter" idx="5"/>
+          </p:nvPr>
+        </p:nvSpPr>
+        <p:spPr/>
+        <p:txBody>
+          <a:bodyPr/>
+          <a:lstStyle/>
+          <a:p>
+            <a:fld id="{1A934060-6132-4B8B-8B22-FF0A6A4F4F62}" type="slidenum">
+              <a:rPr lang="en-US" smtClean="0"/>
+              <a:t>11</a:t>
+            </a:fld>
+            <a:endParaRPr lang="en-US"/>
+          </a:p>
+        </p:txBody>
+      </p:sp>
+    </p:spTree>
+    <p:extLst>
+      <p:ext uri="{BB962C8B-B14F-4D97-AF65-F5344CB8AC3E}">
+        <p14:creationId xmlns:p14="http://schemas.microsoft.com/office/powerpoint/2010/main" val="2880584832"/>
+      </p:ext>
+    </p:extLst>
+  </p:cSld>
+  <p:clrMapOvr>
+    <a:masterClrMapping/>
+  </p:clrMapOvr>
+</p:notes>
+</file>
+
+<file path=ppt/notesSlides/notesSlide12.xml><?xml version="1.0" encoding="utf-8"?>
+<p:notes xmlns:a="http://schemas.openxmlformats.org/drawingml/2006/main" xmlns:r="http://schemas.openxmlformats.org/officeDocument/2006/relationships" xmlns:p="http://schemas.openxmlformats.org/presentationml/2006/main">
+  <p:cSld>
+    <p:spTree>
+      <p:nvGrpSpPr>
+        <p:cNvPr id="1" name=""/>
+        <p:cNvGrpSpPr/>
+        <p:nvPr/>
+      </p:nvGrpSpPr>
+      <p:grpSpPr>
+        <a:xfrm>
+          <a:off x="0" y="0"/>
+          <a:ext cx="0" cy="0"/>
+          <a:chOff x="0" y="0"/>
+          <a:chExt cx="0" cy="0"/>
+        </a:xfrm>
+      </p:grpSpPr>
+      <p:sp>
+        <p:nvSpPr>
+          <p:cNvPr id="2" name="Slide Image Placeholder 1"/>
+          <p:cNvSpPr>
+            <a:spLocks noGrp="1" noRot="1" noChangeAspect="1"/>
+          </p:cNvSpPr>
+          <p:nvPr>
+            <p:ph type="sldImg"/>
+          </p:nvPr>
+        </p:nvSpPr>
+        <p:spPr/>
+      </p:sp>
+      <p:sp>
+        <p:nvSpPr>
+          <p:cNvPr id="3" name="Notes Placeholder 2"/>
+          <p:cNvSpPr>
+            <a:spLocks noGrp="1"/>
+          </p:cNvSpPr>
+          <p:nvPr>
+            <p:ph type="body" idx="1"/>
+          </p:nvPr>
+        </p:nvSpPr>
+        <p:spPr/>
+        <p:txBody>
+          <a:bodyPr/>
+          <a:lstStyle/>
+          <a:p>
+            <a:r>
+              <a:rPr lang="en-US" dirty="0"/>
+              <a:t>Bryce</a:t>
+            </a:r>
+          </a:p>
+        </p:txBody>
+      </p:sp>
+      <p:sp>
+        <p:nvSpPr>
+          <p:cNvPr id="4" name="Slide Number Placeholder 3"/>
+          <p:cNvSpPr>
+            <a:spLocks noGrp="1"/>
+          </p:cNvSpPr>
+          <p:nvPr>
+            <p:ph type="sldNum" sz="quarter" idx="5"/>
+          </p:nvPr>
+        </p:nvSpPr>
+        <p:spPr/>
+        <p:txBody>
+          <a:bodyPr/>
+          <a:lstStyle/>
+          <a:p>
+            <a:fld id="{1A934060-6132-4B8B-8B22-FF0A6A4F4F62}" type="slidenum">
+              <a:rPr lang="en-US" smtClean="0"/>
+              <a:t>12</a:t>
+            </a:fld>
+            <a:endParaRPr lang="en-US"/>
+          </a:p>
+        </p:txBody>
+      </p:sp>
+    </p:spTree>
+    <p:extLst>
+      <p:ext uri="{BB962C8B-B14F-4D97-AF65-F5344CB8AC3E}">
+        <p14:creationId xmlns:p14="http://schemas.microsoft.com/office/powerpoint/2010/main" val="2636852157"/>
+      </p:ext>
+    </p:extLst>
+  </p:cSld>
+  <p:clrMapOvr>
+    <a:masterClrMapping/>
+  </p:clrMapOvr>
+</p:notes>
+</file>
+
+<file path=ppt/notesSlides/notesSlide13.xml><?xml version="1.0" encoding="utf-8"?>
+<p:notes xmlns:a="http://schemas.openxmlformats.org/drawingml/2006/main" xmlns:r="http://schemas.openxmlformats.org/officeDocument/2006/relationships" xmlns:p="http://schemas.openxmlformats.org/presentationml/2006/main">
+  <p:cSld>
+    <p:spTree>
+      <p:nvGrpSpPr>
+        <p:cNvPr id="1" name=""/>
+        <p:cNvGrpSpPr/>
+        <p:nvPr/>
+      </p:nvGrpSpPr>
+      <p:grpSpPr>
+        <a:xfrm>
+          <a:off x="0" y="0"/>
+          <a:ext cx="0" cy="0"/>
+          <a:chOff x="0" y="0"/>
+          <a:chExt cx="0" cy="0"/>
+        </a:xfrm>
+      </p:grpSpPr>
+      <p:sp>
+        <p:nvSpPr>
+          <p:cNvPr id="2" name="Slide Image Placeholder 1"/>
+          <p:cNvSpPr>
+            <a:spLocks noGrp="1" noRot="1" noChangeAspect="1"/>
+          </p:cNvSpPr>
+          <p:nvPr>
+            <p:ph type="sldImg"/>
+          </p:nvPr>
+        </p:nvSpPr>
+        <p:spPr/>
+      </p:sp>
+      <p:sp>
+        <p:nvSpPr>
+          <p:cNvPr id="3" name="Notes Placeholder 2"/>
+          <p:cNvSpPr>
+            <a:spLocks noGrp="1"/>
+          </p:cNvSpPr>
+          <p:nvPr>
+            <p:ph type="body" idx="1"/>
+          </p:nvPr>
+        </p:nvSpPr>
+        <p:spPr/>
+        <p:txBody>
+          <a:bodyPr/>
+          <a:lstStyle/>
+          <a:p>
+            <a:r>
+              <a:rPr lang="en-US" dirty="0"/>
+              <a:t>Bryce</a:t>
+            </a:r>
+          </a:p>
+        </p:txBody>
+      </p:sp>
+      <p:sp>
+        <p:nvSpPr>
+          <p:cNvPr id="4" name="Slide Number Placeholder 3"/>
+          <p:cNvSpPr>
+            <a:spLocks noGrp="1"/>
+          </p:cNvSpPr>
+          <p:nvPr>
+            <p:ph type="sldNum" sz="quarter" idx="5"/>
+          </p:nvPr>
+        </p:nvSpPr>
+        <p:spPr/>
+        <p:txBody>
+          <a:bodyPr/>
+          <a:lstStyle/>
+          <a:p>
+            <a:fld id="{1A934060-6132-4B8B-8B22-FF0A6A4F4F62}" type="slidenum">
+              <a:rPr lang="en-US" smtClean="0"/>
+              <a:t>13</a:t>
+            </a:fld>
+            <a:endParaRPr lang="en-US"/>
+          </a:p>
+        </p:txBody>
+      </p:sp>
+    </p:spTree>
+    <p:extLst>
+      <p:ext uri="{BB962C8B-B14F-4D97-AF65-F5344CB8AC3E}">
+        <p14:creationId xmlns:p14="http://schemas.microsoft.com/office/powerpoint/2010/main" val="863728528"/>
+      </p:ext>
+    </p:extLst>
+  </p:cSld>
+  <p:clrMapOvr>
+    <a:masterClrMapping/>
+  </p:clrMapOvr>
+</p:notes>
+</file>
+
+<file path=ppt/notesSlides/notesSlide14.xml><?xml version="1.0" encoding="utf-8"?>
+<p:notes xmlns:a="http://schemas.openxmlformats.org/drawingml/2006/main" xmlns:r="http://schemas.openxmlformats.org/officeDocument/2006/relationships" xmlns:p="http://schemas.openxmlformats.org/presentationml/2006/main">
+  <p:cSld>
+    <p:spTree>
+      <p:nvGrpSpPr>
+        <p:cNvPr id="1" name=""/>
+        <p:cNvGrpSpPr/>
+        <p:nvPr/>
+      </p:nvGrpSpPr>
+      <p:grpSpPr>
+        <a:xfrm>
+          <a:off x="0" y="0"/>
+          <a:ext cx="0" cy="0"/>
+          <a:chOff x="0" y="0"/>
+          <a:chExt cx="0" cy="0"/>
+        </a:xfrm>
+      </p:grpSpPr>
+      <p:sp>
+        <p:nvSpPr>
+          <p:cNvPr id="2" name="Slide Image Placeholder 1"/>
+          <p:cNvSpPr>
+            <a:spLocks noGrp="1" noRot="1" noChangeAspect="1"/>
+          </p:cNvSpPr>
+          <p:nvPr>
+            <p:ph type="sldImg"/>
+          </p:nvPr>
+        </p:nvSpPr>
+        <p:spPr/>
+      </p:sp>
+      <p:sp>
+        <p:nvSpPr>
+          <p:cNvPr id="3" name="Notes Placeholder 2"/>
+          <p:cNvSpPr>
+            <a:spLocks noGrp="1"/>
+          </p:cNvSpPr>
+          <p:nvPr>
+            <p:ph type="body" idx="1"/>
+          </p:nvPr>
+        </p:nvSpPr>
+        <p:spPr/>
+        <p:txBody>
+          <a:bodyPr/>
+          <a:lstStyle/>
+          <a:p>
+            <a:r>
+              <a:rPr lang="en-US" dirty="0"/>
+              <a:t>Bryce</a:t>
+            </a:r>
+          </a:p>
+        </p:txBody>
+      </p:sp>
+      <p:sp>
+        <p:nvSpPr>
+          <p:cNvPr id="4" name="Slide Number Placeholder 3"/>
+          <p:cNvSpPr>
+            <a:spLocks noGrp="1"/>
+          </p:cNvSpPr>
+          <p:nvPr>
+            <p:ph type="sldNum" sz="quarter" idx="5"/>
+          </p:nvPr>
+        </p:nvSpPr>
+        <p:spPr/>
+        <p:txBody>
+          <a:bodyPr/>
+          <a:lstStyle/>
+          <a:p>
+            <a:fld id="{1A934060-6132-4B8B-8B22-FF0A6A4F4F62}" type="slidenum">
+              <a:rPr lang="en-US" smtClean="0"/>
+              <a:t>14</a:t>
+            </a:fld>
+            <a:endParaRPr lang="en-US"/>
+          </a:p>
+        </p:txBody>
+      </p:sp>
+    </p:spTree>
+    <p:extLst>
+      <p:ext uri="{BB962C8B-B14F-4D97-AF65-F5344CB8AC3E}">
+        <p14:creationId xmlns:p14="http://schemas.microsoft.com/office/powerpoint/2010/main" val="4037431524"/>
+      </p:ext>
+    </p:extLst>
+  </p:cSld>
+  <p:clrMapOvr>
+    <a:masterClrMapping/>
+  </p:clrMapOvr>
+</p:notes>
+</file>
+
+<file path=ppt/notesSlides/notesSlide15.xml><?xml version="1.0" encoding="utf-8"?>
+<p:notes xmlns:a="http://schemas.openxmlformats.org/drawingml/2006/main" xmlns:r="http://schemas.openxmlformats.org/officeDocument/2006/relationships" xmlns:p="http://schemas.openxmlformats.org/presentationml/2006/main">
+  <p:cSld>
+    <p:spTree>
+      <p:nvGrpSpPr>
+        <p:cNvPr id="1" name=""/>
+        <p:cNvGrpSpPr/>
+        <p:nvPr/>
+      </p:nvGrpSpPr>
+      <p:grpSpPr>
+        <a:xfrm>
+          <a:off x="0" y="0"/>
+          <a:ext cx="0" cy="0"/>
+          <a:chOff x="0" y="0"/>
+          <a:chExt cx="0" cy="0"/>
+        </a:xfrm>
+      </p:grpSpPr>
+      <p:sp>
+        <p:nvSpPr>
+          <p:cNvPr id="2" name="Slide Image Placeholder 1"/>
+          <p:cNvSpPr>
+            <a:spLocks noGrp="1" noRot="1" noChangeAspect="1"/>
+          </p:cNvSpPr>
+          <p:nvPr>
+            <p:ph type="sldImg"/>
+          </p:nvPr>
+        </p:nvSpPr>
+        <p:spPr/>
+      </p:sp>
+      <p:sp>
+        <p:nvSpPr>
+          <p:cNvPr id="3" name="Notes Placeholder 2"/>
+          <p:cNvSpPr>
+            <a:spLocks noGrp="1"/>
+          </p:cNvSpPr>
+          <p:nvPr>
+            <p:ph type="body" idx="1"/>
+          </p:nvPr>
+        </p:nvSpPr>
+        <p:spPr/>
+        <p:txBody>
+          <a:bodyPr/>
+          <a:lstStyle/>
+          <a:p>
+            <a:r>
+              <a:rPr lang="en-US" dirty="0"/>
+              <a:t>Andrew</a:t>
+            </a:r>
+          </a:p>
+        </p:txBody>
+      </p:sp>
+      <p:sp>
+        <p:nvSpPr>
+          <p:cNvPr id="4" name="Slide Number Placeholder 3"/>
+          <p:cNvSpPr>
+            <a:spLocks noGrp="1"/>
+          </p:cNvSpPr>
+          <p:nvPr>
+            <p:ph type="sldNum" sz="quarter" idx="5"/>
+          </p:nvPr>
+        </p:nvSpPr>
+        <p:spPr/>
+        <p:txBody>
+          <a:bodyPr/>
+          <a:lstStyle/>
+          <a:p>
+            <a:fld id="{1A934060-6132-4B8B-8B22-FF0A6A4F4F62}" type="slidenum">
+              <a:rPr lang="en-US" smtClean="0"/>
+              <a:t>15</a:t>
+            </a:fld>
+            <a:endParaRPr lang="en-US"/>
+          </a:p>
+        </p:txBody>
+      </p:sp>
+    </p:spTree>
+    <p:extLst>
+      <p:ext uri="{BB962C8B-B14F-4D97-AF65-F5344CB8AC3E}">
+        <p14:creationId xmlns:p14="http://schemas.microsoft.com/office/powerpoint/2010/main" val="191931154"/>
+      </p:ext>
+    </p:extLst>
+  </p:cSld>
+  <p:clrMapOvr>
+    <a:masterClrMapping/>
+  </p:clrMapOvr>
+</p:notes>
+</file>
+
+<file path=ppt/notesSlides/notesSlide16.xml><?xml version="1.0" encoding="utf-8"?>
+<p:notes xmlns:a="http://schemas.openxmlformats.org/drawingml/2006/main" xmlns:r="http://schemas.openxmlformats.org/officeDocument/2006/relationships" xmlns:p="http://schemas.openxmlformats.org/presentationml/2006/main">
+  <p:cSld>
+    <p:spTree>
+      <p:nvGrpSpPr>
+        <p:cNvPr id="1" name=""/>
+        <p:cNvGrpSpPr/>
+        <p:nvPr/>
+      </p:nvGrpSpPr>
+      <p:grpSpPr>
+        <a:xfrm>
+          <a:off x="0" y="0"/>
+          <a:ext cx="0" cy="0"/>
+          <a:chOff x="0" y="0"/>
+          <a:chExt cx="0" cy="0"/>
+        </a:xfrm>
+      </p:grpSpPr>
+      <p:sp>
+        <p:nvSpPr>
+          <p:cNvPr id="2" name="Slide Image Placeholder 1"/>
+          <p:cNvSpPr>
+            <a:spLocks noGrp="1" noRot="1" noChangeAspect="1"/>
+          </p:cNvSpPr>
+          <p:nvPr>
+            <p:ph type="sldImg"/>
+          </p:nvPr>
+        </p:nvSpPr>
+        <p:spPr/>
+      </p:sp>
+      <p:sp>
+        <p:nvSpPr>
+          <p:cNvPr id="3" name="Notes Placeholder 2"/>
+          <p:cNvSpPr>
+            <a:spLocks noGrp="1"/>
+          </p:cNvSpPr>
+          <p:nvPr>
+            <p:ph type="body" idx="1"/>
+          </p:nvPr>
+        </p:nvSpPr>
+        <p:spPr/>
+        <p:txBody>
+          <a:bodyPr/>
+          <a:lstStyle/>
+          <a:p>
+            <a:r>
+              <a:rPr lang="en-US" dirty="0"/>
+              <a:t>Colton</a:t>
+            </a:r>
+          </a:p>
+        </p:txBody>
+      </p:sp>
+      <p:sp>
+        <p:nvSpPr>
+          <p:cNvPr id="4" name="Slide Number Placeholder 3"/>
+          <p:cNvSpPr>
+            <a:spLocks noGrp="1"/>
+          </p:cNvSpPr>
+          <p:nvPr>
+            <p:ph type="sldNum" sz="quarter" idx="5"/>
+          </p:nvPr>
+        </p:nvSpPr>
+        <p:spPr/>
+        <p:txBody>
+          <a:bodyPr/>
+          <a:lstStyle/>
+          <a:p>
+            <a:fld id="{1A934060-6132-4B8B-8B22-FF0A6A4F4F62}" type="slidenum">
+              <a:rPr lang="en-US" smtClean="0"/>
+              <a:t>16</a:t>
+            </a:fld>
+            <a:endParaRPr lang="en-US"/>
+          </a:p>
+        </p:txBody>
+      </p:sp>
+    </p:spTree>
+    <p:extLst>
+      <p:ext uri="{BB962C8B-B14F-4D97-AF65-F5344CB8AC3E}">
+        <p14:creationId xmlns:p14="http://schemas.microsoft.com/office/powerpoint/2010/main" val="180443986"/>
+      </p:ext>
+    </p:extLst>
+  </p:cSld>
+  <p:clrMapOvr>
+    <a:masterClrMapping/>
+  </p:clrMapOvr>
+</p:notes>
+</file>
+
+<file path=ppt/notesSlides/notesSlide17.xml><?xml version="1.0" encoding="utf-8"?>
+<p:notes xmlns:a="http://schemas.openxmlformats.org/drawingml/2006/main" xmlns:r="http://schemas.openxmlformats.org/officeDocument/2006/relationships" xmlns:p="http://schemas.openxmlformats.org/presentationml/2006/main">
+  <p:cSld>
+    <p:spTree>
+      <p:nvGrpSpPr>
+        <p:cNvPr id="1" name=""/>
+        <p:cNvGrpSpPr/>
+        <p:nvPr/>
+      </p:nvGrpSpPr>
+      <p:grpSpPr>
+        <a:xfrm>
+          <a:off x="0" y="0"/>
+          <a:ext cx="0" cy="0"/>
+          <a:chOff x="0" y="0"/>
+          <a:chExt cx="0" cy="0"/>
+        </a:xfrm>
+      </p:grpSpPr>
+      <p:sp>
+        <p:nvSpPr>
+          <p:cNvPr id="2" name="Slide Image Placeholder 1"/>
+          <p:cNvSpPr>
+            <a:spLocks noGrp="1" noRot="1" noChangeAspect="1"/>
+          </p:cNvSpPr>
+          <p:nvPr>
+            <p:ph type="sldImg"/>
+          </p:nvPr>
+        </p:nvSpPr>
+        <p:spPr/>
+      </p:sp>
+      <p:sp>
+        <p:nvSpPr>
+          <p:cNvPr id="3" name="Notes Placeholder 2"/>
+          <p:cNvSpPr>
+            <a:spLocks noGrp="1"/>
+          </p:cNvSpPr>
+          <p:nvPr>
+            <p:ph type="body" idx="1"/>
+          </p:nvPr>
+        </p:nvSpPr>
+        <p:spPr/>
+        <p:txBody>
+          <a:bodyPr/>
+          <a:lstStyle/>
+          <a:p>
+            <a:r>
+              <a:rPr lang="en-US" dirty="0"/>
+              <a:t>Colton</a:t>
+            </a:r>
+          </a:p>
+        </p:txBody>
+      </p:sp>
+      <p:sp>
+        <p:nvSpPr>
+          <p:cNvPr id="4" name="Slide Number Placeholder 3"/>
+          <p:cNvSpPr>
+            <a:spLocks noGrp="1"/>
+          </p:cNvSpPr>
+          <p:nvPr>
+            <p:ph type="sldNum" sz="quarter" idx="5"/>
+          </p:nvPr>
+        </p:nvSpPr>
+        <p:spPr/>
+        <p:txBody>
+          <a:bodyPr/>
+          <a:lstStyle/>
+          <a:p>
+            <a:fld id="{1A934060-6132-4B8B-8B22-FF0A6A4F4F62}" type="slidenum">
+              <a:rPr lang="en-US" smtClean="0"/>
+              <a:t>17</a:t>
+            </a:fld>
+            <a:endParaRPr lang="en-US"/>
+          </a:p>
+        </p:txBody>
+      </p:sp>
+    </p:spTree>
+    <p:extLst>
+      <p:ext uri="{BB962C8B-B14F-4D97-AF65-F5344CB8AC3E}">
+        <p14:creationId xmlns:p14="http://schemas.microsoft.com/office/powerpoint/2010/main" val="4036426431"/>
+      </p:ext>
+    </p:extLst>
+  </p:cSld>
+  <p:clrMapOvr>
+    <a:masterClrMapping/>
+  </p:clrMapOvr>
+</p:notes>
+</file>
+
+<file path=ppt/notesSlides/notesSlide18.xml><?xml version="1.0" encoding="utf-8"?>
+<p:notes xmlns:a="http://schemas.openxmlformats.org/drawingml/2006/main" xmlns:r="http://schemas.openxmlformats.org/officeDocument/2006/relationships" xmlns:p="http://schemas.openxmlformats.org/presentationml/2006/main">
+  <p:cSld>
+    <p:spTree>
+      <p:nvGrpSpPr>
+        <p:cNvPr id="1" name=""/>
+        <p:cNvGrpSpPr/>
+        <p:nvPr/>
+      </p:nvGrpSpPr>
+      <p:grpSpPr>
+        <a:xfrm>
+          <a:off x="0" y="0"/>
+          <a:ext cx="0" cy="0"/>
+          <a:chOff x="0" y="0"/>
+          <a:chExt cx="0" cy="0"/>
+        </a:xfrm>
+      </p:grpSpPr>
+      <p:sp>
+        <p:nvSpPr>
+          <p:cNvPr id="2" name="Slide Image Placeholder 1"/>
+          <p:cNvSpPr>
+            <a:spLocks noGrp="1" noRot="1" noChangeAspect="1"/>
+          </p:cNvSpPr>
+          <p:nvPr>
+            <p:ph type="sldImg"/>
+          </p:nvPr>
+        </p:nvSpPr>
+        <p:spPr/>
+      </p:sp>
+      <p:sp>
+        <p:nvSpPr>
+          <p:cNvPr id="3" name="Notes Placeholder 2"/>
+          <p:cNvSpPr>
+            <a:spLocks noGrp="1"/>
+          </p:cNvSpPr>
+          <p:nvPr>
+            <p:ph type="body" idx="1"/>
+          </p:nvPr>
+        </p:nvSpPr>
+        <p:spPr/>
+        <p:txBody>
+          <a:bodyPr/>
+          <a:lstStyle/>
+          <a:p>
+            <a:r>
+              <a:rPr lang="en-US" dirty="0"/>
+              <a:t>Colton</a:t>
+            </a:r>
+          </a:p>
+        </p:txBody>
+      </p:sp>
+      <p:sp>
+        <p:nvSpPr>
+          <p:cNvPr id="4" name="Slide Number Placeholder 3"/>
+          <p:cNvSpPr>
+            <a:spLocks noGrp="1"/>
+          </p:cNvSpPr>
+          <p:nvPr>
+            <p:ph type="sldNum" sz="quarter" idx="5"/>
+          </p:nvPr>
+        </p:nvSpPr>
+        <p:spPr/>
+        <p:txBody>
+          <a:bodyPr/>
+          <a:lstStyle/>
+          <a:p>
+            <a:fld id="{1A934060-6132-4B8B-8B22-FF0A6A4F4F62}" type="slidenum">
+              <a:rPr lang="en-US" smtClean="0"/>
+              <a:t>18</a:t>
+            </a:fld>
+            <a:endParaRPr lang="en-US"/>
+          </a:p>
+        </p:txBody>
+      </p:sp>
+    </p:spTree>
+    <p:extLst>
+      <p:ext uri="{BB962C8B-B14F-4D97-AF65-F5344CB8AC3E}">
+        <p14:creationId xmlns:p14="http://schemas.microsoft.com/office/powerpoint/2010/main" val="1898947757"/>
+      </p:ext>
+    </p:extLst>
+  </p:cSld>
+  <p:clrMapOvr>
+    <a:masterClrMapping/>
+  </p:clrMapOvr>
+</p:notes>
+</file>
+
+<file path=ppt/notesSlides/notesSlide19.xml><?xml version="1.0" encoding="utf-8"?>
+<p:notes xmlns:a="http://schemas.openxmlformats.org/drawingml/2006/main" xmlns:r="http://schemas.openxmlformats.org/officeDocument/2006/relationships" xmlns:p="http://schemas.openxmlformats.org/presentationml/2006/main">
+  <p:cSld>
+    <p:spTree>
+      <p:nvGrpSpPr>
+        <p:cNvPr id="1" name=""/>
+        <p:cNvGrpSpPr/>
+        <p:nvPr/>
+      </p:nvGrpSpPr>
+      <p:grpSpPr>
+        <a:xfrm>
+          <a:off x="0" y="0"/>
+          <a:ext cx="0" cy="0"/>
+          <a:chOff x="0" y="0"/>
+          <a:chExt cx="0" cy="0"/>
+        </a:xfrm>
+      </p:grpSpPr>
+      <p:sp>
+        <p:nvSpPr>
+          <p:cNvPr id="2" name="Slide Image Placeholder 1"/>
+          <p:cNvSpPr>
+            <a:spLocks noGrp="1" noRot="1" noChangeAspect="1"/>
+          </p:cNvSpPr>
+          <p:nvPr>
+            <p:ph type="sldImg"/>
+          </p:nvPr>
+        </p:nvSpPr>
+        <p:spPr/>
+      </p:sp>
+      <p:sp>
+        <p:nvSpPr>
+          <p:cNvPr id="3" name="Notes Placeholder 2"/>
+          <p:cNvSpPr>
+            <a:spLocks noGrp="1"/>
+          </p:cNvSpPr>
+          <p:nvPr>
+            <p:ph type="body" idx="1"/>
+          </p:nvPr>
+        </p:nvSpPr>
+        <p:spPr/>
+        <p:txBody>
+          <a:bodyPr/>
+          <a:lstStyle/>
+          <a:p>
+            <a:r>
+              <a:rPr lang="en-US" dirty="0"/>
+              <a:t>Will</a:t>
+            </a:r>
+          </a:p>
+        </p:txBody>
+      </p:sp>
+      <p:sp>
+        <p:nvSpPr>
+          <p:cNvPr id="4" name="Slide Number Placeholder 3"/>
+          <p:cNvSpPr>
+            <a:spLocks noGrp="1"/>
+          </p:cNvSpPr>
+          <p:nvPr>
+            <p:ph type="sldNum" sz="quarter" idx="5"/>
+          </p:nvPr>
+        </p:nvSpPr>
+        <p:spPr/>
+        <p:txBody>
+          <a:bodyPr/>
+          <a:lstStyle/>
+          <a:p>
+            <a:fld id="{1A934060-6132-4B8B-8B22-FF0A6A4F4F62}" type="slidenum">
+              <a:rPr lang="en-US" smtClean="0"/>
+              <a:t>19</a:t>
+            </a:fld>
+            <a:endParaRPr lang="en-US"/>
+          </a:p>
+        </p:txBody>
+      </p:sp>
+    </p:spTree>
+    <p:extLst>
+      <p:ext uri="{BB962C8B-B14F-4D97-AF65-F5344CB8AC3E}">
+        <p14:creationId xmlns:p14="http://schemas.microsoft.com/office/powerpoint/2010/main" val="4182365371"/>
       </p:ext>
     </p:extLst>
   </p:cSld>
@@ -634,7 +1699,10 @@
           <a:bodyPr/>
           <a:lstStyle/>
           <a:p>
-            <a:endParaRPr lang="en-US" dirty="0"/>
+            <a:r>
+              <a:rPr lang="en-US" dirty="0"/>
+              <a:t>Will</a:t>
+            </a:r>
           </a:p>
         </p:txBody>
       </p:sp>
@@ -655,7 +1723,7 @@
           <a:p>
             <a:fld id="{1A934060-6132-4B8B-8B22-FF0A6A4F4F62}" type="slidenum">
               <a:rPr lang="en-US" smtClean="0"/>
-              <a:t>4</a:t>
+              <a:t>2</a:t>
             </a:fld>
             <a:endParaRPr lang="en-US"/>
           </a:p>
@@ -664,7 +1732,877 @@
     </p:spTree>
     <p:extLst>
       <p:ext uri="{BB962C8B-B14F-4D97-AF65-F5344CB8AC3E}">
-        <p14:creationId xmlns:p14="http://schemas.microsoft.com/office/powerpoint/2010/main" val="1913226774"/>
+        <p14:creationId xmlns:p14="http://schemas.microsoft.com/office/powerpoint/2010/main" val="3742066576"/>
+      </p:ext>
+    </p:extLst>
+  </p:cSld>
+  <p:clrMapOvr>
+    <a:masterClrMapping/>
+  </p:clrMapOvr>
+</p:notes>
+</file>
+
+<file path=ppt/notesSlides/notesSlide20.xml><?xml version="1.0" encoding="utf-8"?>
+<p:notes xmlns:a="http://schemas.openxmlformats.org/drawingml/2006/main" xmlns:r="http://schemas.openxmlformats.org/officeDocument/2006/relationships" xmlns:p="http://schemas.openxmlformats.org/presentationml/2006/main">
+  <p:cSld>
+    <p:spTree>
+      <p:nvGrpSpPr>
+        <p:cNvPr id="1" name=""/>
+        <p:cNvGrpSpPr/>
+        <p:nvPr/>
+      </p:nvGrpSpPr>
+      <p:grpSpPr>
+        <a:xfrm>
+          <a:off x="0" y="0"/>
+          <a:ext cx="0" cy="0"/>
+          <a:chOff x="0" y="0"/>
+          <a:chExt cx="0" cy="0"/>
+        </a:xfrm>
+      </p:grpSpPr>
+      <p:sp>
+        <p:nvSpPr>
+          <p:cNvPr id="2" name="Slide Image Placeholder 1"/>
+          <p:cNvSpPr>
+            <a:spLocks noGrp="1" noRot="1" noChangeAspect="1"/>
+          </p:cNvSpPr>
+          <p:nvPr>
+            <p:ph type="sldImg"/>
+          </p:nvPr>
+        </p:nvSpPr>
+        <p:spPr/>
+      </p:sp>
+      <p:sp>
+        <p:nvSpPr>
+          <p:cNvPr id="3" name="Notes Placeholder 2"/>
+          <p:cNvSpPr>
+            <a:spLocks noGrp="1"/>
+          </p:cNvSpPr>
+          <p:nvPr>
+            <p:ph type="body" idx="1"/>
+          </p:nvPr>
+        </p:nvSpPr>
+        <p:spPr/>
+        <p:txBody>
+          <a:bodyPr/>
+          <a:lstStyle/>
+          <a:p>
+            <a:r>
+              <a:rPr lang="en-US" dirty="0"/>
+              <a:t>Will</a:t>
+            </a:r>
+          </a:p>
+        </p:txBody>
+      </p:sp>
+      <p:sp>
+        <p:nvSpPr>
+          <p:cNvPr id="4" name="Slide Number Placeholder 3"/>
+          <p:cNvSpPr>
+            <a:spLocks noGrp="1"/>
+          </p:cNvSpPr>
+          <p:nvPr>
+            <p:ph type="sldNum" sz="quarter" idx="5"/>
+          </p:nvPr>
+        </p:nvSpPr>
+        <p:spPr/>
+        <p:txBody>
+          <a:bodyPr/>
+          <a:lstStyle/>
+          <a:p>
+            <a:fld id="{1A934060-6132-4B8B-8B22-FF0A6A4F4F62}" type="slidenum">
+              <a:rPr lang="en-US" smtClean="0"/>
+              <a:t>20</a:t>
+            </a:fld>
+            <a:endParaRPr lang="en-US"/>
+          </a:p>
+        </p:txBody>
+      </p:sp>
+    </p:spTree>
+    <p:extLst>
+      <p:ext uri="{BB962C8B-B14F-4D97-AF65-F5344CB8AC3E}">
+        <p14:creationId xmlns:p14="http://schemas.microsoft.com/office/powerpoint/2010/main" val="2686830648"/>
+      </p:ext>
+    </p:extLst>
+  </p:cSld>
+  <p:clrMapOvr>
+    <a:masterClrMapping/>
+  </p:clrMapOvr>
+</p:notes>
+</file>
+
+<file path=ppt/notesSlides/notesSlide21.xml><?xml version="1.0" encoding="utf-8"?>
+<p:notes xmlns:a="http://schemas.openxmlformats.org/drawingml/2006/main" xmlns:r="http://schemas.openxmlformats.org/officeDocument/2006/relationships" xmlns:p="http://schemas.openxmlformats.org/presentationml/2006/main">
+  <p:cSld>
+    <p:spTree>
+      <p:nvGrpSpPr>
+        <p:cNvPr id="1" name=""/>
+        <p:cNvGrpSpPr/>
+        <p:nvPr/>
+      </p:nvGrpSpPr>
+      <p:grpSpPr>
+        <a:xfrm>
+          <a:off x="0" y="0"/>
+          <a:ext cx="0" cy="0"/>
+          <a:chOff x="0" y="0"/>
+          <a:chExt cx="0" cy="0"/>
+        </a:xfrm>
+      </p:grpSpPr>
+      <p:sp>
+        <p:nvSpPr>
+          <p:cNvPr id="2" name="Slide Image Placeholder 1"/>
+          <p:cNvSpPr>
+            <a:spLocks noGrp="1" noRot="1" noChangeAspect="1"/>
+          </p:cNvSpPr>
+          <p:nvPr>
+            <p:ph type="sldImg"/>
+          </p:nvPr>
+        </p:nvSpPr>
+        <p:spPr/>
+      </p:sp>
+      <p:sp>
+        <p:nvSpPr>
+          <p:cNvPr id="3" name="Notes Placeholder 2"/>
+          <p:cNvSpPr>
+            <a:spLocks noGrp="1"/>
+          </p:cNvSpPr>
+          <p:nvPr>
+            <p:ph type="body" idx="1"/>
+          </p:nvPr>
+        </p:nvSpPr>
+        <p:spPr/>
+        <p:txBody>
+          <a:bodyPr/>
+          <a:lstStyle/>
+          <a:p>
+            <a:r>
+              <a:rPr lang="en-US" dirty="0"/>
+              <a:t>Will</a:t>
+            </a:r>
+          </a:p>
+        </p:txBody>
+      </p:sp>
+      <p:sp>
+        <p:nvSpPr>
+          <p:cNvPr id="4" name="Slide Number Placeholder 3"/>
+          <p:cNvSpPr>
+            <a:spLocks noGrp="1"/>
+          </p:cNvSpPr>
+          <p:nvPr>
+            <p:ph type="sldNum" sz="quarter" idx="5"/>
+          </p:nvPr>
+        </p:nvSpPr>
+        <p:spPr/>
+        <p:txBody>
+          <a:bodyPr/>
+          <a:lstStyle/>
+          <a:p>
+            <a:fld id="{1A934060-6132-4B8B-8B22-FF0A6A4F4F62}" type="slidenum">
+              <a:rPr lang="en-US" smtClean="0"/>
+              <a:t>21</a:t>
+            </a:fld>
+            <a:endParaRPr lang="en-US"/>
+          </a:p>
+        </p:txBody>
+      </p:sp>
+    </p:spTree>
+    <p:extLst>
+      <p:ext uri="{BB962C8B-B14F-4D97-AF65-F5344CB8AC3E}">
+        <p14:creationId xmlns:p14="http://schemas.microsoft.com/office/powerpoint/2010/main" val="3896418327"/>
+      </p:ext>
+    </p:extLst>
+  </p:cSld>
+  <p:clrMapOvr>
+    <a:masterClrMapping/>
+  </p:clrMapOvr>
+</p:notes>
+</file>
+
+<file path=ppt/notesSlides/notesSlide22.xml><?xml version="1.0" encoding="utf-8"?>
+<p:notes xmlns:a="http://schemas.openxmlformats.org/drawingml/2006/main" xmlns:r="http://schemas.openxmlformats.org/officeDocument/2006/relationships" xmlns:p="http://schemas.openxmlformats.org/presentationml/2006/main">
+  <p:cSld>
+    <p:spTree>
+      <p:nvGrpSpPr>
+        <p:cNvPr id="1" name=""/>
+        <p:cNvGrpSpPr/>
+        <p:nvPr/>
+      </p:nvGrpSpPr>
+      <p:grpSpPr>
+        <a:xfrm>
+          <a:off x="0" y="0"/>
+          <a:ext cx="0" cy="0"/>
+          <a:chOff x="0" y="0"/>
+          <a:chExt cx="0" cy="0"/>
+        </a:xfrm>
+      </p:grpSpPr>
+      <p:sp>
+        <p:nvSpPr>
+          <p:cNvPr id="2" name="Slide Image Placeholder 1"/>
+          <p:cNvSpPr>
+            <a:spLocks noGrp="1" noRot="1" noChangeAspect="1"/>
+          </p:cNvSpPr>
+          <p:nvPr>
+            <p:ph type="sldImg"/>
+          </p:nvPr>
+        </p:nvSpPr>
+        <p:spPr/>
+      </p:sp>
+      <p:sp>
+        <p:nvSpPr>
+          <p:cNvPr id="3" name="Notes Placeholder 2"/>
+          <p:cNvSpPr>
+            <a:spLocks noGrp="1"/>
+          </p:cNvSpPr>
+          <p:nvPr>
+            <p:ph type="body" idx="1"/>
+          </p:nvPr>
+        </p:nvSpPr>
+        <p:spPr/>
+        <p:txBody>
+          <a:bodyPr/>
+          <a:lstStyle/>
+          <a:p>
+            <a:r>
+              <a:rPr lang="en-US" dirty="0"/>
+              <a:t>Will</a:t>
+            </a:r>
+          </a:p>
+        </p:txBody>
+      </p:sp>
+      <p:sp>
+        <p:nvSpPr>
+          <p:cNvPr id="4" name="Slide Number Placeholder 3"/>
+          <p:cNvSpPr>
+            <a:spLocks noGrp="1"/>
+          </p:cNvSpPr>
+          <p:nvPr>
+            <p:ph type="sldNum" sz="quarter" idx="5"/>
+          </p:nvPr>
+        </p:nvSpPr>
+        <p:spPr/>
+        <p:txBody>
+          <a:bodyPr/>
+          <a:lstStyle/>
+          <a:p>
+            <a:fld id="{1A934060-6132-4B8B-8B22-FF0A6A4F4F62}" type="slidenum">
+              <a:rPr lang="en-US" smtClean="0"/>
+              <a:t>22</a:t>
+            </a:fld>
+            <a:endParaRPr lang="en-US"/>
+          </a:p>
+        </p:txBody>
+      </p:sp>
+    </p:spTree>
+    <p:extLst>
+      <p:ext uri="{BB962C8B-B14F-4D97-AF65-F5344CB8AC3E}">
+        <p14:creationId xmlns:p14="http://schemas.microsoft.com/office/powerpoint/2010/main" val="4108574357"/>
+      </p:ext>
+    </p:extLst>
+  </p:cSld>
+  <p:clrMapOvr>
+    <a:masterClrMapping/>
+  </p:clrMapOvr>
+</p:notes>
+</file>
+
+<file path=ppt/notesSlides/notesSlide23.xml><?xml version="1.0" encoding="utf-8"?>
+<p:notes xmlns:a="http://schemas.openxmlformats.org/drawingml/2006/main" xmlns:r="http://schemas.openxmlformats.org/officeDocument/2006/relationships" xmlns:p="http://schemas.openxmlformats.org/presentationml/2006/main">
+  <p:cSld>
+    <p:spTree>
+      <p:nvGrpSpPr>
+        <p:cNvPr id="1" name=""/>
+        <p:cNvGrpSpPr/>
+        <p:nvPr/>
+      </p:nvGrpSpPr>
+      <p:grpSpPr>
+        <a:xfrm>
+          <a:off x="0" y="0"/>
+          <a:ext cx="0" cy="0"/>
+          <a:chOff x="0" y="0"/>
+          <a:chExt cx="0" cy="0"/>
+        </a:xfrm>
+      </p:grpSpPr>
+      <p:sp>
+        <p:nvSpPr>
+          <p:cNvPr id="2" name="Slide Image Placeholder 1"/>
+          <p:cNvSpPr>
+            <a:spLocks noGrp="1" noRot="1" noChangeAspect="1"/>
+          </p:cNvSpPr>
+          <p:nvPr>
+            <p:ph type="sldImg"/>
+          </p:nvPr>
+        </p:nvSpPr>
+        <p:spPr/>
+      </p:sp>
+      <p:sp>
+        <p:nvSpPr>
+          <p:cNvPr id="3" name="Notes Placeholder 2"/>
+          <p:cNvSpPr>
+            <a:spLocks noGrp="1"/>
+          </p:cNvSpPr>
+          <p:nvPr>
+            <p:ph type="body" idx="1"/>
+          </p:nvPr>
+        </p:nvSpPr>
+        <p:spPr/>
+        <p:txBody>
+          <a:bodyPr/>
+          <a:lstStyle/>
+          <a:p>
+            <a:r>
+              <a:rPr lang="en-US" dirty="0"/>
+              <a:t>Andrew</a:t>
+            </a:r>
+          </a:p>
+        </p:txBody>
+      </p:sp>
+      <p:sp>
+        <p:nvSpPr>
+          <p:cNvPr id="4" name="Slide Number Placeholder 3"/>
+          <p:cNvSpPr>
+            <a:spLocks noGrp="1"/>
+          </p:cNvSpPr>
+          <p:nvPr>
+            <p:ph type="sldNum" sz="quarter" idx="5"/>
+          </p:nvPr>
+        </p:nvSpPr>
+        <p:spPr/>
+        <p:txBody>
+          <a:bodyPr/>
+          <a:lstStyle/>
+          <a:p>
+            <a:fld id="{1A934060-6132-4B8B-8B22-FF0A6A4F4F62}" type="slidenum">
+              <a:rPr lang="en-US" smtClean="0"/>
+              <a:t>23</a:t>
+            </a:fld>
+            <a:endParaRPr lang="en-US"/>
+          </a:p>
+        </p:txBody>
+      </p:sp>
+    </p:spTree>
+    <p:extLst>
+      <p:ext uri="{BB962C8B-B14F-4D97-AF65-F5344CB8AC3E}">
+        <p14:creationId xmlns:p14="http://schemas.microsoft.com/office/powerpoint/2010/main" val="3693890655"/>
+      </p:ext>
+    </p:extLst>
+  </p:cSld>
+  <p:clrMapOvr>
+    <a:masterClrMapping/>
+  </p:clrMapOvr>
+</p:notes>
+</file>
+
+<file path=ppt/notesSlides/notesSlide24.xml><?xml version="1.0" encoding="utf-8"?>
+<p:notes xmlns:a="http://schemas.openxmlformats.org/drawingml/2006/main" xmlns:r="http://schemas.openxmlformats.org/officeDocument/2006/relationships" xmlns:p="http://schemas.openxmlformats.org/presentationml/2006/main">
+  <p:cSld>
+    <p:spTree>
+      <p:nvGrpSpPr>
+        <p:cNvPr id="1" name=""/>
+        <p:cNvGrpSpPr/>
+        <p:nvPr/>
+      </p:nvGrpSpPr>
+      <p:grpSpPr>
+        <a:xfrm>
+          <a:off x="0" y="0"/>
+          <a:ext cx="0" cy="0"/>
+          <a:chOff x="0" y="0"/>
+          <a:chExt cx="0" cy="0"/>
+        </a:xfrm>
+      </p:grpSpPr>
+      <p:sp>
+        <p:nvSpPr>
+          <p:cNvPr id="2" name="Slide Image Placeholder 1"/>
+          <p:cNvSpPr>
+            <a:spLocks noGrp="1" noRot="1" noChangeAspect="1"/>
+          </p:cNvSpPr>
+          <p:nvPr>
+            <p:ph type="sldImg"/>
+          </p:nvPr>
+        </p:nvSpPr>
+        <p:spPr/>
+      </p:sp>
+      <p:sp>
+        <p:nvSpPr>
+          <p:cNvPr id="3" name="Notes Placeholder 2"/>
+          <p:cNvSpPr>
+            <a:spLocks noGrp="1"/>
+          </p:cNvSpPr>
+          <p:nvPr>
+            <p:ph type="body" idx="1"/>
+          </p:nvPr>
+        </p:nvSpPr>
+        <p:spPr/>
+        <p:txBody>
+          <a:bodyPr/>
+          <a:lstStyle/>
+          <a:p>
+            <a:r>
+              <a:rPr lang="en-US" dirty="0"/>
+              <a:t>Bryce</a:t>
+            </a:r>
+          </a:p>
+        </p:txBody>
+      </p:sp>
+      <p:sp>
+        <p:nvSpPr>
+          <p:cNvPr id="4" name="Slide Number Placeholder 3"/>
+          <p:cNvSpPr>
+            <a:spLocks noGrp="1"/>
+          </p:cNvSpPr>
+          <p:nvPr>
+            <p:ph type="sldNum" sz="quarter" idx="5"/>
+          </p:nvPr>
+        </p:nvSpPr>
+        <p:spPr/>
+        <p:txBody>
+          <a:bodyPr/>
+          <a:lstStyle/>
+          <a:p>
+            <a:fld id="{1A934060-6132-4B8B-8B22-FF0A6A4F4F62}" type="slidenum">
+              <a:rPr lang="en-US" smtClean="0"/>
+              <a:t>24</a:t>
+            </a:fld>
+            <a:endParaRPr lang="en-US"/>
+          </a:p>
+        </p:txBody>
+      </p:sp>
+    </p:spTree>
+    <p:extLst>
+      <p:ext uri="{BB962C8B-B14F-4D97-AF65-F5344CB8AC3E}">
+        <p14:creationId xmlns:p14="http://schemas.microsoft.com/office/powerpoint/2010/main" val="2360320746"/>
+      </p:ext>
+    </p:extLst>
+  </p:cSld>
+  <p:clrMapOvr>
+    <a:masterClrMapping/>
+  </p:clrMapOvr>
+</p:notes>
+</file>
+
+<file path=ppt/notesSlides/notesSlide25.xml><?xml version="1.0" encoding="utf-8"?>
+<p:notes xmlns:a="http://schemas.openxmlformats.org/drawingml/2006/main" xmlns:r="http://schemas.openxmlformats.org/officeDocument/2006/relationships" xmlns:p="http://schemas.openxmlformats.org/presentationml/2006/main">
+  <p:cSld>
+    <p:spTree>
+      <p:nvGrpSpPr>
+        <p:cNvPr id="1" name=""/>
+        <p:cNvGrpSpPr/>
+        <p:nvPr/>
+      </p:nvGrpSpPr>
+      <p:grpSpPr>
+        <a:xfrm>
+          <a:off x="0" y="0"/>
+          <a:ext cx="0" cy="0"/>
+          <a:chOff x="0" y="0"/>
+          <a:chExt cx="0" cy="0"/>
+        </a:xfrm>
+      </p:grpSpPr>
+      <p:sp>
+        <p:nvSpPr>
+          <p:cNvPr id="2" name="Slide Image Placeholder 1"/>
+          <p:cNvSpPr>
+            <a:spLocks noGrp="1" noRot="1" noChangeAspect="1"/>
+          </p:cNvSpPr>
+          <p:nvPr>
+            <p:ph type="sldImg"/>
+          </p:nvPr>
+        </p:nvSpPr>
+        <p:spPr/>
+      </p:sp>
+      <p:sp>
+        <p:nvSpPr>
+          <p:cNvPr id="3" name="Notes Placeholder 2"/>
+          <p:cNvSpPr>
+            <a:spLocks noGrp="1"/>
+          </p:cNvSpPr>
+          <p:nvPr>
+            <p:ph type="body" idx="1"/>
+          </p:nvPr>
+        </p:nvSpPr>
+        <p:spPr/>
+        <p:txBody>
+          <a:bodyPr/>
+          <a:lstStyle/>
+          <a:p>
+            <a:r>
+              <a:rPr lang="en-US" dirty="0"/>
+              <a:t>Andrew</a:t>
+            </a:r>
+          </a:p>
+        </p:txBody>
+      </p:sp>
+      <p:sp>
+        <p:nvSpPr>
+          <p:cNvPr id="4" name="Slide Number Placeholder 3"/>
+          <p:cNvSpPr>
+            <a:spLocks noGrp="1"/>
+          </p:cNvSpPr>
+          <p:nvPr>
+            <p:ph type="sldNum" sz="quarter" idx="5"/>
+          </p:nvPr>
+        </p:nvSpPr>
+        <p:spPr/>
+        <p:txBody>
+          <a:bodyPr/>
+          <a:lstStyle/>
+          <a:p>
+            <a:fld id="{1A934060-6132-4B8B-8B22-FF0A6A4F4F62}" type="slidenum">
+              <a:rPr lang="en-US" smtClean="0"/>
+              <a:t>25</a:t>
+            </a:fld>
+            <a:endParaRPr lang="en-US"/>
+          </a:p>
+        </p:txBody>
+      </p:sp>
+    </p:spTree>
+    <p:extLst>
+      <p:ext uri="{BB962C8B-B14F-4D97-AF65-F5344CB8AC3E}">
+        <p14:creationId xmlns:p14="http://schemas.microsoft.com/office/powerpoint/2010/main" val="2489624449"/>
+      </p:ext>
+    </p:extLst>
+  </p:cSld>
+  <p:clrMapOvr>
+    <a:masterClrMapping/>
+  </p:clrMapOvr>
+</p:notes>
+</file>
+
+<file path=ppt/notesSlides/notesSlide26.xml><?xml version="1.0" encoding="utf-8"?>
+<p:notes xmlns:a="http://schemas.openxmlformats.org/drawingml/2006/main" xmlns:r="http://schemas.openxmlformats.org/officeDocument/2006/relationships" xmlns:p="http://schemas.openxmlformats.org/presentationml/2006/main">
+  <p:cSld>
+    <p:spTree>
+      <p:nvGrpSpPr>
+        <p:cNvPr id="1" name=""/>
+        <p:cNvGrpSpPr/>
+        <p:nvPr/>
+      </p:nvGrpSpPr>
+      <p:grpSpPr>
+        <a:xfrm>
+          <a:off x="0" y="0"/>
+          <a:ext cx="0" cy="0"/>
+          <a:chOff x="0" y="0"/>
+          <a:chExt cx="0" cy="0"/>
+        </a:xfrm>
+      </p:grpSpPr>
+      <p:sp>
+        <p:nvSpPr>
+          <p:cNvPr id="2" name="Slide Image Placeholder 1"/>
+          <p:cNvSpPr>
+            <a:spLocks noGrp="1" noRot="1" noChangeAspect="1"/>
+          </p:cNvSpPr>
+          <p:nvPr>
+            <p:ph type="sldImg"/>
+          </p:nvPr>
+        </p:nvSpPr>
+        <p:spPr/>
+      </p:sp>
+      <p:sp>
+        <p:nvSpPr>
+          <p:cNvPr id="3" name="Notes Placeholder 2"/>
+          <p:cNvSpPr>
+            <a:spLocks noGrp="1"/>
+          </p:cNvSpPr>
+          <p:nvPr>
+            <p:ph type="body" idx="1"/>
+          </p:nvPr>
+        </p:nvSpPr>
+        <p:spPr/>
+        <p:txBody>
+          <a:bodyPr/>
+          <a:lstStyle/>
+          <a:p>
+            <a:r>
+              <a:rPr lang="en-US" dirty="0"/>
+              <a:t>Colton</a:t>
+            </a:r>
+          </a:p>
+        </p:txBody>
+      </p:sp>
+      <p:sp>
+        <p:nvSpPr>
+          <p:cNvPr id="4" name="Slide Number Placeholder 3"/>
+          <p:cNvSpPr>
+            <a:spLocks noGrp="1"/>
+          </p:cNvSpPr>
+          <p:nvPr>
+            <p:ph type="sldNum" sz="quarter" idx="5"/>
+          </p:nvPr>
+        </p:nvSpPr>
+        <p:spPr/>
+        <p:txBody>
+          <a:bodyPr/>
+          <a:lstStyle/>
+          <a:p>
+            <a:fld id="{1A934060-6132-4B8B-8B22-FF0A6A4F4F62}" type="slidenum">
+              <a:rPr lang="en-US" smtClean="0"/>
+              <a:t>26</a:t>
+            </a:fld>
+            <a:endParaRPr lang="en-US"/>
+          </a:p>
+        </p:txBody>
+      </p:sp>
+    </p:spTree>
+    <p:extLst>
+      <p:ext uri="{BB962C8B-B14F-4D97-AF65-F5344CB8AC3E}">
+        <p14:creationId xmlns:p14="http://schemas.microsoft.com/office/powerpoint/2010/main" val="3729772106"/>
+      </p:ext>
+    </p:extLst>
+  </p:cSld>
+  <p:clrMapOvr>
+    <a:masterClrMapping/>
+  </p:clrMapOvr>
+</p:notes>
+</file>
+
+<file path=ppt/notesSlides/notesSlide27.xml><?xml version="1.0" encoding="utf-8"?>
+<p:notes xmlns:a="http://schemas.openxmlformats.org/drawingml/2006/main" xmlns:r="http://schemas.openxmlformats.org/officeDocument/2006/relationships" xmlns:p="http://schemas.openxmlformats.org/presentationml/2006/main">
+  <p:cSld>
+    <p:spTree>
+      <p:nvGrpSpPr>
+        <p:cNvPr id="1" name=""/>
+        <p:cNvGrpSpPr/>
+        <p:nvPr/>
+      </p:nvGrpSpPr>
+      <p:grpSpPr>
+        <a:xfrm>
+          <a:off x="0" y="0"/>
+          <a:ext cx="0" cy="0"/>
+          <a:chOff x="0" y="0"/>
+          <a:chExt cx="0" cy="0"/>
+        </a:xfrm>
+      </p:grpSpPr>
+      <p:sp>
+        <p:nvSpPr>
+          <p:cNvPr id="2" name="Slide Image Placeholder 1"/>
+          <p:cNvSpPr>
+            <a:spLocks noGrp="1" noRot="1" noChangeAspect="1"/>
+          </p:cNvSpPr>
+          <p:nvPr>
+            <p:ph type="sldImg"/>
+          </p:nvPr>
+        </p:nvSpPr>
+        <p:spPr/>
+      </p:sp>
+      <p:sp>
+        <p:nvSpPr>
+          <p:cNvPr id="3" name="Notes Placeholder 2"/>
+          <p:cNvSpPr>
+            <a:spLocks noGrp="1"/>
+          </p:cNvSpPr>
+          <p:nvPr>
+            <p:ph type="body" idx="1"/>
+          </p:nvPr>
+        </p:nvSpPr>
+        <p:spPr/>
+        <p:txBody>
+          <a:bodyPr/>
+          <a:lstStyle/>
+          <a:p>
+            <a:r>
+              <a:rPr lang="en-US" dirty="0"/>
+              <a:t>Andrew</a:t>
+            </a:r>
+          </a:p>
+        </p:txBody>
+      </p:sp>
+      <p:sp>
+        <p:nvSpPr>
+          <p:cNvPr id="4" name="Slide Number Placeholder 3"/>
+          <p:cNvSpPr>
+            <a:spLocks noGrp="1"/>
+          </p:cNvSpPr>
+          <p:nvPr>
+            <p:ph type="sldNum" sz="quarter" idx="5"/>
+          </p:nvPr>
+        </p:nvSpPr>
+        <p:spPr/>
+        <p:txBody>
+          <a:bodyPr/>
+          <a:lstStyle/>
+          <a:p>
+            <a:fld id="{1A934060-6132-4B8B-8B22-FF0A6A4F4F62}" type="slidenum">
+              <a:rPr lang="en-US" smtClean="0"/>
+              <a:t>27</a:t>
+            </a:fld>
+            <a:endParaRPr lang="en-US"/>
+          </a:p>
+        </p:txBody>
+      </p:sp>
+    </p:spTree>
+    <p:extLst>
+      <p:ext uri="{BB962C8B-B14F-4D97-AF65-F5344CB8AC3E}">
+        <p14:creationId xmlns:p14="http://schemas.microsoft.com/office/powerpoint/2010/main" val="2109084575"/>
+      </p:ext>
+    </p:extLst>
+  </p:cSld>
+  <p:clrMapOvr>
+    <a:masterClrMapping/>
+  </p:clrMapOvr>
+</p:notes>
+</file>
+
+<file path=ppt/notesSlides/notesSlide28.xml><?xml version="1.0" encoding="utf-8"?>
+<p:notes xmlns:a="http://schemas.openxmlformats.org/drawingml/2006/main" xmlns:r="http://schemas.openxmlformats.org/officeDocument/2006/relationships" xmlns:p="http://schemas.openxmlformats.org/presentationml/2006/main">
+  <p:cSld>
+    <p:spTree>
+      <p:nvGrpSpPr>
+        <p:cNvPr id="1" name=""/>
+        <p:cNvGrpSpPr/>
+        <p:nvPr/>
+      </p:nvGrpSpPr>
+      <p:grpSpPr>
+        <a:xfrm>
+          <a:off x="0" y="0"/>
+          <a:ext cx="0" cy="0"/>
+          <a:chOff x="0" y="0"/>
+          <a:chExt cx="0" cy="0"/>
+        </a:xfrm>
+      </p:grpSpPr>
+      <p:sp>
+        <p:nvSpPr>
+          <p:cNvPr id="2" name="Slide Image Placeholder 1"/>
+          <p:cNvSpPr>
+            <a:spLocks noGrp="1" noRot="1" noChangeAspect="1"/>
+          </p:cNvSpPr>
+          <p:nvPr>
+            <p:ph type="sldImg"/>
+          </p:nvPr>
+        </p:nvSpPr>
+        <p:spPr/>
+      </p:sp>
+      <p:sp>
+        <p:nvSpPr>
+          <p:cNvPr id="3" name="Notes Placeholder 2"/>
+          <p:cNvSpPr>
+            <a:spLocks noGrp="1"/>
+          </p:cNvSpPr>
+          <p:nvPr>
+            <p:ph type="body" idx="1"/>
+          </p:nvPr>
+        </p:nvSpPr>
+        <p:spPr/>
+        <p:txBody>
+          <a:bodyPr/>
+          <a:lstStyle/>
+          <a:p>
+            <a:r>
+              <a:rPr lang="en-US" dirty="0"/>
+              <a:t>Bryce</a:t>
+            </a:r>
+          </a:p>
+        </p:txBody>
+      </p:sp>
+      <p:sp>
+        <p:nvSpPr>
+          <p:cNvPr id="4" name="Slide Number Placeholder 3"/>
+          <p:cNvSpPr>
+            <a:spLocks noGrp="1"/>
+          </p:cNvSpPr>
+          <p:nvPr>
+            <p:ph type="sldNum" sz="quarter" idx="5"/>
+          </p:nvPr>
+        </p:nvSpPr>
+        <p:spPr/>
+        <p:txBody>
+          <a:bodyPr/>
+          <a:lstStyle/>
+          <a:p>
+            <a:fld id="{1A934060-6132-4B8B-8B22-FF0A6A4F4F62}" type="slidenum">
+              <a:rPr lang="en-US" smtClean="0"/>
+              <a:t>28</a:t>
+            </a:fld>
+            <a:endParaRPr lang="en-US"/>
+          </a:p>
+        </p:txBody>
+      </p:sp>
+    </p:spTree>
+    <p:extLst>
+      <p:ext uri="{BB962C8B-B14F-4D97-AF65-F5344CB8AC3E}">
+        <p14:creationId xmlns:p14="http://schemas.microsoft.com/office/powerpoint/2010/main" val="1029595160"/>
+      </p:ext>
+    </p:extLst>
+  </p:cSld>
+  <p:clrMapOvr>
+    <a:masterClrMapping/>
+  </p:clrMapOvr>
+</p:notes>
+</file>
+
+<file path=ppt/notesSlides/notesSlide29.xml><?xml version="1.0" encoding="utf-8"?>
+<p:notes xmlns:a="http://schemas.openxmlformats.org/drawingml/2006/main" xmlns:r="http://schemas.openxmlformats.org/officeDocument/2006/relationships" xmlns:p="http://schemas.openxmlformats.org/presentationml/2006/main">
+  <p:cSld>
+    <p:spTree>
+      <p:nvGrpSpPr>
+        <p:cNvPr id="1" name=""/>
+        <p:cNvGrpSpPr/>
+        <p:nvPr/>
+      </p:nvGrpSpPr>
+      <p:grpSpPr>
+        <a:xfrm>
+          <a:off x="0" y="0"/>
+          <a:ext cx="0" cy="0"/>
+          <a:chOff x="0" y="0"/>
+          <a:chExt cx="0" cy="0"/>
+        </a:xfrm>
+      </p:grpSpPr>
+      <p:sp>
+        <p:nvSpPr>
+          <p:cNvPr id="2" name="Slide Image Placeholder 1"/>
+          <p:cNvSpPr>
+            <a:spLocks noGrp="1" noRot="1" noChangeAspect="1"/>
+          </p:cNvSpPr>
+          <p:nvPr>
+            <p:ph type="sldImg"/>
+          </p:nvPr>
+        </p:nvSpPr>
+        <p:spPr/>
+      </p:sp>
+      <p:sp>
+        <p:nvSpPr>
+          <p:cNvPr id="3" name="Notes Placeholder 2"/>
+          <p:cNvSpPr>
+            <a:spLocks noGrp="1"/>
+          </p:cNvSpPr>
+          <p:nvPr>
+            <p:ph type="body" idx="1"/>
+          </p:nvPr>
+        </p:nvSpPr>
+        <p:spPr/>
+        <p:txBody>
+          <a:bodyPr/>
+          <a:lstStyle/>
+          <a:p>
+            <a:r>
+              <a:rPr lang="en-US" dirty="0"/>
+              <a:t>Will</a:t>
+            </a:r>
+          </a:p>
+        </p:txBody>
+      </p:sp>
+      <p:sp>
+        <p:nvSpPr>
+          <p:cNvPr id="4" name="Slide Number Placeholder 3"/>
+          <p:cNvSpPr>
+            <a:spLocks noGrp="1"/>
+          </p:cNvSpPr>
+          <p:nvPr>
+            <p:ph type="sldNum" sz="quarter" idx="5"/>
+          </p:nvPr>
+        </p:nvSpPr>
+        <p:spPr/>
+        <p:txBody>
+          <a:bodyPr/>
+          <a:lstStyle/>
+          <a:p>
+            <a:fld id="{1A934060-6132-4B8B-8B22-FF0A6A4F4F62}" type="slidenum">
+              <a:rPr lang="en-US" smtClean="0"/>
+              <a:t>29</a:t>
+            </a:fld>
+            <a:endParaRPr lang="en-US"/>
+          </a:p>
+        </p:txBody>
+      </p:sp>
+    </p:spTree>
+    <p:extLst>
+      <p:ext uri="{BB962C8B-B14F-4D97-AF65-F5344CB8AC3E}">
+        <p14:creationId xmlns:p14="http://schemas.microsoft.com/office/powerpoint/2010/main" val="1071631160"/>
       </p:ext>
     </p:extLst>
   </p:cSld>
@@ -718,7 +2656,616 @@
           <a:bodyPr/>
           <a:lstStyle/>
           <a:p>
+            <a:r>
+              <a:rPr lang="en-US" dirty="0"/>
+              <a:t>Will</a:t>
+            </a:r>
+          </a:p>
+        </p:txBody>
+      </p:sp>
+      <p:sp>
+        <p:nvSpPr>
+          <p:cNvPr id="4" name="Slide Number Placeholder 3"/>
+          <p:cNvSpPr>
+            <a:spLocks noGrp="1"/>
+          </p:cNvSpPr>
+          <p:nvPr>
+            <p:ph type="sldNum" sz="quarter" idx="5"/>
+          </p:nvPr>
+        </p:nvSpPr>
+        <p:spPr/>
+        <p:txBody>
+          <a:bodyPr/>
+          <a:lstStyle/>
+          <a:p>
+            <a:fld id="{1A934060-6132-4B8B-8B22-FF0A6A4F4F62}" type="slidenum">
+              <a:rPr lang="en-US" smtClean="0"/>
+              <a:t>3</a:t>
+            </a:fld>
+            <a:endParaRPr lang="en-US"/>
+          </a:p>
+        </p:txBody>
+      </p:sp>
+    </p:spTree>
+    <p:extLst>
+      <p:ext uri="{BB962C8B-B14F-4D97-AF65-F5344CB8AC3E}">
+        <p14:creationId xmlns:p14="http://schemas.microsoft.com/office/powerpoint/2010/main" val="4069185651"/>
+      </p:ext>
+    </p:extLst>
+  </p:cSld>
+  <p:clrMapOvr>
+    <a:masterClrMapping/>
+  </p:clrMapOvr>
+</p:notes>
+</file>
+
+<file path=ppt/notesSlides/notesSlide30.xml><?xml version="1.0" encoding="utf-8"?>
+<p:notes xmlns:a="http://schemas.openxmlformats.org/drawingml/2006/main" xmlns:r="http://schemas.openxmlformats.org/officeDocument/2006/relationships" xmlns:p="http://schemas.openxmlformats.org/presentationml/2006/main">
+  <p:cSld>
+    <p:spTree>
+      <p:nvGrpSpPr>
+        <p:cNvPr id="1" name=""/>
+        <p:cNvGrpSpPr/>
+        <p:nvPr/>
+      </p:nvGrpSpPr>
+      <p:grpSpPr>
+        <a:xfrm>
+          <a:off x="0" y="0"/>
+          <a:ext cx="0" cy="0"/>
+          <a:chOff x="0" y="0"/>
+          <a:chExt cx="0" cy="0"/>
+        </a:xfrm>
+      </p:grpSpPr>
+      <p:sp>
+        <p:nvSpPr>
+          <p:cNvPr id="2" name="Slide Image Placeholder 1"/>
+          <p:cNvSpPr>
+            <a:spLocks noGrp="1" noRot="1" noChangeAspect="1"/>
+          </p:cNvSpPr>
+          <p:nvPr>
+            <p:ph type="sldImg"/>
+          </p:nvPr>
+        </p:nvSpPr>
+        <p:spPr/>
+      </p:sp>
+      <p:sp>
+        <p:nvSpPr>
+          <p:cNvPr id="3" name="Notes Placeholder 2"/>
+          <p:cNvSpPr>
+            <a:spLocks noGrp="1"/>
+          </p:cNvSpPr>
+          <p:nvPr>
+            <p:ph type="body" idx="1"/>
+          </p:nvPr>
+        </p:nvSpPr>
+        <p:spPr/>
+        <p:txBody>
+          <a:bodyPr/>
+          <a:lstStyle/>
+          <a:p>
             <a:endParaRPr lang="en-US" dirty="0"/>
+          </a:p>
+        </p:txBody>
+      </p:sp>
+      <p:sp>
+        <p:nvSpPr>
+          <p:cNvPr id="4" name="Slide Number Placeholder 3"/>
+          <p:cNvSpPr>
+            <a:spLocks noGrp="1"/>
+          </p:cNvSpPr>
+          <p:nvPr>
+            <p:ph type="sldNum" sz="quarter" idx="5"/>
+          </p:nvPr>
+        </p:nvSpPr>
+        <p:spPr/>
+        <p:txBody>
+          <a:bodyPr/>
+          <a:lstStyle/>
+          <a:p>
+            <a:fld id="{1A934060-6132-4B8B-8B22-FF0A6A4F4F62}" type="slidenum">
+              <a:rPr lang="en-US" smtClean="0"/>
+              <a:t>30</a:t>
+            </a:fld>
+            <a:endParaRPr lang="en-US"/>
+          </a:p>
+        </p:txBody>
+      </p:sp>
+    </p:spTree>
+    <p:extLst>
+      <p:ext uri="{BB962C8B-B14F-4D97-AF65-F5344CB8AC3E}">
+        <p14:creationId xmlns:p14="http://schemas.microsoft.com/office/powerpoint/2010/main" val="297473742"/>
+      </p:ext>
+    </p:extLst>
+  </p:cSld>
+  <p:clrMapOvr>
+    <a:masterClrMapping/>
+  </p:clrMapOvr>
+</p:notes>
+</file>
+
+<file path=ppt/notesSlides/notesSlide4.xml><?xml version="1.0" encoding="utf-8"?>
+<p:notes xmlns:a="http://schemas.openxmlformats.org/drawingml/2006/main" xmlns:r="http://schemas.openxmlformats.org/officeDocument/2006/relationships" xmlns:p="http://schemas.openxmlformats.org/presentationml/2006/main">
+  <p:cSld>
+    <p:spTree>
+      <p:nvGrpSpPr>
+        <p:cNvPr id="1" name=""/>
+        <p:cNvGrpSpPr/>
+        <p:nvPr/>
+      </p:nvGrpSpPr>
+      <p:grpSpPr>
+        <a:xfrm>
+          <a:off x="0" y="0"/>
+          <a:ext cx="0" cy="0"/>
+          <a:chOff x="0" y="0"/>
+          <a:chExt cx="0" cy="0"/>
+        </a:xfrm>
+      </p:grpSpPr>
+      <p:sp>
+        <p:nvSpPr>
+          <p:cNvPr id="2" name="Slide Image Placeholder 1"/>
+          <p:cNvSpPr>
+            <a:spLocks noGrp="1" noRot="1" noChangeAspect="1"/>
+          </p:cNvSpPr>
+          <p:nvPr>
+            <p:ph type="sldImg"/>
+          </p:nvPr>
+        </p:nvSpPr>
+        <p:spPr/>
+      </p:sp>
+      <p:sp>
+        <p:nvSpPr>
+          <p:cNvPr id="3" name="Notes Placeholder 2"/>
+          <p:cNvSpPr>
+            <a:spLocks noGrp="1"/>
+          </p:cNvSpPr>
+          <p:nvPr>
+            <p:ph type="body" idx="1"/>
+          </p:nvPr>
+        </p:nvSpPr>
+        <p:spPr/>
+        <p:txBody>
+          <a:bodyPr/>
+          <a:lstStyle/>
+          <a:p>
+            <a:r>
+              <a:rPr lang="en-US" dirty="0"/>
+              <a:t>Andrew</a:t>
+            </a:r>
+          </a:p>
+        </p:txBody>
+      </p:sp>
+      <p:sp>
+        <p:nvSpPr>
+          <p:cNvPr id="4" name="Slide Number Placeholder 3"/>
+          <p:cNvSpPr>
+            <a:spLocks noGrp="1"/>
+          </p:cNvSpPr>
+          <p:nvPr>
+            <p:ph type="sldNum" sz="quarter" idx="5"/>
+          </p:nvPr>
+        </p:nvSpPr>
+        <p:spPr/>
+        <p:txBody>
+          <a:bodyPr/>
+          <a:lstStyle/>
+          <a:p>
+            <a:fld id="{1A934060-6132-4B8B-8B22-FF0A6A4F4F62}" type="slidenum">
+              <a:rPr lang="en-US" smtClean="0"/>
+              <a:t>4</a:t>
+            </a:fld>
+            <a:endParaRPr lang="en-US"/>
+          </a:p>
+        </p:txBody>
+      </p:sp>
+    </p:spTree>
+    <p:extLst>
+      <p:ext uri="{BB962C8B-B14F-4D97-AF65-F5344CB8AC3E}">
+        <p14:creationId xmlns:p14="http://schemas.microsoft.com/office/powerpoint/2010/main" val="1913226774"/>
+      </p:ext>
+    </p:extLst>
+  </p:cSld>
+  <p:clrMapOvr>
+    <a:masterClrMapping/>
+  </p:clrMapOvr>
+</p:notes>
+</file>
+
+<file path=ppt/notesSlides/notesSlide5.xml><?xml version="1.0" encoding="utf-8"?>
+<p:notes xmlns:a="http://schemas.openxmlformats.org/drawingml/2006/main" xmlns:r="http://schemas.openxmlformats.org/officeDocument/2006/relationships" xmlns:p="http://schemas.openxmlformats.org/presentationml/2006/main">
+  <p:cSld>
+    <p:spTree>
+      <p:nvGrpSpPr>
+        <p:cNvPr id="1" name=""/>
+        <p:cNvGrpSpPr/>
+        <p:nvPr/>
+      </p:nvGrpSpPr>
+      <p:grpSpPr>
+        <a:xfrm>
+          <a:off x="0" y="0"/>
+          <a:ext cx="0" cy="0"/>
+          <a:chOff x="0" y="0"/>
+          <a:chExt cx="0" cy="0"/>
+        </a:xfrm>
+      </p:grpSpPr>
+      <p:sp>
+        <p:nvSpPr>
+          <p:cNvPr id="2" name="Slide Image Placeholder 1"/>
+          <p:cNvSpPr>
+            <a:spLocks noGrp="1" noRot="1" noChangeAspect="1"/>
+          </p:cNvSpPr>
+          <p:nvPr>
+            <p:ph type="sldImg"/>
+          </p:nvPr>
+        </p:nvSpPr>
+        <p:spPr/>
+      </p:sp>
+      <p:sp>
+        <p:nvSpPr>
+          <p:cNvPr id="3" name="Notes Placeholder 2"/>
+          <p:cNvSpPr>
+            <a:spLocks noGrp="1"/>
+          </p:cNvSpPr>
+          <p:nvPr>
+            <p:ph type="body" idx="1"/>
+          </p:nvPr>
+        </p:nvSpPr>
+        <p:spPr/>
+        <p:txBody>
+          <a:bodyPr/>
+          <a:lstStyle/>
+          <a:p>
+            <a:r>
+              <a:rPr lang="en-US" dirty="0"/>
+              <a:t>Colton</a:t>
+            </a:r>
+          </a:p>
+        </p:txBody>
+      </p:sp>
+      <p:sp>
+        <p:nvSpPr>
+          <p:cNvPr id="4" name="Slide Number Placeholder 3"/>
+          <p:cNvSpPr>
+            <a:spLocks noGrp="1"/>
+          </p:cNvSpPr>
+          <p:nvPr>
+            <p:ph type="sldNum" sz="quarter" idx="5"/>
+          </p:nvPr>
+        </p:nvSpPr>
+        <p:spPr/>
+        <p:txBody>
+          <a:bodyPr/>
+          <a:lstStyle/>
+          <a:p>
+            <a:fld id="{1A934060-6132-4B8B-8B22-FF0A6A4F4F62}" type="slidenum">
+              <a:rPr lang="en-US" smtClean="0"/>
+              <a:t>5</a:t>
+            </a:fld>
+            <a:endParaRPr lang="en-US"/>
+          </a:p>
+        </p:txBody>
+      </p:sp>
+    </p:spTree>
+    <p:extLst>
+      <p:ext uri="{BB962C8B-B14F-4D97-AF65-F5344CB8AC3E}">
+        <p14:creationId xmlns:p14="http://schemas.microsoft.com/office/powerpoint/2010/main" val="22922932"/>
+      </p:ext>
+    </p:extLst>
+  </p:cSld>
+  <p:clrMapOvr>
+    <a:masterClrMapping/>
+  </p:clrMapOvr>
+</p:notes>
+</file>
+
+<file path=ppt/notesSlides/notesSlide6.xml><?xml version="1.0" encoding="utf-8"?>
+<p:notes xmlns:a="http://schemas.openxmlformats.org/drawingml/2006/main" xmlns:r="http://schemas.openxmlformats.org/officeDocument/2006/relationships" xmlns:p="http://schemas.openxmlformats.org/presentationml/2006/main">
+  <p:cSld>
+    <p:spTree>
+      <p:nvGrpSpPr>
+        <p:cNvPr id="1" name=""/>
+        <p:cNvGrpSpPr/>
+        <p:nvPr/>
+      </p:nvGrpSpPr>
+      <p:grpSpPr>
+        <a:xfrm>
+          <a:off x="0" y="0"/>
+          <a:ext cx="0" cy="0"/>
+          <a:chOff x="0" y="0"/>
+          <a:chExt cx="0" cy="0"/>
+        </a:xfrm>
+      </p:grpSpPr>
+      <p:sp>
+        <p:nvSpPr>
+          <p:cNvPr id="2" name="Slide Image Placeholder 1"/>
+          <p:cNvSpPr>
+            <a:spLocks noGrp="1" noRot="1" noChangeAspect="1"/>
+          </p:cNvSpPr>
+          <p:nvPr>
+            <p:ph type="sldImg"/>
+          </p:nvPr>
+        </p:nvSpPr>
+        <p:spPr/>
+      </p:sp>
+      <p:sp>
+        <p:nvSpPr>
+          <p:cNvPr id="3" name="Notes Placeholder 2"/>
+          <p:cNvSpPr>
+            <a:spLocks noGrp="1"/>
+          </p:cNvSpPr>
+          <p:nvPr>
+            <p:ph type="body" idx="1"/>
+          </p:nvPr>
+        </p:nvSpPr>
+        <p:spPr/>
+        <p:txBody>
+          <a:bodyPr/>
+          <a:lstStyle/>
+          <a:p>
+            <a:r>
+              <a:rPr lang="en-US" dirty="0"/>
+              <a:t>Bryce</a:t>
+            </a:r>
+          </a:p>
+        </p:txBody>
+      </p:sp>
+      <p:sp>
+        <p:nvSpPr>
+          <p:cNvPr id="4" name="Slide Number Placeholder 3"/>
+          <p:cNvSpPr>
+            <a:spLocks noGrp="1"/>
+          </p:cNvSpPr>
+          <p:nvPr>
+            <p:ph type="sldNum" sz="quarter" idx="5"/>
+          </p:nvPr>
+        </p:nvSpPr>
+        <p:spPr/>
+        <p:txBody>
+          <a:bodyPr/>
+          <a:lstStyle/>
+          <a:p>
+            <a:fld id="{1A934060-6132-4B8B-8B22-FF0A6A4F4F62}" type="slidenum">
+              <a:rPr lang="en-US" smtClean="0"/>
+              <a:t>6</a:t>
+            </a:fld>
+            <a:endParaRPr lang="en-US"/>
+          </a:p>
+        </p:txBody>
+      </p:sp>
+    </p:spTree>
+    <p:extLst>
+      <p:ext uri="{BB962C8B-B14F-4D97-AF65-F5344CB8AC3E}">
+        <p14:creationId xmlns:p14="http://schemas.microsoft.com/office/powerpoint/2010/main" val="3289691066"/>
+      </p:ext>
+    </p:extLst>
+  </p:cSld>
+  <p:clrMapOvr>
+    <a:masterClrMapping/>
+  </p:clrMapOvr>
+</p:notes>
+</file>
+
+<file path=ppt/notesSlides/notesSlide7.xml><?xml version="1.0" encoding="utf-8"?>
+<p:notes xmlns:a="http://schemas.openxmlformats.org/drawingml/2006/main" xmlns:r="http://schemas.openxmlformats.org/officeDocument/2006/relationships" xmlns:p="http://schemas.openxmlformats.org/presentationml/2006/main">
+  <p:cSld>
+    <p:spTree>
+      <p:nvGrpSpPr>
+        <p:cNvPr id="1" name=""/>
+        <p:cNvGrpSpPr/>
+        <p:nvPr/>
+      </p:nvGrpSpPr>
+      <p:grpSpPr>
+        <a:xfrm>
+          <a:off x="0" y="0"/>
+          <a:ext cx="0" cy="0"/>
+          <a:chOff x="0" y="0"/>
+          <a:chExt cx="0" cy="0"/>
+        </a:xfrm>
+      </p:grpSpPr>
+      <p:sp>
+        <p:nvSpPr>
+          <p:cNvPr id="2" name="Slide Image Placeholder 1"/>
+          <p:cNvSpPr>
+            <a:spLocks noGrp="1" noRot="1" noChangeAspect="1"/>
+          </p:cNvSpPr>
+          <p:nvPr>
+            <p:ph type="sldImg"/>
+          </p:nvPr>
+        </p:nvSpPr>
+        <p:spPr/>
+      </p:sp>
+      <p:sp>
+        <p:nvSpPr>
+          <p:cNvPr id="3" name="Notes Placeholder 2"/>
+          <p:cNvSpPr>
+            <a:spLocks noGrp="1"/>
+          </p:cNvSpPr>
+          <p:nvPr>
+            <p:ph type="body" idx="1"/>
+          </p:nvPr>
+        </p:nvSpPr>
+        <p:spPr/>
+        <p:txBody>
+          <a:bodyPr/>
+          <a:lstStyle/>
+          <a:p>
+            <a:r>
+              <a:rPr lang="en-US" dirty="0"/>
+              <a:t>Bryce</a:t>
+            </a:r>
+          </a:p>
+        </p:txBody>
+      </p:sp>
+      <p:sp>
+        <p:nvSpPr>
+          <p:cNvPr id="4" name="Slide Number Placeholder 3"/>
+          <p:cNvSpPr>
+            <a:spLocks noGrp="1"/>
+          </p:cNvSpPr>
+          <p:nvPr>
+            <p:ph type="sldNum" sz="quarter" idx="5"/>
+          </p:nvPr>
+        </p:nvSpPr>
+        <p:spPr/>
+        <p:txBody>
+          <a:bodyPr/>
+          <a:lstStyle/>
+          <a:p>
+            <a:fld id="{1A934060-6132-4B8B-8B22-FF0A6A4F4F62}" type="slidenum">
+              <a:rPr lang="en-US" smtClean="0"/>
+              <a:t>7</a:t>
+            </a:fld>
+            <a:endParaRPr lang="en-US"/>
+          </a:p>
+        </p:txBody>
+      </p:sp>
+    </p:spTree>
+    <p:extLst>
+      <p:ext uri="{BB962C8B-B14F-4D97-AF65-F5344CB8AC3E}">
+        <p14:creationId xmlns:p14="http://schemas.microsoft.com/office/powerpoint/2010/main" val="3038563024"/>
+      </p:ext>
+    </p:extLst>
+  </p:cSld>
+  <p:clrMapOvr>
+    <a:masterClrMapping/>
+  </p:clrMapOvr>
+</p:notes>
+</file>
+
+<file path=ppt/notesSlides/notesSlide8.xml><?xml version="1.0" encoding="utf-8"?>
+<p:notes xmlns:a="http://schemas.openxmlformats.org/drawingml/2006/main" xmlns:r="http://schemas.openxmlformats.org/officeDocument/2006/relationships" xmlns:p="http://schemas.openxmlformats.org/presentationml/2006/main">
+  <p:cSld>
+    <p:spTree>
+      <p:nvGrpSpPr>
+        <p:cNvPr id="1" name=""/>
+        <p:cNvGrpSpPr/>
+        <p:nvPr/>
+      </p:nvGrpSpPr>
+      <p:grpSpPr>
+        <a:xfrm>
+          <a:off x="0" y="0"/>
+          <a:ext cx="0" cy="0"/>
+          <a:chOff x="0" y="0"/>
+          <a:chExt cx="0" cy="0"/>
+        </a:xfrm>
+      </p:grpSpPr>
+      <p:sp>
+        <p:nvSpPr>
+          <p:cNvPr id="2" name="Slide Image Placeholder 1"/>
+          <p:cNvSpPr>
+            <a:spLocks noGrp="1" noRot="1" noChangeAspect="1"/>
+          </p:cNvSpPr>
+          <p:nvPr>
+            <p:ph type="sldImg"/>
+          </p:nvPr>
+        </p:nvSpPr>
+        <p:spPr/>
+      </p:sp>
+      <p:sp>
+        <p:nvSpPr>
+          <p:cNvPr id="3" name="Notes Placeholder 2"/>
+          <p:cNvSpPr>
+            <a:spLocks noGrp="1"/>
+          </p:cNvSpPr>
+          <p:nvPr>
+            <p:ph type="body" idx="1"/>
+          </p:nvPr>
+        </p:nvSpPr>
+        <p:spPr/>
+        <p:txBody>
+          <a:bodyPr/>
+          <a:lstStyle/>
+          <a:p>
+            <a:r>
+              <a:rPr lang="en-US" dirty="0"/>
+              <a:t>Will</a:t>
+            </a:r>
+          </a:p>
+        </p:txBody>
+      </p:sp>
+      <p:sp>
+        <p:nvSpPr>
+          <p:cNvPr id="4" name="Slide Number Placeholder 3"/>
+          <p:cNvSpPr>
+            <a:spLocks noGrp="1"/>
+          </p:cNvSpPr>
+          <p:nvPr>
+            <p:ph type="sldNum" sz="quarter" idx="5"/>
+          </p:nvPr>
+        </p:nvSpPr>
+        <p:spPr/>
+        <p:txBody>
+          <a:bodyPr/>
+          <a:lstStyle/>
+          <a:p>
+            <a:fld id="{1A934060-6132-4B8B-8B22-FF0A6A4F4F62}" type="slidenum">
+              <a:rPr lang="en-US" smtClean="0"/>
+              <a:t>8</a:t>
+            </a:fld>
+            <a:endParaRPr lang="en-US"/>
+          </a:p>
+        </p:txBody>
+      </p:sp>
+    </p:spTree>
+    <p:extLst>
+      <p:ext uri="{BB962C8B-B14F-4D97-AF65-F5344CB8AC3E}">
+        <p14:creationId xmlns:p14="http://schemas.microsoft.com/office/powerpoint/2010/main" val="3041910104"/>
+      </p:ext>
+    </p:extLst>
+  </p:cSld>
+  <p:clrMapOvr>
+    <a:masterClrMapping/>
+  </p:clrMapOvr>
+</p:notes>
+</file>
+
+<file path=ppt/notesSlides/notesSlide9.xml><?xml version="1.0" encoding="utf-8"?>
+<p:notes xmlns:a="http://schemas.openxmlformats.org/drawingml/2006/main" xmlns:r="http://schemas.openxmlformats.org/officeDocument/2006/relationships" xmlns:p="http://schemas.openxmlformats.org/presentationml/2006/main">
+  <p:cSld>
+    <p:spTree>
+      <p:nvGrpSpPr>
+        <p:cNvPr id="1" name=""/>
+        <p:cNvGrpSpPr/>
+        <p:nvPr/>
+      </p:nvGrpSpPr>
+      <p:grpSpPr>
+        <a:xfrm>
+          <a:off x="0" y="0"/>
+          <a:ext cx="0" cy="0"/>
+          <a:chOff x="0" y="0"/>
+          <a:chExt cx="0" cy="0"/>
+        </a:xfrm>
+      </p:grpSpPr>
+      <p:sp>
+        <p:nvSpPr>
+          <p:cNvPr id="2" name="Slide Image Placeholder 1"/>
+          <p:cNvSpPr>
+            <a:spLocks noGrp="1" noRot="1" noChangeAspect="1"/>
+          </p:cNvSpPr>
+          <p:nvPr>
+            <p:ph type="sldImg"/>
+          </p:nvPr>
+        </p:nvSpPr>
+        <p:spPr/>
+      </p:sp>
+      <p:sp>
+        <p:nvSpPr>
+          <p:cNvPr id="3" name="Notes Placeholder 2"/>
+          <p:cNvSpPr>
+            <a:spLocks noGrp="1"/>
+          </p:cNvSpPr>
+          <p:nvPr>
+            <p:ph type="body" idx="1"/>
+          </p:nvPr>
+        </p:nvSpPr>
+        <p:spPr/>
+        <p:txBody>
+          <a:bodyPr/>
+          <a:lstStyle/>
+          <a:p>
+            <a:r>
+              <a:rPr lang="en-US" dirty="0"/>
+              <a:t>Colton</a:t>
+            </a:r>
           </a:p>
         </p:txBody>
       </p:sp>
@@ -4069,7 +6616,7 @@
         </p:nvSpPr>
         <p:spPr>
           <a:xfrm>
-            <a:off x="323850" y="914400"/>
+            <a:off x="319874" y="1027304"/>
             <a:ext cx="8496300" cy="685800"/>
           </a:xfrm>
           <a:prstGeom prst="roundRect">
@@ -4121,7 +6668,7 @@
                 <a:latin typeface="DIN Alternate" panose="020B0500000000000000" pitchFamily="34" charset="77"/>
                 <a:ea typeface="ＭＳ Ｐゴシック" pitchFamily="34" charset="-128"/>
               </a:rPr>
-              <a:t>SOCIAL ROBOTICS II:</a:t>
+              <a:t>SOCIAL ROBOTICS II</a:t>
             </a:r>
             <a:endParaRPr lang="en-US" altLang="en-US" dirty="0">
               <a:solidFill>
@@ -4150,12 +6697,12 @@
         </p:nvSpPr>
         <p:spPr>
           <a:xfrm>
-            <a:off x="323850" y="2057400"/>
-            <a:ext cx="8496300" cy="3723399"/>
+            <a:off x="319874" y="1821282"/>
+            <a:ext cx="8496300" cy="1524000"/>
           </a:xfrm>
           <a:prstGeom prst="roundRect">
             <a:avLst>
-              <a:gd name="adj" fmla="val 4811"/>
+              <a:gd name="adj" fmla="val 6898"/>
             </a:avLst>
           </a:prstGeom>
           <a:solidFill>
@@ -4175,7 +6722,7 @@
         </p:spPr>
         <p:txBody>
           <a:bodyPr vert="horz" lIns="91440" tIns="45720" rIns="91440" bIns="45720" rtlCol="0" anchor="ctr">
-            <a:normAutofit/>
+            <a:noAutofit/>
           </a:bodyPr>
           <a:lstStyle>
             <a:lvl1pPr marL="342900" indent="-342900" algn="l" defTabSz="914400" rtl="0" eaLnBrk="1" latinLnBrk="0" hangingPunct="1">
@@ -4326,9 +6873,11 @@
               <a:buNone/>
             </a:pPr>
             <a:r>
-              <a:rPr lang="en-US" altLang="ja-JP" sz="2200" b="1" dirty="0">
+              <a:rPr lang="en-US" altLang="ja-JP" sz="3200" b="1" dirty="0">
                 <a:solidFill>
-                  <a:schemeClr val="bg1"/>
+                  <a:schemeClr val="bg2">
+                    <a:lumMod val="50000"/>
+                  </a:schemeClr>
                 </a:solidFill>
                 <a:effectLst>
                   <a:glow rad="101600">
@@ -4340,177 +6889,8 @@
                 <a:latin typeface="DIN Alternate" panose="020B0500000000000000" pitchFamily="34" charset="77"/>
                 <a:ea typeface="HGSSoeiKakugothicUB" panose="020B0900000000000000" pitchFamily="34" charset="-128"/>
               </a:rPr>
-              <a:t>Social Interactivity Mentor for Youth with Autism using the NAO Robot</a:t>
+              <a:t>Social Interactivity Mentor for Youth with Autism using the NAO Robot (SIMYAN)</a:t>
             </a:r>
-          </a:p>
-          <a:p>
-            <a:pPr marL="0" indent="0" algn="ctr">
-              <a:lnSpc>
-                <a:spcPct val="110000"/>
-              </a:lnSpc>
-              <a:spcBef>
-                <a:spcPts val="0"/>
-              </a:spcBef>
-              <a:buFont typeface="Arial" pitchFamily="34" charset="0"/>
-              <a:buNone/>
-            </a:pPr>
-            <a:r>
-              <a:rPr lang="en-US" altLang="ja-JP" sz="2200" b="1" dirty="0">
-                <a:solidFill>
-                  <a:schemeClr val="bg1"/>
-                </a:solidFill>
-                <a:effectLst>
-                  <a:glow rad="101600">
-                    <a:schemeClr val="tx1">
-                      <a:alpha val="60000"/>
-                    </a:schemeClr>
-                  </a:glow>
-                </a:effectLst>
-                <a:latin typeface="DIN Alternate" panose="020B0500000000000000" pitchFamily="34" charset="77"/>
-                <a:ea typeface="HGSSoeiKakugothicUB" panose="020B0900000000000000" pitchFamily="34" charset="-128"/>
-              </a:rPr>
-              <a:t>(SIMYAN)</a:t>
-            </a:r>
-          </a:p>
-          <a:p>
-            <a:pPr marL="0" indent="0" algn="ctr">
-              <a:lnSpc>
-                <a:spcPct val="200000"/>
-              </a:lnSpc>
-              <a:buFont typeface="Arial" pitchFamily="34" charset="0"/>
-              <a:buNone/>
-            </a:pPr>
-            <a:r>
-              <a:rPr lang="en-US" altLang="en-US" sz="1800" dirty="0">
-                <a:solidFill>
-                  <a:schemeClr val="bg1"/>
-                </a:solidFill>
-                <a:latin typeface="DIN Alternate" panose="020B0500000000000000" pitchFamily="34" charset="77"/>
-                <a:ea typeface="HGSSoeiKakugothicUB" panose="020B0900000000000000" pitchFamily="34" charset="-128"/>
-              </a:rPr>
-              <a:t>Andrew Nguyen, Bryce George, Colton </a:t>
-            </a:r>
-            <a:r>
-              <a:rPr lang="en-US" altLang="en-US" sz="1800" dirty="0" err="1">
-                <a:solidFill>
-                  <a:schemeClr val="bg1"/>
-                </a:solidFill>
-                <a:latin typeface="DIN Alternate" panose="020B0500000000000000" pitchFamily="34" charset="77"/>
-                <a:ea typeface="HGSSoeiKakugothicUB" panose="020B0900000000000000" pitchFamily="34" charset="-128"/>
-              </a:rPr>
-              <a:t>Homuth</a:t>
-            </a:r>
-            <a:r>
-              <a:rPr lang="en-US" altLang="en-US" sz="1800" dirty="0">
-                <a:solidFill>
-                  <a:schemeClr val="bg1"/>
-                </a:solidFill>
-                <a:latin typeface="DIN Alternate" panose="020B0500000000000000" pitchFamily="34" charset="77"/>
-                <a:ea typeface="HGSSoeiKakugothicUB" panose="020B0900000000000000" pitchFamily="34" charset="-128"/>
-              </a:rPr>
-              <a:t>, William Ross</a:t>
-            </a:r>
-          </a:p>
-          <a:p>
-            <a:pPr marL="0" indent="0" algn="ctr">
-              <a:lnSpc>
-                <a:spcPct val="200000"/>
-              </a:lnSpc>
-              <a:buFont typeface="Arial" pitchFamily="34" charset="0"/>
-              <a:buNone/>
-            </a:pPr>
-            <a:r>
-              <a:rPr lang="en-US" altLang="en-US" sz="1800" dirty="0">
-                <a:solidFill>
-                  <a:schemeClr val="bg1"/>
-                </a:solidFill>
-                <a:latin typeface="DIN Alternate" panose="020B0500000000000000" pitchFamily="34" charset="77"/>
-                <a:ea typeface="HGSSoeiKakugothicUB" panose="020B0900000000000000" pitchFamily="34" charset="-128"/>
-              </a:rPr>
-              <a:t>Sponsor: Dr. </a:t>
-            </a:r>
-            <a:r>
-              <a:rPr lang="en-US" altLang="en-US" sz="1800" dirty="0" err="1">
-                <a:solidFill>
-                  <a:schemeClr val="bg1"/>
-                </a:solidFill>
-                <a:latin typeface="DIN Alternate" panose="020B0500000000000000" pitchFamily="34" charset="77"/>
-                <a:ea typeface="HGSSoeiKakugothicUB" panose="020B0900000000000000" pitchFamily="34" charset="-128"/>
-              </a:rPr>
-              <a:t>Adham</a:t>
-            </a:r>
-            <a:r>
-              <a:rPr lang="en-US" altLang="en-US" sz="1800" dirty="0">
-                <a:solidFill>
-                  <a:schemeClr val="bg1"/>
-                </a:solidFill>
-                <a:latin typeface="DIN Alternate" panose="020B0500000000000000" pitchFamily="34" charset="77"/>
-                <a:ea typeface="HGSSoeiKakugothicUB" panose="020B0900000000000000" pitchFamily="34" charset="-128"/>
-              </a:rPr>
-              <a:t> </a:t>
-            </a:r>
-            <a:r>
-              <a:rPr lang="en-US" altLang="en-US" sz="1800" dirty="0" err="1">
-                <a:solidFill>
-                  <a:schemeClr val="bg1"/>
-                </a:solidFill>
-                <a:latin typeface="DIN Alternate" panose="020B0500000000000000" pitchFamily="34" charset="77"/>
-                <a:ea typeface="HGSSoeiKakugothicUB" panose="020B0900000000000000" pitchFamily="34" charset="-128"/>
-              </a:rPr>
-              <a:t>Atyabi</a:t>
-            </a:r>
-            <a:endParaRPr lang="en-US" altLang="en-US" sz="1800" dirty="0">
-              <a:solidFill>
-                <a:schemeClr val="bg1"/>
-              </a:solidFill>
-              <a:latin typeface="DIN Alternate" panose="020B0500000000000000" pitchFamily="34" charset="77"/>
-              <a:ea typeface="HGSSoeiKakugothicUB" panose="020B0900000000000000" pitchFamily="34" charset="-128"/>
-            </a:endParaRPr>
-          </a:p>
-          <a:p>
-            <a:pPr marL="0" indent="0" algn="ctr">
-              <a:lnSpc>
-                <a:spcPct val="200000"/>
-              </a:lnSpc>
-              <a:buFont typeface="Arial" pitchFamily="34" charset="0"/>
-              <a:buNone/>
-            </a:pPr>
-            <a:r>
-              <a:rPr lang="en-US" altLang="en-US" sz="1800" dirty="0">
-                <a:solidFill>
-                  <a:schemeClr val="bg1"/>
-                </a:solidFill>
-                <a:latin typeface="DIN Alternate" panose="020B0500000000000000" pitchFamily="34" charset="77"/>
-                <a:ea typeface="HGSSoeiKakugothicUB" panose="020B0900000000000000" pitchFamily="34" charset="-128"/>
-              </a:rPr>
-              <a:t>Faculty Sponsor: Mr. Bill Michael</a:t>
-            </a:r>
-          </a:p>
-          <a:p>
-            <a:pPr marL="0" indent="0" algn="ctr">
-              <a:lnSpc>
-                <a:spcPct val="200000"/>
-              </a:lnSpc>
-              <a:buFont typeface="Arial" pitchFamily="34" charset="0"/>
-              <a:buNone/>
-            </a:pPr>
-            <a:r>
-              <a:rPr lang="en-US" altLang="en-US" sz="1800" dirty="0">
-                <a:solidFill>
-                  <a:schemeClr val="bg1"/>
-                </a:solidFill>
-                <a:latin typeface="DIN Alternate" panose="020B0500000000000000" pitchFamily="34" charset="77"/>
-                <a:ea typeface="HGSSoeiKakugothicUB" panose="020B0900000000000000" pitchFamily="34" charset="-128"/>
-              </a:rPr>
-              <a:t>December 4, 2020</a:t>
-            </a:r>
-            <a:endParaRPr lang="en-US" altLang="en-US" sz="1600" dirty="0">
-              <a:solidFill>
-                <a:schemeClr val="bg1"/>
-              </a:solidFill>
-              <a:latin typeface="DIN Alternate" panose="020B0500000000000000" pitchFamily="34" charset="77"/>
-              <a:ea typeface="HGSSoeiKakugothicUB" panose="020B0900000000000000" pitchFamily="34" charset="-128"/>
-            </a:endParaRPr>
           </a:p>
         </p:txBody>
       </p:sp>
@@ -4538,10 +6918,310 @@
               <a:pPr/>
               <a:t>1</a:t>
             </a:fld>
-            <a:endParaRPr lang="en-US">
+            <a:endParaRPr lang="en-US" dirty="0">
               <a:solidFill>
                 <a:schemeClr val="bg1"/>
               </a:solidFill>
+            </a:endParaRPr>
+          </a:p>
+        </p:txBody>
+      </p:sp>
+      <p:sp>
+        <p:nvSpPr>
+          <p:cNvPr id="5" name="Rectangle 3">
+            <a:extLst>
+              <a:ext uri="{FF2B5EF4-FFF2-40B4-BE49-F238E27FC236}">
+                <a16:creationId xmlns:a16="http://schemas.microsoft.com/office/drawing/2014/main" id="{711DC9E4-EF3F-B748-B4FF-1E77A2CD3A0F}"/>
+              </a:ext>
+            </a:extLst>
+          </p:cNvPr>
+          <p:cNvSpPr txBox="1">
+            <a:spLocks noChangeArrowheads="1"/>
+          </p:cNvSpPr>
+          <p:nvPr/>
+        </p:nvSpPr>
+        <p:spPr>
+          <a:xfrm>
+            <a:off x="1382864" y="3499726"/>
+            <a:ext cx="6341165" cy="2367674"/>
+          </a:xfrm>
+          <a:prstGeom prst="roundRect">
+            <a:avLst>
+              <a:gd name="adj" fmla="val 4811"/>
+            </a:avLst>
+          </a:prstGeom>
+          <a:solidFill>
+            <a:schemeClr val="tx1">
+              <a:lumMod val="85000"/>
+              <a:lumOff val="15000"/>
+            </a:schemeClr>
+          </a:solidFill>
+          <a:ln>
+            <a:solidFill>
+              <a:schemeClr val="bg2">
+                <a:lumMod val="50000"/>
+              </a:schemeClr>
+            </a:solidFill>
+          </a:ln>
+          <a:effectLst/>
+        </p:spPr>
+        <p:txBody>
+          <a:bodyPr vert="horz" lIns="91440" tIns="45720" rIns="91440" bIns="45720" rtlCol="0" anchor="ctr">
+            <a:normAutofit lnSpcReduction="10000"/>
+          </a:bodyPr>
+          <a:lstStyle>
+            <a:lvl1pPr marL="342900" indent="-342900" algn="l" defTabSz="914400" rtl="0" eaLnBrk="1" latinLnBrk="0" hangingPunct="1">
+              <a:spcBef>
+                <a:spcPct val="20000"/>
+              </a:spcBef>
+              <a:buFont typeface="Arial" pitchFamily="34" charset="0"/>
+              <a:buChar char="•"/>
+              <a:defRPr sz="2800" kern="1200">
+                <a:solidFill>
+                  <a:schemeClr val="tx1"/>
+                </a:solidFill>
+                <a:latin typeface="Arial Black"/>
+                <a:ea typeface="+mn-ea"/>
+                <a:cs typeface="Arial Black"/>
+              </a:defRPr>
+            </a:lvl1pPr>
+            <a:lvl2pPr marL="742950" indent="-285750" algn="l" defTabSz="914400" rtl="0" eaLnBrk="1" latinLnBrk="0" hangingPunct="1">
+              <a:spcBef>
+                <a:spcPct val="20000"/>
+              </a:spcBef>
+              <a:buFont typeface="Arial" pitchFamily="34" charset="0"/>
+              <a:buChar char="–"/>
+              <a:defRPr sz="2800" kern="1200">
+                <a:solidFill>
+                  <a:schemeClr val="tx1"/>
+                </a:solidFill>
+                <a:latin typeface="+mn-lt"/>
+                <a:ea typeface="+mn-ea"/>
+                <a:cs typeface="+mn-cs"/>
+              </a:defRPr>
+            </a:lvl2pPr>
+            <a:lvl3pPr marL="1143000" indent="-228600" algn="l" defTabSz="914400" rtl="0" eaLnBrk="1" latinLnBrk="0" hangingPunct="1">
+              <a:spcBef>
+                <a:spcPct val="20000"/>
+              </a:spcBef>
+              <a:buFont typeface="Arial" pitchFamily="34" charset="0"/>
+              <a:buChar char="•"/>
+              <a:defRPr sz="2400" b="1" i="1" kern="1200">
+                <a:solidFill>
+                  <a:schemeClr val="tx1"/>
+                </a:solidFill>
+                <a:latin typeface="+mn-lt"/>
+                <a:ea typeface="+mn-ea"/>
+                <a:cs typeface="+mn-cs"/>
+              </a:defRPr>
+            </a:lvl3pPr>
+            <a:lvl4pPr marL="1600200" indent="-228600" algn="l" defTabSz="914400" rtl="0" eaLnBrk="1" latinLnBrk="0" hangingPunct="1">
+              <a:spcBef>
+                <a:spcPct val="20000"/>
+              </a:spcBef>
+              <a:buFont typeface="Arial" pitchFamily="34" charset="0"/>
+              <a:buChar char="–"/>
+              <a:defRPr sz="2000" kern="1200">
+                <a:solidFill>
+                  <a:schemeClr val="tx1"/>
+                </a:solidFill>
+                <a:latin typeface="+mn-lt"/>
+                <a:ea typeface="+mn-ea"/>
+                <a:cs typeface="+mn-cs"/>
+              </a:defRPr>
+            </a:lvl4pPr>
+            <a:lvl5pPr marL="2057400" indent="-228600" algn="l" defTabSz="914400" rtl="0" eaLnBrk="1" latinLnBrk="0" hangingPunct="1">
+              <a:spcBef>
+                <a:spcPct val="20000"/>
+              </a:spcBef>
+              <a:buFont typeface="Arial" pitchFamily="34" charset="0"/>
+              <a:buChar char="»"/>
+              <a:defRPr sz="2000" kern="1200">
+                <a:solidFill>
+                  <a:schemeClr val="tx1"/>
+                </a:solidFill>
+                <a:latin typeface="+mn-lt"/>
+                <a:ea typeface="+mn-ea"/>
+                <a:cs typeface="+mn-cs"/>
+              </a:defRPr>
+            </a:lvl5pPr>
+            <a:lvl6pPr marL="2514600" indent="-228600" algn="l" defTabSz="914400" rtl="0" eaLnBrk="1" latinLnBrk="0" hangingPunct="1">
+              <a:spcBef>
+                <a:spcPct val="20000"/>
+              </a:spcBef>
+              <a:buFont typeface="Arial" pitchFamily="34" charset="0"/>
+              <a:buChar char="•"/>
+              <a:defRPr sz="2000" kern="1200">
+                <a:solidFill>
+                  <a:schemeClr val="tx1"/>
+                </a:solidFill>
+                <a:latin typeface="+mn-lt"/>
+                <a:ea typeface="+mn-ea"/>
+                <a:cs typeface="+mn-cs"/>
+              </a:defRPr>
+            </a:lvl6pPr>
+            <a:lvl7pPr marL="2971800" indent="-228600" algn="l" defTabSz="914400" rtl="0" eaLnBrk="1" latinLnBrk="0" hangingPunct="1">
+              <a:spcBef>
+                <a:spcPct val="20000"/>
+              </a:spcBef>
+              <a:buFont typeface="Arial" pitchFamily="34" charset="0"/>
+              <a:buChar char="•"/>
+              <a:defRPr sz="2000" kern="1200">
+                <a:solidFill>
+                  <a:schemeClr val="tx1"/>
+                </a:solidFill>
+                <a:latin typeface="+mn-lt"/>
+                <a:ea typeface="+mn-ea"/>
+                <a:cs typeface="+mn-cs"/>
+              </a:defRPr>
+            </a:lvl7pPr>
+            <a:lvl8pPr marL="3429000" indent="-228600" algn="l" defTabSz="914400" rtl="0" eaLnBrk="1" latinLnBrk="0" hangingPunct="1">
+              <a:spcBef>
+                <a:spcPct val="20000"/>
+              </a:spcBef>
+              <a:buFont typeface="Arial" pitchFamily="34" charset="0"/>
+              <a:buChar char="•"/>
+              <a:defRPr sz="2000" kern="1200">
+                <a:solidFill>
+                  <a:schemeClr val="tx1"/>
+                </a:solidFill>
+                <a:latin typeface="+mn-lt"/>
+                <a:ea typeface="+mn-ea"/>
+                <a:cs typeface="+mn-cs"/>
+              </a:defRPr>
+            </a:lvl8pPr>
+            <a:lvl9pPr marL="3886200" indent="-228600" algn="l" defTabSz="914400" rtl="0" eaLnBrk="1" latinLnBrk="0" hangingPunct="1">
+              <a:spcBef>
+                <a:spcPct val="20000"/>
+              </a:spcBef>
+              <a:buFont typeface="Arial" pitchFamily="34" charset="0"/>
+              <a:buChar char="•"/>
+              <a:defRPr sz="2000" kern="1200">
+                <a:solidFill>
+                  <a:schemeClr val="tx1"/>
+                </a:solidFill>
+                <a:latin typeface="+mn-lt"/>
+                <a:ea typeface="+mn-ea"/>
+                <a:cs typeface="+mn-cs"/>
+              </a:defRPr>
+            </a:lvl9pPr>
+          </a:lstStyle>
+          <a:p>
+            <a:pPr marL="0" indent="0" algn="ctr">
+              <a:lnSpc>
+                <a:spcPct val="200000"/>
+              </a:lnSpc>
+              <a:buFont typeface="Arial" pitchFamily="34" charset="0"/>
+              <a:buNone/>
+            </a:pPr>
+            <a:r>
+              <a:rPr lang="en-US" altLang="en-US" sz="1800" dirty="0">
+                <a:solidFill>
+                  <a:schemeClr val="bg1"/>
+                </a:solidFill>
+                <a:effectLst>
+                  <a:glow rad="101600">
+                    <a:schemeClr val="tx1">
+                      <a:alpha val="60000"/>
+                    </a:schemeClr>
+                  </a:glow>
+                </a:effectLst>
+                <a:latin typeface="DIN Alternate" panose="020B0500000000000000" pitchFamily="34" charset="77"/>
+                <a:ea typeface="HGSSoeiKakugothicUB" panose="020B0900000000000000" pitchFamily="34" charset="-128"/>
+              </a:rPr>
+              <a:t>Andrew Nguyen, Bryce George, Colton Homuth, William Ross</a:t>
+            </a:r>
+          </a:p>
+          <a:p>
+            <a:pPr marL="0" indent="0" algn="ctr">
+              <a:lnSpc>
+                <a:spcPct val="200000"/>
+              </a:lnSpc>
+              <a:buFont typeface="Arial" pitchFamily="34" charset="0"/>
+              <a:buNone/>
+            </a:pPr>
+            <a:r>
+              <a:rPr lang="en-US" altLang="en-US" sz="1800" dirty="0">
+                <a:solidFill>
+                  <a:schemeClr val="bg1"/>
+                </a:solidFill>
+                <a:effectLst>
+                  <a:glow rad="101600">
+                    <a:schemeClr val="tx1">
+                      <a:alpha val="60000"/>
+                    </a:schemeClr>
+                  </a:glow>
+                </a:effectLst>
+                <a:latin typeface="DIN Alternate" panose="020B0500000000000000" pitchFamily="34" charset="77"/>
+                <a:ea typeface="HGSSoeiKakugothicUB" panose="020B0900000000000000" pitchFamily="34" charset="-128"/>
+              </a:rPr>
+              <a:t>Sponsor: Dr. Adham Atyabi</a:t>
+            </a:r>
+          </a:p>
+          <a:p>
+            <a:pPr marL="0" indent="0" algn="ctr">
+              <a:lnSpc>
+                <a:spcPct val="200000"/>
+              </a:lnSpc>
+              <a:buFont typeface="Arial" pitchFamily="34" charset="0"/>
+              <a:buNone/>
+            </a:pPr>
+            <a:r>
+              <a:rPr lang="en-US" altLang="en-US" sz="1800" dirty="0">
+                <a:solidFill>
+                  <a:schemeClr val="bg1"/>
+                </a:solidFill>
+                <a:effectLst>
+                  <a:glow rad="101600">
+                    <a:schemeClr val="tx1">
+                      <a:alpha val="60000"/>
+                    </a:schemeClr>
+                  </a:glow>
+                </a:effectLst>
+                <a:latin typeface="DIN Alternate" panose="020B0500000000000000" pitchFamily="34" charset="77"/>
+                <a:ea typeface="HGSSoeiKakugothicUB" panose="020B0900000000000000" pitchFamily="34" charset="-128"/>
+              </a:rPr>
+              <a:t>Faculty Sponsor: Mr. Bill Michael</a:t>
+            </a:r>
+          </a:p>
+          <a:p>
+            <a:pPr marL="0" indent="0" algn="ctr">
+              <a:lnSpc>
+                <a:spcPct val="200000"/>
+              </a:lnSpc>
+              <a:buFont typeface="Arial" pitchFamily="34" charset="0"/>
+              <a:buNone/>
+            </a:pPr>
+            <a:r>
+              <a:rPr lang="en-US" altLang="en-US" sz="1800" dirty="0">
+                <a:solidFill>
+                  <a:schemeClr val="bg1"/>
+                </a:solidFill>
+                <a:effectLst>
+                  <a:glow rad="101600">
+                    <a:schemeClr val="tx1">
+                      <a:alpha val="60000"/>
+                    </a:schemeClr>
+                  </a:glow>
+                </a:effectLst>
+                <a:latin typeface="DIN Alternate" panose="020B0500000000000000" pitchFamily="34" charset="77"/>
+                <a:ea typeface="HGSSoeiKakugothicUB" panose="020B0900000000000000" pitchFamily="34" charset="-128"/>
+              </a:rPr>
+              <a:t>December 4, 2020</a:t>
+            </a:r>
+            <a:endParaRPr lang="en-US" altLang="en-US" sz="1600" dirty="0">
+              <a:solidFill>
+                <a:schemeClr val="bg1"/>
+              </a:solidFill>
+              <a:effectLst>
+                <a:glow rad="101600">
+                  <a:schemeClr val="tx1">
+                    <a:alpha val="60000"/>
+                  </a:schemeClr>
+                </a:glow>
+              </a:effectLst>
+              <a:latin typeface="DIN Alternate" panose="020B0500000000000000" pitchFamily="34" charset="77"/>
+              <a:ea typeface="HGSSoeiKakugothicUB" panose="020B0900000000000000" pitchFamily="34" charset="-128"/>
             </a:endParaRPr>
           </a:p>
         </p:txBody>
@@ -4684,8 +7364,8 @@
         </p:nvSpPr>
         <p:spPr>
           <a:xfrm>
-            <a:off x="304799" y="1404498"/>
-            <a:ext cx="4114802" cy="4767701"/>
+            <a:off x="304799" y="1404499"/>
+            <a:ext cx="4114802" cy="4462901"/>
           </a:xfrm>
           <a:prstGeom prst="roundRect">
             <a:avLst>
@@ -4740,8 +7420,6 @@
               </a:rPr>
               <a:t>Needs</a:t>
             </a:r>
-          </a:p>
-          <a:p>
             <a:endParaRPr lang="en-US" sz="2000" dirty="0">
               <a:latin typeface="DIN Alternate" panose="020B0500000000000000" pitchFamily="34" charset="77"/>
             </a:endParaRPr>
@@ -4853,11 +7531,6 @@
               </a:rPr>
               <a:t>Human mannerisms and social characteristics</a:t>
             </a:r>
-          </a:p>
-          <a:p>
-            <a:endParaRPr lang="en-US" sz="2800" dirty="0">
-              <a:latin typeface="DIN Alternate" panose="020B0500000000000000" pitchFamily="34" charset="77"/>
-            </a:endParaRPr>
           </a:p>
         </p:txBody>
       </p:sp>
@@ -4876,7 +7549,7 @@
         <p:spPr>
           <a:xfrm>
             <a:off x="4724400" y="1417637"/>
-            <a:ext cx="4078010" cy="3962400"/>
+            <a:ext cx="4078010" cy="3535363"/>
           </a:xfrm>
           <a:prstGeom prst="roundRect">
             <a:avLst>
@@ -4931,9 +7604,6 @@
               </a:rPr>
               <a:t>Wants</a:t>
             </a:r>
-          </a:p>
-          <a:p>
-            <a:pPr algn="ctr"/>
             <a:endParaRPr lang="en-US" sz="2000" dirty="0">
               <a:latin typeface="DIN Alternate" panose="020B0500000000000000" pitchFamily="34" charset="77"/>
             </a:endParaRPr>
@@ -5576,7 +8246,7 @@
           <p:nvPr/>
         </p:nvPicPr>
         <p:blipFill rotWithShape="1">
-          <a:blip r:embed="rId2">
+          <a:blip r:embed="rId3">
             <a:extLst>
               <a:ext uri="{28A0092B-C50C-407E-A947-70E740481C1C}">
                 <a14:useLocalDpi xmlns:a14="http://schemas.microsoft.com/office/drawing/2010/main" val="0"/>
@@ -6235,7 +8905,7 @@
           <p:nvPr>
             <p:extLst>
               <p:ext uri="{D42A27DB-BD31-4B8C-83A1-F6EECF244321}">
-                <p14:modId xmlns:p14="http://schemas.microsoft.com/office/powerpoint/2010/main" val="665461736"/>
+                <p14:modId xmlns:p14="http://schemas.microsoft.com/office/powerpoint/2010/main" val="483696927"/>
               </p:ext>
             </p:extLst>
           </p:nvPr>
@@ -6297,7 +8967,9 @@
                       <a:r>
                         <a:rPr lang="en-US" sz="1600" b="1" i="0" u="none" strike="noStrike" dirty="0">
                           <a:solidFill>
-                            <a:schemeClr val="bg1"/>
+                            <a:schemeClr val="bg2">
+                              <a:lumMod val="50000"/>
+                            </a:schemeClr>
                           </a:solidFill>
                           <a:effectLst/>
                           <a:latin typeface="DIN Alternate" panose="020B0500000000000000" pitchFamily="34" charset="77"/>
@@ -6306,7 +8978,9 @@
                       </a:r>
                       <a:endParaRPr lang="en-US" sz="1600" dirty="0">
                         <a:solidFill>
-                          <a:schemeClr val="bg1"/>
+                          <a:schemeClr val="bg2">
+                            <a:lumMod val="50000"/>
+                          </a:schemeClr>
                         </a:solidFill>
                         <a:effectLst/>
                         <a:latin typeface="DIN Alternate" panose="020B0500000000000000" pitchFamily="34" charset="77"/>
@@ -6382,7 +9056,9 @@
                       <a:r>
                         <a:rPr lang="en-US" sz="1600" b="1" i="0" u="none" strike="noStrike" dirty="0">
                           <a:solidFill>
-                            <a:schemeClr val="bg1"/>
+                            <a:schemeClr val="bg2">
+                              <a:lumMod val="50000"/>
+                            </a:schemeClr>
                           </a:solidFill>
                           <a:effectLst/>
                           <a:latin typeface="DIN Alternate" panose="020B0500000000000000" pitchFamily="34" charset="77"/>
@@ -6391,7 +9067,9 @@
                       </a:r>
                       <a:endParaRPr lang="en-US" sz="1600" dirty="0">
                         <a:solidFill>
-                          <a:schemeClr val="bg1"/>
+                          <a:schemeClr val="bg2">
+                            <a:lumMod val="50000"/>
+                          </a:schemeClr>
                         </a:solidFill>
                         <a:effectLst/>
                         <a:latin typeface="DIN Alternate" panose="020B0500000000000000" pitchFamily="34" charset="77"/>
@@ -6467,7 +9145,9 @@
                       <a:r>
                         <a:rPr lang="en-US" sz="1600" b="1" i="0" u="none" strike="noStrike" dirty="0">
                           <a:solidFill>
-                            <a:schemeClr val="bg1"/>
+                            <a:schemeClr val="bg2">
+                              <a:lumMod val="50000"/>
+                            </a:schemeClr>
                           </a:solidFill>
                           <a:effectLst/>
                           <a:latin typeface="DIN Alternate" panose="020B0500000000000000" pitchFamily="34" charset="77"/>
@@ -6476,7 +9156,9 @@
                       </a:r>
                       <a:endParaRPr lang="en-US" sz="1600" dirty="0">
                         <a:solidFill>
-                          <a:schemeClr val="bg1"/>
+                          <a:schemeClr val="bg2">
+                            <a:lumMod val="50000"/>
+                          </a:schemeClr>
                         </a:solidFill>
                         <a:effectLst/>
                         <a:latin typeface="DIN Alternate" panose="020B0500000000000000" pitchFamily="34" charset="77"/>
@@ -6552,7 +9234,9 @@
                       <a:r>
                         <a:rPr lang="en-US" sz="1600" b="1" i="0" u="none" strike="noStrike" dirty="0">
                           <a:solidFill>
-                            <a:schemeClr val="bg1"/>
+                            <a:schemeClr val="bg2">
+                              <a:lumMod val="50000"/>
+                            </a:schemeClr>
                           </a:solidFill>
                           <a:effectLst/>
                           <a:latin typeface="DIN Alternate" panose="020B0500000000000000" pitchFamily="34" charset="77"/>
@@ -6561,7 +9245,9 @@
                       </a:r>
                       <a:endParaRPr lang="en-US" sz="1600" dirty="0">
                         <a:solidFill>
-                          <a:schemeClr val="bg1"/>
+                          <a:schemeClr val="bg2">
+                            <a:lumMod val="50000"/>
+                          </a:schemeClr>
                         </a:solidFill>
                         <a:effectLst/>
                         <a:latin typeface="DIN Alternate" panose="020B0500000000000000" pitchFamily="34" charset="77"/>
@@ -6644,7 +9330,9 @@
                       <a:r>
                         <a:rPr lang="en-US" sz="4000" dirty="0">
                           <a:solidFill>
-                            <a:schemeClr val="bg1"/>
+                            <a:schemeClr val="bg2">
+                              <a:lumMod val="50000"/>
+                            </a:schemeClr>
                           </a:solidFill>
                           <a:effectLst/>
                           <a:latin typeface="DIN Alternate" panose="020B0500000000000000" pitchFamily="34" charset="77"/>
@@ -6700,8 +9388,8 @@
                     </a:lnB>
                     <a:solidFill>
                       <a:schemeClr val="tx1">
-                        <a:lumMod val="65000"/>
-                        <a:lumOff val="35000"/>
+                        <a:lumMod val="85000"/>
+                        <a:lumOff val="15000"/>
                       </a:schemeClr>
                     </a:solidFill>
                   </a:tcPr>
@@ -7002,7 +9690,9 @@
                       <a:r>
                         <a:rPr lang="en-US" sz="4000" dirty="0">
                           <a:solidFill>
-                            <a:schemeClr val="bg1"/>
+                            <a:schemeClr val="bg2">
+                              <a:lumMod val="50000"/>
+                            </a:schemeClr>
                           </a:solidFill>
                           <a:effectLst/>
                           <a:latin typeface="DIN Alternate" panose="020B0500000000000000" pitchFamily="34" charset="77"/>
@@ -7058,8 +9748,8 @@
                     </a:lnB>
                     <a:solidFill>
                       <a:schemeClr val="tx1">
-                        <a:lumMod val="65000"/>
-                        <a:lumOff val="35000"/>
+                        <a:lumMod val="85000"/>
+                        <a:lumOff val="15000"/>
                       </a:schemeClr>
                     </a:solidFill>
                   </a:tcPr>
@@ -7186,7 +9876,7 @@
                           <a:ea typeface="+mn-ea"/>
                           <a:cs typeface="+mn-cs"/>
                         </a:rPr>
-                        <a:t>Orient face to look at subject</a:t>
+                        <a:t>Orient face to look at subject (+/- 5°)</a:t>
                       </a:r>
                     </a:p>
                     <a:p>
@@ -7504,7 +10194,7 @@
           <p:nvPr>
             <p:extLst>
               <p:ext uri="{D42A27DB-BD31-4B8C-83A1-F6EECF244321}">
-                <p14:modId xmlns:p14="http://schemas.microsoft.com/office/powerpoint/2010/main" val="2783295369"/>
+                <p14:modId xmlns:p14="http://schemas.microsoft.com/office/powerpoint/2010/main" val="3975768672"/>
               </p:ext>
             </p:extLst>
           </p:nvPr>
@@ -7566,7 +10256,9 @@
                       <a:r>
                         <a:rPr lang="en-US" sz="1600" b="1" i="0" u="none" strike="noStrike" dirty="0">
                           <a:solidFill>
-                            <a:schemeClr val="bg1"/>
+                            <a:schemeClr val="bg2">
+                              <a:lumMod val="50000"/>
+                            </a:schemeClr>
                           </a:solidFill>
                           <a:effectLst/>
                           <a:latin typeface="DIN Alternate" panose="020B0500000000000000" pitchFamily="34" charset="77"/>
@@ -7575,7 +10267,9 @@
                       </a:r>
                       <a:endParaRPr lang="en-US" sz="1600" dirty="0">
                         <a:solidFill>
-                          <a:schemeClr val="bg1"/>
+                          <a:schemeClr val="bg2">
+                            <a:lumMod val="50000"/>
+                          </a:schemeClr>
                         </a:solidFill>
                         <a:effectLst/>
                         <a:latin typeface="DIN Alternate" panose="020B0500000000000000" pitchFamily="34" charset="77"/>
@@ -7651,7 +10345,9 @@
                       <a:r>
                         <a:rPr lang="en-US" sz="1600" b="1" i="0" u="none" strike="noStrike" dirty="0">
                           <a:solidFill>
-                            <a:schemeClr val="bg1"/>
+                            <a:schemeClr val="bg2">
+                              <a:lumMod val="50000"/>
+                            </a:schemeClr>
                           </a:solidFill>
                           <a:effectLst/>
                           <a:latin typeface="DIN Alternate" panose="020B0500000000000000" pitchFamily="34" charset="77"/>
@@ -7660,7 +10356,9 @@
                       </a:r>
                       <a:endParaRPr lang="en-US" sz="1600" dirty="0">
                         <a:solidFill>
-                          <a:schemeClr val="bg1"/>
+                          <a:schemeClr val="bg2">
+                            <a:lumMod val="50000"/>
+                          </a:schemeClr>
                         </a:solidFill>
                         <a:effectLst/>
                         <a:latin typeface="DIN Alternate" panose="020B0500000000000000" pitchFamily="34" charset="77"/>
@@ -7736,7 +10434,9 @@
                       <a:r>
                         <a:rPr lang="en-US" sz="1600" b="1" i="0" u="none" strike="noStrike" dirty="0">
                           <a:solidFill>
-                            <a:schemeClr val="bg1"/>
+                            <a:schemeClr val="bg2">
+                              <a:lumMod val="50000"/>
+                            </a:schemeClr>
                           </a:solidFill>
                           <a:effectLst/>
                           <a:latin typeface="DIN Alternate" panose="020B0500000000000000" pitchFamily="34" charset="77"/>
@@ -7745,7 +10445,9 @@
                       </a:r>
                       <a:endParaRPr lang="en-US" sz="1600" dirty="0">
                         <a:solidFill>
-                          <a:schemeClr val="bg1"/>
+                          <a:schemeClr val="bg2">
+                            <a:lumMod val="50000"/>
+                          </a:schemeClr>
                         </a:solidFill>
                         <a:effectLst/>
                         <a:latin typeface="DIN Alternate" panose="020B0500000000000000" pitchFamily="34" charset="77"/>
@@ -7821,7 +10523,9 @@
                       <a:r>
                         <a:rPr lang="en-US" sz="1600" b="1" i="0" u="none" strike="noStrike" dirty="0">
                           <a:solidFill>
-                            <a:schemeClr val="bg1"/>
+                            <a:schemeClr val="bg2">
+                              <a:lumMod val="50000"/>
+                            </a:schemeClr>
                           </a:solidFill>
                           <a:effectLst/>
                           <a:latin typeface="DIN Alternate" panose="020B0500000000000000" pitchFamily="34" charset="77"/>
@@ -7830,7 +10534,9 @@
                       </a:r>
                       <a:endParaRPr lang="en-US" sz="1600" dirty="0">
                         <a:solidFill>
-                          <a:schemeClr val="bg1"/>
+                          <a:schemeClr val="bg2">
+                            <a:lumMod val="50000"/>
+                          </a:schemeClr>
                         </a:solidFill>
                         <a:effectLst/>
                         <a:latin typeface="DIN Alternate" panose="020B0500000000000000" pitchFamily="34" charset="77"/>
@@ -7913,7 +10619,9 @@
                       <a:r>
                         <a:rPr lang="en-US" sz="4000" dirty="0">
                           <a:solidFill>
-                            <a:schemeClr val="bg1"/>
+                            <a:schemeClr val="bg2">
+                              <a:lumMod val="50000"/>
+                            </a:schemeClr>
                           </a:solidFill>
                           <a:effectLst/>
                           <a:latin typeface="DIN Alternate" panose="020B0500000000000000" pitchFamily="34" charset="77"/>
@@ -7969,8 +10677,8 @@
                     </a:lnB>
                     <a:solidFill>
                       <a:schemeClr val="tx1">
-                        <a:lumMod val="65000"/>
-                        <a:lumOff val="35000"/>
+                        <a:lumMod val="85000"/>
+                        <a:lumOff val="15000"/>
                       </a:schemeClr>
                     </a:solidFill>
                   </a:tcPr>
@@ -8438,7 +11146,7 @@
           <p:nvPr>
             <p:extLst>
               <p:ext uri="{D42A27DB-BD31-4B8C-83A1-F6EECF244321}">
-                <p14:modId xmlns:p14="http://schemas.microsoft.com/office/powerpoint/2010/main" val="60506922"/>
+                <p14:modId xmlns:p14="http://schemas.microsoft.com/office/powerpoint/2010/main" val="3720123046"/>
               </p:ext>
             </p:extLst>
           </p:nvPr>
@@ -8500,7 +11208,9 @@
                       <a:r>
                         <a:rPr lang="en-US" sz="1600" b="1" i="0" u="none" strike="noStrike" dirty="0">
                           <a:solidFill>
-                            <a:schemeClr val="bg1"/>
+                            <a:schemeClr val="bg2">
+                              <a:lumMod val="50000"/>
+                            </a:schemeClr>
                           </a:solidFill>
                           <a:effectLst/>
                           <a:latin typeface="DIN Alternate" panose="020B0500000000000000" pitchFamily="34" charset="77"/>
@@ -8509,7 +11219,9 @@
                       </a:r>
                       <a:endParaRPr lang="en-US" sz="1600" dirty="0">
                         <a:solidFill>
-                          <a:schemeClr val="bg1"/>
+                          <a:schemeClr val="bg2">
+                            <a:lumMod val="50000"/>
+                          </a:schemeClr>
                         </a:solidFill>
                         <a:effectLst/>
                         <a:latin typeface="DIN Alternate" panose="020B0500000000000000" pitchFamily="34" charset="77"/>
@@ -8585,7 +11297,9 @@
                       <a:r>
                         <a:rPr lang="en-US" sz="1600" b="1" i="0" u="none" strike="noStrike" dirty="0">
                           <a:solidFill>
-                            <a:schemeClr val="bg1"/>
+                            <a:schemeClr val="bg2">
+                              <a:lumMod val="50000"/>
+                            </a:schemeClr>
                           </a:solidFill>
                           <a:effectLst/>
                           <a:latin typeface="DIN Alternate" panose="020B0500000000000000" pitchFamily="34" charset="77"/>
@@ -8594,7 +11308,9 @@
                       </a:r>
                       <a:endParaRPr lang="en-US" sz="1600" dirty="0">
                         <a:solidFill>
-                          <a:schemeClr val="bg1"/>
+                          <a:schemeClr val="bg2">
+                            <a:lumMod val="50000"/>
+                          </a:schemeClr>
                         </a:solidFill>
                         <a:effectLst/>
                         <a:latin typeface="DIN Alternate" panose="020B0500000000000000" pitchFamily="34" charset="77"/>
@@ -8670,7 +11386,9 @@
                       <a:r>
                         <a:rPr lang="en-US" sz="1600" b="1" i="0" u="none" strike="noStrike" dirty="0">
                           <a:solidFill>
-                            <a:schemeClr val="bg1"/>
+                            <a:schemeClr val="bg2">
+                              <a:lumMod val="50000"/>
+                            </a:schemeClr>
                           </a:solidFill>
                           <a:effectLst/>
                           <a:latin typeface="DIN Alternate" panose="020B0500000000000000" pitchFamily="34" charset="77"/>
@@ -8679,7 +11397,9 @@
                       </a:r>
                       <a:endParaRPr lang="en-US" sz="1600" dirty="0">
                         <a:solidFill>
-                          <a:schemeClr val="bg1"/>
+                          <a:schemeClr val="bg2">
+                            <a:lumMod val="50000"/>
+                          </a:schemeClr>
                         </a:solidFill>
                         <a:effectLst/>
                         <a:latin typeface="DIN Alternate" panose="020B0500000000000000" pitchFamily="34" charset="77"/>
@@ -8755,7 +11475,9 @@
                       <a:r>
                         <a:rPr lang="en-US" sz="1600" b="1" i="0" u="none" strike="noStrike" dirty="0">
                           <a:solidFill>
-                            <a:schemeClr val="bg1"/>
+                            <a:schemeClr val="bg2">
+                              <a:lumMod val="50000"/>
+                            </a:schemeClr>
                           </a:solidFill>
                           <a:effectLst/>
                           <a:latin typeface="DIN Alternate" panose="020B0500000000000000" pitchFamily="34" charset="77"/>
@@ -8764,7 +11486,9 @@
                       </a:r>
                       <a:endParaRPr lang="en-US" sz="1600" dirty="0">
                         <a:solidFill>
-                          <a:schemeClr val="bg1"/>
+                          <a:schemeClr val="bg2">
+                            <a:lumMod val="50000"/>
+                          </a:schemeClr>
                         </a:solidFill>
                         <a:effectLst/>
                         <a:latin typeface="DIN Alternate" panose="020B0500000000000000" pitchFamily="34" charset="77"/>
@@ -8847,7 +11571,9 @@
                       <a:r>
                         <a:rPr lang="en-US" sz="4000" dirty="0">
                           <a:solidFill>
-                            <a:schemeClr val="bg1"/>
+                            <a:schemeClr val="bg2">
+                              <a:lumMod val="50000"/>
+                            </a:schemeClr>
                           </a:solidFill>
                           <a:effectLst/>
                           <a:latin typeface="DIN Alternate" panose="020B0500000000000000" pitchFamily="34" charset="77"/>
@@ -8903,8 +11629,8 @@
                     </a:lnB>
                     <a:solidFill>
                       <a:schemeClr val="tx1">
-                        <a:lumMod val="65000"/>
-                        <a:lumOff val="35000"/>
+                        <a:lumMod val="85000"/>
+                        <a:lumOff val="15000"/>
                       </a:schemeClr>
                     </a:solidFill>
                   </a:tcPr>
@@ -9392,7 +12118,7 @@
           <p:nvPr>
             <p:extLst>
               <p:ext uri="{D42A27DB-BD31-4B8C-83A1-F6EECF244321}">
-                <p14:modId xmlns:p14="http://schemas.microsoft.com/office/powerpoint/2010/main" val="2362547972"/>
+                <p14:modId xmlns:p14="http://schemas.microsoft.com/office/powerpoint/2010/main" val="4266395085"/>
               </p:ext>
             </p:extLst>
           </p:nvPr>
@@ -9454,7 +12180,9 @@
                       <a:r>
                         <a:rPr lang="en-US" sz="1600" b="1" i="0" u="none" strike="noStrike" dirty="0">
                           <a:solidFill>
-                            <a:schemeClr val="bg1"/>
+                            <a:schemeClr val="bg2">
+                              <a:lumMod val="50000"/>
+                            </a:schemeClr>
                           </a:solidFill>
                           <a:effectLst/>
                           <a:latin typeface="DIN Alternate" panose="020B0500000000000000" pitchFamily="34" charset="77"/>
@@ -9463,7 +12191,9 @@
                       </a:r>
                       <a:endParaRPr lang="en-US" sz="1600" dirty="0">
                         <a:solidFill>
-                          <a:schemeClr val="bg1"/>
+                          <a:schemeClr val="bg2">
+                            <a:lumMod val="50000"/>
+                          </a:schemeClr>
                         </a:solidFill>
                         <a:effectLst/>
                         <a:latin typeface="DIN Alternate" panose="020B0500000000000000" pitchFamily="34" charset="77"/>
@@ -9539,7 +12269,9 @@
                       <a:r>
                         <a:rPr lang="en-US" sz="1600" b="1" i="0" u="none" strike="noStrike" dirty="0">
                           <a:solidFill>
-                            <a:schemeClr val="bg1"/>
+                            <a:schemeClr val="bg2">
+                              <a:lumMod val="50000"/>
+                            </a:schemeClr>
                           </a:solidFill>
                           <a:effectLst/>
                           <a:latin typeface="DIN Alternate" panose="020B0500000000000000" pitchFamily="34" charset="77"/>
@@ -9548,7 +12280,9 @@
                       </a:r>
                       <a:endParaRPr lang="en-US" sz="1600" dirty="0">
                         <a:solidFill>
-                          <a:schemeClr val="bg1"/>
+                          <a:schemeClr val="bg2">
+                            <a:lumMod val="50000"/>
+                          </a:schemeClr>
                         </a:solidFill>
                         <a:effectLst/>
                         <a:latin typeface="DIN Alternate" panose="020B0500000000000000" pitchFamily="34" charset="77"/>
@@ -9624,7 +12358,9 @@
                       <a:r>
                         <a:rPr lang="en-US" sz="1600" b="1" i="0" u="none" strike="noStrike" dirty="0">
                           <a:solidFill>
-                            <a:schemeClr val="bg1"/>
+                            <a:schemeClr val="bg2">
+                              <a:lumMod val="50000"/>
+                            </a:schemeClr>
                           </a:solidFill>
                           <a:effectLst/>
                           <a:latin typeface="DIN Alternate" panose="020B0500000000000000" pitchFamily="34" charset="77"/>
@@ -9633,7 +12369,9 @@
                       </a:r>
                       <a:endParaRPr lang="en-US" sz="1600" dirty="0">
                         <a:solidFill>
-                          <a:schemeClr val="bg1"/>
+                          <a:schemeClr val="bg2">
+                            <a:lumMod val="50000"/>
+                          </a:schemeClr>
                         </a:solidFill>
                         <a:effectLst/>
                         <a:latin typeface="DIN Alternate" panose="020B0500000000000000" pitchFamily="34" charset="77"/>
@@ -9709,7 +12447,9 @@
                       <a:r>
                         <a:rPr lang="en-US" sz="1600" b="1" i="0" u="none" strike="noStrike" dirty="0">
                           <a:solidFill>
-                            <a:schemeClr val="bg1"/>
+                            <a:schemeClr val="bg2">
+                              <a:lumMod val="50000"/>
+                            </a:schemeClr>
                           </a:solidFill>
                           <a:effectLst/>
                           <a:latin typeface="DIN Alternate" panose="020B0500000000000000" pitchFamily="34" charset="77"/>
@@ -9718,7 +12458,9 @@
                       </a:r>
                       <a:endParaRPr lang="en-US" sz="1600" dirty="0">
                         <a:solidFill>
-                          <a:schemeClr val="bg1"/>
+                          <a:schemeClr val="bg2">
+                            <a:lumMod val="50000"/>
+                          </a:schemeClr>
                         </a:solidFill>
                         <a:effectLst/>
                         <a:latin typeface="DIN Alternate" panose="020B0500000000000000" pitchFamily="34" charset="77"/>
@@ -9801,7 +12543,9 @@
                       <a:r>
                         <a:rPr lang="en-US" sz="4000" dirty="0">
                           <a:solidFill>
-                            <a:schemeClr val="bg1"/>
+                            <a:schemeClr val="bg2">
+                              <a:lumMod val="50000"/>
+                            </a:schemeClr>
                           </a:solidFill>
                           <a:effectLst/>
                           <a:latin typeface="DIN Alternate" panose="020B0500000000000000" pitchFamily="34" charset="77"/>
@@ -9857,8 +12601,8 @@
                     </a:lnB>
                     <a:solidFill>
                       <a:schemeClr val="tx1">
-                        <a:lumMod val="65000"/>
-                        <a:lumOff val="35000"/>
+                        <a:lumMod val="85000"/>
+                        <a:lumOff val="15000"/>
                       </a:schemeClr>
                     </a:solidFill>
                   </a:tcPr>
@@ -10394,7 +13138,7 @@
           <p:nvPr>
             <p:extLst>
               <p:ext uri="{D42A27DB-BD31-4B8C-83A1-F6EECF244321}">
-                <p14:modId xmlns:p14="http://schemas.microsoft.com/office/powerpoint/2010/main" val="2630896991"/>
+                <p14:modId xmlns:p14="http://schemas.microsoft.com/office/powerpoint/2010/main" val="3335495720"/>
               </p:ext>
             </p:extLst>
           </p:nvPr>
@@ -10456,7 +13200,9 @@
                       <a:r>
                         <a:rPr lang="en-US" sz="1600" b="1" i="0" u="none" strike="noStrike" dirty="0">
                           <a:solidFill>
-                            <a:schemeClr val="bg1"/>
+                            <a:schemeClr val="bg2">
+                              <a:lumMod val="50000"/>
+                            </a:schemeClr>
                           </a:solidFill>
                           <a:effectLst/>
                           <a:latin typeface="DIN Alternate" panose="020B0500000000000000" pitchFamily="34" charset="77"/>
@@ -10465,7 +13211,9 @@
                       </a:r>
                       <a:endParaRPr lang="en-US" sz="1600" dirty="0">
                         <a:solidFill>
-                          <a:schemeClr val="bg1"/>
+                          <a:schemeClr val="bg2">
+                            <a:lumMod val="50000"/>
+                          </a:schemeClr>
                         </a:solidFill>
                         <a:effectLst/>
                         <a:latin typeface="DIN Alternate" panose="020B0500000000000000" pitchFamily="34" charset="77"/>
@@ -10541,7 +13289,9 @@
                       <a:r>
                         <a:rPr lang="en-US" sz="1600" b="1" i="0" u="none" strike="noStrike" dirty="0">
                           <a:solidFill>
-                            <a:schemeClr val="bg1"/>
+                            <a:schemeClr val="bg2">
+                              <a:lumMod val="50000"/>
+                            </a:schemeClr>
                           </a:solidFill>
                           <a:effectLst/>
                           <a:latin typeface="DIN Alternate" panose="020B0500000000000000" pitchFamily="34" charset="77"/>
@@ -10550,7 +13300,9 @@
                       </a:r>
                       <a:endParaRPr lang="en-US" sz="1600" dirty="0">
                         <a:solidFill>
-                          <a:schemeClr val="bg1"/>
+                          <a:schemeClr val="bg2">
+                            <a:lumMod val="50000"/>
+                          </a:schemeClr>
                         </a:solidFill>
                         <a:effectLst/>
                         <a:latin typeface="DIN Alternate" panose="020B0500000000000000" pitchFamily="34" charset="77"/>
@@ -10626,7 +13378,9 @@
                       <a:r>
                         <a:rPr lang="en-US" sz="1600" b="1" i="0" u="none" strike="noStrike" dirty="0">
                           <a:solidFill>
-                            <a:schemeClr val="bg1"/>
+                            <a:schemeClr val="bg2">
+                              <a:lumMod val="50000"/>
+                            </a:schemeClr>
                           </a:solidFill>
                           <a:effectLst/>
                           <a:latin typeface="DIN Alternate" panose="020B0500000000000000" pitchFamily="34" charset="77"/>
@@ -10635,7 +13389,9 @@
                       </a:r>
                       <a:endParaRPr lang="en-US" sz="1600" dirty="0">
                         <a:solidFill>
-                          <a:schemeClr val="bg1"/>
+                          <a:schemeClr val="bg2">
+                            <a:lumMod val="50000"/>
+                          </a:schemeClr>
                         </a:solidFill>
                         <a:effectLst/>
                         <a:latin typeface="DIN Alternate" panose="020B0500000000000000" pitchFamily="34" charset="77"/>
@@ -10711,7 +13467,9 @@
                       <a:r>
                         <a:rPr lang="en-US" sz="1600" b="1" i="0" u="none" strike="noStrike" dirty="0">
                           <a:solidFill>
-                            <a:schemeClr val="bg1"/>
+                            <a:schemeClr val="bg2">
+                              <a:lumMod val="50000"/>
+                            </a:schemeClr>
                           </a:solidFill>
                           <a:effectLst/>
                           <a:latin typeface="DIN Alternate" panose="020B0500000000000000" pitchFamily="34" charset="77"/>
@@ -10720,7 +13478,9 @@
                       </a:r>
                       <a:endParaRPr lang="en-US" sz="1600" dirty="0">
                         <a:solidFill>
-                          <a:schemeClr val="bg1"/>
+                          <a:schemeClr val="bg2">
+                            <a:lumMod val="50000"/>
+                          </a:schemeClr>
                         </a:solidFill>
                         <a:effectLst/>
                         <a:latin typeface="DIN Alternate" panose="020B0500000000000000" pitchFamily="34" charset="77"/>
@@ -10803,7 +13563,9 @@
                       <a:r>
                         <a:rPr lang="en-US" sz="4000" dirty="0">
                           <a:solidFill>
-                            <a:schemeClr val="bg1"/>
+                            <a:schemeClr val="bg2">
+                              <a:lumMod val="50000"/>
+                            </a:schemeClr>
                           </a:solidFill>
                           <a:effectLst/>
                           <a:latin typeface="DIN Alternate" panose="020B0500000000000000" pitchFamily="34" charset="77"/>
@@ -10859,8 +13621,8 @@
                     </a:lnB>
                     <a:solidFill>
                       <a:schemeClr val="tx1">
-                        <a:lumMod val="65000"/>
-                        <a:lumOff val="35000"/>
+                        <a:lumMod val="85000"/>
+                        <a:lumOff val="15000"/>
                       </a:schemeClr>
                     </a:solidFill>
                   </a:tcPr>
@@ -11477,7 +14239,7 @@
           <p:nvPr>
             <p:extLst>
               <p:ext uri="{D42A27DB-BD31-4B8C-83A1-F6EECF244321}">
-                <p14:modId xmlns:p14="http://schemas.microsoft.com/office/powerpoint/2010/main" val="3431245595"/>
+                <p14:modId xmlns:p14="http://schemas.microsoft.com/office/powerpoint/2010/main" val="4259549413"/>
               </p:ext>
             </p:extLst>
           </p:nvPr>
@@ -11539,7 +14301,9 @@
                       <a:r>
                         <a:rPr lang="en-US" sz="1600" b="1" i="0" u="none" strike="noStrike" dirty="0">
                           <a:solidFill>
-                            <a:schemeClr val="bg1"/>
+                            <a:schemeClr val="bg2">
+                              <a:lumMod val="50000"/>
+                            </a:schemeClr>
                           </a:solidFill>
                           <a:effectLst/>
                           <a:latin typeface="DIN Alternate" panose="020B0500000000000000" pitchFamily="34" charset="77"/>
@@ -11548,7 +14312,9 @@
                       </a:r>
                       <a:endParaRPr lang="en-US" sz="1600" dirty="0">
                         <a:solidFill>
-                          <a:schemeClr val="bg1"/>
+                          <a:schemeClr val="bg2">
+                            <a:lumMod val="50000"/>
+                          </a:schemeClr>
                         </a:solidFill>
                         <a:effectLst/>
                         <a:latin typeface="DIN Alternate" panose="020B0500000000000000" pitchFamily="34" charset="77"/>
@@ -11624,7 +14390,9 @@
                       <a:r>
                         <a:rPr lang="en-US" sz="1600" b="1" i="0" u="none" strike="noStrike" dirty="0">
                           <a:solidFill>
-                            <a:schemeClr val="bg1"/>
+                            <a:schemeClr val="bg2">
+                              <a:lumMod val="50000"/>
+                            </a:schemeClr>
                           </a:solidFill>
                           <a:effectLst/>
                           <a:latin typeface="DIN Alternate" panose="020B0500000000000000" pitchFamily="34" charset="77"/>
@@ -11633,7 +14401,9 @@
                       </a:r>
                       <a:endParaRPr lang="en-US" sz="1600" dirty="0">
                         <a:solidFill>
-                          <a:schemeClr val="bg1"/>
+                          <a:schemeClr val="bg2">
+                            <a:lumMod val="50000"/>
+                          </a:schemeClr>
                         </a:solidFill>
                         <a:effectLst/>
                         <a:latin typeface="DIN Alternate" panose="020B0500000000000000" pitchFamily="34" charset="77"/>
@@ -11709,7 +14479,9 @@
                       <a:r>
                         <a:rPr lang="en-US" sz="1600" b="1" i="0" u="none" strike="noStrike" dirty="0">
                           <a:solidFill>
-                            <a:schemeClr val="bg1"/>
+                            <a:schemeClr val="bg2">
+                              <a:lumMod val="50000"/>
+                            </a:schemeClr>
                           </a:solidFill>
                           <a:effectLst/>
                           <a:latin typeface="DIN Alternate" panose="020B0500000000000000" pitchFamily="34" charset="77"/>
@@ -11718,7 +14490,9 @@
                       </a:r>
                       <a:endParaRPr lang="en-US" sz="1600" dirty="0">
                         <a:solidFill>
-                          <a:schemeClr val="bg1"/>
+                          <a:schemeClr val="bg2">
+                            <a:lumMod val="50000"/>
+                          </a:schemeClr>
                         </a:solidFill>
                         <a:effectLst/>
                         <a:latin typeface="DIN Alternate" panose="020B0500000000000000" pitchFamily="34" charset="77"/>
@@ -11794,7 +14568,9 @@
                       <a:r>
                         <a:rPr lang="en-US" sz="1600" b="1" i="0" u="none" strike="noStrike" dirty="0">
                           <a:solidFill>
-                            <a:schemeClr val="bg1"/>
+                            <a:schemeClr val="bg2">
+                              <a:lumMod val="50000"/>
+                            </a:schemeClr>
                           </a:solidFill>
                           <a:effectLst/>
                           <a:latin typeface="DIN Alternate" panose="020B0500000000000000" pitchFamily="34" charset="77"/>
@@ -11803,7 +14579,9 @@
                       </a:r>
                       <a:endParaRPr lang="en-US" sz="1600" dirty="0">
                         <a:solidFill>
-                          <a:schemeClr val="bg1"/>
+                          <a:schemeClr val="bg2">
+                            <a:lumMod val="50000"/>
+                          </a:schemeClr>
                         </a:solidFill>
                         <a:effectLst/>
                         <a:latin typeface="DIN Alternate" panose="020B0500000000000000" pitchFamily="34" charset="77"/>
@@ -11886,7 +14664,9 @@
                       <a:r>
                         <a:rPr lang="en-US" sz="4000" dirty="0">
                           <a:solidFill>
-                            <a:schemeClr val="bg1"/>
+                            <a:schemeClr val="bg2">
+                              <a:lumMod val="50000"/>
+                            </a:schemeClr>
                           </a:solidFill>
                           <a:effectLst/>
                           <a:latin typeface="DIN Alternate" panose="020B0500000000000000" pitchFamily="34" charset="77"/>
@@ -11942,8 +14722,8 @@
                     </a:lnB>
                     <a:solidFill>
                       <a:schemeClr val="tx1">
-                        <a:lumMod val="65000"/>
-                        <a:lumOff val="35000"/>
+                        <a:lumMod val="85000"/>
+                        <a:lumOff val="15000"/>
                       </a:schemeClr>
                     </a:solidFill>
                   </a:tcPr>
@@ -12398,7 +15178,7 @@
           <p:nvPr>
             <p:extLst>
               <p:ext uri="{D42A27DB-BD31-4B8C-83A1-F6EECF244321}">
-                <p14:modId xmlns:p14="http://schemas.microsoft.com/office/powerpoint/2010/main" val="1412069104"/>
+                <p14:modId xmlns:p14="http://schemas.microsoft.com/office/powerpoint/2010/main" val="3869935868"/>
               </p:ext>
             </p:extLst>
           </p:nvPr>
@@ -12460,7 +15240,9 @@
                       <a:r>
                         <a:rPr lang="en-US" sz="1600" b="1" i="0" u="none" strike="noStrike" dirty="0">
                           <a:solidFill>
-                            <a:schemeClr val="bg1"/>
+                            <a:schemeClr val="bg2">
+                              <a:lumMod val="50000"/>
+                            </a:schemeClr>
                           </a:solidFill>
                           <a:effectLst/>
                           <a:latin typeface="DIN Alternate" panose="020B0500000000000000" pitchFamily="34" charset="77"/>
@@ -12469,7 +15251,9 @@
                       </a:r>
                       <a:endParaRPr lang="en-US" sz="1600" dirty="0">
                         <a:solidFill>
-                          <a:schemeClr val="bg1"/>
+                          <a:schemeClr val="bg2">
+                            <a:lumMod val="50000"/>
+                          </a:schemeClr>
                         </a:solidFill>
                         <a:effectLst/>
                         <a:latin typeface="DIN Alternate" panose="020B0500000000000000" pitchFamily="34" charset="77"/>
@@ -12545,7 +15329,9 @@
                       <a:r>
                         <a:rPr lang="en-US" sz="1600" b="1" i="0" u="none" strike="noStrike" dirty="0">
                           <a:solidFill>
-                            <a:schemeClr val="bg1"/>
+                            <a:schemeClr val="bg2">
+                              <a:lumMod val="50000"/>
+                            </a:schemeClr>
                           </a:solidFill>
                           <a:effectLst/>
                           <a:latin typeface="DIN Alternate" panose="020B0500000000000000" pitchFamily="34" charset="77"/>
@@ -12554,7 +15340,9 @@
                       </a:r>
                       <a:endParaRPr lang="en-US" sz="1600" dirty="0">
                         <a:solidFill>
-                          <a:schemeClr val="bg1"/>
+                          <a:schemeClr val="bg2">
+                            <a:lumMod val="50000"/>
+                          </a:schemeClr>
                         </a:solidFill>
                         <a:effectLst/>
                         <a:latin typeface="DIN Alternate" panose="020B0500000000000000" pitchFamily="34" charset="77"/>
@@ -12630,7 +15418,9 @@
                       <a:r>
                         <a:rPr lang="en-US" sz="1600" b="1" i="0" u="none" strike="noStrike" dirty="0">
                           <a:solidFill>
-                            <a:schemeClr val="bg1"/>
+                            <a:schemeClr val="bg2">
+                              <a:lumMod val="50000"/>
+                            </a:schemeClr>
                           </a:solidFill>
                           <a:effectLst/>
                           <a:latin typeface="DIN Alternate" panose="020B0500000000000000" pitchFamily="34" charset="77"/>
@@ -12639,7 +15429,9 @@
                       </a:r>
                       <a:endParaRPr lang="en-US" sz="1600" dirty="0">
                         <a:solidFill>
-                          <a:schemeClr val="bg1"/>
+                          <a:schemeClr val="bg2">
+                            <a:lumMod val="50000"/>
+                          </a:schemeClr>
                         </a:solidFill>
                         <a:effectLst/>
                         <a:latin typeface="DIN Alternate" panose="020B0500000000000000" pitchFamily="34" charset="77"/>
@@ -12715,7 +15507,9 @@
                       <a:r>
                         <a:rPr lang="en-US" sz="1600" b="1" i="0" u="none" strike="noStrike" dirty="0">
                           <a:solidFill>
-                            <a:schemeClr val="bg1"/>
+                            <a:schemeClr val="bg2">
+                              <a:lumMod val="50000"/>
+                            </a:schemeClr>
                           </a:solidFill>
                           <a:effectLst/>
                           <a:latin typeface="DIN Alternate" panose="020B0500000000000000" pitchFamily="34" charset="77"/>
@@ -12724,7 +15518,9 @@
                       </a:r>
                       <a:endParaRPr lang="en-US" sz="1600" dirty="0">
                         <a:solidFill>
-                          <a:schemeClr val="bg1"/>
+                          <a:schemeClr val="bg2">
+                            <a:lumMod val="50000"/>
+                          </a:schemeClr>
                         </a:solidFill>
                         <a:effectLst/>
                         <a:latin typeface="DIN Alternate" panose="020B0500000000000000" pitchFamily="34" charset="77"/>
@@ -12807,7 +15603,9 @@
                       <a:r>
                         <a:rPr lang="en-US" sz="4000" dirty="0">
                           <a:solidFill>
-                            <a:schemeClr val="bg1"/>
+                            <a:schemeClr val="bg2">
+                              <a:lumMod val="50000"/>
+                            </a:schemeClr>
                           </a:solidFill>
                           <a:effectLst/>
                           <a:latin typeface="DIN Alternate" panose="020B0500000000000000" pitchFamily="34" charset="77"/>
@@ -12863,8 +15661,8 @@
                     </a:lnB>
                     <a:solidFill>
                       <a:schemeClr val="tx1">
-                        <a:lumMod val="65000"/>
-                        <a:lumOff val="35000"/>
+                        <a:lumMod val="85000"/>
+                        <a:lumOff val="15000"/>
                       </a:schemeClr>
                     </a:solidFill>
                   </a:tcPr>
@@ -13337,7 +16135,7 @@
               <a:pPr/>
               <a:t>2</a:t>
             </a:fld>
-            <a:endParaRPr lang="en-US"/>
+            <a:endParaRPr lang="en-US" dirty="0"/>
           </a:p>
         </p:txBody>
       </p:sp>
@@ -13590,7 +16388,7 @@
           <p:nvPr>
             <p:extLst>
               <p:ext uri="{D42A27DB-BD31-4B8C-83A1-F6EECF244321}">
-                <p14:modId xmlns:p14="http://schemas.microsoft.com/office/powerpoint/2010/main" val="4171718195"/>
+                <p14:modId xmlns:p14="http://schemas.microsoft.com/office/powerpoint/2010/main" val="2317124849"/>
               </p:ext>
             </p:extLst>
           </p:nvPr>
@@ -13652,7 +16450,9 @@
                       <a:r>
                         <a:rPr lang="en-US" sz="1600" b="1" i="0" u="none" strike="noStrike" dirty="0">
                           <a:solidFill>
-                            <a:schemeClr val="bg1"/>
+                            <a:schemeClr val="bg2">
+                              <a:lumMod val="50000"/>
+                            </a:schemeClr>
                           </a:solidFill>
                           <a:effectLst/>
                           <a:latin typeface="DIN Alternate" panose="020B0500000000000000" pitchFamily="34" charset="77"/>
@@ -13661,7 +16461,9 @@
                       </a:r>
                       <a:endParaRPr lang="en-US" sz="1600" dirty="0">
                         <a:solidFill>
-                          <a:schemeClr val="bg1"/>
+                          <a:schemeClr val="bg2">
+                            <a:lumMod val="50000"/>
+                          </a:schemeClr>
                         </a:solidFill>
                         <a:effectLst/>
                         <a:latin typeface="DIN Alternate" panose="020B0500000000000000" pitchFamily="34" charset="77"/>
@@ -13737,7 +16539,9 @@
                       <a:r>
                         <a:rPr lang="en-US" sz="1600" b="1" i="0" u="none" strike="noStrike" dirty="0">
                           <a:solidFill>
-                            <a:schemeClr val="bg1"/>
+                            <a:schemeClr val="bg2">
+                              <a:lumMod val="50000"/>
+                            </a:schemeClr>
                           </a:solidFill>
                           <a:effectLst/>
                           <a:latin typeface="DIN Alternate" panose="020B0500000000000000" pitchFamily="34" charset="77"/>
@@ -13746,7 +16550,9 @@
                       </a:r>
                       <a:endParaRPr lang="en-US" sz="1600" dirty="0">
                         <a:solidFill>
-                          <a:schemeClr val="bg1"/>
+                          <a:schemeClr val="bg2">
+                            <a:lumMod val="50000"/>
+                          </a:schemeClr>
                         </a:solidFill>
                         <a:effectLst/>
                         <a:latin typeface="DIN Alternate" panose="020B0500000000000000" pitchFamily="34" charset="77"/>
@@ -13822,7 +16628,9 @@
                       <a:r>
                         <a:rPr lang="en-US" sz="1600" b="1" i="0" u="none" strike="noStrike" dirty="0">
                           <a:solidFill>
-                            <a:schemeClr val="bg1"/>
+                            <a:schemeClr val="bg2">
+                              <a:lumMod val="50000"/>
+                            </a:schemeClr>
                           </a:solidFill>
                           <a:effectLst/>
                           <a:latin typeface="DIN Alternate" panose="020B0500000000000000" pitchFamily="34" charset="77"/>
@@ -13831,7 +16639,9 @@
                       </a:r>
                       <a:endParaRPr lang="en-US" sz="1600" dirty="0">
                         <a:solidFill>
-                          <a:schemeClr val="bg1"/>
+                          <a:schemeClr val="bg2">
+                            <a:lumMod val="50000"/>
+                          </a:schemeClr>
                         </a:solidFill>
                         <a:effectLst/>
                         <a:latin typeface="DIN Alternate" panose="020B0500000000000000" pitchFamily="34" charset="77"/>
@@ -13907,7 +16717,9 @@
                       <a:r>
                         <a:rPr lang="en-US" sz="1600" b="1" i="0" u="none" strike="noStrike" dirty="0">
                           <a:solidFill>
-                            <a:schemeClr val="bg1"/>
+                            <a:schemeClr val="bg2">
+                              <a:lumMod val="50000"/>
+                            </a:schemeClr>
                           </a:solidFill>
                           <a:effectLst/>
                           <a:latin typeface="DIN Alternate" panose="020B0500000000000000" pitchFamily="34" charset="77"/>
@@ -13916,7 +16728,9 @@
                       </a:r>
                       <a:endParaRPr lang="en-US" sz="1600" dirty="0">
                         <a:solidFill>
-                          <a:schemeClr val="bg1"/>
+                          <a:schemeClr val="bg2">
+                            <a:lumMod val="50000"/>
+                          </a:schemeClr>
                         </a:solidFill>
                         <a:effectLst/>
                         <a:latin typeface="DIN Alternate" panose="020B0500000000000000" pitchFamily="34" charset="77"/>
@@ -13999,7 +16813,9 @@
                       <a:r>
                         <a:rPr lang="en-US" sz="4000" dirty="0">
                           <a:solidFill>
-                            <a:schemeClr val="bg1"/>
+                            <a:schemeClr val="bg2">
+                              <a:lumMod val="50000"/>
+                            </a:schemeClr>
                           </a:solidFill>
                           <a:effectLst/>
                           <a:latin typeface="DIN Alternate" panose="020B0500000000000000" pitchFamily="34" charset="77"/>
@@ -14055,8 +16871,8 @@
                     </a:lnB>
                     <a:solidFill>
                       <a:schemeClr val="tx1">
-                        <a:lumMod val="65000"/>
-                        <a:lumOff val="35000"/>
+                        <a:lumMod val="85000"/>
+                        <a:lumOff val="15000"/>
                       </a:schemeClr>
                     </a:solidFill>
                   </a:tcPr>
@@ -14613,7 +17429,7 @@
           <p:nvPr>
             <p:extLst>
               <p:ext uri="{D42A27DB-BD31-4B8C-83A1-F6EECF244321}">
-                <p14:modId xmlns:p14="http://schemas.microsoft.com/office/powerpoint/2010/main" val="3170489480"/>
+                <p14:modId xmlns:p14="http://schemas.microsoft.com/office/powerpoint/2010/main" val="759573792"/>
               </p:ext>
             </p:extLst>
           </p:nvPr>
@@ -14675,7 +17491,9 @@
                       <a:r>
                         <a:rPr lang="en-US" sz="1600" b="1" i="0" u="none" strike="noStrike" dirty="0">
                           <a:solidFill>
-                            <a:schemeClr val="bg1"/>
+                            <a:schemeClr val="bg2">
+                              <a:lumMod val="50000"/>
+                            </a:schemeClr>
                           </a:solidFill>
                           <a:effectLst/>
                           <a:latin typeface="DIN Alternate" panose="020B0500000000000000" pitchFamily="34" charset="77"/>
@@ -14684,7 +17502,9 @@
                       </a:r>
                       <a:endParaRPr lang="en-US" sz="1600" dirty="0">
                         <a:solidFill>
-                          <a:schemeClr val="bg1"/>
+                          <a:schemeClr val="bg2">
+                            <a:lumMod val="50000"/>
+                          </a:schemeClr>
                         </a:solidFill>
                         <a:effectLst/>
                         <a:latin typeface="DIN Alternate" panose="020B0500000000000000" pitchFamily="34" charset="77"/>
@@ -14760,7 +17580,9 @@
                       <a:r>
                         <a:rPr lang="en-US" sz="1600" b="1" i="0" u="none" strike="noStrike" dirty="0">
                           <a:solidFill>
-                            <a:schemeClr val="bg1"/>
+                            <a:schemeClr val="bg2">
+                              <a:lumMod val="50000"/>
+                            </a:schemeClr>
                           </a:solidFill>
                           <a:effectLst/>
                           <a:latin typeface="DIN Alternate" panose="020B0500000000000000" pitchFamily="34" charset="77"/>
@@ -14769,7 +17591,9 @@
                       </a:r>
                       <a:endParaRPr lang="en-US" sz="1600" dirty="0">
                         <a:solidFill>
-                          <a:schemeClr val="bg1"/>
+                          <a:schemeClr val="bg2">
+                            <a:lumMod val="50000"/>
+                          </a:schemeClr>
                         </a:solidFill>
                         <a:effectLst/>
                         <a:latin typeface="DIN Alternate" panose="020B0500000000000000" pitchFamily="34" charset="77"/>
@@ -14845,7 +17669,9 @@
                       <a:r>
                         <a:rPr lang="en-US" sz="1600" b="1" i="0" u="none" strike="noStrike" dirty="0">
                           <a:solidFill>
-                            <a:schemeClr val="bg1"/>
+                            <a:schemeClr val="bg2">
+                              <a:lumMod val="50000"/>
+                            </a:schemeClr>
                           </a:solidFill>
                           <a:effectLst/>
                           <a:latin typeface="DIN Alternate" panose="020B0500000000000000" pitchFamily="34" charset="77"/>
@@ -14854,7 +17680,9 @@
                       </a:r>
                       <a:endParaRPr lang="en-US" sz="1600" dirty="0">
                         <a:solidFill>
-                          <a:schemeClr val="bg1"/>
+                          <a:schemeClr val="bg2">
+                            <a:lumMod val="50000"/>
+                          </a:schemeClr>
                         </a:solidFill>
                         <a:effectLst/>
                         <a:latin typeface="DIN Alternate" panose="020B0500000000000000" pitchFamily="34" charset="77"/>
@@ -14930,7 +17758,9 @@
                       <a:r>
                         <a:rPr lang="en-US" sz="1600" b="1" i="0" u="none" strike="noStrike" dirty="0">
                           <a:solidFill>
-                            <a:schemeClr val="bg1"/>
+                            <a:schemeClr val="bg2">
+                              <a:lumMod val="50000"/>
+                            </a:schemeClr>
                           </a:solidFill>
                           <a:effectLst/>
                           <a:latin typeface="DIN Alternate" panose="020B0500000000000000" pitchFamily="34" charset="77"/>
@@ -14939,7 +17769,9 @@
                       </a:r>
                       <a:endParaRPr lang="en-US" sz="1600" dirty="0">
                         <a:solidFill>
-                          <a:schemeClr val="bg1"/>
+                          <a:schemeClr val="bg2">
+                            <a:lumMod val="50000"/>
+                          </a:schemeClr>
                         </a:solidFill>
                         <a:effectLst/>
                         <a:latin typeface="DIN Alternate" panose="020B0500000000000000" pitchFamily="34" charset="77"/>
@@ -15022,7 +17854,9 @@
                       <a:r>
                         <a:rPr lang="en-US" sz="4000" dirty="0">
                           <a:solidFill>
-                            <a:schemeClr val="bg1"/>
+                            <a:schemeClr val="bg2">
+                              <a:lumMod val="50000"/>
+                            </a:schemeClr>
                           </a:solidFill>
                           <a:effectLst/>
                           <a:latin typeface="DIN Alternate" panose="020B0500000000000000" pitchFamily="34" charset="77"/>
@@ -15078,8 +17912,8 @@
                     </a:lnB>
                     <a:solidFill>
                       <a:schemeClr val="tx1">
-                        <a:lumMod val="65000"/>
-                        <a:lumOff val="35000"/>
+                        <a:lumMod val="85000"/>
+                        <a:lumOff val="15000"/>
                       </a:schemeClr>
                     </a:solidFill>
                   </a:tcPr>
@@ -15603,7 +18437,7 @@
           <p:nvPr>
             <p:extLst>
               <p:ext uri="{D42A27DB-BD31-4B8C-83A1-F6EECF244321}">
-                <p14:modId xmlns:p14="http://schemas.microsoft.com/office/powerpoint/2010/main" val="3721331101"/>
+                <p14:modId xmlns:p14="http://schemas.microsoft.com/office/powerpoint/2010/main" val="2991008581"/>
               </p:ext>
             </p:extLst>
           </p:nvPr>
@@ -15665,7 +18499,9 @@
                       <a:r>
                         <a:rPr lang="en-US" sz="1600" b="1" i="0" u="none" strike="noStrike" dirty="0">
                           <a:solidFill>
-                            <a:schemeClr val="bg1"/>
+                            <a:schemeClr val="bg2">
+                              <a:lumMod val="50000"/>
+                            </a:schemeClr>
                           </a:solidFill>
                           <a:effectLst/>
                           <a:latin typeface="DIN Alternate" panose="020B0500000000000000" pitchFamily="34" charset="77"/>
@@ -15674,7 +18510,9 @@
                       </a:r>
                       <a:endParaRPr lang="en-US" sz="1600" dirty="0">
                         <a:solidFill>
-                          <a:schemeClr val="bg1"/>
+                          <a:schemeClr val="bg2">
+                            <a:lumMod val="50000"/>
+                          </a:schemeClr>
                         </a:solidFill>
                         <a:effectLst/>
                         <a:latin typeface="DIN Alternate" panose="020B0500000000000000" pitchFamily="34" charset="77"/>
@@ -15750,7 +18588,9 @@
                       <a:r>
                         <a:rPr lang="en-US" sz="1600" b="1" i="0" u="none" strike="noStrike" dirty="0">
                           <a:solidFill>
-                            <a:schemeClr val="bg1"/>
+                            <a:schemeClr val="bg2">
+                              <a:lumMod val="50000"/>
+                            </a:schemeClr>
                           </a:solidFill>
                           <a:effectLst/>
                           <a:latin typeface="DIN Alternate" panose="020B0500000000000000" pitchFamily="34" charset="77"/>
@@ -15759,7 +18599,9 @@
                       </a:r>
                       <a:endParaRPr lang="en-US" sz="1600" dirty="0">
                         <a:solidFill>
-                          <a:schemeClr val="bg1"/>
+                          <a:schemeClr val="bg2">
+                            <a:lumMod val="50000"/>
+                          </a:schemeClr>
                         </a:solidFill>
                         <a:effectLst/>
                         <a:latin typeface="DIN Alternate" panose="020B0500000000000000" pitchFamily="34" charset="77"/>
@@ -15835,7 +18677,9 @@
                       <a:r>
                         <a:rPr lang="en-US" sz="1600" b="1" i="0" u="none" strike="noStrike" dirty="0">
                           <a:solidFill>
-                            <a:schemeClr val="bg1"/>
+                            <a:schemeClr val="bg2">
+                              <a:lumMod val="50000"/>
+                            </a:schemeClr>
                           </a:solidFill>
                           <a:effectLst/>
                           <a:latin typeface="DIN Alternate" panose="020B0500000000000000" pitchFamily="34" charset="77"/>
@@ -15844,7 +18688,9 @@
                       </a:r>
                       <a:endParaRPr lang="en-US" sz="1600" dirty="0">
                         <a:solidFill>
-                          <a:schemeClr val="bg1"/>
+                          <a:schemeClr val="bg2">
+                            <a:lumMod val="50000"/>
+                          </a:schemeClr>
                         </a:solidFill>
                         <a:effectLst/>
                         <a:latin typeface="DIN Alternate" panose="020B0500000000000000" pitchFamily="34" charset="77"/>
@@ -15920,7 +18766,9 @@
                       <a:r>
                         <a:rPr lang="en-US" sz="1600" b="1" i="0" u="none" strike="noStrike" dirty="0">
                           <a:solidFill>
-                            <a:schemeClr val="bg1"/>
+                            <a:schemeClr val="bg2">
+                              <a:lumMod val="50000"/>
+                            </a:schemeClr>
                           </a:solidFill>
                           <a:effectLst/>
                           <a:latin typeface="DIN Alternate" panose="020B0500000000000000" pitchFamily="34" charset="77"/>
@@ -15929,7 +18777,9 @@
                       </a:r>
                       <a:endParaRPr lang="en-US" sz="1600" dirty="0">
                         <a:solidFill>
-                          <a:schemeClr val="bg1"/>
+                          <a:schemeClr val="bg2">
+                            <a:lumMod val="50000"/>
+                          </a:schemeClr>
                         </a:solidFill>
                         <a:effectLst/>
                         <a:latin typeface="DIN Alternate" panose="020B0500000000000000" pitchFamily="34" charset="77"/>
@@ -16012,7 +18862,9 @@
                       <a:r>
                         <a:rPr lang="en-US" sz="4000" dirty="0">
                           <a:solidFill>
-                            <a:schemeClr val="bg1"/>
+                            <a:schemeClr val="bg2">
+                              <a:lumMod val="50000"/>
+                            </a:schemeClr>
                           </a:solidFill>
                           <a:effectLst/>
                           <a:latin typeface="DIN Alternate" panose="020B0500000000000000" pitchFamily="34" charset="77"/>
@@ -16068,8 +18920,8 @@
                     </a:lnB>
                     <a:solidFill>
                       <a:schemeClr val="tx1">
-                        <a:lumMod val="65000"/>
-                        <a:lumOff val="35000"/>
+                        <a:lumMod val="85000"/>
+                        <a:lumOff val="15000"/>
                       </a:schemeClr>
                     </a:solidFill>
                   </a:tcPr>
@@ -16566,7 +19418,7 @@
           <p:nvPr>
             <p:extLst>
               <p:ext uri="{D42A27DB-BD31-4B8C-83A1-F6EECF244321}">
-                <p14:modId xmlns:p14="http://schemas.microsoft.com/office/powerpoint/2010/main" val="1558733359"/>
+                <p14:modId xmlns:p14="http://schemas.microsoft.com/office/powerpoint/2010/main" val="863423134"/>
               </p:ext>
             </p:extLst>
           </p:nvPr>
@@ -16628,7 +19480,9 @@
                       <a:r>
                         <a:rPr lang="en-US" sz="1600" b="1" i="0" u="none" strike="noStrike" dirty="0">
                           <a:solidFill>
-                            <a:schemeClr val="bg1"/>
+                            <a:schemeClr val="bg2">
+                              <a:lumMod val="50000"/>
+                            </a:schemeClr>
                           </a:solidFill>
                           <a:effectLst/>
                           <a:latin typeface="DIN Alternate" panose="020B0500000000000000" pitchFamily="34" charset="77"/>
@@ -16637,7 +19491,9 @@
                       </a:r>
                       <a:endParaRPr lang="en-US" sz="1600" dirty="0">
                         <a:solidFill>
-                          <a:schemeClr val="bg1"/>
+                          <a:schemeClr val="bg2">
+                            <a:lumMod val="50000"/>
+                          </a:schemeClr>
                         </a:solidFill>
                         <a:effectLst/>
                         <a:latin typeface="DIN Alternate" panose="020B0500000000000000" pitchFamily="34" charset="77"/>
@@ -16713,7 +19569,9 @@
                       <a:r>
                         <a:rPr lang="en-US" sz="1600" b="1" i="0" u="none" strike="noStrike" dirty="0">
                           <a:solidFill>
-                            <a:schemeClr val="bg1"/>
+                            <a:schemeClr val="bg2">
+                              <a:lumMod val="50000"/>
+                            </a:schemeClr>
                           </a:solidFill>
                           <a:effectLst/>
                           <a:latin typeface="DIN Alternate" panose="020B0500000000000000" pitchFamily="34" charset="77"/>
@@ -16722,7 +19580,9 @@
                       </a:r>
                       <a:endParaRPr lang="en-US" sz="1600" dirty="0">
                         <a:solidFill>
-                          <a:schemeClr val="bg1"/>
+                          <a:schemeClr val="bg2">
+                            <a:lumMod val="50000"/>
+                          </a:schemeClr>
                         </a:solidFill>
                         <a:effectLst/>
                         <a:latin typeface="DIN Alternate" panose="020B0500000000000000" pitchFamily="34" charset="77"/>
@@ -16798,7 +19658,9 @@
                       <a:r>
                         <a:rPr lang="en-US" sz="1600" b="1" i="0" u="none" strike="noStrike" dirty="0">
                           <a:solidFill>
-                            <a:schemeClr val="bg1"/>
+                            <a:schemeClr val="bg2">
+                              <a:lumMod val="50000"/>
+                            </a:schemeClr>
                           </a:solidFill>
                           <a:effectLst/>
                           <a:latin typeface="DIN Alternate" panose="020B0500000000000000" pitchFamily="34" charset="77"/>
@@ -16807,7 +19669,9 @@
                       </a:r>
                       <a:endParaRPr lang="en-US" sz="1600" dirty="0">
                         <a:solidFill>
-                          <a:schemeClr val="bg1"/>
+                          <a:schemeClr val="bg2">
+                            <a:lumMod val="50000"/>
+                          </a:schemeClr>
                         </a:solidFill>
                         <a:effectLst/>
                         <a:latin typeface="DIN Alternate" panose="020B0500000000000000" pitchFamily="34" charset="77"/>
@@ -16883,7 +19747,9 @@
                       <a:r>
                         <a:rPr lang="en-US" sz="1600" b="1" i="0" u="none" strike="noStrike" dirty="0">
                           <a:solidFill>
-                            <a:schemeClr val="bg1"/>
+                            <a:schemeClr val="bg2">
+                              <a:lumMod val="50000"/>
+                            </a:schemeClr>
                           </a:solidFill>
                           <a:effectLst/>
                           <a:latin typeface="DIN Alternate" panose="020B0500000000000000" pitchFamily="34" charset="77"/>
@@ -16892,7 +19758,9 @@
                       </a:r>
                       <a:endParaRPr lang="en-US" sz="1600" dirty="0">
                         <a:solidFill>
-                          <a:schemeClr val="bg1"/>
+                          <a:schemeClr val="bg2">
+                            <a:lumMod val="50000"/>
+                          </a:schemeClr>
                         </a:solidFill>
                         <a:effectLst/>
                         <a:latin typeface="DIN Alternate" panose="020B0500000000000000" pitchFamily="34" charset="77"/>
@@ -16975,7 +19843,9 @@
                       <a:r>
                         <a:rPr lang="en-US" sz="4000" dirty="0">
                           <a:solidFill>
-                            <a:schemeClr val="bg1"/>
+                            <a:schemeClr val="bg2">
+                              <a:lumMod val="50000"/>
+                            </a:schemeClr>
                           </a:solidFill>
                           <a:effectLst/>
                           <a:latin typeface="DIN Alternate" panose="020B0500000000000000" pitchFamily="34" charset="77"/>
@@ -17031,8 +19901,8 @@
                     </a:lnB>
                     <a:solidFill>
                       <a:schemeClr val="tx1">
-                        <a:lumMod val="65000"/>
-                        <a:lumOff val="35000"/>
+                        <a:lumMod val="85000"/>
+                        <a:lumOff val="15000"/>
                       </a:schemeClr>
                     </a:solidFill>
                   </a:tcPr>
@@ -17524,7 +20394,7 @@
           <p:nvPr>
             <p:extLst>
               <p:ext uri="{D42A27DB-BD31-4B8C-83A1-F6EECF244321}">
-                <p14:modId xmlns:p14="http://schemas.microsoft.com/office/powerpoint/2010/main" val="433414808"/>
+                <p14:modId xmlns:p14="http://schemas.microsoft.com/office/powerpoint/2010/main" val="2192075962"/>
               </p:ext>
             </p:extLst>
           </p:nvPr>
@@ -17586,7 +20456,9 @@
                       <a:r>
                         <a:rPr lang="en-US" sz="1600" b="1" i="0" u="none" strike="noStrike" dirty="0">
                           <a:solidFill>
-                            <a:schemeClr val="bg1"/>
+                            <a:schemeClr val="bg2">
+                              <a:lumMod val="50000"/>
+                            </a:schemeClr>
                           </a:solidFill>
                           <a:effectLst/>
                           <a:latin typeface="DIN Alternate" panose="020B0500000000000000" pitchFamily="34" charset="77"/>
@@ -17595,7 +20467,9 @@
                       </a:r>
                       <a:endParaRPr lang="en-US" sz="1600" dirty="0">
                         <a:solidFill>
-                          <a:schemeClr val="bg1"/>
+                          <a:schemeClr val="bg2">
+                            <a:lumMod val="50000"/>
+                          </a:schemeClr>
                         </a:solidFill>
                         <a:effectLst/>
                         <a:latin typeface="DIN Alternate" panose="020B0500000000000000" pitchFamily="34" charset="77"/>
@@ -17671,7 +20545,9 @@
                       <a:r>
                         <a:rPr lang="en-US" sz="1600" b="1" i="0" u="none" strike="noStrike" dirty="0">
                           <a:solidFill>
-                            <a:schemeClr val="bg1"/>
+                            <a:schemeClr val="bg2">
+                              <a:lumMod val="50000"/>
+                            </a:schemeClr>
                           </a:solidFill>
                           <a:effectLst/>
                           <a:latin typeface="DIN Alternate" panose="020B0500000000000000" pitchFamily="34" charset="77"/>
@@ -17680,7 +20556,9 @@
                       </a:r>
                       <a:endParaRPr lang="en-US" sz="1600" dirty="0">
                         <a:solidFill>
-                          <a:schemeClr val="bg1"/>
+                          <a:schemeClr val="bg2">
+                            <a:lumMod val="50000"/>
+                          </a:schemeClr>
                         </a:solidFill>
                         <a:effectLst/>
                         <a:latin typeface="DIN Alternate" panose="020B0500000000000000" pitchFamily="34" charset="77"/>
@@ -17756,7 +20634,9 @@
                       <a:r>
                         <a:rPr lang="en-US" sz="1600" b="1" i="0" u="none" strike="noStrike" dirty="0">
                           <a:solidFill>
-                            <a:schemeClr val="bg1"/>
+                            <a:schemeClr val="bg2">
+                              <a:lumMod val="50000"/>
+                            </a:schemeClr>
                           </a:solidFill>
                           <a:effectLst/>
                           <a:latin typeface="DIN Alternate" panose="020B0500000000000000" pitchFamily="34" charset="77"/>
@@ -17765,7 +20645,9 @@
                       </a:r>
                       <a:endParaRPr lang="en-US" sz="1600" dirty="0">
                         <a:solidFill>
-                          <a:schemeClr val="bg1"/>
+                          <a:schemeClr val="bg2">
+                            <a:lumMod val="50000"/>
+                          </a:schemeClr>
                         </a:solidFill>
                         <a:effectLst/>
                         <a:latin typeface="DIN Alternate" panose="020B0500000000000000" pitchFamily="34" charset="77"/>
@@ -17841,7 +20723,9 @@
                       <a:r>
                         <a:rPr lang="en-US" sz="1600" b="1" i="0" u="none" strike="noStrike" dirty="0">
                           <a:solidFill>
-                            <a:schemeClr val="bg1"/>
+                            <a:schemeClr val="bg2">
+                              <a:lumMod val="50000"/>
+                            </a:schemeClr>
                           </a:solidFill>
                           <a:effectLst/>
                           <a:latin typeface="DIN Alternate" panose="020B0500000000000000" pitchFamily="34" charset="77"/>
@@ -17850,7 +20734,9 @@
                       </a:r>
                       <a:endParaRPr lang="en-US" sz="1600" dirty="0">
                         <a:solidFill>
-                          <a:schemeClr val="bg1"/>
+                          <a:schemeClr val="bg2">
+                            <a:lumMod val="50000"/>
+                          </a:schemeClr>
                         </a:solidFill>
                         <a:effectLst/>
                         <a:latin typeface="DIN Alternate" panose="020B0500000000000000" pitchFamily="34" charset="77"/>
@@ -17933,7 +20819,9 @@
                       <a:r>
                         <a:rPr lang="en-US" sz="4000" dirty="0">
                           <a:solidFill>
-                            <a:schemeClr val="bg1"/>
+                            <a:schemeClr val="bg2">
+                              <a:lumMod val="50000"/>
+                            </a:schemeClr>
                           </a:solidFill>
                           <a:effectLst/>
                           <a:latin typeface="DIN Alternate" panose="020B0500000000000000" pitchFamily="34" charset="77"/>
@@ -17989,8 +20877,8 @@
                     </a:lnB>
                     <a:solidFill>
                       <a:schemeClr val="tx1">
-                        <a:lumMod val="65000"/>
-                        <a:lumOff val="35000"/>
+                        <a:lumMod val="85000"/>
+                        <a:lumOff val="15000"/>
                       </a:schemeClr>
                     </a:solidFill>
                   </a:tcPr>
@@ -18482,7 +21370,7 @@
           <p:nvPr/>
         </p:nvPicPr>
         <p:blipFill>
-          <a:blip r:embed="rId2">
+          <a:blip r:embed="rId3">
             <a:extLst>
               <a:ext uri="{28A0092B-C50C-407E-A947-70E740481C1C}">
                 <a14:useLocalDpi xmlns:a14="http://schemas.microsoft.com/office/drawing/2010/main" val="0"/>
@@ -19929,7 +22817,7 @@
           </a:xfrm>
           <a:prstGeom prst="roundRect">
             <a:avLst>
-              <a:gd name="adj" fmla="val 4896"/>
+              <a:gd name="adj" fmla="val 28085"/>
             </a:avLst>
           </a:prstGeom>
           <a:solidFill>
@@ -19970,7 +22858,7 @@
               <a:rPr lang="en-US" i="1" dirty="0">
                 <a:latin typeface="DIN Alternate" panose="020B0500000000000000" pitchFamily="34" charset="77"/>
               </a:rPr>
-              <a:t>*Funds will be acquired from department allowance of $100 per person</a:t>
+              <a:t>* Funds will be acquired from department allowance of $100 per person</a:t>
             </a:r>
             <a:endParaRPr lang="en-US" sz="2400" i="1" dirty="0">
               <a:latin typeface="DIN Alternate" panose="020B0500000000000000" pitchFamily="34" charset="77"/>
@@ -20121,8 +23009,8 @@
         </p:nvSpPr>
         <p:spPr>
           <a:xfrm>
-            <a:off x="304800" y="1371600"/>
-            <a:ext cx="8534400" cy="4343400"/>
+            <a:off x="304800" y="1600200"/>
+            <a:ext cx="8534400" cy="3352800"/>
           </a:xfrm>
           <a:prstGeom prst="roundRect">
             <a:avLst>
@@ -20168,7 +23056,7 @@
               <a:buChar char="•"/>
             </a:pPr>
             <a:r>
-              <a:rPr lang="en-US" sz="3200" dirty="0">
+              <a:rPr lang="en-US" sz="2800" dirty="0">
                 <a:latin typeface="DIN Alternate" panose="020B0500000000000000" pitchFamily="34" charset="77"/>
               </a:rPr>
               <a:t>We are developing the functionality for the robot to have social interactions with humans</a:t>
@@ -20180,7 +23068,7 @@
               <a:buChar char="•"/>
             </a:pPr>
             <a:r>
-              <a:rPr lang="en-US" sz="3200" dirty="0">
+              <a:rPr lang="en-US" sz="2800" dirty="0">
                 <a:latin typeface="DIN Alternate" panose="020B0500000000000000" pitchFamily="34" charset="77"/>
               </a:rPr>
               <a:t>Limited in our knowledge of literature on best approaches for social development in children with ASD - specific therapeutics are out of scope</a:t>
@@ -20192,7 +23080,7 @@
               <a:buChar char="•"/>
             </a:pPr>
             <a:r>
-              <a:rPr lang="en-US" sz="3200" dirty="0">
+              <a:rPr lang="en-US" sz="2800" dirty="0">
                 <a:latin typeface="DIN Alternate" panose="020B0500000000000000" pitchFamily="34" charset="77"/>
               </a:rPr>
               <a:t>Our work is more general in scope and guided by our sponsors prior research and guidance</a:t>
@@ -20344,7 +23232,7 @@
         <p:spPr>
           <a:xfrm>
             <a:off x="303026" y="1296655"/>
-            <a:ext cx="8455573" cy="2468563"/>
+            <a:ext cx="8455573" cy="4265945"/>
           </a:xfrm>
           <a:prstGeom prst="roundRect">
             <a:avLst>
@@ -20385,6 +23273,10 @@
           <a:bodyPr rtlCol="0" anchor="ctr"/>
           <a:lstStyle/>
           <a:p>
+            <a:pPr marL="342900" indent="-342900">
+              <a:buFont typeface="Arial" panose="020B0604020202020204" pitchFamily="34" charset="0"/>
+              <a:buChar char="•"/>
+            </a:pPr>
             <a:r>
               <a:rPr lang="en-US" sz="2400" dirty="0">
                 <a:solidFill>
@@ -20392,7 +23284,100 @@
                 </a:solidFill>
                 <a:latin typeface="DIN Alternate" panose="020B0500000000000000" pitchFamily="34" charset="77"/>
               </a:rPr>
-              <a:t>Concluding remarks...</a:t>
+              <a:t>Extend the existing NAO Framework to support advanced social behaviors</a:t>
+            </a:r>
+          </a:p>
+          <a:p>
+            <a:pPr marL="742950" lvl="1" indent="-285750" fontAlgn="base">
+              <a:buFont typeface="Arial" panose="020B0604020202020204" pitchFamily="34" charset="0"/>
+              <a:buChar char="•"/>
+            </a:pPr>
+            <a:r>
+              <a:rPr lang="en-US" sz="2400" dirty="0">
+                <a:latin typeface="DIN Alternate" panose="020B0500000000000000" pitchFamily="34" charset="77"/>
+              </a:rPr>
+              <a:t>Cognition</a:t>
+            </a:r>
+          </a:p>
+          <a:p>
+            <a:pPr marL="742950" lvl="1" indent="-285750" fontAlgn="base">
+              <a:buFont typeface="Arial" panose="020B0604020202020204" pitchFamily="34" charset="0"/>
+              <a:buChar char="•"/>
+            </a:pPr>
+            <a:r>
+              <a:rPr lang="en-US" sz="2400" dirty="0">
+                <a:latin typeface="DIN Alternate" panose="020B0500000000000000" pitchFamily="34" charset="77"/>
+              </a:rPr>
+              <a:t>Speech</a:t>
+            </a:r>
+          </a:p>
+          <a:p>
+            <a:pPr marL="742950" lvl="1" indent="-285750" fontAlgn="base">
+              <a:buFont typeface="Arial" panose="020B0604020202020204" pitchFamily="34" charset="0"/>
+              <a:buChar char="•"/>
+            </a:pPr>
+            <a:r>
+              <a:rPr lang="en-US" sz="2400" dirty="0">
+                <a:latin typeface="DIN Alternate" panose="020B0500000000000000" pitchFamily="34" charset="77"/>
+              </a:rPr>
+              <a:t>Vision</a:t>
+            </a:r>
+          </a:p>
+          <a:p>
+            <a:pPr marL="742950" lvl="1" indent="-285750" fontAlgn="base">
+              <a:buFont typeface="Arial" panose="020B0604020202020204" pitchFamily="34" charset="0"/>
+              <a:buChar char="•"/>
+            </a:pPr>
+            <a:r>
+              <a:rPr lang="en-US" sz="2400" dirty="0">
+                <a:latin typeface="DIN Alternate" panose="020B0500000000000000" pitchFamily="34" charset="77"/>
+              </a:rPr>
+              <a:t>Mobility &amp; Motor Control</a:t>
+            </a:r>
+          </a:p>
+          <a:p>
+            <a:pPr marL="342900" indent="-342900">
+              <a:buFont typeface="Arial" panose="020B0604020202020204" pitchFamily="34" charset="0"/>
+              <a:buChar char="•"/>
+            </a:pPr>
+            <a:r>
+              <a:rPr lang="en-US" sz="2400" dirty="0">
+                <a:solidFill>
+                  <a:schemeClr val="bg1"/>
+                </a:solidFill>
+                <a:latin typeface="DIN Alternate" panose="020B0500000000000000" pitchFamily="34" charset="77"/>
+              </a:rPr>
+              <a:t>Provide advanced social behaviors in order to promote interaction and social learning for ASD youth</a:t>
+            </a:r>
+          </a:p>
+          <a:p>
+            <a:pPr marL="342900" indent="-342900">
+              <a:buFont typeface="Arial" panose="020B0604020202020204" pitchFamily="34" charset="0"/>
+              <a:buChar char="•"/>
+            </a:pPr>
+            <a:r>
+              <a:rPr lang="en-US" sz="2400" dirty="0">
+                <a:solidFill>
+                  <a:schemeClr val="bg1"/>
+                </a:solidFill>
+                <a:latin typeface="DIN Alternate" panose="020B0500000000000000" pitchFamily="34" charset="77"/>
+              </a:rPr>
+              <a:t>Fulfill specific Social Interactive Drawing scenario</a:t>
+            </a:r>
+          </a:p>
+          <a:p>
+            <a:pPr marL="342900" indent="-342900">
+              <a:buFont typeface="Arial" panose="020B0604020202020204" pitchFamily="34" charset="0"/>
+              <a:buChar char="•"/>
+            </a:pPr>
+            <a:r>
+              <a:rPr lang="en-US" sz="2400" dirty="0">
+                <a:solidFill>
+                  <a:schemeClr val="bg1"/>
+                </a:solidFill>
+                <a:latin typeface="DIN Alternate" panose="020B0500000000000000" pitchFamily="34" charset="77"/>
+              </a:rPr>
+              <a:t>Create documented SDK for future application development</a:t>
             </a:r>
           </a:p>
         </p:txBody>
@@ -20757,7 +23742,7 @@
                 </a:effectLst>
                 <a:latin typeface="DIN Alternate" panose="020B0500000000000000" pitchFamily="34" charset="77"/>
               </a:rPr>
-              <a:t>ANY QUESTIONS?</a:t>
+              <a:t>QUESTIONS?</a:t>
             </a:r>
           </a:p>
         </p:txBody>
@@ -21795,7 +24780,7 @@
           <p:nvPr>
             <p:extLst>
               <p:ext uri="{D42A27DB-BD31-4B8C-83A1-F6EECF244321}">
-                <p14:modId xmlns:p14="http://schemas.microsoft.com/office/powerpoint/2010/main" val="982769102"/>
+                <p14:modId xmlns:p14="http://schemas.microsoft.com/office/powerpoint/2010/main" val="3447793789"/>
               </p:ext>
             </p:extLst>
           </p:nvPr>
@@ -21871,7 +24856,9 @@
                       <a:r>
                         <a:rPr lang="en-US" sz="2000" b="1" i="0" u="none" strike="noStrike" kern="1200" dirty="0">
                           <a:solidFill>
-                            <a:schemeClr val="bg1"/>
+                            <a:schemeClr val="bg2">
+                              <a:lumMod val="50000"/>
+                            </a:schemeClr>
                           </a:solidFill>
                           <a:effectLst/>
                           <a:latin typeface="+mn-lt"/>
@@ -21882,7 +24869,9 @@
                       </a:r>
                       <a:endParaRPr lang="en-US" sz="2000" dirty="0">
                         <a:solidFill>
-                          <a:schemeClr val="bg1"/>
+                          <a:schemeClr val="bg2">
+                            <a:lumMod val="50000"/>
+                          </a:schemeClr>
                         </a:solidFill>
                       </a:endParaRPr>
                     </a:p>
@@ -22329,7 +25318,9 @@
                       <a:r>
                         <a:rPr lang="en-US" sz="1600" b="1" i="0" u="none" strike="noStrike" dirty="0">
                           <a:solidFill>
-                            <a:schemeClr val="bg1"/>
+                            <a:schemeClr val="bg2">
+                              <a:lumMod val="50000"/>
+                            </a:schemeClr>
                           </a:solidFill>
                           <a:effectLst/>
                           <a:latin typeface="DIN Alternate" panose="020B0500000000000000" pitchFamily="34" charset="77"/>
@@ -22338,7 +25329,9 @@
                       </a:r>
                       <a:endParaRPr lang="en-US" sz="1600" dirty="0">
                         <a:solidFill>
-                          <a:schemeClr val="bg1"/>
+                          <a:schemeClr val="bg2">
+                            <a:lumMod val="50000"/>
+                          </a:schemeClr>
                         </a:solidFill>
                         <a:effectLst/>
                         <a:latin typeface="DIN Alternate" panose="020B0500000000000000" pitchFamily="34" charset="77"/>
@@ -22414,7 +25407,9 @@
                       <a:r>
                         <a:rPr lang="en-US" sz="1600" b="1" i="0" u="none" strike="noStrike" dirty="0">
                           <a:solidFill>
-                            <a:schemeClr val="bg1"/>
+                            <a:schemeClr val="bg2">
+                              <a:lumMod val="50000"/>
+                            </a:schemeClr>
                           </a:solidFill>
                           <a:effectLst/>
                           <a:latin typeface="DIN Alternate" panose="020B0500000000000000" pitchFamily="34" charset="77"/>
@@ -22423,7 +25418,9 @@
                       </a:r>
                       <a:endParaRPr lang="en-US" sz="1600" dirty="0">
                         <a:solidFill>
-                          <a:schemeClr val="bg1"/>
+                          <a:schemeClr val="bg2">
+                            <a:lumMod val="50000"/>
+                          </a:schemeClr>
                         </a:solidFill>
                         <a:effectLst/>
                         <a:latin typeface="DIN Alternate" panose="020B0500000000000000" pitchFamily="34" charset="77"/>
@@ -22499,7 +25496,9 @@
                       <a:r>
                         <a:rPr lang="en-US" sz="1600" b="1" i="0" u="none" strike="noStrike" dirty="0">
                           <a:solidFill>
-                            <a:schemeClr val="bg1"/>
+                            <a:schemeClr val="bg2">
+                              <a:lumMod val="50000"/>
+                            </a:schemeClr>
                           </a:solidFill>
                           <a:effectLst/>
                           <a:latin typeface="DIN Alternate" panose="020B0500000000000000" pitchFamily="34" charset="77"/>
@@ -22519,7 +25518,9 @@
                       <a:r>
                         <a:rPr lang="en-US" sz="1600" b="1" i="0" u="none" strike="noStrike" dirty="0">
                           <a:solidFill>
-                            <a:schemeClr val="bg1"/>
+                            <a:schemeClr val="bg2">
+                              <a:lumMod val="50000"/>
+                            </a:schemeClr>
                           </a:solidFill>
                           <a:effectLst/>
                           <a:latin typeface="DIN Alternate" panose="020B0500000000000000" pitchFamily="34" charset="77"/>
@@ -22528,7 +25529,9 @@
                       </a:r>
                       <a:endParaRPr lang="en-US" sz="1600" dirty="0">
                         <a:solidFill>
-                          <a:schemeClr val="bg1"/>
+                          <a:schemeClr val="bg2">
+                            <a:lumMod val="50000"/>
+                          </a:schemeClr>
                         </a:solidFill>
                         <a:effectLst/>
                         <a:latin typeface="DIN Alternate" panose="020B0500000000000000" pitchFamily="34" charset="77"/>
@@ -22604,7 +25607,9 @@
                       <a:r>
                         <a:rPr lang="en-US" sz="1600" b="1" i="0" u="none" strike="noStrike" dirty="0">
                           <a:solidFill>
-                            <a:schemeClr val="bg1"/>
+                            <a:schemeClr val="bg2">
+                              <a:lumMod val="50000"/>
+                            </a:schemeClr>
                           </a:solidFill>
                           <a:effectLst/>
                           <a:latin typeface="DIN Alternate" panose="020B0500000000000000" pitchFamily="34" charset="77"/>
@@ -22613,7 +25618,9 @@
                       </a:r>
                       <a:endParaRPr lang="en-US" sz="1600" dirty="0">
                         <a:solidFill>
-                          <a:schemeClr val="bg1"/>
+                          <a:schemeClr val="bg2">
+                            <a:lumMod val="50000"/>
+                          </a:schemeClr>
                         </a:solidFill>
                         <a:effectLst/>
                         <a:latin typeface="DIN Alternate" panose="020B0500000000000000" pitchFamily="34" charset="77"/>
@@ -22689,7 +25696,9 @@
                       <a:r>
                         <a:rPr lang="en-US" sz="1600" b="1" i="0" u="none" strike="noStrike" dirty="0">
                           <a:solidFill>
-                            <a:schemeClr val="bg1"/>
+                            <a:schemeClr val="bg2">
+                              <a:lumMod val="50000"/>
+                            </a:schemeClr>
                           </a:solidFill>
                           <a:effectLst/>
                           <a:latin typeface="DIN Alternate" panose="020B0500000000000000" pitchFamily="34" charset="77"/>
@@ -22698,7 +25707,9 @@
                       </a:r>
                       <a:endParaRPr lang="en-US" sz="1600" dirty="0">
                         <a:solidFill>
-                          <a:schemeClr val="bg1"/>
+                          <a:schemeClr val="bg2">
+                            <a:lumMod val="50000"/>
+                          </a:schemeClr>
                         </a:solidFill>
                         <a:effectLst/>
                         <a:latin typeface="DIN Alternate" panose="020B0500000000000000" pitchFamily="34" charset="77"/>
@@ -22774,7 +25785,9 @@
                       <a:r>
                         <a:rPr lang="en-US" sz="1600" b="1" i="0" u="none" strike="noStrike" dirty="0">
                           <a:solidFill>
-                            <a:schemeClr val="bg1"/>
+                            <a:schemeClr val="bg2">
+                              <a:lumMod val="50000"/>
+                            </a:schemeClr>
                           </a:solidFill>
                           <a:effectLst/>
                           <a:latin typeface="DIN Alternate" panose="020B0500000000000000" pitchFamily="34" charset="77"/>
@@ -22783,7 +25796,9 @@
                       </a:r>
                       <a:endParaRPr lang="en-US" sz="1600" dirty="0">
                         <a:solidFill>
-                          <a:schemeClr val="bg1"/>
+                          <a:schemeClr val="bg2">
+                            <a:lumMod val="50000"/>
+                          </a:schemeClr>
                         </a:solidFill>
                         <a:effectLst/>
                         <a:latin typeface="DIN Alternate" panose="020B0500000000000000" pitchFamily="34" charset="77"/>
@@ -22801,7 +25816,9 @@
                       <a:r>
                         <a:rPr lang="en-US" sz="1600" b="1" i="0" u="none" strike="noStrike" dirty="0">
                           <a:solidFill>
-                            <a:schemeClr val="bg1"/>
+                            <a:schemeClr val="bg2">
+                              <a:lumMod val="50000"/>
+                            </a:schemeClr>
                           </a:solidFill>
                           <a:effectLst/>
                           <a:latin typeface="DIN Alternate" panose="020B0500000000000000" pitchFamily="34" charset="77"/>
@@ -22810,7 +25827,9 @@
                       </a:r>
                       <a:endParaRPr lang="en-US" sz="1600" dirty="0">
                         <a:solidFill>
-                          <a:schemeClr val="bg1"/>
+                          <a:schemeClr val="bg2">
+                            <a:lumMod val="50000"/>
+                          </a:schemeClr>
                         </a:solidFill>
                         <a:effectLst/>
                         <a:latin typeface="DIN Alternate" panose="020B0500000000000000" pitchFamily="34" charset="77"/>
@@ -22879,7 +25898,9 @@
                       <a:r>
                         <a:rPr lang="en-US" sz="1600" b="1" i="0" u="none" strike="noStrike" dirty="0">
                           <a:solidFill>
-                            <a:schemeClr val="bg1"/>
+                            <a:schemeClr val="bg2">
+                              <a:lumMod val="50000"/>
+                            </a:schemeClr>
                           </a:solidFill>
                           <a:effectLst/>
                           <a:latin typeface="DIN Alternate" panose="020B0500000000000000" pitchFamily="34" charset="77"/>
@@ -22888,7 +25909,9 @@
                       </a:r>
                       <a:endParaRPr lang="en-US" sz="1600" dirty="0">
                         <a:solidFill>
-                          <a:schemeClr val="bg1"/>
+                          <a:schemeClr val="bg2">
+                            <a:lumMod val="50000"/>
+                          </a:schemeClr>
                         </a:solidFill>
                         <a:latin typeface="DIN Alternate" panose="020B0500000000000000" pitchFamily="34" charset="77"/>
                       </a:endParaRPr>
@@ -23597,7 +26620,7 @@
                         </a:spcAft>
                       </a:pPr>
                       <a:r>
-                        <a:rPr lang="en-US" sz="1600" b="0" i="0" u="none" strike="noStrike">
+                        <a:rPr lang="en-US" sz="1600" b="0" i="0" u="none" strike="noStrike" dirty="0">
                           <a:solidFill>
                             <a:schemeClr val="bg1"/>
                           </a:solidFill>
@@ -23606,7 +26629,7 @@
                         </a:rPr>
                         <a:t>NAO</a:t>
                       </a:r>
-                      <a:endParaRPr lang="en-US" sz="1600">
+                      <a:endParaRPr lang="en-US" sz="1600" dirty="0">
                         <a:solidFill>
                           <a:schemeClr val="bg1"/>
                         </a:solidFill>
@@ -24905,7 +27928,7 @@
         </p:nvSpPr>
         <p:spPr>
           <a:xfrm>
-            <a:off x="304800" y="1066800"/>
+            <a:off x="304800" y="1143000"/>
             <a:ext cx="4267200" cy="2193925"/>
           </a:xfrm>
           <a:prstGeom prst="roundRect">
@@ -25121,7 +28144,7 @@
         </p:nvSpPr>
         <p:spPr>
           <a:xfrm>
-            <a:off x="4716517" y="1665780"/>
+            <a:off x="4704434" y="1724752"/>
             <a:ext cx="4104286" cy="1594945"/>
           </a:xfrm>
           <a:prstGeom prst="roundRect">
@@ -25350,7 +28373,7 @@
         <p:spPr>
           <a:xfrm>
             <a:off x="304799" y="1600200"/>
-            <a:ext cx="3886200" cy="3962400"/>
+            <a:ext cx="3886200" cy="3581400"/>
           </a:xfrm>
           <a:prstGeom prst="roundRect">
             <a:avLst>
@@ -25405,8 +28428,6 @@
               </a:rPr>
               <a:t>Outside Scope</a:t>
             </a:r>
-          </a:p>
-          <a:p>
             <a:endParaRPr lang="en-US" sz="2800" dirty="0">
               <a:latin typeface="DIN Alternate" panose="020B0500000000000000" pitchFamily="34" charset="77"/>
             </a:endParaRPr>
@@ -25469,7 +28490,7 @@
         <p:spPr>
           <a:xfrm>
             <a:off x="4343400" y="1594945"/>
-            <a:ext cx="4495796" cy="3962400"/>
+            <a:ext cx="4495796" cy="3581400"/>
           </a:xfrm>
           <a:prstGeom prst="roundRect">
             <a:avLst>
@@ -25524,9 +28545,6 @@
               </a:rPr>
               <a:t>Within Scope</a:t>
             </a:r>
-          </a:p>
-          <a:p>
-            <a:pPr algn="ctr"/>
             <a:endParaRPr lang="en-US" sz="2800" dirty="0">
               <a:latin typeface="DIN Alternate" panose="020B0500000000000000" pitchFamily="34" charset="77"/>
             </a:endParaRPr>
@@ -26569,4 +29587,299 @@
     </a:ext>
   </a:extLst>
 </a:theme>
+</file>
+
+<file path=ppt/theme/theme3.xml><?xml version="1.0" encoding="utf-8"?>
+<a:theme xmlns:a="http://schemas.openxmlformats.org/drawingml/2006/main" name="Office Theme">
+  <a:themeElements>
+    <a:clrScheme name="Office">
+      <a:dk1>
+        <a:sysClr val="windowText" lastClr="000000"/>
+      </a:dk1>
+      <a:lt1>
+        <a:sysClr val="window" lastClr="FFFFFF"/>
+      </a:lt1>
+      <a:dk2>
+        <a:srgbClr val="44546A"/>
+      </a:dk2>
+      <a:lt2>
+        <a:srgbClr val="E7E6E6"/>
+      </a:lt2>
+      <a:accent1>
+        <a:srgbClr val="4472C4"/>
+      </a:accent1>
+      <a:accent2>
+        <a:srgbClr val="ED7D31"/>
+      </a:accent2>
+      <a:accent3>
+        <a:srgbClr val="A5A5A5"/>
+      </a:accent3>
+      <a:accent4>
+        <a:srgbClr val="FFC000"/>
+      </a:accent4>
+      <a:accent5>
+        <a:srgbClr val="5B9BD5"/>
+      </a:accent5>
+      <a:accent6>
+        <a:srgbClr val="70AD47"/>
+      </a:accent6>
+      <a:hlink>
+        <a:srgbClr val="0563C1"/>
+      </a:hlink>
+      <a:folHlink>
+        <a:srgbClr val="954F72"/>
+      </a:folHlink>
+    </a:clrScheme>
+    <a:fontScheme name="Office">
+      <a:majorFont>
+        <a:latin typeface="Calibri Light" panose="020F0302020204030204"/>
+        <a:ea typeface=""/>
+        <a:cs typeface=""/>
+        <a:font script="Jpan" typeface="游ゴシック Light"/>
+        <a:font script="Hang" typeface="맑은 고딕"/>
+        <a:font script="Hans" typeface="等线 Light"/>
+        <a:font script="Hant" typeface="新細明體"/>
+        <a:font script="Arab" typeface="Times New Roman"/>
+        <a:font script="Hebr" typeface="Times New Roman"/>
+        <a:font script="Thai" typeface="Angsana New"/>
+        <a:font script="Ethi" typeface="Nyala"/>
+        <a:font script="Beng" typeface="Vrinda"/>
+        <a:font script="Gujr" typeface="Shruti"/>
+        <a:font script="Khmr" typeface="MoolBoran"/>
+        <a:font script="Knda" typeface="Tunga"/>
+        <a:font script="Guru" typeface="Raavi"/>
+        <a:font script="Cans" typeface="Euphemia"/>
+        <a:font script="Cher" typeface="Plantagenet Cherokee"/>
+        <a:font script="Yiii" typeface="Microsoft Yi Baiti"/>
+        <a:font script="Tibt" typeface="Microsoft Himalaya"/>
+        <a:font script="Thaa" typeface="MV Boli"/>
+        <a:font script="Deva" typeface="Mangal"/>
+        <a:font script="Telu" typeface="Gautami"/>
+        <a:font script="Taml" typeface="Latha"/>
+        <a:font script="Syrc" typeface="Estrangelo Edessa"/>
+        <a:font script="Orya" typeface="Kalinga"/>
+        <a:font script="Mlym" typeface="Kartika"/>
+        <a:font script="Laoo" typeface="DokChampa"/>
+        <a:font script="Sinh" typeface="Iskoola Pota"/>
+        <a:font script="Mong" typeface="Mongolian Baiti"/>
+        <a:font script="Viet" typeface="Times New Roman"/>
+        <a:font script="Uigh" typeface="Microsoft Uighur"/>
+        <a:font script="Geor" typeface="Sylfaen"/>
+        <a:font script="Armn" typeface="Arial"/>
+        <a:font script="Bugi" typeface="Leelawadee UI"/>
+        <a:font script="Bopo" typeface="Microsoft JhengHei"/>
+        <a:font script="Java" typeface="Javanese Text"/>
+        <a:font script="Lisu" typeface="Segoe UI"/>
+        <a:font script="Mymr" typeface="Myanmar Text"/>
+        <a:font script="Nkoo" typeface="Ebrima"/>
+        <a:font script="Olck" typeface="Nirmala UI"/>
+        <a:font script="Osma" typeface="Ebrima"/>
+        <a:font script="Phag" typeface="Phagspa"/>
+        <a:font script="Syrn" typeface="Estrangelo Edessa"/>
+        <a:font script="Syrj" typeface="Estrangelo Edessa"/>
+        <a:font script="Syre" typeface="Estrangelo Edessa"/>
+        <a:font script="Sora" typeface="Nirmala UI"/>
+        <a:font script="Tale" typeface="Microsoft Tai Le"/>
+        <a:font script="Talu" typeface="Microsoft New Tai Lue"/>
+        <a:font script="Tfng" typeface="Ebrima"/>
+      </a:majorFont>
+      <a:minorFont>
+        <a:latin typeface="Calibri" panose="020F0502020204030204"/>
+        <a:ea typeface=""/>
+        <a:cs typeface=""/>
+        <a:font script="Jpan" typeface="游ゴシック"/>
+        <a:font script="Hang" typeface="맑은 고딕"/>
+        <a:font script="Hans" typeface="等线"/>
+        <a:font script="Hant" typeface="新細明體"/>
+        <a:font script="Arab" typeface="Arial"/>
+        <a:font script="Hebr" typeface="Arial"/>
+        <a:font script="Thai" typeface="Cordia New"/>
+        <a:font script="Ethi" typeface="Nyala"/>
+        <a:font script="Beng" typeface="Vrinda"/>
+        <a:font script="Gujr" typeface="Shruti"/>
+        <a:font script="Khmr" typeface="DaunPenh"/>
+        <a:font script="Knda" typeface="Tunga"/>
+        <a:font script="Guru" typeface="Raavi"/>
+        <a:font script="Cans" typeface="Euphemia"/>
+        <a:font script="Cher" typeface="Plantagenet Cherokee"/>
+        <a:font script="Yiii" typeface="Microsoft Yi Baiti"/>
+        <a:font script="Tibt" typeface="Microsoft Himalaya"/>
+        <a:font script="Thaa" typeface="MV Boli"/>
+        <a:font script="Deva" typeface="Mangal"/>
+        <a:font script="Telu" typeface="Gautami"/>
+        <a:font script="Taml" typeface="Latha"/>
+        <a:font script="Syrc" typeface="Estrangelo Edessa"/>
+        <a:font script="Orya" typeface="Kalinga"/>
+        <a:font script="Mlym" typeface="Kartika"/>
+        <a:font script="Laoo" typeface="DokChampa"/>
+        <a:font script="Sinh" typeface="Iskoola Pota"/>
+        <a:font script="Mong" typeface="Mongolian Baiti"/>
+        <a:font script="Viet" typeface="Arial"/>
+        <a:font script="Uigh" typeface="Microsoft Uighur"/>
+        <a:font script="Geor" typeface="Sylfaen"/>
+        <a:font script="Armn" typeface="Arial"/>
+        <a:font script="Bugi" typeface="Leelawadee UI"/>
+        <a:font script="Bopo" typeface="Microsoft JhengHei"/>
+        <a:font script="Java" typeface="Javanese Text"/>
+        <a:font script="Lisu" typeface="Segoe UI"/>
+        <a:font script="Mymr" typeface="Myanmar Text"/>
+        <a:font script="Nkoo" typeface="Ebrima"/>
+        <a:font script="Olck" typeface="Nirmala UI"/>
+        <a:font script="Osma" typeface="Ebrima"/>
+        <a:font script="Phag" typeface="Phagspa"/>
+        <a:font script="Syrn" typeface="Estrangelo Edessa"/>
+        <a:font script="Syrj" typeface="Estrangelo Edessa"/>
+        <a:font script="Syre" typeface="Estrangelo Edessa"/>
+        <a:font script="Sora" typeface="Nirmala UI"/>
+        <a:font script="Tale" typeface="Microsoft Tai Le"/>
+        <a:font script="Talu" typeface="Microsoft New Tai Lue"/>
+        <a:font script="Tfng" typeface="Ebrima"/>
+      </a:minorFont>
+    </a:fontScheme>
+    <a:fmtScheme name="Office">
+      <a:fillStyleLst>
+        <a:solidFill>
+          <a:schemeClr val="phClr"/>
+        </a:solidFill>
+        <a:gradFill rotWithShape="1">
+          <a:gsLst>
+            <a:gs pos="0">
+              <a:schemeClr val="phClr">
+                <a:lumMod val="110000"/>
+                <a:satMod val="105000"/>
+                <a:tint val="67000"/>
+              </a:schemeClr>
+            </a:gs>
+            <a:gs pos="50000">
+              <a:schemeClr val="phClr">
+                <a:lumMod val="105000"/>
+                <a:satMod val="103000"/>
+                <a:tint val="73000"/>
+              </a:schemeClr>
+            </a:gs>
+            <a:gs pos="100000">
+              <a:schemeClr val="phClr">
+                <a:lumMod val="105000"/>
+                <a:satMod val="109000"/>
+                <a:tint val="81000"/>
+              </a:schemeClr>
+            </a:gs>
+          </a:gsLst>
+          <a:lin ang="5400000" scaled="0"/>
+        </a:gradFill>
+        <a:gradFill rotWithShape="1">
+          <a:gsLst>
+            <a:gs pos="0">
+              <a:schemeClr val="phClr">
+                <a:satMod val="103000"/>
+                <a:lumMod val="102000"/>
+                <a:tint val="94000"/>
+              </a:schemeClr>
+            </a:gs>
+            <a:gs pos="50000">
+              <a:schemeClr val="phClr">
+                <a:satMod val="110000"/>
+                <a:lumMod val="100000"/>
+                <a:shade val="100000"/>
+              </a:schemeClr>
+            </a:gs>
+            <a:gs pos="100000">
+              <a:schemeClr val="phClr">
+                <a:lumMod val="99000"/>
+                <a:satMod val="120000"/>
+                <a:shade val="78000"/>
+              </a:schemeClr>
+            </a:gs>
+          </a:gsLst>
+          <a:lin ang="5400000" scaled="0"/>
+        </a:gradFill>
+      </a:fillStyleLst>
+      <a:lnStyleLst>
+        <a:ln w="6350" cap="flat" cmpd="sng" algn="ctr">
+          <a:solidFill>
+            <a:schemeClr val="phClr"/>
+          </a:solidFill>
+          <a:prstDash val="solid"/>
+          <a:miter lim="800000"/>
+        </a:ln>
+        <a:ln w="12700" cap="flat" cmpd="sng" algn="ctr">
+          <a:solidFill>
+            <a:schemeClr val="phClr"/>
+          </a:solidFill>
+          <a:prstDash val="solid"/>
+          <a:miter lim="800000"/>
+        </a:ln>
+        <a:ln w="19050" cap="flat" cmpd="sng" algn="ctr">
+          <a:solidFill>
+            <a:schemeClr val="phClr"/>
+          </a:solidFill>
+          <a:prstDash val="solid"/>
+          <a:miter lim="800000"/>
+        </a:ln>
+      </a:lnStyleLst>
+      <a:effectStyleLst>
+        <a:effectStyle>
+          <a:effectLst/>
+        </a:effectStyle>
+        <a:effectStyle>
+          <a:effectLst/>
+        </a:effectStyle>
+        <a:effectStyle>
+          <a:effectLst>
+            <a:outerShdw blurRad="57150" dist="19050" dir="5400000" algn="ctr" rotWithShape="0">
+              <a:srgbClr val="000000">
+                <a:alpha val="63000"/>
+              </a:srgbClr>
+            </a:outerShdw>
+          </a:effectLst>
+        </a:effectStyle>
+      </a:effectStyleLst>
+      <a:bgFillStyleLst>
+        <a:solidFill>
+          <a:schemeClr val="phClr"/>
+        </a:solidFill>
+        <a:solidFill>
+          <a:schemeClr val="phClr">
+            <a:tint val="95000"/>
+            <a:satMod val="170000"/>
+          </a:schemeClr>
+        </a:solidFill>
+        <a:gradFill rotWithShape="1">
+          <a:gsLst>
+            <a:gs pos="0">
+              <a:schemeClr val="phClr">
+                <a:tint val="93000"/>
+                <a:satMod val="150000"/>
+                <a:shade val="98000"/>
+                <a:lumMod val="102000"/>
+              </a:schemeClr>
+            </a:gs>
+            <a:gs pos="50000">
+              <a:schemeClr val="phClr">
+                <a:tint val="98000"/>
+                <a:satMod val="130000"/>
+                <a:shade val="90000"/>
+                <a:lumMod val="103000"/>
+              </a:schemeClr>
+            </a:gs>
+            <a:gs pos="100000">
+              <a:schemeClr val="phClr">
+                <a:shade val="63000"/>
+                <a:satMod val="120000"/>
+              </a:schemeClr>
+            </a:gs>
+          </a:gsLst>
+          <a:lin ang="5400000" scaled="0"/>
+        </a:gradFill>
+      </a:bgFillStyleLst>
+    </a:fmtScheme>
+  </a:themeElements>
+  <a:objectDefaults/>
+  <a:extraClrSchemeLst/>
+  <a:extLst>
+    <a:ext uri="{05A4C25C-085E-4340-85A3-A5531E510DB2}">
+      <thm15:themeFamily xmlns:thm15="http://schemas.microsoft.com/office/thememl/2012/main" name="Office Theme" id="{62F939B6-93AF-4DB8-9C6B-D6C7DFDC589F}" vid="{4A3C46E8-61CC-4603-A589-7422A47A8E4A}"/>
+    </a:ext>
+  </a:extLst>
+</a:theme>
 </file>
--- a/docs/FinalSeminarPresentation.pptx
+++ b/docs/FinalSeminarPresentation.pptx
@@ -5,10 +5,10 @@
     <p:sldMasterId id="2147483648" r:id="rId1"/>
   </p:sldMasterIdLst>
   <p:notesMasterIdLst>
-    <p:notesMasterId r:id="rId36"/>
+    <p:notesMasterId r:id="rId37"/>
   </p:notesMasterIdLst>
   <p:handoutMasterIdLst>
-    <p:handoutMasterId r:id="rId37"/>
+    <p:handoutMasterId r:id="rId38"/>
   </p:handoutMasterIdLst>
   <p:sldIdLst>
     <p:sldId id="268" r:id="rId2"/>
@@ -17,34 +17,35 @@
     <p:sldId id="288" r:id="rId5"/>
     <p:sldId id="289" r:id="rId6"/>
     <p:sldId id="290" r:id="rId7"/>
-    <p:sldId id="291" r:id="rId8"/>
-    <p:sldId id="292" r:id="rId9"/>
-    <p:sldId id="293" r:id="rId10"/>
-    <p:sldId id="294" r:id="rId11"/>
-    <p:sldId id="295" r:id="rId12"/>
-    <p:sldId id="296" r:id="rId13"/>
-    <p:sldId id="297" r:id="rId14"/>
-    <p:sldId id="298" r:id="rId15"/>
-    <p:sldId id="299" r:id="rId16"/>
-    <p:sldId id="300" r:id="rId17"/>
-    <p:sldId id="301" r:id="rId18"/>
-    <p:sldId id="302" r:id="rId19"/>
-    <p:sldId id="303" r:id="rId20"/>
-    <p:sldId id="304" r:id="rId21"/>
-    <p:sldId id="305" r:id="rId22"/>
-    <p:sldId id="306" r:id="rId23"/>
-    <p:sldId id="307" r:id="rId24"/>
-    <p:sldId id="308" r:id="rId25"/>
-    <p:sldId id="309" r:id="rId26"/>
-    <p:sldId id="310" r:id="rId27"/>
-    <p:sldId id="311" r:id="rId28"/>
-    <p:sldId id="312" r:id="rId29"/>
-    <p:sldId id="313" r:id="rId30"/>
-    <p:sldId id="319" r:id="rId31"/>
-    <p:sldId id="314" r:id="rId32"/>
-    <p:sldId id="315" r:id="rId33"/>
-    <p:sldId id="317" r:id="rId34"/>
-    <p:sldId id="316" r:id="rId35"/>
+    <p:sldId id="320" r:id="rId8"/>
+    <p:sldId id="291" r:id="rId9"/>
+    <p:sldId id="292" r:id="rId10"/>
+    <p:sldId id="293" r:id="rId11"/>
+    <p:sldId id="294" r:id="rId12"/>
+    <p:sldId id="295" r:id="rId13"/>
+    <p:sldId id="296" r:id="rId14"/>
+    <p:sldId id="297" r:id="rId15"/>
+    <p:sldId id="298" r:id="rId16"/>
+    <p:sldId id="299" r:id="rId17"/>
+    <p:sldId id="300" r:id="rId18"/>
+    <p:sldId id="301" r:id="rId19"/>
+    <p:sldId id="302" r:id="rId20"/>
+    <p:sldId id="303" r:id="rId21"/>
+    <p:sldId id="304" r:id="rId22"/>
+    <p:sldId id="305" r:id="rId23"/>
+    <p:sldId id="306" r:id="rId24"/>
+    <p:sldId id="307" r:id="rId25"/>
+    <p:sldId id="308" r:id="rId26"/>
+    <p:sldId id="309" r:id="rId27"/>
+    <p:sldId id="310" r:id="rId28"/>
+    <p:sldId id="311" r:id="rId29"/>
+    <p:sldId id="312" r:id="rId30"/>
+    <p:sldId id="313" r:id="rId31"/>
+    <p:sldId id="319" r:id="rId32"/>
+    <p:sldId id="314" r:id="rId33"/>
+    <p:sldId id="315" r:id="rId34"/>
+    <p:sldId id="317" r:id="rId35"/>
+    <p:sldId id="316" r:id="rId36"/>
   </p:sldIdLst>
   <p:sldSz cx="9144000" cy="6858000" type="screen4x3"/>
   <p:notesSz cx="6858000" cy="9144000"/>
@@ -174,6 +175,7 @@
         <p14:section name="CONSTRAINTS" id="{A8E96514-1B45-AE46-99CB-31B651A7FC1D}">
           <p14:sldIdLst>
             <p14:sldId id="290"/>
+            <p14:sldId id="320"/>
           </p14:sldIdLst>
         </p14:section>
         <p14:section name="LITERATURE SEARCH" id="{8B5C43F1-6C44-DE49-A405-944F867B525C}">
@@ -4714,7 +4716,7 @@
           <a:p>
             <a:r>
               <a:rPr lang="en-US" dirty="0"/>
-              <a:t>Colton</a:t>
+              <a:t>Will</a:t>
             </a:r>
           </a:p>
         </p:txBody>
@@ -4745,6 +4747,93 @@
     </p:spTree>
     <p:extLst>
       <p:ext uri="{BB962C8B-B14F-4D97-AF65-F5344CB8AC3E}">
+        <p14:creationId xmlns:p14="http://schemas.microsoft.com/office/powerpoint/2010/main" val="3041910104"/>
+      </p:ext>
+    </p:extLst>
+  </p:cSld>
+  <p:clrMapOvr>
+    <a:masterClrMapping/>
+  </p:clrMapOvr>
+</p:notes>
+</file>
+
+<file path=ppt/notesSlides/notesSlide11.xml><?xml version="1.0" encoding="utf-8"?>
+<p:notes xmlns:a="http://schemas.openxmlformats.org/drawingml/2006/main" xmlns:r="http://schemas.openxmlformats.org/officeDocument/2006/relationships" xmlns:p="http://schemas.openxmlformats.org/presentationml/2006/main">
+  <p:cSld>
+    <p:spTree>
+      <p:nvGrpSpPr>
+        <p:cNvPr id="1" name=""/>
+        <p:cNvGrpSpPr/>
+        <p:nvPr/>
+      </p:nvGrpSpPr>
+      <p:grpSpPr>
+        <a:xfrm>
+          <a:off x="0" y="0"/>
+          <a:ext cx="0" cy="0"/>
+          <a:chOff x="0" y="0"/>
+          <a:chExt cx="0" cy="0"/>
+        </a:xfrm>
+      </p:grpSpPr>
+      <p:sp>
+        <p:nvSpPr>
+          <p:cNvPr id="2" name="Slide Image Placeholder 1"/>
+          <p:cNvSpPr>
+            <a:spLocks noGrp="1" noRot="1" noChangeAspect="1"/>
+          </p:cNvSpPr>
+          <p:nvPr>
+            <p:ph type="sldImg"/>
+          </p:nvPr>
+        </p:nvSpPr>
+        <p:spPr/>
+      </p:sp>
+      <p:sp>
+        <p:nvSpPr>
+          <p:cNvPr id="3" name="Notes Placeholder 2"/>
+          <p:cNvSpPr>
+            <a:spLocks noGrp="1"/>
+          </p:cNvSpPr>
+          <p:nvPr>
+            <p:ph type="body" idx="1"/>
+          </p:nvPr>
+        </p:nvSpPr>
+        <p:spPr/>
+        <p:txBody>
+          <a:bodyPr/>
+          <a:lstStyle/>
+          <a:p>
+            <a:r>
+              <a:rPr lang="en-US" dirty="0"/>
+              <a:t>Colton</a:t>
+            </a:r>
+          </a:p>
+        </p:txBody>
+      </p:sp>
+      <p:sp>
+        <p:nvSpPr>
+          <p:cNvPr id="4" name="Slide Number Placeholder 3"/>
+          <p:cNvSpPr>
+            <a:spLocks noGrp="1"/>
+          </p:cNvSpPr>
+          <p:nvPr>
+            <p:ph type="sldNum" sz="quarter" idx="5"/>
+          </p:nvPr>
+        </p:nvSpPr>
+        <p:spPr/>
+        <p:txBody>
+          <a:bodyPr/>
+          <a:lstStyle/>
+          <a:p>
+            <a:fld id="{1A934060-6132-4B8B-8B22-FF0A6A4F4F62}" type="slidenum">
+              <a:rPr lang="en-US" smtClean="0"/>
+              <a:t>11</a:t>
+            </a:fld>
+            <a:endParaRPr lang="en-US"/>
+          </a:p>
+        </p:txBody>
+      </p:sp>
+    </p:spTree>
+    <p:extLst>
+      <p:ext uri="{BB962C8B-B14F-4D97-AF65-F5344CB8AC3E}">
         <p14:creationId xmlns:p14="http://schemas.microsoft.com/office/powerpoint/2010/main" val="2967738172"/>
       </p:ext>
     </p:extLst>
@@ -4755,7 +4844,7 @@
 </p:notes>
 </file>
 
-<file path=ppt/notesSlides/notesSlide11.xml><?xml version="1.0" encoding="utf-8"?>
+<file path=ppt/notesSlides/notesSlide12.xml><?xml version="1.0" encoding="utf-8"?>
 <p:notes xmlns:a="http://schemas.openxmlformats.org/drawingml/2006/main" xmlns:r="http://schemas.openxmlformats.org/officeDocument/2006/relationships" xmlns:p="http://schemas.openxmlformats.org/presentationml/2006/main">
   <p:cSld>
     <p:spTree>
@@ -4823,7 +4912,7 @@
           <a:p>
             <a:fld id="{1A934060-6132-4B8B-8B22-FF0A6A4F4F62}" type="slidenum">
               <a:rPr lang="en-US" smtClean="0"/>
-              <a:t>11</a:t>
+              <a:t>12</a:t>
             </a:fld>
             <a:endParaRPr lang="en-US"/>
           </a:p>
@@ -4833,93 +4922,6 @@
     <p:extLst>
       <p:ext uri="{BB962C8B-B14F-4D97-AF65-F5344CB8AC3E}">
         <p14:creationId xmlns:p14="http://schemas.microsoft.com/office/powerpoint/2010/main" val="3365894709"/>
-      </p:ext>
-    </p:extLst>
-  </p:cSld>
-  <p:clrMapOvr>
-    <a:masterClrMapping/>
-  </p:clrMapOvr>
-</p:notes>
-</file>
-
-<file path=ppt/notesSlides/notesSlide12.xml><?xml version="1.0" encoding="utf-8"?>
-<p:notes xmlns:a="http://schemas.openxmlformats.org/drawingml/2006/main" xmlns:r="http://schemas.openxmlformats.org/officeDocument/2006/relationships" xmlns:p="http://schemas.openxmlformats.org/presentationml/2006/main">
-  <p:cSld>
-    <p:spTree>
-      <p:nvGrpSpPr>
-        <p:cNvPr id="1" name=""/>
-        <p:cNvGrpSpPr/>
-        <p:nvPr/>
-      </p:nvGrpSpPr>
-      <p:grpSpPr>
-        <a:xfrm>
-          <a:off x="0" y="0"/>
-          <a:ext cx="0" cy="0"/>
-          <a:chOff x="0" y="0"/>
-          <a:chExt cx="0" cy="0"/>
-        </a:xfrm>
-      </p:grpSpPr>
-      <p:sp>
-        <p:nvSpPr>
-          <p:cNvPr id="2" name="Slide Image Placeholder 1"/>
-          <p:cNvSpPr>
-            <a:spLocks noGrp="1" noRot="1" noChangeAspect="1"/>
-          </p:cNvSpPr>
-          <p:nvPr>
-            <p:ph type="sldImg"/>
-          </p:nvPr>
-        </p:nvSpPr>
-        <p:spPr/>
-      </p:sp>
-      <p:sp>
-        <p:nvSpPr>
-          <p:cNvPr id="3" name="Notes Placeholder 2"/>
-          <p:cNvSpPr>
-            <a:spLocks noGrp="1"/>
-          </p:cNvSpPr>
-          <p:nvPr>
-            <p:ph type="body" idx="1"/>
-          </p:nvPr>
-        </p:nvSpPr>
-        <p:spPr/>
-        <p:txBody>
-          <a:bodyPr/>
-          <a:lstStyle/>
-          <a:p>
-            <a:r>
-              <a:rPr lang="en-US" dirty="0"/>
-              <a:t>Bryce</a:t>
-            </a:r>
-          </a:p>
-        </p:txBody>
-      </p:sp>
-      <p:sp>
-        <p:nvSpPr>
-          <p:cNvPr id="4" name="Slide Number Placeholder 3"/>
-          <p:cNvSpPr>
-            <a:spLocks noGrp="1"/>
-          </p:cNvSpPr>
-          <p:nvPr>
-            <p:ph type="sldNum" sz="quarter" idx="5"/>
-          </p:nvPr>
-        </p:nvSpPr>
-        <p:spPr/>
-        <p:txBody>
-          <a:bodyPr/>
-          <a:lstStyle/>
-          <a:p>
-            <a:fld id="{1A934060-6132-4B8B-8B22-FF0A6A4F4F62}" type="slidenum">
-              <a:rPr lang="en-US" smtClean="0"/>
-              <a:t>12</a:t>
-            </a:fld>
-            <a:endParaRPr lang="en-US"/>
-          </a:p>
-        </p:txBody>
-      </p:sp>
-    </p:spTree>
-    <p:extLst>
-      <p:ext uri="{BB962C8B-B14F-4D97-AF65-F5344CB8AC3E}">
-        <p14:creationId xmlns:p14="http://schemas.microsoft.com/office/powerpoint/2010/main" val="2880584832"/>
       </p:ext>
     </p:extLst>
   </p:cSld>
@@ -5006,7 +5008,7 @@
     </p:spTree>
     <p:extLst>
       <p:ext uri="{BB962C8B-B14F-4D97-AF65-F5344CB8AC3E}">
-        <p14:creationId xmlns:p14="http://schemas.microsoft.com/office/powerpoint/2010/main" val="2636852157"/>
+        <p14:creationId xmlns:p14="http://schemas.microsoft.com/office/powerpoint/2010/main" val="2880584832"/>
       </p:ext>
     </p:extLst>
   </p:cSld>
@@ -5093,7 +5095,7 @@
     </p:spTree>
     <p:extLst>
       <p:ext uri="{BB962C8B-B14F-4D97-AF65-F5344CB8AC3E}">
-        <p14:creationId xmlns:p14="http://schemas.microsoft.com/office/powerpoint/2010/main" val="863728528"/>
+        <p14:creationId xmlns:p14="http://schemas.microsoft.com/office/powerpoint/2010/main" val="2636852157"/>
       </p:ext>
     </p:extLst>
   </p:cSld>
@@ -5180,6 +5182,93 @@
     </p:spTree>
     <p:extLst>
       <p:ext uri="{BB962C8B-B14F-4D97-AF65-F5344CB8AC3E}">
+        <p14:creationId xmlns:p14="http://schemas.microsoft.com/office/powerpoint/2010/main" val="863728528"/>
+      </p:ext>
+    </p:extLst>
+  </p:cSld>
+  <p:clrMapOvr>
+    <a:masterClrMapping/>
+  </p:clrMapOvr>
+</p:notes>
+</file>
+
+<file path=ppt/notesSlides/notesSlide16.xml><?xml version="1.0" encoding="utf-8"?>
+<p:notes xmlns:a="http://schemas.openxmlformats.org/drawingml/2006/main" xmlns:r="http://schemas.openxmlformats.org/officeDocument/2006/relationships" xmlns:p="http://schemas.openxmlformats.org/presentationml/2006/main">
+  <p:cSld>
+    <p:spTree>
+      <p:nvGrpSpPr>
+        <p:cNvPr id="1" name=""/>
+        <p:cNvGrpSpPr/>
+        <p:nvPr/>
+      </p:nvGrpSpPr>
+      <p:grpSpPr>
+        <a:xfrm>
+          <a:off x="0" y="0"/>
+          <a:ext cx="0" cy="0"/>
+          <a:chOff x="0" y="0"/>
+          <a:chExt cx="0" cy="0"/>
+        </a:xfrm>
+      </p:grpSpPr>
+      <p:sp>
+        <p:nvSpPr>
+          <p:cNvPr id="2" name="Slide Image Placeholder 1"/>
+          <p:cNvSpPr>
+            <a:spLocks noGrp="1" noRot="1" noChangeAspect="1"/>
+          </p:cNvSpPr>
+          <p:nvPr>
+            <p:ph type="sldImg"/>
+          </p:nvPr>
+        </p:nvSpPr>
+        <p:spPr/>
+      </p:sp>
+      <p:sp>
+        <p:nvSpPr>
+          <p:cNvPr id="3" name="Notes Placeholder 2"/>
+          <p:cNvSpPr>
+            <a:spLocks noGrp="1"/>
+          </p:cNvSpPr>
+          <p:nvPr>
+            <p:ph type="body" idx="1"/>
+          </p:nvPr>
+        </p:nvSpPr>
+        <p:spPr/>
+        <p:txBody>
+          <a:bodyPr/>
+          <a:lstStyle/>
+          <a:p>
+            <a:r>
+              <a:rPr lang="en-US" dirty="0"/>
+              <a:t>Bryce</a:t>
+            </a:r>
+          </a:p>
+        </p:txBody>
+      </p:sp>
+      <p:sp>
+        <p:nvSpPr>
+          <p:cNvPr id="4" name="Slide Number Placeholder 3"/>
+          <p:cNvSpPr>
+            <a:spLocks noGrp="1"/>
+          </p:cNvSpPr>
+          <p:nvPr>
+            <p:ph type="sldNum" sz="quarter" idx="5"/>
+          </p:nvPr>
+        </p:nvSpPr>
+        <p:spPr/>
+        <p:txBody>
+          <a:bodyPr/>
+          <a:lstStyle/>
+          <a:p>
+            <a:fld id="{1A934060-6132-4B8B-8B22-FF0A6A4F4F62}" type="slidenum">
+              <a:rPr lang="en-US" smtClean="0"/>
+              <a:t>16</a:t>
+            </a:fld>
+            <a:endParaRPr lang="en-US"/>
+          </a:p>
+        </p:txBody>
+      </p:sp>
+    </p:spTree>
+    <p:extLst>
+      <p:ext uri="{BB962C8B-B14F-4D97-AF65-F5344CB8AC3E}">
         <p14:creationId xmlns:p14="http://schemas.microsoft.com/office/powerpoint/2010/main" val="4037431524"/>
       </p:ext>
     </p:extLst>
@@ -5190,7 +5279,7 @@
 </p:notes>
 </file>
 
-<file path=ppt/notesSlides/notesSlide16.xml><?xml version="1.0" encoding="utf-8"?>
+<file path=ppt/notesSlides/notesSlide17.xml><?xml version="1.0" encoding="utf-8"?>
 <p:notes xmlns:a="http://schemas.openxmlformats.org/drawingml/2006/main" xmlns:r="http://schemas.openxmlformats.org/officeDocument/2006/relationships" xmlns:p="http://schemas.openxmlformats.org/presentationml/2006/main">
   <p:cSld>
     <p:spTree>
@@ -5258,7 +5347,7 @@
           <a:p>
             <a:fld id="{1A934060-6132-4B8B-8B22-FF0A6A4F4F62}" type="slidenum">
               <a:rPr lang="en-US" smtClean="0"/>
-              <a:t>16</a:t>
+              <a:t>17</a:t>
             </a:fld>
             <a:endParaRPr lang="en-US"/>
           </a:p>
@@ -5268,93 +5357,6 @@
     <p:extLst>
       <p:ext uri="{BB962C8B-B14F-4D97-AF65-F5344CB8AC3E}">
         <p14:creationId xmlns:p14="http://schemas.microsoft.com/office/powerpoint/2010/main" val="191931154"/>
-      </p:ext>
-    </p:extLst>
-  </p:cSld>
-  <p:clrMapOvr>
-    <a:masterClrMapping/>
-  </p:clrMapOvr>
-</p:notes>
-</file>
-
-<file path=ppt/notesSlides/notesSlide17.xml><?xml version="1.0" encoding="utf-8"?>
-<p:notes xmlns:a="http://schemas.openxmlformats.org/drawingml/2006/main" xmlns:r="http://schemas.openxmlformats.org/officeDocument/2006/relationships" xmlns:p="http://schemas.openxmlformats.org/presentationml/2006/main">
-  <p:cSld>
-    <p:spTree>
-      <p:nvGrpSpPr>
-        <p:cNvPr id="1" name=""/>
-        <p:cNvGrpSpPr/>
-        <p:nvPr/>
-      </p:nvGrpSpPr>
-      <p:grpSpPr>
-        <a:xfrm>
-          <a:off x="0" y="0"/>
-          <a:ext cx="0" cy="0"/>
-          <a:chOff x="0" y="0"/>
-          <a:chExt cx="0" cy="0"/>
-        </a:xfrm>
-      </p:grpSpPr>
-      <p:sp>
-        <p:nvSpPr>
-          <p:cNvPr id="2" name="Slide Image Placeholder 1"/>
-          <p:cNvSpPr>
-            <a:spLocks noGrp="1" noRot="1" noChangeAspect="1"/>
-          </p:cNvSpPr>
-          <p:nvPr>
-            <p:ph type="sldImg"/>
-          </p:nvPr>
-        </p:nvSpPr>
-        <p:spPr/>
-      </p:sp>
-      <p:sp>
-        <p:nvSpPr>
-          <p:cNvPr id="3" name="Notes Placeholder 2"/>
-          <p:cNvSpPr>
-            <a:spLocks noGrp="1"/>
-          </p:cNvSpPr>
-          <p:nvPr>
-            <p:ph type="body" idx="1"/>
-          </p:nvPr>
-        </p:nvSpPr>
-        <p:spPr/>
-        <p:txBody>
-          <a:bodyPr/>
-          <a:lstStyle/>
-          <a:p>
-            <a:r>
-              <a:rPr lang="en-US" dirty="0"/>
-              <a:t>Colton</a:t>
-            </a:r>
-          </a:p>
-        </p:txBody>
-      </p:sp>
-      <p:sp>
-        <p:nvSpPr>
-          <p:cNvPr id="4" name="Slide Number Placeholder 3"/>
-          <p:cNvSpPr>
-            <a:spLocks noGrp="1"/>
-          </p:cNvSpPr>
-          <p:nvPr>
-            <p:ph type="sldNum" sz="quarter" idx="5"/>
-          </p:nvPr>
-        </p:nvSpPr>
-        <p:spPr/>
-        <p:txBody>
-          <a:bodyPr/>
-          <a:lstStyle/>
-          <a:p>
-            <a:fld id="{1A934060-6132-4B8B-8B22-FF0A6A4F4F62}" type="slidenum">
-              <a:rPr lang="en-US" smtClean="0"/>
-              <a:t>17</a:t>
-            </a:fld>
-            <a:endParaRPr lang="en-US"/>
-          </a:p>
-        </p:txBody>
-      </p:sp>
-    </p:spTree>
-    <p:extLst>
-      <p:ext uri="{BB962C8B-B14F-4D97-AF65-F5344CB8AC3E}">
-        <p14:creationId xmlns:p14="http://schemas.microsoft.com/office/powerpoint/2010/main" val="180443986"/>
       </p:ext>
     </p:extLst>
   </p:cSld>
@@ -5441,7 +5443,7 @@
     </p:spTree>
     <p:extLst>
       <p:ext uri="{BB962C8B-B14F-4D97-AF65-F5344CB8AC3E}">
-        <p14:creationId xmlns:p14="http://schemas.microsoft.com/office/powerpoint/2010/main" val="4036426431"/>
+        <p14:creationId xmlns:p14="http://schemas.microsoft.com/office/powerpoint/2010/main" val="180443986"/>
       </p:ext>
     </p:extLst>
   </p:cSld>
@@ -5528,7 +5530,7 @@
     </p:spTree>
     <p:extLst>
       <p:ext uri="{BB962C8B-B14F-4D97-AF65-F5344CB8AC3E}">
-        <p14:creationId xmlns:p14="http://schemas.microsoft.com/office/powerpoint/2010/main" val="1898947757"/>
+        <p14:creationId xmlns:p14="http://schemas.microsoft.com/office/powerpoint/2010/main" val="4036426431"/>
       </p:ext>
     </p:extLst>
   </p:cSld>
@@ -5671,7 +5673,7 @@
           <a:p>
             <a:r>
               <a:rPr lang="en-US" dirty="0"/>
-              <a:t>Will</a:t>
+              <a:t>Colton</a:t>
             </a:r>
           </a:p>
         </p:txBody>
@@ -5702,7 +5704,7 @@
     </p:spTree>
     <p:extLst>
       <p:ext uri="{BB962C8B-B14F-4D97-AF65-F5344CB8AC3E}">
-        <p14:creationId xmlns:p14="http://schemas.microsoft.com/office/powerpoint/2010/main" val="4182365371"/>
+        <p14:creationId xmlns:p14="http://schemas.microsoft.com/office/powerpoint/2010/main" val="1898947757"/>
       </p:ext>
     </p:extLst>
   </p:cSld>
@@ -5789,7 +5791,7 @@
     </p:spTree>
     <p:extLst>
       <p:ext uri="{BB962C8B-B14F-4D97-AF65-F5344CB8AC3E}">
-        <p14:creationId xmlns:p14="http://schemas.microsoft.com/office/powerpoint/2010/main" val="2686830648"/>
+        <p14:creationId xmlns:p14="http://schemas.microsoft.com/office/powerpoint/2010/main" val="4182365371"/>
       </p:ext>
     </p:extLst>
   </p:cSld>
@@ -5876,7 +5878,7 @@
     </p:spTree>
     <p:extLst>
       <p:ext uri="{BB962C8B-B14F-4D97-AF65-F5344CB8AC3E}">
-        <p14:creationId xmlns:p14="http://schemas.microsoft.com/office/powerpoint/2010/main" val="3896418327"/>
+        <p14:creationId xmlns:p14="http://schemas.microsoft.com/office/powerpoint/2010/main" val="2686830648"/>
       </p:ext>
     </p:extLst>
   </p:cSld>
@@ -5963,6 +5965,93 @@
     </p:spTree>
     <p:extLst>
       <p:ext uri="{BB962C8B-B14F-4D97-AF65-F5344CB8AC3E}">
+        <p14:creationId xmlns:p14="http://schemas.microsoft.com/office/powerpoint/2010/main" val="3896418327"/>
+      </p:ext>
+    </p:extLst>
+  </p:cSld>
+  <p:clrMapOvr>
+    <a:masterClrMapping/>
+  </p:clrMapOvr>
+</p:notes>
+</file>
+
+<file path=ppt/notesSlides/notesSlide24.xml><?xml version="1.0" encoding="utf-8"?>
+<p:notes xmlns:a="http://schemas.openxmlformats.org/drawingml/2006/main" xmlns:r="http://schemas.openxmlformats.org/officeDocument/2006/relationships" xmlns:p="http://schemas.openxmlformats.org/presentationml/2006/main">
+  <p:cSld>
+    <p:spTree>
+      <p:nvGrpSpPr>
+        <p:cNvPr id="1" name=""/>
+        <p:cNvGrpSpPr/>
+        <p:nvPr/>
+      </p:nvGrpSpPr>
+      <p:grpSpPr>
+        <a:xfrm>
+          <a:off x="0" y="0"/>
+          <a:ext cx="0" cy="0"/>
+          <a:chOff x="0" y="0"/>
+          <a:chExt cx="0" cy="0"/>
+        </a:xfrm>
+      </p:grpSpPr>
+      <p:sp>
+        <p:nvSpPr>
+          <p:cNvPr id="2" name="Slide Image Placeholder 1"/>
+          <p:cNvSpPr>
+            <a:spLocks noGrp="1" noRot="1" noChangeAspect="1"/>
+          </p:cNvSpPr>
+          <p:nvPr>
+            <p:ph type="sldImg"/>
+          </p:nvPr>
+        </p:nvSpPr>
+        <p:spPr/>
+      </p:sp>
+      <p:sp>
+        <p:nvSpPr>
+          <p:cNvPr id="3" name="Notes Placeholder 2"/>
+          <p:cNvSpPr>
+            <a:spLocks noGrp="1"/>
+          </p:cNvSpPr>
+          <p:nvPr>
+            <p:ph type="body" idx="1"/>
+          </p:nvPr>
+        </p:nvSpPr>
+        <p:spPr/>
+        <p:txBody>
+          <a:bodyPr/>
+          <a:lstStyle/>
+          <a:p>
+            <a:r>
+              <a:rPr lang="en-US" dirty="0"/>
+              <a:t>Will</a:t>
+            </a:r>
+          </a:p>
+        </p:txBody>
+      </p:sp>
+      <p:sp>
+        <p:nvSpPr>
+          <p:cNvPr id="4" name="Slide Number Placeholder 3"/>
+          <p:cNvSpPr>
+            <a:spLocks noGrp="1"/>
+          </p:cNvSpPr>
+          <p:nvPr>
+            <p:ph type="sldNum" sz="quarter" idx="5"/>
+          </p:nvPr>
+        </p:nvSpPr>
+        <p:spPr/>
+        <p:txBody>
+          <a:bodyPr/>
+          <a:lstStyle/>
+          <a:p>
+            <a:fld id="{1A934060-6132-4B8B-8B22-FF0A6A4F4F62}" type="slidenum">
+              <a:rPr lang="en-US" smtClean="0"/>
+              <a:t>24</a:t>
+            </a:fld>
+            <a:endParaRPr lang="en-US"/>
+          </a:p>
+        </p:txBody>
+      </p:sp>
+    </p:spTree>
+    <p:extLst>
+      <p:ext uri="{BB962C8B-B14F-4D97-AF65-F5344CB8AC3E}">
         <p14:creationId xmlns:p14="http://schemas.microsoft.com/office/powerpoint/2010/main" val="4108574357"/>
       </p:ext>
     </p:extLst>
@@ -5973,7 +6062,7 @@
 </p:notes>
 </file>
 
-<file path=ppt/notesSlides/notesSlide24.xml><?xml version="1.0" encoding="utf-8"?>
+<file path=ppt/notesSlides/notesSlide25.xml><?xml version="1.0" encoding="utf-8"?>
 <p:notes xmlns:a="http://schemas.openxmlformats.org/drawingml/2006/main" xmlns:r="http://schemas.openxmlformats.org/officeDocument/2006/relationships" xmlns:p="http://schemas.openxmlformats.org/presentationml/2006/main">
   <p:cSld>
     <p:spTree>
@@ -6041,7 +6130,7 @@
           <a:p>
             <a:fld id="{1A934060-6132-4B8B-8B22-FF0A6A4F4F62}" type="slidenum">
               <a:rPr lang="en-US" smtClean="0"/>
-              <a:t>24</a:t>
+              <a:t>25</a:t>
             </a:fld>
             <a:endParaRPr lang="en-US"/>
           </a:p>
@@ -6060,7 +6149,7 @@
 </p:notes>
 </file>
 
-<file path=ppt/notesSlides/notesSlide25.xml><?xml version="1.0" encoding="utf-8"?>
+<file path=ppt/notesSlides/notesSlide26.xml><?xml version="1.0" encoding="utf-8"?>
 <p:notes xmlns:a="http://schemas.openxmlformats.org/drawingml/2006/main" xmlns:r="http://schemas.openxmlformats.org/officeDocument/2006/relationships" xmlns:p="http://schemas.openxmlformats.org/presentationml/2006/main">
   <p:cSld>
     <p:spTree>
@@ -6128,7 +6217,7 @@
           <a:p>
             <a:fld id="{1A934060-6132-4B8B-8B22-FF0A6A4F4F62}" type="slidenum">
               <a:rPr lang="en-US" smtClean="0"/>
-              <a:t>25</a:t>
+              <a:t>26</a:t>
             </a:fld>
             <a:endParaRPr lang="en-US"/>
           </a:p>
@@ -6147,7 +6236,7 @@
 </p:notes>
 </file>
 
-<file path=ppt/notesSlides/notesSlide26.xml><?xml version="1.0" encoding="utf-8"?>
+<file path=ppt/notesSlides/notesSlide27.xml><?xml version="1.0" encoding="utf-8"?>
 <p:notes xmlns:a="http://schemas.openxmlformats.org/drawingml/2006/main" xmlns:r="http://schemas.openxmlformats.org/officeDocument/2006/relationships" xmlns:p="http://schemas.openxmlformats.org/presentationml/2006/main">
   <p:cSld>
     <p:spTree>
@@ -6215,7 +6304,7 @@
           <a:p>
             <a:fld id="{1A934060-6132-4B8B-8B22-FF0A6A4F4F62}" type="slidenum">
               <a:rPr lang="en-US" smtClean="0"/>
-              <a:t>26</a:t>
+              <a:t>27</a:t>
             </a:fld>
             <a:endParaRPr lang="en-US"/>
           </a:p>
@@ -6234,7 +6323,7 @@
 </p:notes>
 </file>
 
-<file path=ppt/notesSlides/notesSlide27.xml><?xml version="1.0" encoding="utf-8"?>
+<file path=ppt/notesSlides/notesSlide28.xml><?xml version="1.0" encoding="utf-8"?>
 <p:notes xmlns:a="http://schemas.openxmlformats.org/drawingml/2006/main" xmlns:r="http://schemas.openxmlformats.org/officeDocument/2006/relationships" xmlns:p="http://schemas.openxmlformats.org/presentationml/2006/main">
   <p:cSld>
     <p:spTree>
@@ -6302,7 +6391,7 @@
           <a:p>
             <a:fld id="{1A934060-6132-4B8B-8B22-FF0A6A4F4F62}" type="slidenum">
               <a:rPr lang="en-US" smtClean="0"/>
-              <a:t>27</a:t>
+              <a:t>28</a:t>
             </a:fld>
             <a:endParaRPr lang="en-US"/>
           </a:p>
@@ -6321,7 +6410,7 @@
 </p:notes>
 </file>
 
-<file path=ppt/notesSlides/notesSlide28.xml><?xml version="1.0" encoding="utf-8"?>
+<file path=ppt/notesSlides/notesSlide29.xml><?xml version="1.0" encoding="utf-8"?>
 <p:notes xmlns:a="http://schemas.openxmlformats.org/drawingml/2006/main" xmlns:r="http://schemas.openxmlformats.org/officeDocument/2006/relationships" xmlns:p="http://schemas.openxmlformats.org/presentationml/2006/main">
   <p:cSld>
     <p:spTree>
@@ -6389,7 +6478,7 @@
           <a:p>
             <a:fld id="{1A934060-6132-4B8B-8B22-FF0A6A4F4F62}" type="slidenum">
               <a:rPr lang="en-US" smtClean="0"/>
-              <a:t>28</a:t>
+              <a:t>29</a:t>
             </a:fld>
             <a:endParaRPr lang="en-US"/>
           </a:p>
@@ -6399,93 +6488,6 @@
     <p:extLst>
       <p:ext uri="{BB962C8B-B14F-4D97-AF65-F5344CB8AC3E}">
         <p14:creationId xmlns:p14="http://schemas.microsoft.com/office/powerpoint/2010/main" val="2109084575"/>
-      </p:ext>
-    </p:extLst>
-  </p:cSld>
-  <p:clrMapOvr>
-    <a:masterClrMapping/>
-  </p:clrMapOvr>
-</p:notes>
-</file>
-
-<file path=ppt/notesSlides/notesSlide29.xml><?xml version="1.0" encoding="utf-8"?>
-<p:notes xmlns:a="http://schemas.openxmlformats.org/drawingml/2006/main" xmlns:r="http://schemas.openxmlformats.org/officeDocument/2006/relationships" xmlns:p="http://schemas.openxmlformats.org/presentationml/2006/main">
-  <p:cSld>
-    <p:spTree>
-      <p:nvGrpSpPr>
-        <p:cNvPr id="1" name=""/>
-        <p:cNvGrpSpPr/>
-        <p:nvPr/>
-      </p:nvGrpSpPr>
-      <p:grpSpPr>
-        <a:xfrm>
-          <a:off x="0" y="0"/>
-          <a:ext cx="0" cy="0"/>
-          <a:chOff x="0" y="0"/>
-          <a:chExt cx="0" cy="0"/>
-        </a:xfrm>
-      </p:grpSpPr>
-      <p:sp>
-        <p:nvSpPr>
-          <p:cNvPr id="2" name="Slide Image Placeholder 1"/>
-          <p:cNvSpPr>
-            <a:spLocks noGrp="1" noRot="1" noChangeAspect="1"/>
-          </p:cNvSpPr>
-          <p:nvPr>
-            <p:ph type="sldImg"/>
-          </p:nvPr>
-        </p:nvSpPr>
-        <p:spPr/>
-      </p:sp>
-      <p:sp>
-        <p:nvSpPr>
-          <p:cNvPr id="3" name="Notes Placeholder 2"/>
-          <p:cNvSpPr>
-            <a:spLocks noGrp="1"/>
-          </p:cNvSpPr>
-          <p:nvPr>
-            <p:ph type="body" idx="1"/>
-          </p:nvPr>
-        </p:nvSpPr>
-        <p:spPr/>
-        <p:txBody>
-          <a:bodyPr/>
-          <a:lstStyle/>
-          <a:p>
-            <a:r>
-              <a:rPr lang="en-US" dirty="0"/>
-              <a:t>Bryce</a:t>
-            </a:r>
-          </a:p>
-        </p:txBody>
-      </p:sp>
-      <p:sp>
-        <p:nvSpPr>
-          <p:cNvPr id="4" name="Slide Number Placeholder 3"/>
-          <p:cNvSpPr>
-            <a:spLocks noGrp="1"/>
-          </p:cNvSpPr>
-          <p:nvPr>
-            <p:ph type="sldNum" sz="quarter" idx="5"/>
-          </p:nvPr>
-        </p:nvSpPr>
-        <p:spPr/>
-        <p:txBody>
-          <a:bodyPr/>
-          <a:lstStyle/>
-          <a:p>
-            <a:fld id="{1A934060-6132-4B8B-8B22-FF0A6A4F4F62}" type="slidenum">
-              <a:rPr lang="en-US" smtClean="0"/>
-              <a:t>29</a:t>
-            </a:fld>
-            <a:endParaRPr lang="en-US"/>
-          </a:p>
-        </p:txBody>
-      </p:sp>
-    </p:spTree>
-    <p:extLst>
-      <p:ext uri="{BB962C8B-B14F-4D97-AF65-F5344CB8AC3E}">
-        <p14:creationId xmlns:p14="http://schemas.microsoft.com/office/powerpoint/2010/main" val="1029595160"/>
       </p:ext>
     </p:extLst>
   </p:cSld>
@@ -6659,6 +6661,93 @@
     </p:spTree>
     <p:extLst>
       <p:ext uri="{BB962C8B-B14F-4D97-AF65-F5344CB8AC3E}">
+        <p14:creationId xmlns:p14="http://schemas.microsoft.com/office/powerpoint/2010/main" val="1029595160"/>
+      </p:ext>
+    </p:extLst>
+  </p:cSld>
+  <p:clrMapOvr>
+    <a:masterClrMapping/>
+  </p:clrMapOvr>
+</p:notes>
+</file>
+
+<file path=ppt/notesSlides/notesSlide31.xml><?xml version="1.0" encoding="utf-8"?>
+<p:notes xmlns:a="http://schemas.openxmlformats.org/drawingml/2006/main" xmlns:r="http://schemas.openxmlformats.org/officeDocument/2006/relationships" xmlns:p="http://schemas.openxmlformats.org/presentationml/2006/main">
+  <p:cSld>
+    <p:spTree>
+      <p:nvGrpSpPr>
+        <p:cNvPr id="1" name=""/>
+        <p:cNvGrpSpPr/>
+        <p:nvPr/>
+      </p:nvGrpSpPr>
+      <p:grpSpPr>
+        <a:xfrm>
+          <a:off x="0" y="0"/>
+          <a:ext cx="0" cy="0"/>
+          <a:chOff x="0" y="0"/>
+          <a:chExt cx="0" cy="0"/>
+        </a:xfrm>
+      </p:grpSpPr>
+      <p:sp>
+        <p:nvSpPr>
+          <p:cNvPr id="2" name="Slide Image Placeholder 1"/>
+          <p:cNvSpPr>
+            <a:spLocks noGrp="1" noRot="1" noChangeAspect="1"/>
+          </p:cNvSpPr>
+          <p:nvPr>
+            <p:ph type="sldImg"/>
+          </p:nvPr>
+        </p:nvSpPr>
+        <p:spPr/>
+      </p:sp>
+      <p:sp>
+        <p:nvSpPr>
+          <p:cNvPr id="3" name="Notes Placeholder 2"/>
+          <p:cNvSpPr>
+            <a:spLocks noGrp="1"/>
+          </p:cNvSpPr>
+          <p:nvPr>
+            <p:ph type="body" idx="1"/>
+          </p:nvPr>
+        </p:nvSpPr>
+        <p:spPr/>
+        <p:txBody>
+          <a:bodyPr/>
+          <a:lstStyle/>
+          <a:p>
+            <a:r>
+              <a:rPr lang="en-US" dirty="0"/>
+              <a:t>Bryce</a:t>
+            </a:r>
+          </a:p>
+        </p:txBody>
+      </p:sp>
+      <p:sp>
+        <p:nvSpPr>
+          <p:cNvPr id="4" name="Slide Number Placeholder 3"/>
+          <p:cNvSpPr>
+            <a:spLocks noGrp="1"/>
+          </p:cNvSpPr>
+          <p:nvPr>
+            <p:ph type="sldNum" sz="quarter" idx="5"/>
+          </p:nvPr>
+        </p:nvSpPr>
+        <p:spPr/>
+        <p:txBody>
+          <a:bodyPr/>
+          <a:lstStyle/>
+          <a:p>
+            <a:fld id="{1A934060-6132-4B8B-8B22-FF0A6A4F4F62}" type="slidenum">
+              <a:rPr lang="en-US" smtClean="0"/>
+              <a:t>31</a:t>
+            </a:fld>
+            <a:endParaRPr lang="en-US"/>
+          </a:p>
+        </p:txBody>
+      </p:sp>
+    </p:spTree>
+    <p:extLst>
+      <p:ext uri="{BB962C8B-B14F-4D97-AF65-F5344CB8AC3E}">
         <p14:creationId xmlns:p14="http://schemas.microsoft.com/office/powerpoint/2010/main" val="1642693481"/>
       </p:ext>
     </p:extLst>
@@ -6669,7 +6758,7 @@
 </p:notes>
 </file>
 
-<file path=ppt/notesSlides/notesSlide31.xml><?xml version="1.0" encoding="utf-8"?>
+<file path=ppt/notesSlides/notesSlide32.xml><?xml version="1.0" encoding="utf-8"?>
 <p:notes xmlns:a="http://schemas.openxmlformats.org/drawingml/2006/main" xmlns:r="http://schemas.openxmlformats.org/officeDocument/2006/relationships" xmlns:p="http://schemas.openxmlformats.org/presentationml/2006/main">
   <p:cSld>
     <p:spTree>
@@ -6737,7 +6826,7 @@
           <a:p>
             <a:fld id="{1A934060-6132-4B8B-8B22-FF0A6A4F4F62}" type="slidenum">
               <a:rPr lang="en-US" smtClean="0"/>
-              <a:t>31</a:t>
+              <a:t>32</a:t>
             </a:fld>
             <a:endParaRPr lang="en-US"/>
           </a:p>
@@ -6756,7 +6845,7 @@
 </p:notes>
 </file>
 
-<file path=ppt/notesSlides/notesSlide32.xml><?xml version="1.0" encoding="utf-8"?>
+<file path=ppt/notesSlides/notesSlide33.xml><?xml version="1.0" encoding="utf-8"?>
 <p:notes xmlns:a="http://schemas.openxmlformats.org/drawingml/2006/main" xmlns:r="http://schemas.openxmlformats.org/officeDocument/2006/relationships" xmlns:p="http://schemas.openxmlformats.org/presentationml/2006/main">
   <p:cSld>
     <p:spTree>
@@ -6824,7 +6913,7 @@
           <a:p>
             <a:fld id="{1A934060-6132-4B8B-8B22-FF0A6A4F4F62}" type="slidenum">
               <a:rPr lang="en-US" smtClean="0"/>
-              <a:t>32</a:t>
+              <a:t>33</a:t>
             </a:fld>
             <a:endParaRPr lang="en-US"/>
           </a:p>
@@ -6843,7 +6932,7 @@
 </p:notes>
 </file>
 
-<file path=ppt/notesSlides/notesSlide33.xml><?xml version="1.0" encoding="utf-8"?>
+<file path=ppt/notesSlides/notesSlide34.xml><?xml version="1.0" encoding="utf-8"?>
 <p:notes xmlns:a="http://schemas.openxmlformats.org/drawingml/2006/main" xmlns:r="http://schemas.openxmlformats.org/officeDocument/2006/relationships" xmlns:p="http://schemas.openxmlformats.org/presentationml/2006/main">
   <p:cSld>
     <p:spTree>
@@ -6908,7 +6997,7 @@
           <a:p>
             <a:fld id="{1A934060-6132-4B8B-8B22-FF0A6A4F4F62}" type="slidenum">
               <a:rPr lang="en-US" smtClean="0"/>
-              <a:t>34</a:t>
+              <a:t>35</a:t>
             </a:fld>
             <a:endParaRPr lang="en-US"/>
           </a:p>
@@ -7234,7 +7323,7 @@
           <a:p>
             <a:r>
               <a:rPr lang="en-US" dirty="0"/>
-              <a:t>Bryce</a:t>
+              <a:t>Colton</a:t>
             </a:r>
           </a:p>
         </p:txBody>
@@ -7265,7 +7354,7 @@
     </p:spTree>
     <p:extLst>
       <p:ext uri="{BB962C8B-B14F-4D97-AF65-F5344CB8AC3E}">
-        <p14:creationId xmlns:p14="http://schemas.microsoft.com/office/powerpoint/2010/main" val="3289691066"/>
+        <p14:creationId xmlns:p14="http://schemas.microsoft.com/office/powerpoint/2010/main" val="2740646380"/>
       </p:ext>
     </p:extLst>
   </p:cSld>
@@ -7352,7 +7441,7 @@
     </p:spTree>
     <p:extLst>
       <p:ext uri="{BB962C8B-B14F-4D97-AF65-F5344CB8AC3E}">
-        <p14:creationId xmlns:p14="http://schemas.microsoft.com/office/powerpoint/2010/main" val="3038563024"/>
+        <p14:creationId xmlns:p14="http://schemas.microsoft.com/office/powerpoint/2010/main" val="3289691066"/>
       </p:ext>
     </p:extLst>
   </p:cSld>
@@ -7408,7 +7497,7 @@
           <a:p>
             <a:r>
               <a:rPr lang="en-US" dirty="0"/>
-              <a:t>Will</a:t>
+              <a:t>Bryce</a:t>
             </a:r>
           </a:p>
         </p:txBody>
@@ -7439,7 +7528,7 @@
     </p:spTree>
     <p:extLst>
       <p:ext uri="{BB962C8B-B14F-4D97-AF65-F5344CB8AC3E}">
-        <p14:creationId xmlns:p14="http://schemas.microsoft.com/office/powerpoint/2010/main" val="3041910104"/>
+        <p14:creationId xmlns:p14="http://schemas.microsoft.com/office/powerpoint/2010/main" val="3038563024"/>
       </p:ext>
     </p:extLst>
   </p:cSld>
@@ -11695,6 +11784,557 @@
           <a:chExt cx="0" cy="0"/>
         </a:xfrm>
       </p:grpSpPr>
+      <p:pic>
+        <p:nvPicPr>
+          <p:cNvPr id="5" name="Graphic 4" descr="Circular flowchart outline">
+            <a:extLst>
+              <a:ext uri="{FF2B5EF4-FFF2-40B4-BE49-F238E27FC236}">
+                <a16:creationId xmlns:a16="http://schemas.microsoft.com/office/drawing/2014/main" id="{3CAE6604-AF99-C64B-855D-A0E31A992F41}"/>
+              </a:ext>
+            </a:extLst>
+          </p:cNvPr>
+          <p:cNvPicPr>
+            <a:picLocks noChangeAspect="1"/>
+          </p:cNvPicPr>
+          <p:nvPr/>
+        </p:nvPicPr>
+        <p:blipFill>
+          <a:blip r:embed="rId3">
+            <a:extLst>
+              <a:ext uri="{28A0092B-C50C-407E-A947-70E740481C1C}">
+                <a14:useLocalDpi xmlns:a14="http://schemas.microsoft.com/office/drawing/2010/main" val="0"/>
+              </a:ext>
+              <a:ext uri="{96DAC541-7B7A-43D3-8B79-37D633B846F1}">
+                <asvg:svgBlip xmlns:asvg="http://schemas.microsoft.com/office/drawing/2016/SVG/main" r:embed="rId4"/>
+              </a:ext>
+            </a:extLst>
+          </a:blip>
+          <a:stretch>
+            <a:fillRect/>
+          </a:stretch>
+        </p:blipFill>
+        <p:spPr>
+          <a:xfrm>
+            <a:off x="674158" y="76200"/>
+            <a:ext cx="7186084" cy="7186084"/>
+          </a:xfrm>
+          <a:prstGeom prst="rect">
+            <a:avLst/>
+          </a:prstGeom>
+          <a:effectLst>
+            <a:glow rad="101600">
+              <a:schemeClr val="tx1">
+                <a:lumMod val="75000"/>
+                <a:lumOff val="25000"/>
+                <a:alpha val="60000"/>
+              </a:schemeClr>
+            </a:glow>
+          </a:effectLst>
+        </p:spPr>
+      </p:pic>
+      <p:sp>
+        <p:nvSpPr>
+          <p:cNvPr id="2" name="Title 1">
+            <a:extLst>
+              <a:ext uri="{FF2B5EF4-FFF2-40B4-BE49-F238E27FC236}">
+                <a16:creationId xmlns:a16="http://schemas.microsoft.com/office/drawing/2014/main" id="{DD6F7378-717F-9548-B681-E7D3777FFE5E}"/>
+              </a:ext>
+            </a:extLst>
+          </p:cNvPr>
+          <p:cNvSpPr>
+            <a:spLocks noGrp="1"/>
+          </p:cNvSpPr>
+          <p:nvPr>
+            <p:ph type="title"/>
+          </p:nvPr>
+        </p:nvSpPr>
+        <p:spPr>
+          <a:xfrm>
+            <a:off x="304799" y="274638"/>
+            <a:ext cx="8534397" cy="715962"/>
+          </a:xfrm>
+          <a:prstGeom prst="roundRect">
+            <a:avLst/>
+          </a:prstGeom>
+          <a:solidFill>
+            <a:schemeClr val="bg2">
+              <a:lumMod val="50000"/>
+            </a:schemeClr>
+          </a:solidFill>
+          <a:effectLst/>
+        </p:spPr>
+        <p:txBody>
+          <a:bodyPr>
+            <a:normAutofit fontScale="90000"/>
+          </a:bodyPr>
+          <a:lstStyle/>
+          <a:p>
+            <a:r>
+              <a:rPr lang="en-US" dirty="0">
+                <a:solidFill>
+                  <a:schemeClr val="bg1"/>
+                </a:solidFill>
+                <a:effectLst>
+                  <a:glow rad="101600">
+                    <a:schemeClr val="tx1">
+                      <a:alpha val="60000"/>
+                    </a:schemeClr>
+                  </a:glow>
+                  <a:outerShdw blurRad="50800" dist="38100" dir="8100000" algn="tr" rotWithShape="0">
+                    <a:prstClr val="black">
+                      <a:alpha val="40000"/>
+                    </a:prstClr>
+                  </a:outerShdw>
+                </a:effectLst>
+                <a:latin typeface="DIN Alternate" panose="020B0500000000000000" pitchFamily="34" charset="77"/>
+              </a:rPr>
+              <a:t>PROJECT SCOPE</a:t>
+            </a:r>
+          </a:p>
+        </p:txBody>
+      </p:sp>
+      <p:sp>
+        <p:nvSpPr>
+          <p:cNvPr id="4" name="Slide Number Placeholder 3">
+            <a:extLst>
+              <a:ext uri="{FF2B5EF4-FFF2-40B4-BE49-F238E27FC236}">
+                <a16:creationId xmlns:a16="http://schemas.microsoft.com/office/drawing/2014/main" id="{81F78564-DDBC-C349-9023-BCC92159213B}"/>
+              </a:ext>
+            </a:extLst>
+          </p:cNvPr>
+          <p:cNvSpPr>
+            <a:spLocks noGrp="1"/>
+          </p:cNvSpPr>
+          <p:nvPr>
+            <p:ph type="sldNum" sz="quarter" idx="12"/>
+          </p:nvPr>
+        </p:nvSpPr>
+        <p:spPr/>
+        <p:txBody>
+          <a:bodyPr/>
+          <a:lstStyle/>
+          <a:p>
+            <a:fld id="{9E3EFB43-BEAF-4970-A06C-24B01B76FA99}" type="slidenum">
+              <a:rPr lang="en-US" smtClean="0"/>
+              <a:pPr/>
+              <a:t>10</a:t>
+            </a:fld>
+            <a:endParaRPr lang="en-US" dirty="0"/>
+          </a:p>
+        </p:txBody>
+      </p:sp>
+      <p:sp>
+        <p:nvSpPr>
+          <p:cNvPr id="6" name="Rounded Rectangle 5">
+            <a:extLst>
+              <a:ext uri="{FF2B5EF4-FFF2-40B4-BE49-F238E27FC236}">
+                <a16:creationId xmlns:a16="http://schemas.microsoft.com/office/drawing/2014/main" id="{A15D5860-F3B3-8049-A456-E0401261676B}"/>
+              </a:ext>
+            </a:extLst>
+          </p:cNvPr>
+          <p:cNvSpPr/>
+          <p:nvPr/>
+        </p:nvSpPr>
+        <p:spPr>
+          <a:xfrm>
+            <a:off x="304799" y="1600200"/>
+            <a:ext cx="3886200" cy="3581400"/>
+          </a:xfrm>
+          <a:prstGeom prst="roundRect">
+            <a:avLst>
+              <a:gd name="adj" fmla="val 6988"/>
+            </a:avLst>
+          </a:prstGeom>
+          <a:solidFill>
+            <a:schemeClr val="tx1">
+              <a:lumMod val="85000"/>
+              <a:lumOff val="15000"/>
+              <a:alpha val="90000"/>
+            </a:schemeClr>
+          </a:solidFill>
+          <a:ln w="12700">
+            <a:solidFill>
+              <a:schemeClr val="bg2">
+                <a:lumMod val="50000"/>
+              </a:schemeClr>
+            </a:solidFill>
+          </a:ln>
+        </p:spPr>
+        <p:style>
+          <a:lnRef idx="2">
+            <a:schemeClr val="accent1">
+              <a:shade val="50000"/>
+            </a:schemeClr>
+          </a:lnRef>
+          <a:fillRef idx="1">
+            <a:schemeClr val="accent1"/>
+          </a:fillRef>
+          <a:effectRef idx="0">
+            <a:schemeClr val="accent1"/>
+          </a:effectRef>
+          <a:fontRef idx="minor">
+            <a:schemeClr val="lt1"/>
+          </a:fontRef>
+        </p:style>
+        <p:txBody>
+          <a:bodyPr rtlCol="0" anchor="t" anchorCtr="0"/>
+          <a:lstStyle/>
+          <a:p>
+            <a:pPr algn="ctr"/>
+            <a:r>
+              <a:rPr lang="en-US" sz="3200" dirty="0">
+                <a:effectLst>
+                  <a:glow rad="101600">
+                    <a:schemeClr val="tx1">
+                      <a:alpha val="60000"/>
+                    </a:schemeClr>
+                  </a:glow>
+                </a:effectLst>
+                <a:latin typeface="DIN Alternate" panose="020B0500000000000000" pitchFamily="34" charset="77"/>
+              </a:rPr>
+              <a:t>Outside Scope</a:t>
+            </a:r>
+            <a:endParaRPr lang="en-US" sz="2800" dirty="0">
+              <a:latin typeface="DIN Alternate" panose="020B0500000000000000" pitchFamily="34" charset="77"/>
+            </a:endParaRPr>
+          </a:p>
+          <a:p>
+            <a:pPr marL="285750" indent="-285750" fontAlgn="base">
+              <a:buFont typeface="Arial" panose="020B0604020202020204" pitchFamily="34" charset="0"/>
+              <a:buChar char="•"/>
+            </a:pPr>
+            <a:r>
+              <a:rPr lang="en-US" sz="2400" dirty="0">
+                <a:latin typeface="DIN Alternate" panose="020B0500000000000000" pitchFamily="34" charset="77"/>
+              </a:rPr>
+              <a:t>Not aiming to produce diagnostic test</a:t>
+            </a:r>
+          </a:p>
+          <a:p>
+            <a:pPr marL="285750" indent="-285750" fontAlgn="base">
+              <a:buFont typeface="Arial" panose="020B0604020202020204" pitchFamily="34" charset="0"/>
+              <a:buChar char="•"/>
+            </a:pPr>
+            <a:r>
+              <a:rPr lang="en-US" sz="2400" dirty="0">
+                <a:latin typeface="DIN Alternate" panose="020B0500000000000000" pitchFamily="34" charset="77"/>
+              </a:rPr>
+              <a:t>Not aiming to create therapeutic experience</a:t>
+            </a:r>
+          </a:p>
+          <a:p>
+            <a:pPr marL="285750" indent="-285750" fontAlgn="base">
+              <a:buFont typeface="Arial" panose="020B0604020202020204" pitchFamily="34" charset="0"/>
+              <a:buChar char="•"/>
+            </a:pPr>
+            <a:r>
+              <a:rPr lang="en-US" sz="2400" dirty="0">
+                <a:latin typeface="DIN Alternate" panose="020B0500000000000000" pitchFamily="34" charset="77"/>
+              </a:rPr>
+              <a:t>Not aiming to design or conduct a particular research experiment</a:t>
+            </a:r>
+          </a:p>
+          <a:p>
+            <a:endParaRPr lang="en-US" sz="2800" dirty="0">
+              <a:latin typeface="DIN Alternate" panose="020B0500000000000000" pitchFamily="34" charset="77"/>
+            </a:endParaRPr>
+          </a:p>
+        </p:txBody>
+      </p:sp>
+      <p:sp>
+        <p:nvSpPr>
+          <p:cNvPr id="7" name="Rounded Rectangle 6">
+            <a:extLst>
+              <a:ext uri="{FF2B5EF4-FFF2-40B4-BE49-F238E27FC236}">
+                <a16:creationId xmlns:a16="http://schemas.microsoft.com/office/drawing/2014/main" id="{EA808AFB-A957-054A-BFD2-00F67E6F506A}"/>
+              </a:ext>
+            </a:extLst>
+          </p:cNvPr>
+          <p:cNvSpPr/>
+          <p:nvPr/>
+        </p:nvSpPr>
+        <p:spPr>
+          <a:xfrm>
+            <a:off x="4343400" y="1594945"/>
+            <a:ext cx="4495796" cy="3581400"/>
+          </a:xfrm>
+          <a:prstGeom prst="roundRect">
+            <a:avLst>
+              <a:gd name="adj" fmla="val 6988"/>
+            </a:avLst>
+          </a:prstGeom>
+          <a:solidFill>
+            <a:schemeClr val="tx1">
+              <a:lumMod val="85000"/>
+              <a:lumOff val="15000"/>
+              <a:alpha val="90000"/>
+            </a:schemeClr>
+          </a:solidFill>
+          <a:ln w="12700">
+            <a:solidFill>
+              <a:schemeClr val="bg2">
+                <a:lumMod val="50000"/>
+              </a:schemeClr>
+            </a:solidFill>
+          </a:ln>
+        </p:spPr>
+        <p:style>
+          <a:lnRef idx="2">
+            <a:schemeClr val="accent1">
+              <a:shade val="50000"/>
+            </a:schemeClr>
+          </a:lnRef>
+          <a:fillRef idx="1">
+            <a:schemeClr val="accent1"/>
+          </a:fillRef>
+          <a:effectRef idx="0">
+            <a:schemeClr val="accent1"/>
+          </a:effectRef>
+          <a:fontRef idx="minor">
+            <a:schemeClr val="lt1"/>
+          </a:fontRef>
+        </p:style>
+        <p:txBody>
+          <a:bodyPr rtlCol="0" anchor="t" anchorCtr="0"/>
+          <a:lstStyle/>
+          <a:p>
+            <a:pPr algn="ctr"/>
+            <a:r>
+              <a:rPr lang="en-US" sz="3200" dirty="0">
+                <a:effectLst>
+                  <a:glow rad="101600">
+                    <a:schemeClr val="tx1">
+                      <a:alpha val="60000"/>
+                    </a:schemeClr>
+                  </a:glow>
+                </a:effectLst>
+                <a:latin typeface="DIN Alternate" panose="020B0500000000000000" pitchFamily="34" charset="77"/>
+              </a:rPr>
+              <a:t>Within Scope</a:t>
+            </a:r>
+            <a:endParaRPr lang="en-US" sz="2800" dirty="0">
+              <a:latin typeface="DIN Alternate" panose="020B0500000000000000" pitchFamily="34" charset="77"/>
+            </a:endParaRPr>
+          </a:p>
+          <a:p>
+            <a:pPr marL="285750" indent="-285750" fontAlgn="base">
+              <a:buFont typeface="Arial" panose="020B0604020202020204" pitchFamily="34" charset="0"/>
+              <a:buChar char="•"/>
+            </a:pPr>
+            <a:r>
+              <a:rPr lang="en-US" sz="2000" dirty="0">
+                <a:latin typeface="DIN Alternate" panose="020B0500000000000000" pitchFamily="34" charset="77"/>
+              </a:rPr>
+              <a:t>Create a framework to aid the development and implementation of advanced behaviors to support diagnostic and therapeutic applications</a:t>
+            </a:r>
+          </a:p>
+          <a:p>
+            <a:pPr marL="285750" indent="-285750" fontAlgn="base">
+              <a:buFont typeface="Arial" panose="020B0604020202020204" pitchFamily="34" charset="0"/>
+              <a:buChar char="•"/>
+            </a:pPr>
+            <a:r>
+              <a:rPr lang="en-US" sz="2000" dirty="0">
+                <a:latin typeface="DIN Alternate" panose="020B0500000000000000" pitchFamily="34" charset="77"/>
+              </a:rPr>
+              <a:t>Develop behavior components for a specific scenario as a POC</a:t>
+            </a:r>
+          </a:p>
+          <a:p>
+            <a:pPr marL="742950" lvl="1" indent="-285750" fontAlgn="base">
+              <a:buFont typeface="Arial" panose="020B0604020202020204" pitchFamily="34" charset="0"/>
+              <a:buChar char="•"/>
+            </a:pPr>
+            <a:r>
+              <a:rPr lang="en-US" sz="2000" dirty="0">
+                <a:latin typeface="DIN Alternate" panose="020B0500000000000000" pitchFamily="34" charset="77"/>
+              </a:rPr>
+              <a:t>Interactive drawing exercise with a human subject</a:t>
+            </a:r>
+          </a:p>
+          <a:p>
+            <a:endParaRPr lang="en-US" sz="2400" dirty="0">
+              <a:latin typeface="DIN Alternate" panose="020B0500000000000000" pitchFamily="34" charset="77"/>
+            </a:endParaRPr>
+          </a:p>
+        </p:txBody>
+      </p:sp>
+      <p:pic>
+        <p:nvPicPr>
+          <p:cNvPr id="9" name="Graphic 8" descr="Hamburger Menu Icon with solid fill">
+            <a:hlinkClick r:id="" action="ppaction://hlinkshowjump?jump=lastslide"/>
+            <a:extLst>
+              <a:ext uri="{FF2B5EF4-FFF2-40B4-BE49-F238E27FC236}">
+                <a16:creationId xmlns:a16="http://schemas.microsoft.com/office/drawing/2014/main" id="{F460958D-DBDD-6C46-B81C-A77A5CB927BD}"/>
+              </a:ext>
+            </a:extLst>
+          </p:cNvPr>
+          <p:cNvPicPr>
+            <a:picLocks noChangeAspect="1"/>
+          </p:cNvPicPr>
+          <p:nvPr/>
+        </p:nvPicPr>
+        <p:blipFill>
+          <a:blip r:embed="rId5">
+            <a:extLst>
+              <a:ext uri="{28A0092B-C50C-407E-A947-70E740481C1C}">
+                <a14:useLocalDpi xmlns:a14="http://schemas.microsoft.com/office/drawing/2010/main" val="0"/>
+              </a:ext>
+              <a:ext uri="{96DAC541-7B7A-43D3-8B79-37D633B846F1}">
+                <asvg:svgBlip xmlns:asvg="http://schemas.microsoft.com/office/drawing/2016/SVG/main" r:embed="rId6"/>
+              </a:ext>
+            </a:extLst>
+          </a:blip>
+          <a:stretch>
+            <a:fillRect/>
+          </a:stretch>
+        </p:blipFill>
+        <p:spPr>
+          <a:xfrm>
+            <a:off x="97798" y="6346198"/>
+            <a:ext cx="359402" cy="359402"/>
+          </a:xfrm>
+          <a:prstGeom prst="rect">
+            <a:avLst/>
+          </a:prstGeom>
+          <a:effectLst>
+            <a:glow rad="101600">
+              <a:schemeClr val="tx1">
+                <a:lumMod val="75000"/>
+                <a:lumOff val="25000"/>
+                <a:alpha val="60000"/>
+              </a:schemeClr>
+            </a:glow>
+          </a:effectLst>
+        </p:spPr>
+      </p:pic>
+    </p:spTree>
+    <p:extLst>
+      <p:ext uri="{BB962C8B-B14F-4D97-AF65-F5344CB8AC3E}">
+        <p14:creationId xmlns:p14="http://schemas.microsoft.com/office/powerpoint/2010/main" val="535997282"/>
+      </p:ext>
+    </p:extLst>
+  </p:cSld>
+  <p:clrMapOvr>
+    <a:masterClrMapping/>
+  </p:clrMapOvr>
+  <mc:AlternateContent xmlns:mc="http://schemas.openxmlformats.org/markup-compatibility/2006" xmlns:p14="http://schemas.microsoft.com/office/powerpoint/2010/main">
+    <mc:Choice Requires="p14">
+      <p:transition spd="slow" p14:dur="800">
+        <p14:glitter dir="r" pattern="hexagon"/>
+      </p:transition>
+    </mc:Choice>
+    <mc:Fallback xmlns="">
+      <p:transition spd="slow">
+        <p:fade/>
+      </p:transition>
+    </mc:Fallback>
+  </mc:AlternateContent>
+  <p:timing>
+    <p:tnLst>
+      <p:par>
+        <p:cTn id="1" dur="indefinite" restart="never" nodeType="tmRoot">
+          <p:childTnLst>
+            <p:seq concurrent="1" nextAc="seek">
+              <p:cTn id="2" restart="whenNotActive" fill="hold" evtFilter="cancelBubble" nodeType="interactiveSeq">
+                <p:stCondLst>
+                  <p:cond evt="onClick" delay="0">
+                    <p:tgtEl>
+                      <p:spTgt spid="5"/>
+                    </p:tgtEl>
+                  </p:cond>
+                </p:stCondLst>
+                <p:endSync evt="end" delay="0">
+                  <p:rtn val="all"/>
+                </p:endSync>
+                <p:childTnLst>
+                  <p:par>
+                    <p:cTn id="3" fill="hold">
+                      <p:stCondLst>
+                        <p:cond delay="0"/>
+                      </p:stCondLst>
+                      <p:childTnLst>
+                        <p:par>
+                          <p:cTn id="4" fill="hold">
+                            <p:stCondLst>
+                              <p:cond delay="0"/>
+                            </p:stCondLst>
+                            <p:childTnLst>
+                              <p:par>
+                                <p:cTn id="5" presetID="26" presetClass="emph" presetSubtype="0" fill="hold" nodeType="clickEffect">
+                                  <p:stCondLst>
+                                    <p:cond delay="0"/>
+                                  </p:stCondLst>
+                                  <p:childTnLst>
+                                    <p:animEffect transition="out" filter="fade">
+                                      <p:cBhvr>
+                                        <p:cTn id="6" dur="500" tmFilter="0, 0; .2, .5; .8, .5; 1, 0"/>
+                                        <p:tgtEl>
+                                          <p:spTgt spid="9"/>
+                                        </p:tgtEl>
+                                      </p:cBhvr>
+                                    </p:animEffect>
+                                    <p:animScale>
+                                      <p:cBhvr>
+                                        <p:cTn id="7" dur="250" autoRev="1" fill="hold"/>
+                                        <p:tgtEl>
+                                          <p:spTgt spid="9"/>
+                                        </p:tgtEl>
+                                      </p:cBhvr>
+                                      <p:by x="105000" y="105000"/>
+                                    </p:animScale>
+                                  </p:childTnLst>
+                                </p:cTn>
+                              </p:par>
+                            </p:childTnLst>
+                          </p:cTn>
+                        </p:par>
+                      </p:childTnLst>
+                    </p:cTn>
+                  </p:par>
+                </p:childTnLst>
+              </p:cTn>
+              <p:nextCondLst>
+                <p:cond evt="onClick" delay="0">
+                  <p:tgtEl>
+                    <p:spTgt spid="5"/>
+                  </p:tgtEl>
+                </p:cond>
+              </p:nextCondLst>
+            </p:seq>
+          </p:childTnLst>
+        </p:cTn>
+      </p:par>
+    </p:tnLst>
+  </p:timing>
+</p:sld>
+</file>
+
+<file path=ppt/slides/slide11.xml><?xml version="1.0" encoding="utf-8"?>
+<p:sld xmlns:a="http://schemas.openxmlformats.org/drawingml/2006/main" xmlns:r="http://schemas.openxmlformats.org/officeDocument/2006/relationships" xmlns:p="http://schemas.openxmlformats.org/presentationml/2006/main">
+  <p:cSld>
+    <p:bg>
+      <p:bgPr>
+        <a:solidFill>
+          <a:schemeClr val="tx1"/>
+        </a:solidFill>
+        <a:effectLst/>
+      </p:bgPr>
+    </p:bg>
+    <p:spTree>
+      <p:nvGrpSpPr>
+        <p:cNvPr id="1" name=""/>
+        <p:cNvGrpSpPr/>
+        <p:nvPr/>
+      </p:nvGrpSpPr>
+      <p:grpSpPr>
+        <a:xfrm>
+          <a:off x="0" y="0"/>
+          <a:ext cx="0" cy="0"/>
+          <a:chOff x="0" y="0"/>
+          <a:chExt cx="0" cy="0"/>
+        </a:xfrm>
+      </p:grpSpPr>
       <p:sp>
         <p:nvSpPr>
           <p:cNvPr id="2" name="Title 1">
@@ -11819,7 +12459,7 @@
             <a:fld id="{9E3EFB43-BEAF-4970-A06C-24B01B76FA99}" type="slidenum">
               <a:rPr lang="en-US" smtClean="0"/>
               <a:pPr/>
-              <a:t>10</a:t>
+              <a:t>11</a:t>
             </a:fld>
             <a:endParaRPr lang="en-US" dirty="0"/>
           </a:p>
@@ -12249,7 +12889,7 @@
 </p:sld>
 </file>
 
-<file path=ppt/slides/slide11.xml><?xml version="1.0" encoding="utf-8"?>
+<file path=ppt/slides/slide12.xml><?xml version="1.0" encoding="utf-8"?>
 <p:sld xmlns:a="http://schemas.openxmlformats.org/drawingml/2006/main" xmlns:r="http://schemas.openxmlformats.org/officeDocument/2006/relationships" xmlns:p="http://schemas.openxmlformats.org/presentationml/2006/main">
   <p:cSld>
     <p:bg>
@@ -12407,7 +13047,7 @@
             <a:fld id="{9E3EFB43-BEAF-4970-A06C-24B01B76FA99}" type="slidenum">
               <a:rPr lang="en-US" smtClean="0"/>
               <a:pPr/>
-              <a:t>11</a:t>
+              <a:t>12</a:t>
             </a:fld>
             <a:endParaRPr lang="en-US" dirty="0"/>
           </a:p>
@@ -13015,7 +13655,7 @@
 </p:sld>
 </file>
 
-<file path=ppt/slides/slide12.xml><?xml version="1.0" encoding="utf-8"?>
+<file path=ppt/slides/slide13.xml><?xml version="1.0" encoding="utf-8"?>
 <p:sld xmlns:a="http://schemas.openxmlformats.org/drawingml/2006/main" xmlns:r="http://schemas.openxmlformats.org/officeDocument/2006/relationships" xmlns:p="http://schemas.openxmlformats.org/presentationml/2006/main">
   <p:cSld>
     <p:bg>
@@ -13164,7 +13804,7 @@
             <a:fld id="{9E3EFB43-BEAF-4970-A06C-24B01B76FA99}" type="slidenum">
               <a:rPr lang="en-US" smtClean="0"/>
               <a:pPr/>
-              <a:t>12</a:t>
+              <a:t>13</a:t>
             </a:fld>
             <a:endParaRPr lang="en-US" dirty="0"/>
           </a:p>
@@ -13682,7 +14322,7 @@
 </p:sld>
 </file>
 
-<file path=ppt/slides/slide13.xml><?xml version="1.0" encoding="utf-8"?>
+<file path=ppt/slides/slide14.xml><?xml version="1.0" encoding="utf-8"?>
 <p:sld xmlns:a="http://schemas.openxmlformats.org/drawingml/2006/main" xmlns:r="http://schemas.openxmlformats.org/officeDocument/2006/relationships" xmlns:p="http://schemas.openxmlformats.org/presentationml/2006/main">
   <p:cSld>
     <p:bg>
@@ -13879,7 +14519,7 @@
             <a:fld id="{9E3EFB43-BEAF-4970-A06C-24B01B76FA99}" type="slidenum">
               <a:rPr lang="en-US" smtClean="0"/>
               <a:pPr/>
-              <a:t>13</a:t>
+              <a:t>14</a:t>
             </a:fld>
             <a:endParaRPr lang="en-US" dirty="0"/>
           </a:p>
@@ -14305,7 +14945,7 @@
 </p:sld>
 </file>
 
-<file path=ppt/slides/slide14.xml><?xml version="1.0" encoding="utf-8"?>
+<file path=ppt/slides/slide15.xml><?xml version="1.0" encoding="utf-8"?>
 <p:sld xmlns:a="http://schemas.openxmlformats.org/drawingml/2006/main" xmlns:r="http://schemas.openxmlformats.org/officeDocument/2006/relationships" xmlns:p="http://schemas.openxmlformats.org/presentationml/2006/main">
   <p:cSld>
     <p:bg>
@@ -14415,7 +15055,7 @@
             <a:fld id="{9E3EFB43-BEAF-4970-A06C-24B01B76FA99}" type="slidenum">
               <a:rPr lang="en-US" smtClean="0"/>
               <a:pPr/>
-              <a:t>14</a:t>
+              <a:t>15</a:t>
             </a:fld>
             <a:endParaRPr lang="en-US" dirty="0"/>
           </a:p>
@@ -15732,1096 +16372,6 @@
 </p:sld>
 </file>
 
-<file path=ppt/slides/slide15.xml><?xml version="1.0" encoding="utf-8"?>
-<p:sld xmlns:a="http://schemas.openxmlformats.org/drawingml/2006/main" xmlns:r="http://schemas.openxmlformats.org/officeDocument/2006/relationships" xmlns:p="http://schemas.openxmlformats.org/presentationml/2006/main">
-  <p:cSld>
-    <p:bg>
-      <p:bgPr>
-        <a:solidFill>
-          <a:schemeClr val="tx1"/>
-        </a:solidFill>
-        <a:effectLst/>
-      </p:bgPr>
-    </p:bg>
-    <p:spTree>
-      <p:nvGrpSpPr>
-        <p:cNvPr id="1" name=""/>
-        <p:cNvGrpSpPr/>
-        <p:nvPr/>
-      </p:nvGrpSpPr>
-      <p:grpSpPr>
-        <a:xfrm>
-          <a:off x="0" y="0"/>
-          <a:ext cx="0" cy="0"/>
-          <a:chOff x="0" y="0"/>
-          <a:chExt cx="0" cy="0"/>
-        </a:xfrm>
-      </p:grpSpPr>
-      <p:sp>
-        <p:nvSpPr>
-          <p:cNvPr id="2" name="Title 1">
-            <a:extLst>
-              <a:ext uri="{FF2B5EF4-FFF2-40B4-BE49-F238E27FC236}">
-                <a16:creationId xmlns:a16="http://schemas.microsoft.com/office/drawing/2014/main" id="{DD6F7378-717F-9548-B681-E7D3777FFE5E}"/>
-              </a:ext>
-            </a:extLst>
-          </p:cNvPr>
-          <p:cNvSpPr>
-            <a:spLocks noGrp="1"/>
-          </p:cNvSpPr>
-          <p:nvPr>
-            <p:ph type="title"/>
-          </p:nvPr>
-        </p:nvSpPr>
-        <p:spPr>
-          <a:xfrm>
-            <a:off x="304799" y="274638"/>
-            <a:ext cx="8534397" cy="715962"/>
-          </a:xfrm>
-          <a:prstGeom prst="roundRect">
-            <a:avLst/>
-          </a:prstGeom>
-          <a:solidFill>
-            <a:schemeClr val="bg2">
-              <a:lumMod val="50000"/>
-            </a:schemeClr>
-          </a:solidFill>
-          <a:effectLst/>
-        </p:spPr>
-        <p:txBody>
-          <a:bodyPr>
-            <a:normAutofit fontScale="90000"/>
-          </a:bodyPr>
-          <a:lstStyle/>
-          <a:p>
-            <a:r>
-              <a:rPr lang="en-US" dirty="0">
-                <a:solidFill>
-                  <a:schemeClr val="bg1"/>
-                </a:solidFill>
-                <a:effectLst>
-                  <a:glow rad="101600">
-                    <a:schemeClr val="tx1">
-                      <a:alpha val="60000"/>
-                    </a:schemeClr>
-                  </a:glow>
-                  <a:outerShdw blurRad="50800" dist="38100" dir="8100000" algn="tr" rotWithShape="0">
-                    <a:prstClr val="black">
-                      <a:alpha val="40000"/>
-                    </a:prstClr>
-                  </a:outerShdw>
-                </a:effectLst>
-                <a:latin typeface="DIN Alternate" panose="020B0500000000000000" pitchFamily="34" charset="77"/>
-              </a:rPr>
-              <a:t>REQUIREMENTS SPECIFICATIONS</a:t>
-            </a:r>
-          </a:p>
-        </p:txBody>
-      </p:sp>
-      <p:sp>
-        <p:nvSpPr>
-          <p:cNvPr id="4" name="Slide Number Placeholder 3">
-            <a:extLst>
-              <a:ext uri="{FF2B5EF4-FFF2-40B4-BE49-F238E27FC236}">
-                <a16:creationId xmlns:a16="http://schemas.microsoft.com/office/drawing/2014/main" id="{81F78564-DDBC-C349-9023-BCC92159213B}"/>
-              </a:ext>
-            </a:extLst>
-          </p:cNvPr>
-          <p:cNvSpPr>
-            <a:spLocks noGrp="1"/>
-          </p:cNvSpPr>
-          <p:nvPr>
-            <p:ph type="sldNum" sz="quarter" idx="12"/>
-          </p:nvPr>
-        </p:nvSpPr>
-        <p:spPr/>
-        <p:txBody>
-          <a:bodyPr/>
-          <a:lstStyle/>
-          <a:p>
-            <a:fld id="{9E3EFB43-BEAF-4970-A06C-24B01B76FA99}" type="slidenum">
-              <a:rPr lang="en-US" smtClean="0"/>
-              <a:pPr/>
-              <a:t>15</a:t>
-            </a:fld>
-            <a:endParaRPr lang="en-US" dirty="0"/>
-          </a:p>
-        </p:txBody>
-      </p:sp>
-      <p:graphicFrame>
-        <p:nvGraphicFramePr>
-          <p:cNvPr id="9" name="Table 4">
-            <a:extLst>
-              <a:ext uri="{FF2B5EF4-FFF2-40B4-BE49-F238E27FC236}">
-                <a16:creationId xmlns:a16="http://schemas.microsoft.com/office/drawing/2014/main" id="{527F4E51-BEC0-8A4F-B4B3-8826C96D1D96}"/>
-              </a:ext>
-            </a:extLst>
-          </p:cNvPr>
-          <p:cNvGraphicFramePr>
-            <a:graphicFrameLocks noGrp="1"/>
-          </p:cNvGraphicFramePr>
-          <p:nvPr>
-            <p:extLst>
-              <p:ext uri="{D42A27DB-BD31-4B8C-83A1-F6EECF244321}">
-                <p14:modId xmlns:p14="http://schemas.microsoft.com/office/powerpoint/2010/main" val="3975768672"/>
-              </p:ext>
-            </p:extLst>
-          </p:nvPr>
-        </p:nvGraphicFramePr>
-        <p:xfrm>
-          <a:off x="304800" y="1219200"/>
-          <a:ext cx="8534396" cy="3886200"/>
-        </p:xfrm>
-        <a:graphic>
-          <a:graphicData uri="http://schemas.openxmlformats.org/drawingml/2006/table">
-            <a:tbl>
-              <a:tblPr firstRow="1" bandRow="1">
-                <a:tableStyleId>{2D5ABB26-0587-4C30-8999-92F81FD0307C}</a:tableStyleId>
-              </a:tblPr>
-              <a:tblGrid>
-                <a:gridCol w="849073">
-                  <a:extLst>
-                    <a:ext uri="{9D8B030D-6E8A-4147-A177-3AD203B41FA5}">
-                      <a16:colId xmlns:a16="http://schemas.microsoft.com/office/drawing/2014/main" val="1157327237"/>
-                    </a:ext>
-                  </a:extLst>
-                </a:gridCol>
-                <a:gridCol w="1970328">
-                  <a:extLst>
-                    <a:ext uri="{9D8B030D-6E8A-4147-A177-3AD203B41FA5}">
-                      <a16:colId xmlns:a16="http://schemas.microsoft.com/office/drawing/2014/main" val="1339879689"/>
-                    </a:ext>
-                  </a:extLst>
-                </a:gridCol>
-                <a:gridCol w="2895600">
-                  <a:extLst>
-                    <a:ext uri="{9D8B030D-6E8A-4147-A177-3AD203B41FA5}">
-                      <a16:colId xmlns:a16="http://schemas.microsoft.com/office/drawing/2014/main" val="1074314558"/>
-                    </a:ext>
-                  </a:extLst>
-                </a:gridCol>
-                <a:gridCol w="2819395">
-                  <a:extLst>
-                    <a:ext uri="{9D8B030D-6E8A-4147-A177-3AD203B41FA5}">
-                      <a16:colId xmlns:a16="http://schemas.microsoft.com/office/drawing/2014/main" val="3764330725"/>
-                    </a:ext>
-                  </a:extLst>
-                </a:gridCol>
-              </a:tblGrid>
-              <a:tr h="370840">
-                <a:tc>
-                  <a:txBody>
-                    <a:bodyPr/>
-                    <a:lstStyle/>
-                    <a:p>
-                      <a:pPr algn="ctr" rtl="0" fontAlgn="ctr">
-                        <a:spcBef>
-                          <a:spcPts val="0"/>
-                        </a:spcBef>
-                        <a:spcAft>
-                          <a:spcPts val="0"/>
-                        </a:spcAft>
-                      </a:pPr>
-                      <a:r>
-                        <a:rPr lang="en-US" sz="1600" b="1" i="0" u="none" strike="noStrike" dirty="0">
-                          <a:solidFill>
-                            <a:schemeClr val="bg2">
-                              <a:lumMod val="50000"/>
-                            </a:schemeClr>
-                          </a:solidFill>
-                          <a:effectLst/>
-                          <a:latin typeface="DIN Alternate" panose="020B0500000000000000" pitchFamily="34" charset="77"/>
-                        </a:rPr>
-                        <a:t>#</a:t>
-                      </a:r>
-                      <a:endParaRPr lang="en-US" sz="1600" dirty="0">
-                        <a:solidFill>
-                          <a:schemeClr val="bg2">
-                            <a:lumMod val="50000"/>
-                          </a:schemeClr>
-                        </a:solidFill>
-                        <a:effectLst/>
-                        <a:latin typeface="DIN Alternate" panose="020B0500000000000000" pitchFamily="34" charset="77"/>
-                      </a:endParaRPr>
-                    </a:p>
-                  </a:txBody>
-                  <a:tcPr marL="95250" marR="95250" marT="95250" marB="95250" anchor="ctr">
-                    <a:lnL w="12700" cap="flat" cmpd="sng" algn="ctr">
-                      <a:solidFill>
-                        <a:schemeClr val="bg2">
-                          <a:lumMod val="50000"/>
-                        </a:schemeClr>
-                      </a:solidFill>
-                      <a:prstDash val="solid"/>
-                      <a:round/>
-                      <a:headEnd type="none" w="med" len="med"/>
-                      <a:tailEnd type="none" w="med" len="med"/>
-                    </a:lnL>
-                    <a:lnR w="12700" cap="flat" cmpd="sng" algn="ctr">
-                      <a:solidFill>
-                        <a:schemeClr val="bg2">
-                          <a:lumMod val="50000"/>
-                        </a:schemeClr>
-                      </a:solidFill>
-                      <a:prstDash val="solid"/>
-                      <a:round/>
-                      <a:headEnd type="none" w="med" len="med"/>
-                      <a:tailEnd type="none" w="med" len="med"/>
-                    </a:lnR>
-                    <a:lnT w="12700" cap="flat" cmpd="sng" algn="ctr">
-                      <a:solidFill>
-                        <a:schemeClr val="bg2">
-                          <a:lumMod val="50000"/>
-                        </a:schemeClr>
-                      </a:solidFill>
-                      <a:prstDash val="solid"/>
-                      <a:round/>
-                      <a:headEnd type="none" w="med" len="med"/>
-                      <a:tailEnd type="none" w="med" len="med"/>
-                    </a:lnT>
-                    <a:lnB w="12700" cap="flat" cmpd="sng" algn="ctr">
-                      <a:solidFill>
-                        <a:schemeClr val="bg2">
-                          <a:lumMod val="50000"/>
-                        </a:schemeClr>
-                      </a:solidFill>
-                      <a:prstDash val="solid"/>
-                      <a:round/>
-                      <a:headEnd type="none" w="med" len="med"/>
-                      <a:tailEnd type="none" w="med" len="med"/>
-                    </a:lnB>
-                    <a:solidFill>
-                      <a:schemeClr val="tx1">
-                        <a:lumMod val="85000"/>
-                        <a:lumOff val="15000"/>
-                      </a:schemeClr>
-                    </a:solidFill>
-                  </a:tcPr>
-                </a:tc>
-                <a:tc>
-                  <a:txBody>
-                    <a:bodyPr/>
-                    <a:lstStyle/>
-                    <a:p>
-                      <a:pPr algn="ctr" rtl="0" fontAlgn="ctr">
-                        <a:spcBef>
-                          <a:spcPts val="0"/>
-                        </a:spcBef>
-                        <a:spcAft>
-                          <a:spcPts val="0"/>
-                        </a:spcAft>
-                      </a:pPr>
-                      <a:r>
-                        <a:rPr lang="en-US" sz="1600" b="1" i="0" u="none" strike="noStrike" dirty="0">
-                          <a:solidFill>
-                            <a:schemeClr val="bg2">
-                              <a:lumMod val="50000"/>
-                            </a:schemeClr>
-                          </a:solidFill>
-                          <a:effectLst/>
-                          <a:latin typeface="DIN Alternate" panose="020B0500000000000000" pitchFamily="34" charset="77"/>
-                        </a:rPr>
-                        <a:t>Use Case</a:t>
-                      </a:r>
-                      <a:endParaRPr lang="en-US" sz="1600" dirty="0">
-                        <a:solidFill>
-                          <a:schemeClr val="bg2">
-                            <a:lumMod val="50000"/>
-                          </a:schemeClr>
-                        </a:solidFill>
-                        <a:effectLst/>
-                        <a:latin typeface="DIN Alternate" panose="020B0500000000000000" pitchFamily="34" charset="77"/>
-                      </a:endParaRPr>
-                    </a:p>
-                  </a:txBody>
-                  <a:tcPr marL="95250" marR="95250" marT="95250" marB="95250" anchor="ctr">
-                    <a:lnL w="12700" cap="flat" cmpd="sng" algn="ctr">
-                      <a:solidFill>
-                        <a:schemeClr val="bg2">
-                          <a:lumMod val="50000"/>
-                        </a:schemeClr>
-                      </a:solidFill>
-                      <a:prstDash val="solid"/>
-                      <a:round/>
-                      <a:headEnd type="none" w="med" len="med"/>
-                      <a:tailEnd type="none" w="med" len="med"/>
-                    </a:lnL>
-                    <a:lnR w="12700" cap="flat" cmpd="sng" algn="ctr">
-                      <a:solidFill>
-                        <a:schemeClr val="bg2">
-                          <a:lumMod val="50000"/>
-                        </a:schemeClr>
-                      </a:solidFill>
-                      <a:prstDash val="solid"/>
-                      <a:round/>
-                      <a:headEnd type="none" w="med" len="med"/>
-                      <a:tailEnd type="none" w="med" len="med"/>
-                    </a:lnR>
-                    <a:lnT w="12700" cap="flat" cmpd="sng" algn="ctr">
-                      <a:solidFill>
-                        <a:schemeClr val="bg2">
-                          <a:lumMod val="50000"/>
-                        </a:schemeClr>
-                      </a:solidFill>
-                      <a:prstDash val="solid"/>
-                      <a:round/>
-                      <a:headEnd type="none" w="med" len="med"/>
-                      <a:tailEnd type="none" w="med" len="med"/>
-                    </a:lnT>
-                    <a:lnB w="12700" cap="flat" cmpd="sng" algn="ctr">
-                      <a:solidFill>
-                        <a:schemeClr val="bg2">
-                          <a:lumMod val="50000"/>
-                        </a:schemeClr>
-                      </a:solidFill>
-                      <a:prstDash val="solid"/>
-                      <a:round/>
-                      <a:headEnd type="none" w="med" len="med"/>
-                      <a:tailEnd type="none" w="med" len="med"/>
-                    </a:lnB>
-                    <a:solidFill>
-                      <a:schemeClr val="tx1">
-                        <a:lumMod val="85000"/>
-                        <a:lumOff val="15000"/>
-                      </a:schemeClr>
-                    </a:solidFill>
-                  </a:tcPr>
-                </a:tc>
-                <a:tc>
-                  <a:txBody>
-                    <a:bodyPr/>
-                    <a:lstStyle/>
-                    <a:p>
-                      <a:pPr algn="ctr" rtl="0" fontAlgn="ctr">
-                        <a:spcBef>
-                          <a:spcPts val="0"/>
-                        </a:spcBef>
-                        <a:spcAft>
-                          <a:spcPts val="0"/>
-                        </a:spcAft>
-                      </a:pPr>
-                      <a:r>
-                        <a:rPr lang="en-US" sz="1600" b="1" i="0" u="none" strike="noStrike" dirty="0">
-                          <a:solidFill>
-                            <a:schemeClr val="bg2">
-                              <a:lumMod val="50000"/>
-                            </a:schemeClr>
-                          </a:solidFill>
-                          <a:effectLst/>
-                          <a:latin typeface="DIN Alternate" panose="020B0500000000000000" pitchFamily="34" charset="77"/>
-                        </a:rPr>
-                        <a:t>Functional Requirements</a:t>
-                      </a:r>
-                      <a:endParaRPr lang="en-US" sz="1600" dirty="0">
-                        <a:solidFill>
-                          <a:schemeClr val="bg2">
-                            <a:lumMod val="50000"/>
-                          </a:schemeClr>
-                        </a:solidFill>
-                        <a:effectLst/>
-                        <a:latin typeface="DIN Alternate" panose="020B0500000000000000" pitchFamily="34" charset="77"/>
-                      </a:endParaRPr>
-                    </a:p>
-                  </a:txBody>
-                  <a:tcPr marL="95250" marR="95250" marT="95250" marB="95250" anchor="ctr">
-                    <a:lnL w="12700" cap="flat" cmpd="sng" algn="ctr">
-                      <a:solidFill>
-                        <a:schemeClr val="bg2">
-                          <a:lumMod val="50000"/>
-                        </a:schemeClr>
-                      </a:solidFill>
-                      <a:prstDash val="solid"/>
-                      <a:round/>
-                      <a:headEnd type="none" w="med" len="med"/>
-                      <a:tailEnd type="none" w="med" len="med"/>
-                    </a:lnL>
-                    <a:lnR w="12700" cap="flat" cmpd="sng" algn="ctr">
-                      <a:solidFill>
-                        <a:schemeClr val="bg2">
-                          <a:lumMod val="50000"/>
-                        </a:schemeClr>
-                      </a:solidFill>
-                      <a:prstDash val="solid"/>
-                      <a:round/>
-                      <a:headEnd type="none" w="med" len="med"/>
-                      <a:tailEnd type="none" w="med" len="med"/>
-                    </a:lnR>
-                    <a:lnT w="12700" cap="flat" cmpd="sng" algn="ctr">
-                      <a:solidFill>
-                        <a:schemeClr val="bg2">
-                          <a:lumMod val="50000"/>
-                        </a:schemeClr>
-                      </a:solidFill>
-                      <a:prstDash val="solid"/>
-                      <a:round/>
-                      <a:headEnd type="none" w="med" len="med"/>
-                      <a:tailEnd type="none" w="med" len="med"/>
-                    </a:lnT>
-                    <a:lnB w="12700" cap="flat" cmpd="sng" algn="ctr">
-                      <a:solidFill>
-                        <a:schemeClr val="bg2">
-                          <a:lumMod val="50000"/>
-                        </a:schemeClr>
-                      </a:solidFill>
-                      <a:prstDash val="solid"/>
-                      <a:round/>
-                      <a:headEnd type="none" w="med" len="med"/>
-                      <a:tailEnd type="none" w="med" len="med"/>
-                    </a:lnB>
-                    <a:solidFill>
-                      <a:schemeClr val="tx1">
-                        <a:lumMod val="85000"/>
-                        <a:lumOff val="15000"/>
-                      </a:schemeClr>
-                    </a:solidFill>
-                  </a:tcPr>
-                </a:tc>
-                <a:tc>
-                  <a:txBody>
-                    <a:bodyPr/>
-                    <a:lstStyle/>
-                    <a:p>
-                      <a:pPr algn="ctr" rtl="0" fontAlgn="ctr">
-                        <a:spcBef>
-                          <a:spcPts val="0"/>
-                        </a:spcBef>
-                        <a:spcAft>
-                          <a:spcPts val="0"/>
-                        </a:spcAft>
-                      </a:pPr>
-                      <a:r>
-                        <a:rPr lang="en-US" sz="1600" b="1" i="0" u="none" strike="noStrike" dirty="0">
-                          <a:solidFill>
-                            <a:schemeClr val="bg2">
-                              <a:lumMod val="50000"/>
-                            </a:schemeClr>
-                          </a:solidFill>
-                          <a:effectLst/>
-                          <a:latin typeface="DIN Alternate" panose="020B0500000000000000" pitchFamily="34" charset="77"/>
-                        </a:rPr>
-                        <a:t>Quality of Service Requirements</a:t>
-                      </a:r>
-                      <a:endParaRPr lang="en-US" sz="1600" dirty="0">
-                        <a:solidFill>
-                          <a:schemeClr val="bg2">
-                            <a:lumMod val="50000"/>
-                          </a:schemeClr>
-                        </a:solidFill>
-                        <a:effectLst/>
-                        <a:latin typeface="DIN Alternate" panose="020B0500000000000000" pitchFamily="34" charset="77"/>
-                      </a:endParaRPr>
-                    </a:p>
-                  </a:txBody>
-                  <a:tcPr marL="95250" marR="95250" marT="95250" marB="95250" anchor="ctr">
-                    <a:lnL w="12700" cap="flat" cmpd="sng" algn="ctr">
-                      <a:solidFill>
-                        <a:schemeClr val="bg2">
-                          <a:lumMod val="50000"/>
-                        </a:schemeClr>
-                      </a:solidFill>
-                      <a:prstDash val="solid"/>
-                      <a:round/>
-                      <a:headEnd type="none" w="med" len="med"/>
-                      <a:tailEnd type="none" w="med" len="med"/>
-                    </a:lnL>
-                    <a:lnR w="12700" cap="flat" cmpd="sng" algn="ctr">
-                      <a:solidFill>
-                        <a:schemeClr val="bg2">
-                          <a:lumMod val="50000"/>
-                        </a:schemeClr>
-                      </a:solidFill>
-                      <a:prstDash val="solid"/>
-                      <a:round/>
-                      <a:headEnd type="none" w="med" len="med"/>
-                      <a:tailEnd type="none" w="med" len="med"/>
-                    </a:lnR>
-                    <a:lnT w="12700" cap="flat" cmpd="sng" algn="ctr">
-                      <a:solidFill>
-                        <a:schemeClr val="bg2">
-                          <a:lumMod val="50000"/>
-                        </a:schemeClr>
-                      </a:solidFill>
-                      <a:prstDash val="solid"/>
-                      <a:round/>
-                      <a:headEnd type="none" w="med" len="med"/>
-                      <a:tailEnd type="none" w="med" len="med"/>
-                    </a:lnT>
-                    <a:lnB w="12700" cap="flat" cmpd="sng" algn="ctr">
-                      <a:solidFill>
-                        <a:schemeClr val="bg2">
-                          <a:lumMod val="50000"/>
-                        </a:schemeClr>
-                      </a:solidFill>
-                      <a:prstDash val="solid"/>
-                      <a:round/>
-                      <a:headEnd type="none" w="med" len="med"/>
-                      <a:tailEnd type="none" w="med" len="med"/>
-                    </a:lnB>
-                    <a:solidFill>
-                      <a:schemeClr val="tx1">
-                        <a:lumMod val="85000"/>
-                        <a:lumOff val="15000"/>
-                      </a:schemeClr>
-                    </a:solidFill>
-                  </a:tcPr>
-                </a:tc>
-                <a:extLst>
-                  <a:ext uri="{0D108BD9-81ED-4DB2-BD59-A6C34878D82A}">
-                    <a16:rowId xmlns:a16="http://schemas.microsoft.com/office/drawing/2014/main" val="3899037037"/>
-                  </a:ext>
-                </a:extLst>
-              </a:tr>
-              <a:tr h="370840">
-                <a:tc>
-                  <a:txBody>
-                    <a:bodyPr/>
-                    <a:lstStyle/>
-                    <a:p>
-                      <a:pPr algn="ctr" rtl="0" fontAlgn="t">
-                        <a:spcBef>
-                          <a:spcPts val="0"/>
-                        </a:spcBef>
-                        <a:spcAft>
-                          <a:spcPts val="0"/>
-                        </a:spcAft>
-                      </a:pPr>
-                      <a:r>
-                        <a:rPr lang="en-US" sz="4000" dirty="0">
-                          <a:solidFill>
-                            <a:schemeClr val="bg2">
-                              <a:lumMod val="50000"/>
-                            </a:schemeClr>
-                          </a:solidFill>
-                          <a:effectLst/>
-                          <a:latin typeface="DIN Alternate" panose="020B0500000000000000" pitchFamily="34" charset="77"/>
-                        </a:rPr>
-                        <a:t>3</a:t>
-                      </a:r>
-                    </a:p>
-                  </a:txBody>
-                  <a:tcPr marL="95250" marR="95250" marT="95250" marB="95250" anchor="ctr">
-                    <a:lnL w="12700" cap="flat" cmpd="sng" algn="ctr">
-                      <a:solidFill>
-                        <a:schemeClr val="bg2">
-                          <a:lumMod val="50000"/>
-                        </a:schemeClr>
-                      </a:solidFill>
-                      <a:prstDash val="solid"/>
-                      <a:round/>
-                      <a:headEnd type="none" w="med" len="med"/>
-                      <a:tailEnd type="none" w="med" len="med"/>
-                    </a:lnL>
-                    <a:lnR w="12700" cap="flat" cmpd="sng" algn="ctr">
-                      <a:solidFill>
-                        <a:schemeClr val="bg2">
-                          <a:lumMod val="50000"/>
-                        </a:schemeClr>
-                      </a:solidFill>
-                      <a:prstDash val="solid"/>
-                      <a:round/>
-                      <a:headEnd type="none" w="med" len="med"/>
-                      <a:tailEnd type="none" w="med" len="med"/>
-                    </a:lnR>
-                    <a:lnT w="12700" cap="flat" cmpd="sng" algn="ctr">
-                      <a:solidFill>
-                        <a:schemeClr val="bg2">
-                          <a:lumMod val="50000"/>
-                        </a:schemeClr>
-                      </a:solidFill>
-                      <a:prstDash val="solid"/>
-                      <a:round/>
-                      <a:headEnd type="none" w="med" len="med"/>
-                      <a:tailEnd type="none" w="med" len="med"/>
-                    </a:lnT>
-                    <a:lnB w="12700" cap="flat" cmpd="sng" algn="ctr">
-                      <a:solidFill>
-                        <a:schemeClr val="bg2">
-                          <a:lumMod val="50000"/>
-                        </a:schemeClr>
-                      </a:solidFill>
-                      <a:prstDash val="solid"/>
-                      <a:round/>
-                      <a:headEnd type="none" w="med" len="med"/>
-                      <a:tailEnd type="none" w="med" len="med"/>
-                    </a:lnB>
-                    <a:solidFill>
-                      <a:schemeClr val="tx1">
-                        <a:lumMod val="85000"/>
-                        <a:lumOff val="15000"/>
-                      </a:schemeClr>
-                    </a:solidFill>
-                  </a:tcPr>
-                </a:tc>
-                <a:tc>
-                  <a:txBody>
-                    <a:bodyPr/>
-                    <a:lstStyle/>
-                    <a:p>
-                      <a:pPr algn="l" rtl="0" fontAlgn="t">
-                        <a:spcBef>
-                          <a:spcPts val="0"/>
-                        </a:spcBef>
-                        <a:spcAft>
-                          <a:spcPts val="0"/>
-                        </a:spcAft>
-                      </a:pPr>
-                      <a:r>
-                        <a:rPr lang="en-US" sz="2000" b="0" i="0" u="none" strike="noStrike" dirty="0">
-                          <a:solidFill>
-                            <a:schemeClr val="bg1"/>
-                          </a:solidFill>
-                          <a:effectLst/>
-                          <a:latin typeface="DIN Alternate" panose="020B0500000000000000" pitchFamily="34" charset="77"/>
-                        </a:rPr>
-                        <a:t>Start Activity</a:t>
-                      </a:r>
-                      <a:endParaRPr lang="en-US" sz="2000" dirty="0">
-                        <a:solidFill>
-                          <a:schemeClr val="bg1"/>
-                        </a:solidFill>
-                        <a:effectLst/>
-                        <a:latin typeface="DIN Alternate" panose="020B0500000000000000" pitchFamily="34" charset="77"/>
-                      </a:endParaRPr>
-                    </a:p>
-                  </a:txBody>
-                  <a:tcPr marL="95250" marR="95250" marT="95250" marB="95250">
-                    <a:lnL w="12700" cap="flat" cmpd="sng" algn="ctr">
-                      <a:solidFill>
-                        <a:schemeClr val="bg2">
-                          <a:lumMod val="50000"/>
-                        </a:schemeClr>
-                      </a:solidFill>
-                      <a:prstDash val="solid"/>
-                      <a:round/>
-                      <a:headEnd type="none" w="med" len="med"/>
-                      <a:tailEnd type="none" w="med" len="med"/>
-                    </a:lnL>
-                    <a:lnR w="12700" cap="flat" cmpd="sng" algn="ctr">
-                      <a:solidFill>
-                        <a:schemeClr val="bg2">
-                          <a:lumMod val="50000"/>
-                        </a:schemeClr>
-                      </a:solidFill>
-                      <a:prstDash val="solid"/>
-                      <a:round/>
-                      <a:headEnd type="none" w="med" len="med"/>
-                      <a:tailEnd type="none" w="med" len="med"/>
-                    </a:lnR>
-                    <a:lnT w="12700" cap="flat" cmpd="sng" algn="ctr">
-                      <a:solidFill>
-                        <a:schemeClr val="bg2">
-                          <a:lumMod val="50000"/>
-                        </a:schemeClr>
-                      </a:solidFill>
-                      <a:prstDash val="solid"/>
-                      <a:round/>
-                      <a:headEnd type="none" w="med" len="med"/>
-                      <a:tailEnd type="none" w="med" len="med"/>
-                    </a:lnT>
-                    <a:lnB w="12700" cap="flat" cmpd="sng" algn="ctr">
-                      <a:solidFill>
-                        <a:schemeClr val="bg2">
-                          <a:lumMod val="50000"/>
-                        </a:schemeClr>
-                      </a:solidFill>
-                      <a:prstDash val="solid"/>
-                      <a:round/>
-                      <a:headEnd type="none" w="med" len="med"/>
-                      <a:tailEnd type="none" w="med" len="med"/>
-                    </a:lnB>
-                    <a:solidFill>
-                      <a:schemeClr val="tx1">
-                        <a:lumMod val="65000"/>
-                        <a:lumOff val="35000"/>
-                      </a:schemeClr>
-                    </a:solidFill>
-                  </a:tcPr>
-                </a:tc>
-                <a:tc>
-                  <a:txBody>
-                    <a:bodyPr/>
-                    <a:lstStyle/>
-                    <a:p>
-                      <a:pPr marL="342900" indent="-342900" rtl="0" fontAlgn="base">
-                        <a:buFont typeface="+mj-lt"/>
-                        <a:buAutoNum type="arabicPeriod"/>
-                      </a:pPr>
-                      <a:r>
-                        <a:rPr lang="en-US" sz="1800" b="0" i="0" u="none" strike="noStrike" kern="1200" dirty="0">
-                          <a:solidFill>
-                            <a:schemeClr val="bg1"/>
-                          </a:solidFill>
-                          <a:effectLst/>
-                          <a:latin typeface="DIN Alternate" panose="020B0500000000000000" pitchFamily="34" charset="77"/>
-                          <a:ea typeface="+mn-ea"/>
-                          <a:cs typeface="+mn-cs"/>
-                        </a:rPr>
-                        <a:t>Verbally explain operation instructions</a:t>
-                      </a:r>
-                    </a:p>
-                    <a:p>
-                      <a:pPr marL="342900" indent="-342900" rtl="0" fontAlgn="base">
-                        <a:buFont typeface="+mj-lt"/>
-                        <a:buAutoNum type="arabicPeriod"/>
-                      </a:pPr>
-                      <a:r>
-                        <a:rPr lang="en-US" sz="1800" b="0" i="0" u="none" strike="noStrike" kern="1200" dirty="0">
-                          <a:solidFill>
-                            <a:schemeClr val="bg1"/>
-                          </a:solidFill>
-                          <a:effectLst/>
-                          <a:latin typeface="DIN Alternate" panose="020B0500000000000000" pitchFamily="34" charset="77"/>
-                          <a:ea typeface="+mn-ea"/>
-                          <a:cs typeface="+mn-cs"/>
-                        </a:rPr>
-                        <a:t>Verify valid verbal activity selections</a:t>
-                      </a:r>
-                    </a:p>
-                    <a:p>
-                      <a:pPr marL="342900" indent="-342900" rtl="0" fontAlgn="base">
-                        <a:buFont typeface="+mj-lt"/>
-                        <a:buAutoNum type="arabicPeriod"/>
-                      </a:pPr>
-                      <a:r>
-                        <a:rPr lang="en-US" sz="1800" b="0" i="0" u="none" strike="noStrike" kern="1200" dirty="0">
-                          <a:solidFill>
-                            <a:schemeClr val="bg1"/>
-                          </a:solidFill>
-                          <a:effectLst/>
-                          <a:latin typeface="DIN Alternate" panose="020B0500000000000000" pitchFamily="34" charset="77"/>
-                          <a:ea typeface="+mn-ea"/>
-                          <a:cs typeface="+mn-cs"/>
-                        </a:rPr>
-                        <a:t>Notify of invalid activity selections and re-prompt </a:t>
-                      </a:r>
-                    </a:p>
-                    <a:p>
-                      <a:pPr marL="342900" indent="-342900" rtl="0" fontAlgn="base">
-                        <a:buFont typeface="+mj-lt"/>
-                        <a:buAutoNum type="arabicPeriod"/>
-                      </a:pPr>
-                      <a:r>
-                        <a:rPr lang="en-US" sz="1800" b="0" i="0" u="none" strike="noStrike" kern="1200" dirty="0">
-                          <a:solidFill>
-                            <a:schemeClr val="bg1"/>
-                          </a:solidFill>
-                          <a:effectLst/>
-                          <a:latin typeface="DIN Alternate" panose="020B0500000000000000" pitchFamily="34" charset="77"/>
-                          <a:ea typeface="+mn-ea"/>
-                          <a:cs typeface="+mn-cs"/>
-                        </a:rPr>
-                        <a:t>Discover all available activity modules</a:t>
-                      </a:r>
-                    </a:p>
-                    <a:p>
-                      <a:pPr marL="342900" indent="-342900" rtl="0" fontAlgn="base">
-                        <a:buFont typeface="+mj-lt"/>
-                        <a:buAutoNum type="arabicPeriod"/>
-                      </a:pPr>
-                      <a:r>
-                        <a:rPr lang="en-US" sz="1800" b="0" i="0" u="none" strike="noStrike" kern="1200" dirty="0">
-                          <a:solidFill>
-                            <a:schemeClr val="bg1"/>
-                          </a:solidFill>
-                          <a:effectLst/>
-                          <a:latin typeface="DIN Alternate" panose="020B0500000000000000" pitchFamily="34" charset="77"/>
-                          <a:ea typeface="+mn-ea"/>
-                          <a:cs typeface="+mn-cs"/>
-                        </a:rPr>
-                        <a:t>Load and initialize selected activity module</a:t>
-                      </a:r>
-                    </a:p>
-                  </a:txBody>
-                  <a:tcPr marL="95250" marR="95250" marT="95250" marB="95250">
-                    <a:lnL w="12700" cap="flat" cmpd="sng" algn="ctr">
-                      <a:solidFill>
-                        <a:schemeClr val="bg2">
-                          <a:lumMod val="50000"/>
-                        </a:schemeClr>
-                      </a:solidFill>
-                      <a:prstDash val="solid"/>
-                      <a:round/>
-                      <a:headEnd type="none" w="med" len="med"/>
-                      <a:tailEnd type="none" w="med" len="med"/>
-                    </a:lnL>
-                    <a:lnR w="12700" cap="flat" cmpd="sng" algn="ctr">
-                      <a:solidFill>
-                        <a:schemeClr val="bg2">
-                          <a:lumMod val="50000"/>
-                        </a:schemeClr>
-                      </a:solidFill>
-                      <a:prstDash val="solid"/>
-                      <a:round/>
-                      <a:headEnd type="none" w="med" len="med"/>
-                      <a:tailEnd type="none" w="med" len="med"/>
-                    </a:lnR>
-                    <a:lnT w="12700" cap="flat" cmpd="sng" algn="ctr">
-                      <a:solidFill>
-                        <a:schemeClr val="bg2">
-                          <a:lumMod val="50000"/>
-                        </a:schemeClr>
-                      </a:solidFill>
-                      <a:prstDash val="solid"/>
-                      <a:round/>
-                      <a:headEnd type="none" w="med" len="med"/>
-                      <a:tailEnd type="none" w="med" len="med"/>
-                    </a:lnT>
-                    <a:lnB w="12700" cap="flat" cmpd="sng" algn="ctr">
-                      <a:solidFill>
-                        <a:schemeClr val="bg2">
-                          <a:lumMod val="50000"/>
-                        </a:schemeClr>
-                      </a:solidFill>
-                      <a:prstDash val="solid"/>
-                      <a:round/>
-                      <a:headEnd type="none" w="med" len="med"/>
-                      <a:tailEnd type="none" w="med" len="med"/>
-                    </a:lnB>
-                    <a:solidFill>
-                      <a:schemeClr val="tx1">
-                        <a:lumMod val="65000"/>
-                        <a:lumOff val="35000"/>
-                      </a:schemeClr>
-                    </a:solidFill>
-                  </a:tcPr>
-                </a:tc>
-                <a:tc>
-                  <a:txBody>
-                    <a:bodyPr/>
-                    <a:lstStyle/>
-                    <a:p>
-                      <a:pPr marL="342900" indent="-342900" rtl="0" fontAlgn="base">
-                        <a:buFont typeface="+mj-lt"/>
-                        <a:buAutoNum type="arabicPeriod"/>
-                      </a:pPr>
-                      <a:r>
-                        <a:rPr lang="en-US" sz="1800" b="0" i="0" u="none" strike="noStrike" kern="1200" dirty="0">
-                          <a:solidFill>
-                            <a:schemeClr val="bg1"/>
-                          </a:solidFill>
-                          <a:effectLst/>
-                          <a:latin typeface="DIN Alternate" panose="020B0500000000000000" pitchFamily="34" charset="77"/>
-                          <a:ea typeface="+mn-ea"/>
-                          <a:cs typeface="+mn-cs"/>
-                        </a:rPr>
-                        <a:t>Verify and acknowledge selections &lt;= 1s after heard</a:t>
-                      </a:r>
-                    </a:p>
-                  </a:txBody>
-                  <a:tcPr marL="95250" marR="95250" marT="95250" marB="95250">
-                    <a:lnL w="12700" cap="flat" cmpd="sng" algn="ctr">
-                      <a:solidFill>
-                        <a:schemeClr val="bg2">
-                          <a:lumMod val="50000"/>
-                        </a:schemeClr>
-                      </a:solidFill>
-                      <a:prstDash val="solid"/>
-                      <a:round/>
-                      <a:headEnd type="none" w="med" len="med"/>
-                      <a:tailEnd type="none" w="med" len="med"/>
-                    </a:lnL>
-                    <a:lnR w="12700" cap="flat" cmpd="sng" algn="ctr">
-                      <a:solidFill>
-                        <a:schemeClr val="bg2">
-                          <a:lumMod val="50000"/>
-                        </a:schemeClr>
-                      </a:solidFill>
-                      <a:prstDash val="solid"/>
-                      <a:round/>
-                      <a:headEnd type="none" w="med" len="med"/>
-                      <a:tailEnd type="none" w="med" len="med"/>
-                    </a:lnR>
-                    <a:lnT w="12700" cap="flat" cmpd="sng" algn="ctr">
-                      <a:solidFill>
-                        <a:schemeClr val="bg2">
-                          <a:lumMod val="50000"/>
-                        </a:schemeClr>
-                      </a:solidFill>
-                      <a:prstDash val="solid"/>
-                      <a:round/>
-                      <a:headEnd type="none" w="med" len="med"/>
-                      <a:tailEnd type="none" w="med" len="med"/>
-                    </a:lnT>
-                    <a:lnB w="12700" cap="flat" cmpd="sng" algn="ctr">
-                      <a:solidFill>
-                        <a:schemeClr val="bg2">
-                          <a:lumMod val="50000"/>
-                        </a:schemeClr>
-                      </a:solidFill>
-                      <a:prstDash val="solid"/>
-                      <a:round/>
-                      <a:headEnd type="none" w="med" len="med"/>
-                      <a:tailEnd type="none" w="med" len="med"/>
-                    </a:lnB>
-                    <a:solidFill>
-                      <a:schemeClr val="tx1">
-                        <a:lumMod val="65000"/>
-                        <a:lumOff val="35000"/>
-                      </a:schemeClr>
-                    </a:solidFill>
-                  </a:tcPr>
-                </a:tc>
-                <a:extLst>
-                  <a:ext uri="{0D108BD9-81ED-4DB2-BD59-A6C34878D82A}">
-                    <a16:rowId xmlns:a16="http://schemas.microsoft.com/office/drawing/2014/main" val="4165890635"/>
-                  </a:ext>
-                </a:extLst>
-              </a:tr>
-            </a:tbl>
-          </a:graphicData>
-        </a:graphic>
-      </p:graphicFrame>
-      <p:pic>
-        <p:nvPicPr>
-          <p:cNvPr id="5" name="Graphic 4" descr="Hamburger Menu Icon with solid fill">
-            <a:hlinkClick r:id="" action="ppaction://hlinkshowjump?jump=lastslide"/>
-            <a:extLst>
-              <a:ext uri="{FF2B5EF4-FFF2-40B4-BE49-F238E27FC236}">
-                <a16:creationId xmlns:a16="http://schemas.microsoft.com/office/drawing/2014/main" id="{546BA9C8-5369-FE49-87BB-ABC620B55C0A}"/>
-              </a:ext>
-            </a:extLst>
-          </p:cNvPr>
-          <p:cNvPicPr>
-            <a:picLocks noChangeAspect="1"/>
-          </p:cNvPicPr>
-          <p:nvPr/>
-        </p:nvPicPr>
-        <p:blipFill>
-          <a:blip r:embed="rId3">
-            <a:extLst>
-              <a:ext uri="{28A0092B-C50C-407E-A947-70E740481C1C}">
-                <a14:useLocalDpi xmlns:a14="http://schemas.microsoft.com/office/drawing/2010/main" val="0"/>
-              </a:ext>
-              <a:ext uri="{96DAC541-7B7A-43D3-8B79-37D633B846F1}">
-                <asvg:svgBlip xmlns:asvg="http://schemas.microsoft.com/office/drawing/2016/SVG/main" r:embed="rId4"/>
-              </a:ext>
-            </a:extLst>
-          </a:blip>
-          <a:stretch>
-            <a:fillRect/>
-          </a:stretch>
-        </p:blipFill>
-        <p:spPr>
-          <a:xfrm>
-            <a:off x="97798" y="6346198"/>
-            <a:ext cx="359402" cy="359402"/>
-          </a:xfrm>
-          <a:prstGeom prst="rect">
-            <a:avLst/>
-          </a:prstGeom>
-          <a:effectLst>
-            <a:glow rad="101600">
-              <a:schemeClr val="tx1">
-                <a:lumMod val="75000"/>
-                <a:lumOff val="25000"/>
-                <a:alpha val="60000"/>
-              </a:schemeClr>
-            </a:glow>
-          </a:effectLst>
-        </p:spPr>
-      </p:pic>
-    </p:spTree>
-    <p:extLst>
-      <p:ext uri="{BB962C8B-B14F-4D97-AF65-F5344CB8AC3E}">
-        <p14:creationId xmlns:p14="http://schemas.microsoft.com/office/powerpoint/2010/main" val="980937226"/>
-      </p:ext>
-    </p:extLst>
-  </p:cSld>
-  <p:clrMapOvr>
-    <a:masterClrMapping/>
-  </p:clrMapOvr>
-  <mc:AlternateContent xmlns:mc="http://schemas.openxmlformats.org/markup-compatibility/2006" xmlns:p14="http://schemas.microsoft.com/office/powerpoint/2010/main">
-    <mc:Choice Requires="p14">
-      <p:transition spd="slow" p14:dur="800">
-        <p14:glitter dir="r" pattern="hexagon"/>
-      </p:transition>
-    </mc:Choice>
-    <mc:Fallback xmlns="">
-      <p:transition spd="slow">
-        <p:fade/>
-      </p:transition>
-    </mc:Fallback>
-  </mc:AlternateContent>
-  <p:timing>
-    <p:tnLst>
-      <p:par>
-        <p:cTn id="1" dur="indefinite" restart="never" nodeType="tmRoot">
-          <p:childTnLst>
-            <p:seq concurrent="1" nextAc="seek">
-              <p:cTn id="2" restart="whenNotActive" fill="hold" evtFilter="cancelBubble" nodeType="interactiveSeq">
-                <p:stCondLst>
-                  <p:cond evt="onClick" delay="0">
-                    <p:tgtEl>
-                      <p:spTgt spid="2"/>
-                    </p:tgtEl>
-                  </p:cond>
-                </p:stCondLst>
-                <p:endSync evt="end" delay="0">
-                  <p:rtn val="all"/>
-                </p:endSync>
-                <p:childTnLst>
-                  <p:par>
-                    <p:cTn id="3" fill="hold">
-                      <p:stCondLst>
-                        <p:cond delay="0"/>
-                      </p:stCondLst>
-                      <p:childTnLst>
-                        <p:par>
-                          <p:cTn id="4" fill="hold">
-                            <p:stCondLst>
-                              <p:cond delay="0"/>
-                            </p:stCondLst>
-                            <p:childTnLst>
-                              <p:par>
-                                <p:cTn id="5" presetID="26" presetClass="emph" presetSubtype="0" fill="hold" nodeType="clickEffect">
-                                  <p:stCondLst>
-                                    <p:cond delay="0"/>
-                                  </p:stCondLst>
-                                  <p:childTnLst>
-                                    <p:animEffect transition="out" filter="fade">
-                                      <p:cBhvr>
-                                        <p:cTn id="6" dur="500" tmFilter="0, 0; .2, .5; .8, .5; 1, 0"/>
-                                        <p:tgtEl>
-                                          <p:spTgt spid="5"/>
-                                        </p:tgtEl>
-                                      </p:cBhvr>
-                                    </p:animEffect>
-                                    <p:animScale>
-                                      <p:cBhvr>
-                                        <p:cTn id="7" dur="250" autoRev="1" fill="hold"/>
-                                        <p:tgtEl>
-                                          <p:spTgt spid="5"/>
-                                        </p:tgtEl>
-                                      </p:cBhvr>
-                                      <p:by x="105000" y="105000"/>
-                                    </p:animScale>
-                                  </p:childTnLst>
-                                </p:cTn>
-                              </p:par>
-                            </p:childTnLst>
-                          </p:cTn>
-                        </p:par>
-                      </p:childTnLst>
-                    </p:cTn>
-                  </p:par>
-                </p:childTnLst>
-              </p:cTn>
-              <p:nextCondLst>
-                <p:cond evt="onClick" delay="0">
-                  <p:tgtEl>
-                    <p:spTgt spid="2"/>
-                  </p:tgtEl>
-                </p:cond>
-              </p:nextCondLst>
-            </p:seq>
-          </p:childTnLst>
-        </p:cTn>
-      </p:par>
-    </p:tnLst>
-  </p:timing>
-</p:sld>
-</file>
-
 <file path=ppt/slides/slide16.xml><?xml version="1.0" encoding="utf-8"?>
 <p:sld xmlns:a="http://schemas.openxmlformats.org/drawingml/2006/main" xmlns:r="http://schemas.openxmlformats.org/officeDocument/2006/relationships" xmlns:p="http://schemas.openxmlformats.org/presentationml/2006/main">
   <p:cSld>
@@ -16953,14 +16503,14 @@
           <p:nvPr>
             <p:extLst>
               <p:ext uri="{D42A27DB-BD31-4B8C-83A1-F6EECF244321}">
-                <p14:modId xmlns:p14="http://schemas.microsoft.com/office/powerpoint/2010/main" val="3720123046"/>
+                <p14:modId xmlns:p14="http://schemas.microsoft.com/office/powerpoint/2010/main" val="3975768672"/>
               </p:ext>
             </p:extLst>
           </p:nvPr>
         </p:nvGraphicFramePr>
         <p:xfrm>
-          <a:off x="304799" y="1219200"/>
-          <a:ext cx="8534396" cy="3611880"/>
+          <a:off x="304800" y="1219200"/>
+          <a:ext cx="8534396" cy="3886200"/>
         </p:xfrm>
         <a:graphic>
           <a:graphicData uri="http://schemas.openxmlformats.org/drawingml/2006/table">
@@ -17385,7 +16935,7 @@
                           <a:effectLst/>
                           <a:latin typeface="DIN Alternate" panose="020B0500000000000000" pitchFamily="34" charset="77"/>
                         </a:rPr>
-                        <a:t>4</a:t>
+                        <a:t>3</a:t>
                       </a:r>
                     </a:p>
                   </a:txBody>
@@ -17463,27 +17013,7 @@
                           <a:effectLst/>
                           <a:latin typeface="DIN Alternate" panose="020B0500000000000000" pitchFamily="34" charset="77"/>
                         </a:rPr>
-                        <a:t>Select Object </a:t>
-                      </a:r>
-                    </a:p>
-                    <a:p>
-                      <a:pPr algn="l" rtl="0" fontAlgn="t">
-                        <a:spcBef>
-                          <a:spcPts val="0"/>
-                        </a:spcBef>
-                        <a:spcAft>
-                          <a:spcPts val="0"/>
-                        </a:spcAft>
-                      </a:pPr>
-                      <a:r>
-                        <a:rPr lang="en-US" sz="2000" b="0" i="0" u="none" strike="noStrike" dirty="0">
-                          <a:solidFill>
-                            <a:schemeClr val="bg1"/>
-                          </a:solidFill>
-                          <a:effectLst/>
-                          <a:latin typeface="DIN Alternate" panose="020B0500000000000000" pitchFamily="34" charset="77"/>
-                        </a:rPr>
-                        <a:t>to Draw</a:t>
+                        <a:t>Start Activity</a:t>
                       </a:r>
                       <a:endParaRPr lang="en-US" sz="2000" dirty="0">
                         <a:solidFill>
@@ -17566,7 +17096,7 @@
                           <a:ea typeface="+mn-ea"/>
                           <a:cs typeface="+mn-cs"/>
                         </a:rPr>
-                        <a:t>Verbally explain drawing activity</a:t>
+                        <a:t>Verbally explain operation instructions</a:t>
                       </a:r>
                     </a:p>
                     <a:p>
@@ -17584,7 +17114,7 @@
                           <a:ea typeface="+mn-ea"/>
                           <a:cs typeface="+mn-cs"/>
                         </a:rPr>
-                        <a:t>Verbally list drawable objects</a:t>
+                        <a:t>Verify valid verbal activity selections</a:t>
                       </a:r>
                     </a:p>
                     <a:p>
@@ -17602,7 +17132,7 @@
                           <a:ea typeface="+mn-ea"/>
                           <a:cs typeface="+mn-cs"/>
                         </a:rPr>
-                        <a:t>Prompt for object selection</a:t>
+                        <a:t>Notify of invalid activity selections and re-prompt </a:t>
                       </a:r>
                     </a:p>
                     <a:p>
@@ -17620,7 +17150,7 @@
                           <a:ea typeface="+mn-ea"/>
                           <a:cs typeface="+mn-cs"/>
                         </a:rPr>
-                        <a:t>Verify object selection</a:t>
+                        <a:t>Discover all available activity modules</a:t>
                       </a:r>
                     </a:p>
                     <a:p>
@@ -17638,7 +17168,7 @@
                           <a:ea typeface="+mn-ea"/>
                           <a:cs typeface="+mn-cs"/>
                         </a:rPr>
-                        <a:t>Notify of invalid object selections and re-prompt</a:t>
+                        <a:t>Load and initialize selected activity module</a:t>
                       </a:r>
                     </a:p>
                   </a:txBody>
@@ -17787,7 +17317,7 @@
             <a:hlinkClick r:id="" action="ppaction://hlinkshowjump?jump=lastslide"/>
             <a:extLst>
               <a:ext uri="{FF2B5EF4-FFF2-40B4-BE49-F238E27FC236}">
-                <a16:creationId xmlns:a16="http://schemas.microsoft.com/office/drawing/2014/main" id="{54F345DA-A913-5B45-97FC-B5DDA1350935}"/>
+                <a16:creationId xmlns:a16="http://schemas.microsoft.com/office/drawing/2014/main" id="{546BA9C8-5369-FE49-87BB-ABC620B55C0A}"/>
               </a:ext>
             </a:extLst>
           </p:cNvPr>
@@ -17833,7 +17363,7 @@
     </p:spTree>
     <p:extLst>
       <p:ext uri="{BB962C8B-B14F-4D97-AF65-F5344CB8AC3E}">
-        <p14:creationId xmlns:p14="http://schemas.microsoft.com/office/powerpoint/2010/main" val="1639789196"/>
+        <p14:creationId xmlns:p14="http://schemas.microsoft.com/office/powerpoint/2010/main" val="980937226"/>
       </p:ext>
     </p:extLst>
   </p:cSld>
@@ -18063,14 +17593,14 @@
           <p:nvPr>
             <p:extLst>
               <p:ext uri="{D42A27DB-BD31-4B8C-83A1-F6EECF244321}">
-                <p14:modId xmlns:p14="http://schemas.microsoft.com/office/powerpoint/2010/main" val="4266395085"/>
+                <p14:modId xmlns:p14="http://schemas.microsoft.com/office/powerpoint/2010/main" val="3720123046"/>
               </p:ext>
             </p:extLst>
           </p:nvPr>
         </p:nvGraphicFramePr>
         <p:xfrm>
-          <a:off x="304800" y="1183189"/>
-          <a:ext cx="8534396" cy="4434840"/>
+          <a:off x="304799" y="1219200"/>
+          <a:ext cx="8534396" cy="3611880"/>
         </p:xfrm>
         <a:graphic>
           <a:graphicData uri="http://schemas.openxmlformats.org/drawingml/2006/table">
@@ -18108,7 +17638,7 @@
                   </a:extLst>
                 </a:gridCol>
               </a:tblGrid>
-              <a:tr h="522605">
+              <a:tr h="370840">
                 <a:tc>
                   <a:txBody>
                     <a:bodyPr/>
@@ -18495,7 +18025,7 @@
                           <a:effectLst/>
                           <a:latin typeface="DIN Alternate" panose="020B0500000000000000" pitchFamily="34" charset="77"/>
                         </a:rPr>
-                        <a:t>5</a:t>
+                        <a:t>4</a:t>
                       </a:r>
                     </a:p>
                   </a:txBody>
@@ -18573,7 +18103,27 @@
                           <a:effectLst/>
                           <a:latin typeface="DIN Alternate" panose="020B0500000000000000" pitchFamily="34" charset="77"/>
                         </a:rPr>
-                        <a:t>Obtain Writing Implement</a:t>
+                        <a:t>Select Object </a:t>
+                      </a:r>
+                    </a:p>
+                    <a:p>
+                      <a:pPr algn="l" rtl="0" fontAlgn="t">
+                        <a:spcBef>
+                          <a:spcPts val="0"/>
+                        </a:spcBef>
+                        <a:spcAft>
+                          <a:spcPts val="0"/>
+                        </a:spcAft>
+                      </a:pPr>
+                      <a:r>
+                        <a:rPr lang="en-US" sz="2000" b="0" i="0" u="none" strike="noStrike" dirty="0">
+                          <a:solidFill>
+                            <a:schemeClr val="bg1"/>
+                          </a:solidFill>
+                          <a:effectLst/>
+                          <a:latin typeface="DIN Alternate" panose="020B0500000000000000" pitchFamily="34" charset="77"/>
+                        </a:rPr>
+                        <a:t>to Draw</a:t>
                       </a:r>
                       <a:endParaRPr lang="en-US" sz="2000" dirty="0">
                         <a:solidFill>
@@ -18643,127 +18193,92 @@
                     <a:lstStyle/>
                     <a:p>
                       <a:pPr marL="342900" indent="-342900" rtl="0" fontAlgn="base">
-                        <a:lnSpc>
-                          <a:spcPct val="100000"/>
-                        </a:lnSpc>
-                        <a:spcBef>
-                          <a:spcPts val="0"/>
-                        </a:spcBef>
-                        <a:spcAft>
-                          <a:spcPts val="0"/>
-                        </a:spcAft>
                         <a:buFont typeface="+mj-lt"/>
                         <a:buAutoNum type="arabicPeriod"/>
                       </a:pPr>
                       <a:r>
-                        <a:rPr lang="en-US" sz="1800" b="0" i="0" u="none" strike="noStrike" dirty="0">
+                        <a:rPr lang="en-US" sz="1800" b="0" i="0" u="none" strike="noStrike" kern="1200" dirty="0">
                           <a:solidFill>
                             <a:schemeClr val="bg1"/>
                           </a:solidFill>
                           <a:effectLst/>
                           <a:latin typeface="DIN Alternate" panose="020B0500000000000000" pitchFamily="34" charset="77"/>
+                          <a:ea typeface="+mn-ea"/>
+                          <a:cs typeface="+mn-cs"/>
                         </a:rPr>
-                        <a:t>Determine if already holding writing implement</a:t>
+                        <a:t>Verbally explain drawing activity</a:t>
                       </a:r>
                     </a:p>
                     <a:p>
                       <a:pPr marL="342900" indent="-342900" rtl="0" fontAlgn="base">
-                        <a:lnSpc>
-                          <a:spcPct val="100000"/>
-                        </a:lnSpc>
-                        <a:spcBef>
-                          <a:spcPts val="0"/>
-                        </a:spcBef>
-                        <a:spcAft>
-                          <a:spcPts val="0"/>
-                        </a:spcAft>
                         <a:buFont typeface="+mj-lt"/>
                         <a:buAutoNum type="arabicPeriod"/>
                       </a:pPr>
                       <a:r>
-                        <a:rPr lang="en-US" sz="1800" b="0" i="0" u="none" strike="noStrike" dirty="0">
+                        <a:rPr lang="en-US" sz="1800" b="0" i="0" u="none" strike="noStrike" kern="1200" dirty="0">
                           <a:solidFill>
                             <a:schemeClr val="bg1"/>
                           </a:solidFill>
                           <a:effectLst/>
                           <a:latin typeface="DIN Alternate" panose="020B0500000000000000" pitchFamily="34" charset="77"/>
+                          <a:ea typeface="+mn-ea"/>
+                          <a:cs typeface="+mn-cs"/>
                         </a:rPr>
-                        <a:t>Ask whether to continue using current writing implement</a:t>
+                        <a:t>Verbally list drawable objects</a:t>
                       </a:r>
                     </a:p>
                     <a:p>
                       <a:pPr marL="342900" indent="-342900" rtl="0" fontAlgn="base">
-                        <a:lnSpc>
-                          <a:spcPct val="100000"/>
-                        </a:lnSpc>
-                        <a:spcBef>
-                          <a:spcPts val="0"/>
-                        </a:spcBef>
-                        <a:spcAft>
-                          <a:spcPts val="0"/>
-                        </a:spcAft>
                         <a:buFont typeface="+mj-lt"/>
                         <a:buAutoNum type="arabicPeriod"/>
                       </a:pPr>
                       <a:r>
-                        <a:rPr lang="en-US" sz="1800" b="0" i="0" u="none" strike="noStrike" dirty="0">
+                        <a:rPr lang="en-US" sz="1800" b="0" i="0" u="none" strike="noStrike" kern="1200" dirty="0">
                           <a:solidFill>
                             <a:schemeClr val="bg1"/>
                           </a:solidFill>
                           <a:effectLst/>
                           <a:latin typeface="DIN Alternate" panose="020B0500000000000000" pitchFamily="34" charset="77"/>
+                          <a:ea typeface="+mn-ea"/>
+                          <a:cs typeface="+mn-cs"/>
                         </a:rPr>
-                        <a:t>Drop writing implement</a:t>
+                        <a:t>Prompt for object selection</a:t>
                       </a:r>
                     </a:p>
                     <a:p>
                       <a:pPr marL="342900" indent="-342900" rtl="0" fontAlgn="base">
-                        <a:lnSpc>
-                          <a:spcPct val="100000"/>
-                        </a:lnSpc>
-                        <a:spcBef>
-                          <a:spcPts val="0"/>
-                        </a:spcBef>
-                        <a:spcAft>
-                          <a:spcPts val="0"/>
-                        </a:spcAft>
                         <a:buFont typeface="+mj-lt"/>
                         <a:buAutoNum type="arabicPeriod"/>
                       </a:pPr>
                       <a:r>
-                        <a:rPr lang="en-US" sz="1800" b="0" i="0" u="none" strike="noStrike" dirty="0">
+                        <a:rPr lang="en-US" sz="1800" b="0" i="0" u="none" strike="noStrike" kern="1200" dirty="0">
                           <a:solidFill>
                             <a:schemeClr val="bg1"/>
                           </a:solidFill>
                           <a:effectLst/>
                           <a:latin typeface="DIN Alternate" panose="020B0500000000000000" pitchFamily="34" charset="77"/>
+                          <a:ea typeface="+mn-ea"/>
+                          <a:cs typeface="+mn-cs"/>
                         </a:rPr>
-                        <a:t>Verify and acknowledge choice to use current writing implement</a:t>
+                        <a:t>Verify object selection</a:t>
                       </a:r>
                     </a:p>
                     <a:p>
                       <a:pPr marL="342900" indent="-342900" rtl="0" fontAlgn="base">
-                        <a:lnSpc>
-                          <a:spcPct val="100000"/>
-                        </a:lnSpc>
-                        <a:spcBef>
-                          <a:spcPts val="0"/>
-                        </a:spcBef>
-                        <a:spcAft>
-                          <a:spcPts val="0"/>
-                        </a:spcAft>
                         <a:buFont typeface="+mj-lt"/>
                         <a:buAutoNum type="arabicPeriod"/>
                       </a:pPr>
                       <a:r>
-                        <a:rPr lang="en-US" sz="1800" b="0" i="0" u="none" strike="noStrike" dirty="0">
+                        <a:rPr lang="en-US" sz="1800" b="0" i="0" u="none" strike="noStrike" kern="1200" dirty="0">
                           <a:solidFill>
                             <a:schemeClr val="bg1"/>
                           </a:solidFill>
                           <a:effectLst/>
                           <a:latin typeface="DIN Alternate" panose="020B0500000000000000" pitchFamily="34" charset="77"/>
+                          <a:ea typeface="+mn-ea"/>
+                          <a:cs typeface="+mn-cs"/>
                         </a:rPr>
-                        <a:t>Verbally instruct subject to provide new writing implement</a:t>
+                        <a:t>Notify of invalid object selections and re-prompt</a:t>
                       </a:r>
                     </a:p>
                   </a:txBody>
@@ -18826,54 +18341,21 @@
                     <a:lstStyle/>
                     <a:p>
                       <a:pPr marL="342900" indent="-342900" rtl="0" fontAlgn="base">
-                        <a:spcBef>
-                          <a:spcPts val="1000"/>
-                        </a:spcBef>
-                        <a:spcAft>
-                          <a:spcPts val="0"/>
-                        </a:spcAft>
                         <a:buFont typeface="+mj-lt"/>
                         <a:buAutoNum type="arabicPeriod"/>
                       </a:pPr>
                       <a:r>
-                        <a:rPr lang="en-US" sz="1800" b="0" i="0" u="none" strike="noStrike" dirty="0">
+                        <a:rPr lang="en-US" sz="1800" b="0" i="0" u="none" strike="noStrike" kern="1200" dirty="0">
                           <a:solidFill>
                             <a:schemeClr val="bg1"/>
                           </a:solidFill>
                           <a:effectLst/>
                           <a:latin typeface="DIN Alternate" panose="020B0500000000000000" pitchFamily="34" charset="77"/>
+                          <a:ea typeface="+mn-ea"/>
+                          <a:cs typeface="+mn-cs"/>
                         </a:rPr>
-                        <a:t>Verify and acknowledge selections &lt;=1s after heard</a:t>
+                        <a:t>Verify and acknowledge selections &lt;= 1s after heard</a:t>
                       </a:r>
-                    </a:p>
-                    <a:p>
-                      <a:pPr marL="0" indent="0" fontAlgn="t">
-                        <a:buFont typeface="+mj-lt"/>
-                        <a:buNone/>
-                      </a:pPr>
-                      <a:br>
-                        <a:rPr lang="en-US" dirty="0">
-                          <a:effectLst/>
-                        </a:rPr>
-                      </a:br>
-                      <a:br>
-                        <a:rPr lang="en-US" dirty="0">
-                          <a:effectLst/>
-                        </a:rPr>
-                      </a:br>
-                      <a:br>
-                        <a:rPr lang="en-US" dirty="0">
-                          <a:effectLst/>
-                        </a:rPr>
-                      </a:br>
-                      <a:br>
-                        <a:rPr lang="en-US" dirty="0">
-                          <a:effectLst/>
-                        </a:rPr>
-                      </a:br>
-                      <a:endParaRPr lang="en-US" dirty="0">
-                        <a:effectLst/>
-                      </a:endParaRPr>
                     </a:p>
                   </a:txBody>
                   <a:tcPr marL="95250" marR="95250" marT="95250" marB="95250">
@@ -18945,7 +18427,7 @@
             <a:hlinkClick r:id="" action="ppaction://hlinkshowjump?jump=lastslide"/>
             <a:extLst>
               <a:ext uri="{FF2B5EF4-FFF2-40B4-BE49-F238E27FC236}">
-                <a16:creationId xmlns:a16="http://schemas.microsoft.com/office/drawing/2014/main" id="{870D4C64-F616-794F-83D3-7243661B485B}"/>
+                <a16:creationId xmlns:a16="http://schemas.microsoft.com/office/drawing/2014/main" id="{54F345DA-A913-5B45-97FC-B5DDA1350935}"/>
               </a:ext>
             </a:extLst>
           </p:cNvPr>
@@ -18991,7 +18473,7 @@
     </p:spTree>
     <p:extLst>
       <p:ext uri="{BB962C8B-B14F-4D97-AF65-F5344CB8AC3E}">
-        <p14:creationId xmlns:p14="http://schemas.microsoft.com/office/powerpoint/2010/main" val="3618116969"/>
+        <p14:creationId xmlns:p14="http://schemas.microsoft.com/office/powerpoint/2010/main" val="1639789196"/>
       </p:ext>
     </p:extLst>
   </p:cSld>
@@ -19221,13 +18703,13 @@
           <p:nvPr>
             <p:extLst>
               <p:ext uri="{D42A27DB-BD31-4B8C-83A1-F6EECF244321}">
-                <p14:modId xmlns:p14="http://schemas.microsoft.com/office/powerpoint/2010/main" val="3335495720"/>
+                <p14:modId xmlns:p14="http://schemas.microsoft.com/office/powerpoint/2010/main" val="4266395085"/>
               </p:ext>
             </p:extLst>
           </p:nvPr>
         </p:nvGraphicFramePr>
         <p:xfrm>
-          <a:off x="304800" y="1193822"/>
+          <a:off x="304800" y="1183189"/>
           <a:ext cx="8534396" cy="4434840"/>
         </p:xfrm>
         <a:graphic>
@@ -19731,29 +19213,9 @@
                           <a:effectLst/>
                           <a:latin typeface="DIN Alternate" panose="020B0500000000000000" pitchFamily="34" charset="77"/>
                         </a:rPr>
-                        <a:t>Obtain Writing Implement </a:t>
+                        <a:t>Obtain Writing Implement</a:t>
                       </a:r>
-                    </a:p>
-                    <a:p>
-                      <a:pPr algn="l" rtl="0" fontAlgn="t">
-                        <a:spcBef>
-                          <a:spcPts val="0"/>
-                        </a:spcBef>
-                        <a:spcAft>
-                          <a:spcPts val="0"/>
-                        </a:spcAft>
-                      </a:pPr>
-                      <a:r>
-                        <a:rPr lang="en-US" sz="2000" b="0" i="1" u="none" strike="noStrike" dirty="0">
-                          <a:solidFill>
-                            <a:schemeClr val="bg1"/>
-                          </a:solidFill>
-                          <a:effectLst/>
-                          <a:latin typeface="DIN Alternate" panose="020B0500000000000000" pitchFamily="34" charset="77"/>
-                        </a:rPr>
-                        <a:t>(continued)</a:t>
-                      </a:r>
-                      <a:endParaRPr lang="en-US" sz="2000" i="1" dirty="0">
+                      <a:endParaRPr lang="en-US" sz="2000" dirty="0">
                         <a:solidFill>
                           <a:schemeClr val="bg1"/>
                         </a:solidFill>
@@ -19820,7 +19282,7 @@
                     <a:bodyPr/>
                     <a:lstStyle/>
                     <a:p>
-                      <a:pPr marL="342900" indent="-342900" algn="l" defTabSz="914400" rtl="0" eaLnBrk="1" fontAlgn="base" latinLnBrk="0" hangingPunct="1">
+                      <a:pPr marL="342900" indent="-342900" rtl="0" fontAlgn="base">
                         <a:lnSpc>
                           <a:spcPct val="100000"/>
                         </a:lnSpc>
@@ -19831,23 +19293,21 @@
                           <a:spcPts val="0"/>
                         </a:spcAft>
                         <a:buFont typeface="+mj-lt"/>
-                        <a:buAutoNum type="arabicPeriod" startAt="6"/>
+                        <a:buAutoNum type="arabicPeriod"/>
                       </a:pPr>
                       <a:r>
-                        <a:rPr lang="en-US" sz="1800" b="0" i="0" u="none" strike="noStrike" kern="1200" dirty="0">
+                        <a:rPr lang="en-US" sz="1800" b="0" i="0" u="none" strike="noStrike" dirty="0">
                           <a:solidFill>
                             <a:schemeClr val="bg1"/>
                           </a:solidFill>
                           <a:effectLst/>
                           <a:latin typeface="DIN Alternate" panose="020B0500000000000000" pitchFamily="34" charset="77"/>
-                          <a:ea typeface="+mn-ea"/>
-                          <a:cs typeface="+mn-cs"/>
                         </a:rPr>
-                        <a:t>Detect when to close hand to grip writing implement</a:t>
+                        <a:t>Determine if already holding writing implement</a:t>
                       </a:r>
                     </a:p>
                     <a:p>
-                      <a:pPr marL="342900" indent="-342900" algn="l" defTabSz="914400" rtl="0" eaLnBrk="1" fontAlgn="base" latinLnBrk="0" hangingPunct="1">
+                      <a:pPr marL="342900" indent="-342900" rtl="0" fontAlgn="base">
                         <a:lnSpc>
                           <a:spcPct val="100000"/>
                         </a:lnSpc>
@@ -19858,23 +19318,21 @@
                           <a:spcPts val="0"/>
                         </a:spcAft>
                         <a:buFont typeface="+mj-lt"/>
-                        <a:buAutoNum type="arabicPeriod" startAt="6"/>
+                        <a:buAutoNum type="arabicPeriod"/>
                       </a:pPr>
                       <a:r>
-                        <a:rPr lang="en-US" sz="1800" b="0" i="0" u="none" strike="noStrike" kern="1200" dirty="0">
+                        <a:rPr lang="en-US" sz="1800" b="0" i="0" u="none" strike="noStrike" dirty="0">
                           <a:solidFill>
                             <a:schemeClr val="bg1"/>
                           </a:solidFill>
                           <a:effectLst/>
                           <a:latin typeface="DIN Alternate" panose="020B0500000000000000" pitchFamily="34" charset="77"/>
-                          <a:ea typeface="+mn-ea"/>
-                          <a:cs typeface="+mn-cs"/>
                         </a:rPr>
-                        <a:t>Close hand to grip writing implement</a:t>
+                        <a:t>Ask whether to continue using current writing implement</a:t>
                       </a:r>
                     </a:p>
                     <a:p>
-                      <a:pPr marL="342900" indent="-342900" algn="l" defTabSz="914400" rtl="0" eaLnBrk="1" fontAlgn="base" latinLnBrk="0" hangingPunct="1">
+                      <a:pPr marL="342900" indent="-342900" rtl="0" fontAlgn="base">
                         <a:lnSpc>
                           <a:spcPct val="100000"/>
                         </a:lnSpc>
@@ -19885,23 +19343,21 @@
                           <a:spcPts val="0"/>
                         </a:spcAft>
                         <a:buFont typeface="+mj-lt"/>
-                        <a:buAutoNum type="arabicPeriod" startAt="6"/>
+                        <a:buAutoNum type="arabicPeriod"/>
                       </a:pPr>
                       <a:r>
-                        <a:rPr lang="en-US" sz="1800" b="0" i="0" u="none" strike="noStrike" kern="1200" dirty="0">
+                        <a:rPr lang="en-US" sz="1800" b="0" i="0" u="none" strike="noStrike" dirty="0">
                           <a:solidFill>
                             <a:schemeClr val="bg1"/>
                           </a:solidFill>
                           <a:effectLst/>
                           <a:latin typeface="DIN Alternate" panose="020B0500000000000000" pitchFamily="34" charset="77"/>
-                          <a:ea typeface="+mn-ea"/>
-                          <a:cs typeface="+mn-cs"/>
                         </a:rPr>
-                        <a:t>Evaluate writing implement orientation</a:t>
+                        <a:t>Drop writing implement</a:t>
                       </a:r>
                     </a:p>
                     <a:p>
-                      <a:pPr marL="342900" indent="-342900" algn="l" defTabSz="914400" rtl="0" eaLnBrk="1" fontAlgn="base" latinLnBrk="0" hangingPunct="1">
+                      <a:pPr marL="342900" indent="-342900" rtl="0" fontAlgn="base">
                         <a:lnSpc>
                           <a:spcPct val="100000"/>
                         </a:lnSpc>
@@ -19912,23 +19368,21 @@
                           <a:spcPts val="0"/>
                         </a:spcAft>
                         <a:buFont typeface="+mj-lt"/>
-                        <a:buAutoNum type="arabicPeriod" startAt="6"/>
+                        <a:buAutoNum type="arabicPeriod"/>
                       </a:pPr>
                       <a:r>
-                        <a:rPr lang="en-US" sz="1800" b="0" i="0" u="none" strike="noStrike" kern="1200" dirty="0">
+                        <a:rPr lang="en-US" sz="1800" b="0" i="0" u="none" strike="noStrike" dirty="0">
                           <a:solidFill>
                             <a:schemeClr val="bg1"/>
                           </a:solidFill>
                           <a:effectLst/>
                           <a:latin typeface="DIN Alternate" panose="020B0500000000000000" pitchFamily="34" charset="77"/>
-                          <a:ea typeface="+mn-ea"/>
-                          <a:cs typeface="+mn-cs"/>
                         </a:rPr>
-                        <a:t>Notify invalid orientation and instruct how to fix</a:t>
+                        <a:t>Verify and acknowledge choice to use current writing implement</a:t>
                       </a:r>
                     </a:p>
                     <a:p>
-                      <a:pPr marL="342900" indent="-342900" algn="l" defTabSz="914400" rtl="0" eaLnBrk="1" fontAlgn="base" latinLnBrk="0" hangingPunct="1">
+                      <a:pPr marL="342900" indent="-342900" rtl="0" fontAlgn="base">
                         <a:lnSpc>
                           <a:spcPct val="100000"/>
                         </a:lnSpc>
@@ -19939,46 +19393,17 @@
                           <a:spcPts val="0"/>
                         </a:spcAft>
                         <a:buFont typeface="+mj-lt"/>
-                        <a:buAutoNum type="arabicPeriod" startAt="6"/>
+                        <a:buAutoNum type="arabicPeriod"/>
                       </a:pPr>
                       <a:r>
-                        <a:rPr lang="en-US" sz="1800" b="0" i="0" u="none" strike="noStrike" kern="1200" dirty="0">
+                        <a:rPr lang="en-US" sz="1800" b="0" i="0" u="none" strike="noStrike" dirty="0">
                           <a:solidFill>
                             <a:schemeClr val="bg1"/>
                           </a:solidFill>
                           <a:effectLst/>
                           <a:latin typeface="DIN Alternate" panose="020B0500000000000000" pitchFamily="34" charset="77"/>
-                          <a:ea typeface="+mn-ea"/>
-                          <a:cs typeface="+mn-cs"/>
                         </a:rPr>
-                        <a:t>Evaluate if cap still on</a:t>
-                      </a:r>
-                    </a:p>
-                    <a:p>
-                      <a:pPr marL="342900" indent="-342900" algn="l" defTabSz="914400" rtl="0" eaLnBrk="1" fontAlgn="base" latinLnBrk="0" hangingPunct="1">
-                        <a:lnSpc>
-                          <a:spcPct val="100000"/>
-                        </a:lnSpc>
-                        <a:spcBef>
-                          <a:spcPts val="0"/>
-                        </a:spcBef>
-                        <a:spcAft>
-                          <a:spcPts val="0"/>
-                        </a:spcAft>
-                        <a:buFont typeface="+mj-lt"/>
-                        <a:buAutoNum type="arabicPeriod" startAt="6"/>
-                      </a:pPr>
-                      <a:r>
-                        <a:rPr lang="en-US" sz="1800" b="0" i="0" u="none" strike="noStrike" kern="1200" dirty="0">
-                          <a:solidFill>
-                            <a:schemeClr val="bg1"/>
-                          </a:solidFill>
-                          <a:effectLst/>
-                          <a:latin typeface="DIN Alternate" panose="020B0500000000000000" pitchFamily="34" charset="77"/>
-                          <a:ea typeface="+mn-ea"/>
-                          <a:cs typeface="+mn-cs"/>
-                        </a:rPr>
-                        <a:t>Notify cap still on and instruct subject to remove it</a:t>
+                        <a:t>Verbally instruct subject to provide new writing implement</a:t>
                       </a:r>
                     </a:p>
                   </a:txBody>
@@ -20040,10 +19465,7 @@
                     <a:bodyPr/>
                     <a:lstStyle/>
                     <a:p>
-                      <a:pPr marL="347472" indent="-347472" rtl="0" fontAlgn="base">
-                        <a:lnSpc>
-                          <a:spcPct val="100000"/>
-                        </a:lnSpc>
+                      <a:pPr marL="342900" indent="-342900" rtl="0" fontAlgn="base">
                         <a:spcBef>
                           <a:spcPts val="1000"/>
                         </a:spcBef>
@@ -20051,7 +19473,7 @@
                           <a:spcPts val="0"/>
                         </a:spcAft>
                         <a:buFont typeface="+mj-lt"/>
-                        <a:buAutoNum type="arabicPeriod" startAt="2"/>
+                        <a:buAutoNum type="arabicPeriod"/>
                       </a:pPr>
                       <a:r>
                         <a:rPr lang="en-US" sz="1800" b="0" i="0" u="none" strike="noStrike" dirty="0">
@@ -20061,58 +19483,37 @@
                           <a:effectLst/>
                           <a:latin typeface="DIN Alternate" panose="020B0500000000000000" pitchFamily="34" charset="77"/>
                         </a:rPr>
-                        <a:t>Detect writing implement in hand in &lt;=1s after it is placed there</a:t>
+                        <a:t>Verify and acknowledge selections &lt;=1s after heard</a:t>
                       </a:r>
                     </a:p>
                     <a:p>
-                      <a:pPr marL="347472" indent="-347472" rtl="0" fontAlgn="base">
-                        <a:lnSpc>
-                          <a:spcPct val="100000"/>
-                        </a:lnSpc>
-                        <a:spcBef>
-                          <a:spcPts val="1000"/>
-                        </a:spcBef>
-                        <a:spcAft>
-                          <a:spcPts val="1000"/>
-                        </a:spcAft>
+                      <a:pPr marL="0" indent="0" fontAlgn="t">
                         <a:buFont typeface="+mj-lt"/>
-                        <a:buAutoNum type="arabicPeriod" startAt="2"/>
+                        <a:buNone/>
                       </a:pPr>
-                      <a:r>
-                        <a:rPr lang="en-US" sz="1800" b="0" i="0" u="none" strike="noStrike" dirty="0">
-                          <a:solidFill>
-                            <a:schemeClr val="bg1"/>
-                          </a:solidFill>
+                      <a:br>
+                        <a:rPr lang="en-US" dirty="0">
                           <a:effectLst/>
-                          <a:latin typeface="DIN Alternate" panose="020B0500000000000000" pitchFamily="34" charset="77"/>
                         </a:rPr>
-                        <a:t>Identify marker orientation &lt;2s after closing grip</a:t>
-                      </a:r>
-                    </a:p>
-                    <a:p>
-                      <a:pPr marL="347472" indent="-347472" rtl="0" fontAlgn="base">
-                        <a:lnSpc>
-                          <a:spcPct val="100000"/>
-                        </a:lnSpc>
-                        <a:spcBef>
-                          <a:spcPts val="1000"/>
-                        </a:spcBef>
-                        <a:spcAft>
-                          <a:spcPts val="1000"/>
-                        </a:spcAft>
-                        <a:buFont typeface="+mj-lt"/>
-                        <a:buAutoNum type="arabicPeriod" startAt="2"/>
-                      </a:pPr>
-                      <a:r>
-                        <a:rPr lang="en-US" sz="1800" b="0" i="0" u="none" strike="noStrike" dirty="0">
-                          <a:solidFill>
-                            <a:schemeClr val="bg1"/>
-                          </a:solidFill>
+                      </a:br>
+                      <a:br>
+                        <a:rPr lang="en-US" dirty="0">
                           <a:effectLst/>
-                          <a:latin typeface="DIN Alternate" panose="020B0500000000000000" pitchFamily="34" charset="77"/>
                         </a:rPr>
-                        <a:t>Identify if cap is still on in &lt;2s</a:t>
-                      </a:r>
+                      </a:br>
+                      <a:br>
+                        <a:rPr lang="en-US" dirty="0">
+                          <a:effectLst/>
+                        </a:rPr>
+                      </a:br>
+                      <a:br>
+                        <a:rPr lang="en-US" dirty="0">
+                          <a:effectLst/>
+                        </a:rPr>
+                      </a:br>
+                      <a:endParaRPr lang="en-US" dirty="0">
+                        <a:effectLst/>
+                      </a:endParaRPr>
                     </a:p>
                   </a:txBody>
                   <a:tcPr marL="95250" marR="95250" marT="95250" marB="95250">
@@ -20184,7 +19585,7 @@
             <a:hlinkClick r:id="" action="ppaction://hlinkshowjump?jump=lastslide"/>
             <a:extLst>
               <a:ext uri="{FF2B5EF4-FFF2-40B4-BE49-F238E27FC236}">
-                <a16:creationId xmlns:a16="http://schemas.microsoft.com/office/drawing/2014/main" id="{5B02CFE4-7706-C84C-9A18-BDCCB8BBF4BD}"/>
+                <a16:creationId xmlns:a16="http://schemas.microsoft.com/office/drawing/2014/main" id="{870D4C64-F616-794F-83D3-7243661B485B}"/>
               </a:ext>
             </a:extLst>
           </p:cNvPr>
@@ -20230,7 +19631,7 @@
     </p:spTree>
     <p:extLst>
       <p:ext uri="{BB962C8B-B14F-4D97-AF65-F5344CB8AC3E}">
-        <p14:creationId xmlns:p14="http://schemas.microsoft.com/office/powerpoint/2010/main" val="1269781998"/>
+        <p14:creationId xmlns:p14="http://schemas.microsoft.com/office/powerpoint/2010/main" val="3618116969"/>
       </p:ext>
     </p:extLst>
   </p:cSld>
@@ -20460,14 +19861,14 @@
           <p:nvPr>
             <p:extLst>
               <p:ext uri="{D42A27DB-BD31-4B8C-83A1-F6EECF244321}">
-                <p14:modId xmlns:p14="http://schemas.microsoft.com/office/powerpoint/2010/main" val="1955410750"/>
+                <p14:modId xmlns:p14="http://schemas.microsoft.com/office/powerpoint/2010/main" val="3335495720"/>
               </p:ext>
             </p:extLst>
           </p:nvPr>
         </p:nvGraphicFramePr>
         <p:xfrm>
-          <a:off x="304799" y="1219200"/>
-          <a:ext cx="8534396" cy="2915920"/>
+          <a:off x="304800" y="1193822"/>
+          <a:ext cx="8534396" cy="4434840"/>
         </p:xfrm>
         <a:graphic>
           <a:graphicData uri="http://schemas.openxmlformats.org/drawingml/2006/table">
@@ -21059,7 +20460,7 @@
                     <a:bodyPr/>
                     <a:lstStyle/>
                     <a:p>
-                      <a:pPr marL="347472" marR="0" lvl="0" indent="-347472" algn="l" defTabSz="914400" rtl="0" eaLnBrk="1" fontAlgn="base" latinLnBrk="0" hangingPunct="1">
+                      <a:pPr marL="342900" indent="-342900" algn="l" defTabSz="914400" rtl="0" eaLnBrk="1" fontAlgn="base" latinLnBrk="0" hangingPunct="1">
                         <a:lnSpc>
                           <a:spcPct val="100000"/>
                         </a:lnSpc>
@@ -21067,46 +20468,157 @@
                           <a:spcPts val="0"/>
                         </a:spcBef>
                         <a:spcAft>
-                          <a:spcPts val="1000"/>
+                          <a:spcPts val="0"/>
                         </a:spcAft>
-                        <a:buClrTx/>
-                        <a:buSzTx/>
                         <a:buFont typeface="+mj-lt"/>
-                        <a:buAutoNum type="arabicPeriod" startAt="12"/>
-                        <a:tabLst/>
-                        <a:defRPr/>
+                        <a:buAutoNum type="arabicPeriod" startAt="6"/>
                       </a:pPr>
                       <a:r>
-                        <a:rPr lang="en-US" sz="1800" b="0" i="0" u="none" strike="noStrike" dirty="0">
+                        <a:rPr lang="en-US" sz="1800" b="0" i="0" u="none" strike="noStrike" kern="1200" dirty="0">
                           <a:solidFill>
                             <a:schemeClr val="bg1"/>
                           </a:solidFill>
                           <a:effectLst/>
                           <a:latin typeface="DIN Alternate" panose="020B0500000000000000" pitchFamily="34" charset="77"/>
+                          <a:ea typeface="+mn-ea"/>
+                          <a:cs typeface="+mn-cs"/>
                         </a:rPr>
-                        <a:t>Notify cap still on and instruct subject to remove it</a:t>
+                        <a:t>Detect when to close hand to grip writing implement</a:t>
                       </a:r>
                     </a:p>
                     <a:p>
-                      <a:pPr marL="347472" indent="-347472" rtl="0" fontAlgn="base">
+                      <a:pPr marL="342900" indent="-342900" algn="l" defTabSz="914400" rtl="0" eaLnBrk="1" fontAlgn="base" latinLnBrk="0" hangingPunct="1">
+                        <a:lnSpc>
+                          <a:spcPct val="100000"/>
+                        </a:lnSpc>
                         <a:spcBef>
                           <a:spcPts val="0"/>
                         </a:spcBef>
                         <a:spcAft>
-                          <a:spcPts val="1000"/>
+                          <a:spcPts val="0"/>
                         </a:spcAft>
                         <a:buFont typeface="+mj-lt"/>
-                        <a:buAutoNum type="arabicPeriod" startAt="12"/>
+                        <a:buAutoNum type="arabicPeriod" startAt="6"/>
                       </a:pPr>
                       <a:r>
-                        <a:rPr lang="en-US" sz="1800" b="0" i="0" u="none" strike="noStrike" dirty="0">
+                        <a:rPr lang="en-US" sz="1800" b="0" i="0" u="none" strike="noStrike" kern="1200" dirty="0">
                           <a:solidFill>
                             <a:schemeClr val="bg1"/>
                           </a:solidFill>
                           <a:effectLst/>
                           <a:latin typeface="DIN Alternate" panose="020B0500000000000000" pitchFamily="34" charset="77"/>
+                          <a:ea typeface="+mn-ea"/>
+                          <a:cs typeface="+mn-cs"/>
                         </a:rPr>
-                        <a:t>Determine writing implement color (black, blue, red, green, brown, purple, or yellow)</a:t>
+                        <a:t>Close hand to grip writing implement</a:t>
+                      </a:r>
+                    </a:p>
+                    <a:p>
+                      <a:pPr marL="342900" indent="-342900" algn="l" defTabSz="914400" rtl="0" eaLnBrk="1" fontAlgn="base" latinLnBrk="0" hangingPunct="1">
+                        <a:lnSpc>
+                          <a:spcPct val="100000"/>
+                        </a:lnSpc>
+                        <a:spcBef>
+                          <a:spcPts val="0"/>
+                        </a:spcBef>
+                        <a:spcAft>
+                          <a:spcPts val="0"/>
+                        </a:spcAft>
+                        <a:buFont typeface="+mj-lt"/>
+                        <a:buAutoNum type="arabicPeriod" startAt="6"/>
+                      </a:pPr>
+                      <a:r>
+                        <a:rPr lang="en-US" sz="1800" b="0" i="0" u="none" strike="noStrike" kern="1200" dirty="0">
+                          <a:solidFill>
+                            <a:schemeClr val="bg1"/>
+                          </a:solidFill>
+                          <a:effectLst/>
+                          <a:latin typeface="DIN Alternate" panose="020B0500000000000000" pitchFamily="34" charset="77"/>
+                          <a:ea typeface="+mn-ea"/>
+                          <a:cs typeface="+mn-cs"/>
+                        </a:rPr>
+                        <a:t>Evaluate writing implement orientation</a:t>
+                      </a:r>
+                    </a:p>
+                    <a:p>
+                      <a:pPr marL="342900" indent="-342900" algn="l" defTabSz="914400" rtl="0" eaLnBrk="1" fontAlgn="base" latinLnBrk="0" hangingPunct="1">
+                        <a:lnSpc>
+                          <a:spcPct val="100000"/>
+                        </a:lnSpc>
+                        <a:spcBef>
+                          <a:spcPts val="0"/>
+                        </a:spcBef>
+                        <a:spcAft>
+                          <a:spcPts val="0"/>
+                        </a:spcAft>
+                        <a:buFont typeface="+mj-lt"/>
+                        <a:buAutoNum type="arabicPeriod" startAt="6"/>
+                      </a:pPr>
+                      <a:r>
+                        <a:rPr lang="en-US" sz="1800" b="0" i="0" u="none" strike="noStrike" kern="1200" dirty="0">
+                          <a:solidFill>
+                            <a:schemeClr val="bg1"/>
+                          </a:solidFill>
+                          <a:effectLst/>
+                          <a:latin typeface="DIN Alternate" panose="020B0500000000000000" pitchFamily="34" charset="77"/>
+                          <a:ea typeface="+mn-ea"/>
+                          <a:cs typeface="+mn-cs"/>
+                        </a:rPr>
+                        <a:t>Notify invalid orientation and instruct how to fix</a:t>
+                      </a:r>
+                    </a:p>
+                    <a:p>
+                      <a:pPr marL="342900" indent="-342900" algn="l" defTabSz="914400" rtl="0" eaLnBrk="1" fontAlgn="base" latinLnBrk="0" hangingPunct="1">
+                        <a:lnSpc>
+                          <a:spcPct val="100000"/>
+                        </a:lnSpc>
+                        <a:spcBef>
+                          <a:spcPts val="0"/>
+                        </a:spcBef>
+                        <a:spcAft>
+                          <a:spcPts val="0"/>
+                        </a:spcAft>
+                        <a:buFont typeface="+mj-lt"/>
+                        <a:buAutoNum type="arabicPeriod" startAt="6"/>
+                      </a:pPr>
+                      <a:r>
+                        <a:rPr lang="en-US" sz="1800" b="0" i="0" u="none" strike="noStrike" kern="1200" dirty="0">
+                          <a:solidFill>
+                            <a:schemeClr val="bg1"/>
+                          </a:solidFill>
+                          <a:effectLst/>
+                          <a:latin typeface="DIN Alternate" panose="020B0500000000000000" pitchFamily="34" charset="77"/>
+                          <a:ea typeface="+mn-ea"/>
+                          <a:cs typeface="+mn-cs"/>
+                        </a:rPr>
+                        <a:t>Evaluate if cap still on</a:t>
+                      </a:r>
+                    </a:p>
+                    <a:p>
+                      <a:pPr marL="342900" indent="-342900" algn="l" defTabSz="914400" rtl="0" eaLnBrk="1" fontAlgn="base" latinLnBrk="0" hangingPunct="1">
+                        <a:lnSpc>
+                          <a:spcPct val="100000"/>
+                        </a:lnSpc>
+                        <a:spcBef>
+                          <a:spcPts val="0"/>
+                        </a:spcBef>
+                        <a:spcAft>
+                          <a:spcPts val="0"/>
+                        </a:spcAft>
+                        <a:buFont typeface="+mj-lt"/>
+                        <a:buAutoNum type="arabicPeriod" startAt="6"/>
+                      </a:pPr>
+                      <a:r>
+                        <a:rPr lang="en-US" sz="1800" b="0" i="0" u="none" strike="noStrike" kern="1200" dirty="0">
+                          <a:solidFill>
+                            <a:schemeClr val="bg1"/>
+                          </a:solidFill>
+                          <a:effectLst/>
+                          <a:latin typeface="DIN Alternate" panose="020B0500000000000000" pitchFamily="34" charset="77"/>
+                          <a:ea typeface="+mn-ea"/>
+                          <a:cs typeface="+mn-cs"/>
+                        </a:rPr>
+                        <a:t>Notify cap still on and instruct subject to remove it</a:t>
                       </a:r>
                     </a:p>
                   </a:txBody>
@@ -21168,12 +20680,78 @@
                     <a:bodyPr/>
                     <a:lstStyle/>
                     <a:p>
-                      <a:pPr fontAlgn="t"/>
+                      <a:pPr marL="347472" indent="-347472" rtl="0" fontAlgn="base">
+                        <a:lnSpc>
+                          <a:spcPct val="100000"/>
+                        </a:lnSpc>
+                        <a:spcBef>
+                          <a:spcPts val="1000"/>
+                        </a:spcBef>
+                        <a:spcAft>
+                          <a:spcPts val="0"/>
+                        </a:spcAft>
+                        <a:buFont typeface="+mj-lt"/>
+                        <a:buAutoNum type="arabicPeriod" startAt="2"/>
+                      </a:pPr>
                       <a:r>
-                        <a:rPr lang="en-US" dirty="0">
+                        <a:rPr lang="en-US" sz="1800" b="0" i="0" u="none" strike="noStrike" dirty="0">
+                          <a:solidFill>
+                            <a:schemeClr val="bg1"/>
+                          </a:solidFill>
                           <a:effectLst/>
+                          <a:latin typeface="DIN Alternate" panose="020B0500000000000000" pitchFamily="34" charset="77"/>
                         </a:rPr>
-                        <a:t> </a:t>
+                        <a:t>Detect writing implement in hand in &lt;=1s after it is placed there</a:t>
+                      </a:r>
+                    </a:p>
+                    <a:p>
+                      <a:pPr marL="347472" indent="-347472" rtl="0" fontAlgn="base">
+                        <a:lnSpc>
+                          <a:spcPct val="100000"/>
+                        </a:lnSpc>
+                        <a:spcBef>
+                          <a:spcPts val="1000"/>
+                        </a:spcBef>
+                        <a:spcAft>
+                          <a:spcPts val="1000"/>
+                        </a:spcAft>
+                        <a:buFont typeface="+mj-lt"/>
+                        <a:buAutoNum type="arabicPeriod" startAt="2"/>
+                      </a:pPr>
+                      <a:r>
+                        <a:rPr lang="en-US" sz="1800" b="0" i="0" u="none" strike="noStrike" dirty="0">
+                          <a:solidFill>
+                            <a:schemeClr val="bg1"/>
+                          </a:solidFill>
+                          <a:effectLst/>
+                          <a:latin typeface="DIN Alternate" panose="020B0500000000000000" pitchFamily="34" charset="77"/>
+                        </a:rPr>
+                        <a:t>Identify marker orientation &lt;2s after closing grip</a:t>
+                      </a:r>
+                    </a:p>
+                    <a:p>
+                      <a:pPr marL="347472" indent="-347472" rtl="0" fontAlgn="base">
+                        <a:lnSpc>
+                          <a:spcPct val="100000"/>
+                        </a:lnSpc>
+                        <a:spcBef>
+                          <a:spcPts val="1000"/>
+                        </a:spcBef>
+                        <a:spcAft>
+                          <a:spcPts val="1000"/>
+                        </a:spcAft>
+                        <a:buFont typeface="+mj-lt"/>
+                        <a:buAutoNum type="arabicPeriod" startAt="2"/>
+                      </a:pPr>
+                      <a:r>
+                        <a:rPr lang="en-US" sz="1800" b="0" i="0" u="none" strike="noStrike" dirty="0">
+                          <a:solidFill>
+                            <a:schemeClr val="bg1"/>
+                          </a:solidFill>
+                          <a:effectLst/>
+                          <a:latin typeface="DIN Alternate" panose="020B0500000000000000" pitchFamily="34" charset="77"/>
+                        </a:rPr>
+                        <a:t>Identify if cap is still on in &lt;2s</a:t>
                       </a:r>
                     </a:p>
                   </a:txBody>
@@ -21246,7 +20824,7 @@
             <a:hlinkClick r:id="" action="ppaction://hlinkshowjump?jump=lastslide"/>
             <a:extLst>
               <a:ext uri="{FF2B5EF4-FFF2-40B4-BE49-F238E27FC236}">
-                <a16:creationId xmlns:a16="http://schemas.microsoft.com/office/drawing/2014/main" id="{304A9FB0-FBFC-B44C-93CB-D2BCCC67295E}"/>
+                <a16:creationId xmlns:a16="http://schemas.microsoft.com/office/drawing/2014/main" id="{5B02CFE4-7706-C84C-9A18-BDCCB8BBF4BD}"/>
               </a:ext>
             </a:extLst>
           </p:cNvPr>
@@ -21292,7 +20870,7 @@
     </p:spTree>
     <p:extLst>
       <p:ext uri="{BB962C8B-B14F-4D97-AF65-F5344CB8AC3E}">
-        <p14:creationId xmlns:p14="http://schemas.microsoft.com/office/powerpoint/2010/main" val="1559821595"/>
+        <p14:creationId xmlns:p14="http://schemas.microsoft.com/office/powerpoint/2010/main" val="1269781998"/>
       </p:ext>
     </p:extLst>
   </p:cSld>
@@ -22401,14 +21979,14 @@
           <p:nvPr>
             <p:extLst>
               <p:ext uri="{D42A27DB-BD31-4B8C-83A1-F6EECF244321}">
-                <p14:modId xmlns:p14="http://schemas.microsoft.com/office/powerpoint/2010/main" val="3869935868"/>
+                <p14:modId xmlns:p14="http://schemas.microsoft.com/office/powerpoint/2010/main" val="1955410750"/>
               </p:ext>
             </p:extLst>
           </p:nvPr>
         </p:nvGraphicFramePr>
         <p:xfrm>
-          <a:off x="304800" y="1158240"/>
-          <a:ext cx="8534396" cy="4541520"/>
+          <a:off x="304799" y="1219200"/>
+          <a:ext cx="8534396" cy="2915920"/>
         </p:xfrm>
         <a:graphic>
           <a:graphicData uri="http://schemas.openxmlformats.org/drawingml/2006/table">
@@ -22833,7 +22411,7 @@
                           <a:effectLst/>
                           <a:latin typeface="DIN Alternate" panose="020B0500000000000000" pitchFamily="34" charset="77"/>
                         </a:rPr>
-                        <a:t>6</a:t>
+                        <a:t>5</a:t>
                       </a:r>
                     </a:p>
                   </a:txBody>
@@ -22911,7 +22489,27 @@
                           <a:effectLst/>
                           <a:latin typeface="DIN Alternate" panose="020B0500000000000000" pitchFamily="34" charset="77"/>
                         </a:rPr>
-                        <a:t>Draw Object</a:t>
+                        <a:t>Obtain Writing Implement </a:t>
+                      </a:r>
+                    </a:p>
+                    <a:p>
+                      <a:pPr algn="l" rtl="0" fontAlgn="t">
+                        <a:spcBef>
+                          <a:spcPts val="0"/>
+                        </a:spcBef>
+                        <a:spcAft>
+                          <a:spcPts val="0"/>
+                        </a:spcAft>
+                      </a:pPr>
+                      <a:r>
+                        <a:rPr lang="en-US" sz="2000" b="0" i="1" u="none" strike="noStrike" dirty="0">
+                          <a:solidFill>
+                            <a:schemeClr val="bg1"/>
+                          </a:solidFill>
+                          <a:effectLst/>
+                          <a:latin typeface="DIN Alternate" panose="020B0500000000000000" pitchFamily="34" charset="77"/>
+                        </a:rPr>
+                        <a:t>(continued)</a:t>
                       </a:r>
                       <a:endParaRPr lang="en-US" sz="2000" i="1" dirty="0">
                         <a:solidFill>
@@ -22980,15 +22578,22 @@
                     <a:bodyPr/>
                     <a:lstStyle/>
                     <a:p>
-                      <a:pPr marL="347472" indent="-347472" rtl="0" fontAlgn="base">
+                      <a:pPr marL="347472" marR="0" lvl="0" indent="-347472" algn="l" defTabSz="914400" rtl="0" eaLnBrk="1" fontAlgn="base" latinLnBrk="0" hangingPunct="1">
+                        <a:lnSpc>
+                          <a:spcPct val="100000"/>
+                        </a:lnSpc>
                         <a:spcBef>
                           <a:spcPts val="0"/>
                         </a:spcBef>
                         <a:spcAft>
                           <a:spcPts val="1000"/>
                         </a:spcAft>
+                        <a:buClrTx/>
+                        <a:buSzTx/>
                         <a:buFont typeface="+mj-lt"/>
-                        <a:buAutoNum type="arabicPeriod"/>
+                        <a:buAutoNum type="arabicPeriod" startAt="12"/>
+                        <a:tabLst/>
+                        <a:defRPr/>
                       </a:pPr>
                       <a:r>
                         <a:rPr lang="en-US" sz="1800" b="0" i="0" u="none" strike="noStrike" dirty="0">
@@ -22998,7 +22603,7 @@
                           <a:effectLst/>
                           <a:latin typeface="DIN Alternate" panose="020B0500000000000000" pitchFamily="34" charset="77"/>
                         </a:rPr>
-                        <a:t>Locate/detect drawing surface within 5m of position</a:t>
+                        <a:t>Notify cap still on and instruct subject to remove it</a:t>
                       </a:r>
                     </a:p>
                     <a:p>
@@ -23010,7 +22615,7 @@
                           <a:spcPts val="1000"/>
                         </a:spcAft>
                         <a:buFont typeface="+mj-lt"/>
-                        <a:buAutoNum type="arabicPeriod"/>
+                        <a:buAutoNum type="arabicPeriod" startAt="12"/>
                       </a:pPr>
                       <a:r>
                         <a:rPr lang="en-US" sz="1800" b="0" i="0" u="none" strike="noStrike" dirty="0">
@@ -23020,51 +22625,7 @@
                           <a:effectLst/>
                           <a:latin typeface="DIN Alternate" panose="020B0500000000000000" pitchFamily="34" charset="77"/>
                         </a:rPr>
-                        <a:t>Notify of no drawing surface found and prompt for next action</a:t>
-                      </a:r>
-                    </a:p>
-                    <a:p>
-                      <a:pPr marL="347472" indent="-347472" rtl="0" fontAlgn="base">
-                        <a:spcBef>
-                          <a:spcPts val="0"/>
-                        </a:spcBef>
-                        <a:spcAft>
-                          <a:spcPts val="1000"/>
-                        </a:spcAft>
-                        <a:buFont typeface="+mj-lt"/>
-                        <a:buAutoNum type="arabicPeriod"/>
-                      </a:pPr>
-                      <a:r>
-                        <a:rPr lang="en-US" sz="1800" b="0" i="0" u="none" strike="noStrike" dirty="0">
-                          <a:solidFill>
-                            <a:schemeClr val="bg1"/>
-                          </a:solidFill>
-                          <a:effectLst/>
-                          <a:latin typeface="DIN Alternate" panose="020B0500000000000000" pitchFamily="34" charset="77"/>
-                        </a:rPr>
-                        <a:t>Detect drawing surface boundaries</a:t>
-                      </a:r>
-                    </a:p>
-                    <a:p>
-                      <a:pPr marL="347472" indent="-347472" rtl="0" fontAlgn="base">
-                        <a:spcBef>
-                          <a:spcPts val="0"/>
-                        </a:spcBef>
-                        <a:spcAft>
-                          <a:spcPts val="0"/>
-                        </a:spcAft>
-                        <a:buFont typeface="+mj-lt"/>
-                        <a:buAutoNum type="arabicPeriod"/>
-                      </a:pPr>
-                      <a:r>
-                        <a:rPr lang="en-US" sz="1800" b="0" i="0" u="none" strike="noStrike" dirty="0">
-                          <a:solidFill>
-                            <a:schemeClr val="bg1"/>
-                          </a:solidFill>
-                          <a:effectLst/>
-                          <a:latin typeface="DIN Alternate" panose="020B0500000000000000" pitchFamily="34" charset="77"/>
-                        </a:rPr>
-                        <a:t>Notify inaccessible drawing surface conditions and instruct how to position correctly</a:t>
+                        <a:t>Determine writing implement color (black, blue, red, green, brown, purple, or yellow)</a:t>
                       </a:r>
                     </a:p>
                   </a:txBody>
@@ -23126,47 +22687,12 @@
                     <a:bodyPr/>
                     <a:lstStyle/>
                     <a:p>
-                      <a:pPr marL="347472" indent="-347472" rtl="0" fontAlgn="base">
-                        <a:spcBef>
-                          <a:spcPts val="0"/>
-                        </a:spcBef>
-                        <a:spcAft>
-                          <a:spcPts val="1000"/>
-                        </a:spcAft>
-                        <a:buFont typeface="+mj-lt"/>
-                        <a:buAutoNum type="arabicPeriod"/>
-                      </a:pPr>
+                      <a:pPr fontAlgn="t"/>
                       <a:r>
-                        <a:rPr lang="en-US" sz="1800" b="0" i="0" u="none" strike="noStrike" dirty="0">
-                          <a:solidFill>
-                            <a:schemeClr val="bg1"/>
-                          </a:solidFill>
+                        <a:rPr lang="en-US" dirty="0">
                           <a:effectLst/>
-                          <a:latin typeface="DIN Alternate" panose="020B0500000000000000" pitchFamily="34" charset="77"/>
                         </a:rPr>
-                        <a:t>Detect drawing surface in &lt;= 3s</a:t>
-                      </a:r>
-                    </a:p>
-                    <a:p>
-                      <a:pPr marL="347472" indent="-347472" rtl="0" fontAlgn="base">
-                        <a:spcBef>
-                          <a:spcPts val="0"/>
-                        </a:spcBef>
-                        <a:spcAft>
-                          <a:spcPts val="1000"/>
-                        </a:spcAft>
-                        <a:buFont typeface="+mj-lt"/>
-                        <a:buAutoNum type="arabicPeriod"/>
-                      </a:pPr>
-                      <a:r>
-                        <a:rPr lang="en-US" sz="1800" b="0" i="0" u="none" strike="noStrike" dirty="0">
-                          <a:solidFill>
-                            <a:schemeClr val="bg1"/>
-                          </a:solidFill>
-                          <a:effectLst/>
-                          <a:latin typeface="DIN Alternate" panose="020B0500000000000000" pitchFamily="34" charset="77"/>
-                        </a:rPr>
-                        <a:t>Identify drawing surface boundaries in &lt;= 1s</a:t>
+                        <a:t> </a:t>
                       </a:r>
                     </a:p>
                   </a:txBody>
@@ -23239,7 +22765,7 @@
             <a:hlinkClick r:id="" action="ppaction://hlinkshowjump?jump=lastslide"/>
             <a:extLst>
               <a:ext uri="{FF2B5EF4-FFF2-40B4-BE49-F238E27FC236}">
-                <a16:creationId xmlns:a16="http://schemas.microsoft.com/office/drawing/2014/main" id="{2638E796-34C7-B44A-AAEF-CCD64DF39CE9}"/>
+                <a16:creationId xmlns:a16="http://schemas.microsoft.com/office/drawing/2014/main" id="{304A9FB0-FBFC-B44C-93CB-D2BCCC67295E}"/>
               </a:ext>
             </a:extLst>
           </p:cNvPr>
@@ -23285,7 +22811,7 @@
     </p:spTree>
     <p:extLst>
       <p:ext uri="{BB962C8B-B14F-4D97-AF65-F5344CB8AC3E}">
-        <p14:creationId xmlns:p14="http://schemas.microsoft.com/office/powerpoint/2010/main" val="2780115318"/>
+        <p14:creationId xmlns:p14="http://schemas.microsoft.com/office/powerpoint/2010/main" val="1559821595"/>
       </p:ext>
     </p:extLst>
   </p:cSld>
@@ -23515,14 +23041,14 @@
           <p:nvPr>
             <p:extLst>
               <p:ext uri="{D42A27DB-BD31-4B8C-83A1-F6EECF244321}">
-                <p14:modId xmlns:p14="http://schemas.microsoft.com/office/powerpoint/2010/main" val="2317124849"/>
+                <p14:modId xmlns:p14="http://schemas.microsoft.com/office/powerpoint/2010/main" val="3869935868"/>
               </p:ext>
             </p:extLst>
           </p:nvPr>
         </p:nvGraphicFramePr>
         <p:xfrm>
-          <a:off x="304800" y="1153241"/>
-          <a:ext cx="8534396" cy="4831080"/>
+          <a:off x="304800" y="1158240"/>
+          <a:ext cx="8534396" cy="4541520"/>
         </p:xfrm>
         <a:graphic>
           <a:graphicData uri="http://schemas.openxmlformats.org/drawingml/2006/table">
@@ -24027,26 +23553,6 @@
                         </a:rPr>
                         <a:t>Draw Object</a:t>
                       </a:r>
-                    </a:p>
-                    <a:p>
-                      <a:pPr algn="l" rtl="0" fontAlgn="t">
-                        <a:spcBef>
-                          <a:spcPts val="0"/>
-                        </a:spcBef>
-                        <a:spcAft>
-                          <a:spcPts val="0"/>
-                        </a:spcAft>
-                      </a:pPr>
-                      <a:r>
-                        <a:rPr lang="en-US" sz="2000" b="0" i="1" u="none" strike="noStrike" dirty="0">
-                          <a:solidFill>
-                            <a:schemeClr val="bg1"/>
-                          </a:solidFill>
-                          <a:effectLst/>
-                          <a:latin typeface="DIN Alternate" panose="020B0500000000000000" pitchFamily="34" charset="77"/>
-                        </a:rPr>
-                        <a:t>(continued)</a:t>
-                      </a:r>
                       <a:endParaRPr lang="en-US" sz="2000" i="1" dirty="0">
                         <a:solidFill>
                           <a:schemeClr val="bg1"/>
@@ -24054,222 +23560,6 @@
                         <a:effectLst/>
                         <a:latin typeface="DIN Alternate" panose="020B0500000000000000" pitchFamily="34" charset="77"/>
                       </a:endParaRPr>
-                    </a:p>
-                  </a:txBody>
-                  <a:tcPr marL="95250" marR="95250" marT="95250" marB="95250">
-                    <a:lnL w="12700" cap="flat" cmpd="sng" algn="ctr">
-                      <a:solidFill>
-                        <a:schemeClr val="bg2">
-                          <a:lumMod val="50000"/>
-                        </a:schemeClr>
-                      </a:solidFill>
-                      <a:prstDash val="solid"/>
-                      <a:round/>
-                      <a:headEnd type="none" w="med" len="med"/>
-                      <a:tailEnd type="none" w="med" len="med"/>
-                    </a:lnL>
-                    <a:lnR w="12700" cap="flat" cmpd="sng" algn="ctr">
-                      <a:solidFill>
-                        <a:schemeClr val="bg2">
-                          <a:lumMod val="50000"/>
-                        </a:schemeClr>
-                      </a:solidFill>
-                      <a:prstDash val="solid"/>
-                      <a:round/>
-                      <a:headEnd type="none" w="med" len="med"/>
-                      <a:tailEnd type="none" w="med" len="med"/>
-                    </a:lnR>
-                    <a:lnT w="12700" cap="flat" cmpd="sng" algn="ctr">
-                      <a:solidFill>
-                        <a:schemeClr val="bg2">
-                          <a:lumMod val="50000"/>
-                        </a:schemeClr>
-                      </a:solidFill>
-                      <a:prstDash val="solid"/>
-                      <a:round/>
-                      <a:headEnd type="none" w="med" len="med"/>
-                      <a:tailEnd type="none" w="med" len="med"/>
-                    </a:lnT>
-                    <a:lnB w="12700" cap="flat" cmpd="sng" algn="ctr">
-                      <a:solidFill>
-                        <a:schemeClr val="bg2">
-                          <a:lumMod val="50000"/>
-                        </a:schemeClr>
-                      </a:solidFill>
-                      <a:prstDash val="solid"/>
-                      <a:round/>
-                      <a:headEnd type="none" w="med" len="med"/>
-                      <a:tailEnd type="none" w="med" len="med"/>
-                    </a:lnB>
-                    <a:solidFill>
-                      <a:schemeClr val="tx1">
-                        <a:lumMod val="65000"/>
-                        <a:lumOff val="35000"/>
-                      </a:schemeClr>
-                    </a:solidFill>
-                  </a:tcPr>
-                </a:tc>
-                <a:tc>
-                  <a:txBody>
-                    <a:bodyPr/>
-                    <a:lstStyle/>
-                    <a:p>
-                      <a:pPr marL="342900" indent="-342900" algn="l" defTabSz="914400" rtl="0" eaLnBrk="1" fontAlgn="base" latinLnBrk="0" hangingPunct="1">
-                        <a:lnSpc>
-                          <a:spcPct val="100000"/>
-                        </a:lnSpc>
-                        <a:spcBef>
-                          <a:spcPts val="0"/>
-                        </a:spcBef>
-                        <a:spcAft>
-                          <a:spcPts val="0"/>
-                        </a:spcAft>
-                        <a:buFont typeface="+mj-lt"/>
-                        <a:buAutoNum type="arabicPeriod" startAt="6"/>
-                      </a:pPr>
-                      <a:r>
-                        <a:rPr lang="en-US" sz="1800" b="0" i="0" u="none" strike="noStrike" kern="1200" dirty="0">
-                          <a:solidFill>
-                            <a:schemeClr val="bg1"/>
-                          </a:solidFill>
-                          <a:effectLst/>
-                          <a:latin typeface="DIN Alternate" panose="020B0500000000000000" pitchFamily="34" charset="77"/>
-                          <a:ea typeface="+mn-ea"/>
-                          <a:cs typeface="+mn-cs"/>
-                        </a:rPr>
-                        <a:t>Load necessary hand/arm motor control module(s)</a:t>
-                      </a:r>
-                    </a:p>
-                    <a:p>
-                      <a:pPr marL="342900" indent="-342900" algn="l" defTabSz="914400" rtl="0" eaLnBrk="1" fontAlgn="base" latinLnBrk="0" hangingPunct="1">
-                        <a:lnSpc>
-                          <a:spcPct val="100000"/>
-                        </a:lnSpc>
-                        <a:spcBef>
-                          <a:spcPts val="0"/>
-                        </a:spcBef>
-                        <a:spcAft>
-                          <a:spcPts val="0"/>
-                        </a:spcAft>
-                        <a:buFont typeface="+mj-lt"/>
-                        <a:buAutoNum type="arabicPeriod" startAt="6"/>
-                      </a:pPr>
-                      <a:r>
-                        <a:rPr lang="en-US" sz="1800" b="0" i="0" u="none" strike="noStrike" kern="1200" dirty="0">
-                          <a:solidFill>
-                            <a:schemeClr val="bg1"/>
-                          </a:solidFill>
-                          <a:effectLst/>
-                          <a:latin typeface="DIN Alternate" panose="020B0500000000000000" pitchFamily="34" charset="77"/>
-                          <a:ea typeface="+mn-ea"/>
-                          <a:cs typeface="+mn-cs"/>
-                        </a:rPr>
-                        <a:t>Locate object drawing instructions</a:t>
-                      </a:r>
-                    </a:p>
-                    <a:p>
-                      <a:pPr marL="342900" indent="-342900" algn="l" defTabSz="914400" rtl="0" eaLnBrk="1" fontAlgn="base" latinLnBrk="0" hangingPunct="1">
-                        <a:lnSpc>
-                          <a:spcPct val="100000"/>
-                        </a:lnSpc>
-                        <a:spcBef>
-                          <a:spcPts val="0"/>
-                        </a:spcBef>
-                        <a:spcAft>
-                          <a:spcPts val="0"/>
-                        </a:spcAft>
-                        <a:buFont typeface="+mj-lt"/>
-                        <a:buAutoNum type="arabicPeriod" startAt="6"/>
-                      </a:pPr>
-                      <a:r>
-                        <a:rPr lang="en-US" sz="1800" b="0" i="0" u="none" strike="noStrike" kern="1200" dirty="0">
-                          <a:solidFill>
-                            <a:schemeClr val="bg1"/>
-                          </a:solidFill>
-                          <a:effectLst/>
-                          <a:latin typeface="DIN Alternate" panose="020B0500000000000000" pitchFamily="34" charset="77"/>
-                          <a:ea typeface="+mn-ea"/>
-                          <a:cs typeface="+mn-cs"/>
-                        </a:rPr>
-                        <a:t>Execute drawing instructions to draw the object on the drawing surface</a:t>
-                      </a:r>
-                    </a:p>
-                    <a:p>
-                      <a:pPr marL="342900" indent="-342900" algn="l" defTabSz="914400" rtl="0" eaLnBrk="1" fontAlgn="base" latinLnBrk="0" hangingPunct="1">
-                        <a:lnSpc>
-                          <a:spcPct val="100000"/>
-                        </a:lnSpc>
-                        <a:spcBef>
-                          <a:spcPts val="0"/>
-                        </a:spcBef>
-                        <a:spcAft>
-                          <a:spcPts val="0"/>
-                        </a:spcAft>
-                        <a:buFont typeface="+mj-lt"/>
-                        <a:buAutoNum type="arabicPeriod" startAt="6"/>
-                      </a:pPr>
-                      <a:r>
-                        <a:rPr lang="en-US" sz="1800" b="0" i="0" u="none" strike="noStrike" kern="1200" dirty="0">
-                          <a:solidFill>
-                            <a:schemeClr val="bg1"/>
-                          </a:solidFill>
-                          <a:effectLst/>
-                          <a:latin typeface="DIN Alternate" panose="020B0500000000000000" pitchFamily="34" charset="77"/>
-                          <a:ea typeface="+mn-ea"/>
-                          <a:cs typeface="+mn-cs"/>
-                        </a:rPr>
-                        <a:t>Able to draw square</a:t>
-                      </a:r>
-                    </a:p>
-                    <a:p>
-                      <a:pPr marL="804672" lvl="2" indent="-347472" rtl="0" fontAlgn="base">
-                        <a:lnSpc>
-                          <a:spcPct val="100000"/>
-                        </a:lnSpc>
-                        <a:spcBef>
-                          <a:spcPts val="0"/>
-                        </a:spcBef>
-                        <a:spcAft>
-                          <a:spcPts val="0"/>
-                        </a:spcAft>
-                        <a:buFont typeface="+mj-lt"/>
-                        <a:buAutoNum type="alphaLcPeriod"/>
-                      </a:pPr>
-                      <a:r>
-                        <a:rPr lang="en-US" sz="1600" b="0" i="0" u="none" strike="noStrike" dirty="0">
-                          <a:solidFill>
-                            <a:schemeClr val="bg1"/>
-                          </a:solidFill>
-                          <a:effectLst/>
-                          <a:latin typeface="DIN Alternate" panose="020B0500000000000000" pitchFamily="34" charset="77"/>
-                        </a:rPr>
-                        <a:t>Four angles within +/- 1° of 90°</a:t>
-                      </a:r>
-                    </a:p>
-                    <a:p>
-                      <a:pPr marL="804672" lvl="2" indent="-347472" rtl="0" fontAlgn="base">
-                        <a:lnSpc>
-                          <a:spcPct val="100000"/>
-                        </a:lnSpc>
-                        <a:spcBef>
-                          <a:spcPts val="0"/>
-                        </a:spcBef>
-                        <a:spcAft>
-                          <a:spcPts val="0"/>
-                        </a:spcAft>
-                        <a:buFont typeface="+mj-lt"/>
-                        <a:buAutoNum type="alphaLcPeriod"/>
-                      </a:pPr>
-                      <a:r>
-                        <a:rPr lang="en-US" sz="1600" b="0" i="0" u="none" strike="noStrike" dirty="0">
-                          <a:solidFill>
-                            <a:schemeClr val="bg1"/>
-                          </a:solidFill>
-                          <a:effectLst/>
-                          <a:latin typeface="DIN Alternate" panose="020B0500000000000000" pitchFamily="34" charset="77"/>
-                        </a:rPr>
-                        <a:t>Four sides same length to within +/- 5mm</a:t>
-                      </a:r>
                     </a:p>
                   </a:txBody>
                   <a:tcPr marL="95250" marR="95250" marT="95250" marB="95250">
@@ -24335,18 +23625,189 @@
                           <a:spcPts val="0"/>
                         </a:spcBef>
                         <a:spcAft>
+                          <a:spcPts val="1000"/>
+                        </a:spcAft>
+                        <a:buFont typeface="+mj-lt"/>
+                        <a:buAutoNum type="arabicPeriod"/>
+                      </a:pPr>
+                      <a:r>
+                        <a:rPr lang="en-US" sz="1800" b="0" i="0" u="none" strike="noStrike" dirty="0">
+                          <a:solidFill>
+                            <a:schemeClr val="bg1"/>
+                          </a:solidFill>
+                          <a:effectLst/>
+                          <a:latin typeface="DIN Alternate" panose="020B0500000000000000" pitchFamily="34" charset="77"/>
+                        </a:rPr>
+                        <a:t>Locate/detect drawing surface within 5m of position</a:t>
+                      </a:r>
+                    </a:p>
+                    <a:p>
+                      <a:pPr marL="347472" indent="-347472" rtl="0" fontAlgn="base">
+                        <a:spcBef>
+                          <a:spcPts val="0"/>
+                        </a:spcBef>
+                        <a:spcAft>
+                          <a:spcPts val="1000"/>
+                        </a:spcAft>
+                        <a:buFont typeface="+mj-lt"/>
+                        <a:buAutoNum type="arabicPeriod"/>
+                      </a:pPr>
+                      <a:r>
+                        <a:rPr lang="en-US" sz="1800" b="0" i="0" u="none" strike="noStrike" dirty="0">
+                          <a:solidFill>
+                            <a:schemeClr val="bg1"/>
+                          </a:solidFill>
+                          <a:effectLst/>
+                          <a:latin typeface="DIN Alternate" panose="020B0500000000000000" pitchFamily="34" charset="77"/>
+                        </a:rPr>
+                        <a:t>Notify of no drawing surface found and prompt for next action</a:t>
+                      </a:r>
+                    </a:p>
+                    <a:p>
+                      <a:pPr marL="347472" indent="-347472" rtl="0" fontAlgn="base">
+                        <a:spcBef>
+                          <a:spcPts val="0"/>
+                        </a:spcBef>
+                        <a:spcAft>
+                          <a:spcPts val="1000"/>
+                        </a:spcAft>
+                        <a:buFont typeface="+mj-lt"/>
+                        <a:buAutoNum type="arabicPeriod"/>
+                      </a:pPr>
+                      <a:r>
+                        <a:rPr lang="en-US" sz="1800" b="0" i="0" u="none" strike="noStrike" dirty="0">
+                          <a:solidFill>
+                            <a:schemeClr val="bg1"/>
+                          </a:solidFill>
+                          <a:effectLst/>
+                          <a:latin typeface="DIN Alternate" panose="020B0500000000000000" pitchFamily="34" charset="77"/>
+                        </a:rPr>
+                        <a:t>Detect drawing surface boundaries</a:t>
+                      </a:r>
+                    </a:p>
+                    <a:p>
+                      <a:pPr marL="347472" indent="-347472" rtl="0" fontAlgn="base">
+                        <a:spcBef>
+                          <a:spcPts val="0"/>
+                        </a:spcBef>
+                        <a:spcAft>
                           <a:spcPts val="0"/>
                         </a:spcAft>
                         <a:buFont typeface="+mj-lt"/>
-                        <a:buAutoNum type="arabicPeriod" startAt="4"/>
+                        <a:buAutoNum type="arabicPeriod"/>
                       </a:pPr>
-                      <a:endParaRPr lang="en-US" sz="1600" b="0" i="0" u="none" strike="noStrike" dirty="0">
-                        <a:solidFill>
-                          <a:schemeClr val="bg1"/>
-                        </a:solidFill>
-                        <a:effectLst/>
-                        <a:latin typeface="DIN Alternate" panose="020B0500000000000000" pitchFamily="34" charset="77"/>
-                      </a:endParaRPr>
+                      <a:r>
+                        <a:rPr lang="en-US" sz="1800" b="0" i="0" u="none" strike="noStrike" dirty="0">
+                          <a:solidFill>
+                            <a:schemeClr val="bg1"/>
+                          </a:solidFill>
+                          <a:effectLst/>
+                          <a:latin typeface="DIN Alternate" panose="020B0500000000000000" pitchFamily="34" charset="77"/>
+                        </a:rPr>
+                        <a:t>Notify inaccessible drawing surface conditions and instruct how to position correctly</a:t>
+                      </a:r>
+                    </a:p>
+                  </a:txBody>
+                  <a:tcPr marL="95250" marR="95250" marT="95250" marB="95250">
+                    <a:lnL w="12700" cap="flat" cmpd="sng" algn="ctr">
+                      <a:solidFill>
+                        <a:schemeClr val="bg2">
+                          <a:lumMod val="50000"/>
+                        </a:schemeClr>
+                      </a:solidFill>
+                      <a:prstDash val="solid"/>
+                      <a:round/>
+                      <a:headEnd type="none" w="med" len="med"/>
+                      <a:tailEnd type="none" w="med" len="med"/>
+                    </a:lnL>
+                    <a:lnR w="12700" cap="flat" cmpd="sng" algn="ctr">
+                      <a:solidFill>
+                        <a:schemeClr val="bg2">
+                          <a:lumMod val="50000"/>
+                        </a:schemeClr>
+                      </a:solidFill>
+                      <a:prstDash val="solid"/>
+                      <a:round/>
+                      <a:headEnd type="none" w="med" len="med"/>
+                      <a:tailEnd type="none" w="med" len="med"/>
+                    </a:lnR>
+                    <a:lnT w="12700" cap="flat" cmpd="sng" algn="ctr">
+                      <a:solidFill>
+                        <a:schemeClr val="bg2">
+                          <a:lumMod val="50000"/>
+                        </a:schemeClr>
+                      </a:solidFill>
+                      <a:prstDash val="solid"/>
+                      <a:round/>
+                      <a:headEnd type="none" w="med" len="med"/>
+                      <a:tailEnd type="none" w="med" len="med"/>
+                    </a:lnT>
+                    <a:lnB w="12700" cap="flat" cmpd="sng" algn="ctr">
+                      <a:solidFill>
+                        <a:schemeClr val="bg2">
+                          <a:lumMod val="50000"/>
+                        </a:schemeClr>
+                      </a:solidFill>
+                      <a:prstDash val="solid"/>
+                      <a:round/>
+                      <a:headEnd type="none" w="med" len="med"/>
+                      <a:tailEnd type="none" w="med" len="med"/>
+                    </a:lnB>
+                    <a:solidFill>
+                      <a:schemeClr val="tx1">
+                        <a:lumMod val="65000"/>
+                        <a:lumOff val="35000"/>
+                      </a:schemeClr>
+                    </a:solidFill>
+                  </a:tcPr>
+                </a:tc>
+                <a:tc>
+                  <a:txBody>
+                    <a:bodyPr/>
+                    <a:lstStyle/>
+                    <a:p>
+                      <a:pPr marL="347472" indent="-347472" rtl="0" fontAlgn="base">
+                        <a:spcBef>
+                          <a:spcPts val="0"/>
+                        </a:spcBef>
+                        <a:spcAft>
+                          <a:spcPts val="1000"/>
+                        </a:spcAft>
+                        <a:buFont typeface="+mj-lt"/>
+                        <a:buAutoNum type="arabicPeriod"/>
+                      </a:pPr>
+                      <a:r>
+                        <a:rPr lang="en-US" sz="1800" b="0" i="0" u="none" strike="noStrike" dirty="0">
+                          <a:solidFill>
+                            <a:schemeClr val="bg1"/>
+                          </a:solidFill>
+                          <a:effectLst/>
+                          <a:latin typeface="DIN Alternate" panose="020B0500000000000000" pitchFamily="34" charset="77"/>
+                        </a:rPr>
+                        <a:t>Detect drawing surface in &lt;= 3s</a:t>
+                      </a:r>
+                    </a:p>
+                    <a:p>
+                      <a:pPr marL="347472" indent="-347472" rtl="0" fontAlgn="base">
+                        <a:spcBef>
+                          <a:spcPts val="0"/>
+                        </a:spcBef>
+                        <a:spcAft>
+                          <a:spcPts val="1000"/>
+                        </a:spcAft>
+                        <a:buFont typeface="+mj-lt"/>
+                        <a:buAutoNum type="arabicPeriod"/>
+                      </a:pPr>
+                      <a:r>
+                        <a:rPr lang="en-US" sz="1800" b="0" i="0" u="none" strike="noStrike" dirty="0">
+                          <a:solidFill>
+                            <a:schemeClr val="bg1"/>
+                          </a:solidFill>
+                          <a:effectLst/>
+                          <a:latin typeface="DIN Alternate" panose="020B0500000000000000" pitchFamily="34" charset="77"/>
+                        </a:rPr>
+                        <a:t>Identify drawing surface boundaries in &lt;= 1s</a:t>
+                      </a:r>
                     </a:p>
                   </a:txBody>
                   <a:tcPr marL="95250" marR="95250" marT="95250" marB="95250">
@@ -24418,7 +23879,7 @@
             <a:hlinkClick r:id="" action="ppaction://hlinkshowjump?jump=lastslide"/>
             <a:extLst>
               <a:ext uri="{FF2B5EF4-FFF2-40B4-BE49-F238E27FC236}">
-                <a16:creationId xmlns:a16="http://schemas.microsoft.com/office/drawing/2014/main" id="{6EC8D4D5-9CC5-2047-B6DD-0FE7D6CEDF5F}"/>
+                <a16:creationId xmlns:a16="http://schemas.microsoft.com/office/drawing/2014/main" id="{2638E796-34C7-B44A-AAEF-CCD64DF39CE9}"/>
               </a:ext>
             </a:extLst>
           </p:cNvPr>
@@ -24464,7 +23925,7 @@
     </p:spTree>
     <p:extLst>
       <p:ext uri="{BB962C8B-B14F-4D97-AF65-F5344CB8AC3E}">
-        <p14:creationId xmlns:p14="http://schemas.microsoft.com/office/powerpoint/2010/main" val="922290852"/>
+        <p14:creationId xmlns:p14="http://schemas.microsoft.com/office/powerpoint/2010/main" val="2780115318"/>
       </p:ext>
     </p:extLst>
   </p:cSld>
@@ -24694,14 +24155,14 @@
           <p:nvPr>
             <p:extLst>
               <p:ext uri="{D42A27DB-BD31-4B8C-83A1-F6EECF244321}">
-                <p14:modId xmlns:p14="http://schemas.microsoft.com/office/powerpoint/2010/main" val="4089545240"/>
+                <p14:modId xmlns:p14="http://schemas.microsoft.com/office/powerpoint/2010/main" val="2317124849"/>
               </p:ext>
             </p:extLst>
           </p:nvPr>
         </p:nvGraphicFramePr>
         <p:xfrm>
-          <a:off x="304800" y="1158240"/>
-          <a:ext cx="8534396" cy="4607560"/>
+          <a:off x="304800" y="1153241"/>
+          <a:ext cx="8534396" cy="4831080"/>
         </p:xfrm>
         <a:graphic>
           <a:graphicData uri="http://schemas.openxmlformats.org/drawingml/2006/table">
@@ -25301,10 +24762,10 @@
                           <a:spcPts val="0"/>
                         </a:spcBef>
                         <a:spcAft>
-                          <a:spcPts val="1000"/>
+                          <a:spcPts val="0"/>
                         </a:spcAft>
                         <a:buFont typeface="+mj-lt"/>
-                        <a:buAutoNum type="arabicPeriod" startAt="10"/>
+                        <a:buAutoNum type="arabicPeriod" startAt="6"/>
                       </a:pPr>
                       <a:r>
                         <a:rPr lang="en-US" sz="1800" b="0" i="0" u="none" strike="noStrike" kern="1200" dirty="0">
@@ -25316,61 +24777,7 @@
                           <a:ea typeface="+mn-ea"/>
                           <a:cs typeface="+mn-cs"/>
                         </a:rPr>
-                        <a:t>Able to draw rectangle</a:t>
-                      </a:r>
-                    </a:p>
-                    <a:p>
-                      <a:pPr marL="804672" lvl="2" indent="-347472" algn="l" defTabSz="914400" rtl="0" eaLnBrk="1" fontAlgn="base" latinLnBrk="0" hangingPunct="1">
-                        <a:lnSpc>
-                          <a:spcPct val="100000"/>
-                        </a:lnSpc>
-                        <a:spcBef>
-                          <a:spcPts val="0"/>
-                        </a:spcBef>
-                        <a:spcAft>
-                          <a:spcPts val="1000"/>
-                        </a:spcAft>
-                        <a:buFont typeface="+mj-lt"/>
-                        <a:buAutoNum type="alphaLcPeriod"/>
-                      </a:pPr>
-                      <a:r>
-                        <a:rPr lang="en-US" sz="1600" b="0" i="0" u="none" strike="noStrike" kern="1200" dirty="0">
-                          <a:solidFill>
-                            <a:schemeClr val="bg1"/>
-                          </a:solidFill>
-                          <a:effectLst/>
-                          <a:latin typeface="DIN Alternate" panose="020B0500000000000000" pitchFamily="34" charset="77"/>
-                          <a:ea typeface="+mn-ea"/>
-                          <a:cs typeface="+mn-cs"/>
-                        </a:rPr>
-                        <a:t>Four angles within +/- 1° of 90°</a:t>
-                      </a:r>
-                    </a:p>
-                    <a:p>
-                      <a:pPr marL="804672" lvl="2" indent="-347472" algn="l" defTabSz="914400" rtl="0" eaLnBrk="1" fontAlgn="base" latinLnBrk="0" hangingPunct="1">
-                        <a:lnSpc>
-                          <a:spcPct val="100000"/>
-                        </a:lnSpc>
-                        <a:spcBef>
-                          <a:spcPts val="0"/>
-                        </a:spcBef>
-                        <a:spcAft>
-                          <a:spcPts val="1000"/>
-                        </a:spcAft>
-                        <a:buFont typeface="+mj-lt"/>
-                        <a:buAutoNum type="alphaLcPeriod"/>
-                      </a:pPr>
-                      <a:r>
-                        <a:rPr lang="en-US" sz="1600" b="0" i="0" u="none" strike="noStrike" kern="1200" dirty="0">
-                          <a:solidFill>
-                            <a:schemeClr val="bg1"/>
-                          </a:solidFill>
-                          <a:effectLst/>
-                          <a:latin typeface="DIN Alternate" panose="020B0500000000000000" pitchFamily="34" charset="77"/>
-                          <a:ea typeface="+mn-ea"/>
-                          <a:cs typeface="+mn-cs"/>
-                        </a:rPr>
-                        <a:t>Two sets of sides same length to within +/- 5mm</a:t>
+                        <a:t>Load necessary hand/arm motor control module(s)</a:t>
                       </a:r>
                     </a:p>
                     <a:p>
@@ -25382,10 +24789,10 @@
                           <a:spcPts val="0"/>
                         </a:spcBef>
                         <a:spcAft>
-                          <a:spcPts val="1000"/>
+                          <a:spcPts val="0"/>
                         </a:spcAft>
                         <a:buFont typeface="+mj-lt"/>
-                        <a:buAutoNum type="arabicPeriod" startAt="10"/>
+                        <a:buAutoNum type="arabicPeriod" startAt="6"/>
                       </a:pPr>
                       <a:r>
                         <a:rPr lang="en-US" sz="1800" b="0" i="0" u="none" strike="noStrike" kern="1200" dirty="0">
@@ -25397,11 +24804,11 @@
                           <a:ea typeface="+mn-ea"/>
                           <a:cs typeface="+mn-cs"/>
                         </a:rPr>
-                        <a:t>Able to draw circle</a:t>
+                        <a:t>Locate object drawing instructions</a:t>
                       </a:r>
                     </a:p>
                     <a:p>
-                      <a:pPr marL="800100" lvl="1" indent="-342900" algn="l" defTabSz="914400" rtl="0" eaLnBrk="1" fontAlgn="base" latinLnBrk="0" hangingPunct="1">
+                      <a:pPr marL="342900" indent="-342900" algn="l" defTabSz="914400" rtl="0" eaLnBrk="1" fontAlgn="base" latinLnBrk="0" hangingPunct="1">
                         <a:lnSpc>
                           <a:spcPct val="100000"/>
                         </a:lnSpc>
@@ -25409,13 +24816,13 @@
                           <a:spcPts val="0"/>
                         </a:spcBef>
                         <a:spcAft>
-                          <a:spcPts val="1000"/>
+                          <a:spcPts val="0"/>
                         </a:spcAft>
                         <a:buFont typeface="+mj-lt"/>
-                        <a:buAutoNum type="alphaLcPeriod"/>
+                        <a:buAutoNum type="arabicPeriod" startAt="6"/>
                       </a:pPr>
                       <a:r>
-                        <a:rPr lang="en-US" sz="1600" b="0" i="0" u="none" strike="noStrike" kern="1200" dirty="0">
+                        <a:rPr lang="en-US" sz="1800" b="0" i="0" u="none" strike="noStrike" kern="1200" dirty="0">
                           <a:solidFill>
                             <a:schemeClr val="bg1"/>
                           </a:solidFill>
@@ -25424,7 +24831,84 @@
                           <a:ea typeface="+mn-ea"/>
                           <a:cs typeface="+mn-cs"/>
                         </a:rPr>
-                        <a:t>No segment of circumference varies by more than +/- 5% of radius length in distance from the center</a:t>
+                        <a:t>Execute drawing instructions to draw the object on the drawing surface</a:t>
+                      </a:r>
+                    </a:p>
+                    <a:p>
+                      <a:pPr marL="342900" indent="-342900" algn="l" defTabSz="914400" rtl="0" eaLnBrk="1" fontAlgn="base" latinLnBrk="0" hangingPunct="1">
+                        <a:lnSpc>
+                          <a:spcPct val="100000"/>
+                        </a:lnSpc>
+                        <a:spcBef>
+                          <a:spcPts val="0"/>
+                        </a:spcBef>
+                        <a:spcAft>
+                          <a:spcPts val="0"/>
+                        </a:spcAft>
+                        <a:buFont typeface="+mj-lt"/>
+                        <a:buAutoNum type="arabicPeriod" startAt="6"/>
+                      </a:pPr>
+                      <a:r>
+                        <a:rPr lang="en-US" sz="1800" b="0" i="0" u="none" strike="noStrike" kern="1200" dirty="0">
+                          <a:solidFill>
+                            <a:schemeClr val="bg1"/>
+                          </a:solidFill>
+                          <a:effectLst/>
+                          <a:latin typeface="DIN Alternate" panose="020B0500000000000000" pitchFamily="34" charset="77"/>
+                          <a:ea typeface="+mn-ea"/>
+                          <a:cs typeface="+mn-cs"/>
+                        </a:rPr>
+                        <a:t>Able to draw square</a:t>
+                      </a:r>
+                    </a:p>
+                    <a:p>
+                      <a:pPr marL="804672" lvl="2" indent="-347472" rtl="0" fontAlgn="base">
+                        <a:lnSpc>
+                          <a:spcPct val="100000"/>
+                        </a:lnSpc>
+                        <a:spcBef>
+                          <a:spcPts val="0"/>
+                        </a:spcBef>
+                        <a:spcAft>
+                          <a:spcPts val="0"/>
+                        </a:spcAft>
+                        <a:buFont typeface="+mj-lt"/>
+                        <a:buAutoNum type="alphaLcPeriod"/>
+                      </a:pPr>
+                      <a:r>
+                        <a:rPr lang="en-US" sz="1600" b="0" i="0" u="none" strike="noStrike" dirty="0">
+                          <a:solidFill>
+                            <a:schemeClr val="bg1"/>
+                          </a:solidFill>
+                          <a:effectLst/>
+                          <a:latin typeface="DIN Alternate" panose="020B0500000000000000" pitchFamily="34" charset="77"/>
+                        </a:rPr>
+                        <a:t>Four angles within +/- 1° of 90°</a:t>
+                      </a:r>
+                    </a:p>
+                    <a:p>
+                      <a:pPr marL="804672" lvl="2" indent="-347472" rtl="0" fontAlgn="base">
+                        <a:lnSpc>
+                          <a:spcPct val="100000"/>
+                        </a:lnSpc>
+                        <a:spcBef>
+                          <a:spcPts val="0"/>
+                        </a:spcBef>
+                        <a:spcAft>
+                          <a:spcPts val="0"/>
+                        </a:spcAft>
+                        <a:buFont typeface="+mj-lt"/>
+                        <a:buAutoNum type="alphaLcPeriod"/>
+                      </a:pPr>
+                      <a:r>
+                        <a:rPr lang="en-US" sz="1600" b="0" i="0" u="none" strike="noStrike" dirty="0">
+                          <a:solidFill>
+                            <a:schemeClr val="bg1"/>
+                          </a:solidFill>
+                          <a:effectLst/>
+                          <a:latin typeface="DIN Alternate" panose="020B0500000000000000" pitchFamily="34" charset="77"/>
+                        </a:rPr>
+                        <a:t>Four sides same length to within +/- 5mm</a:t>
                       </a:r>
                     </a:p>
                   </a:txBody>
@@ -25486,13 +24970,23 @@
                     <a:bodyPr/>
                     <a:lstStyle/>
                     <a:p>
-                      <a:pPr fontAlgn="t"/>
-                      <a:r>
-                        <a:rPr lang="en-US" dirty="0">
-                          <a:effectLst/>
-                        </a:rPr>
-                        <a:t> </a:t>
-                      </a:r>
+                      <a:pPr marL="347472" indent="-347472" rtl="0" fontAlgn="base">
+                        <a:spcBef>
+                          <a:spcPts val="0"/>
+                        </a:spcBef>
+                        <a:spcAft>
+                          <a:spcPts val="0"/>
+                        </a:spcAft>
+                        <a:buFont typeface="+mj-lt"/>
+                        <a:buAutoNum type="arabicPeriod" startAt="4"/>
+                      </a:pPr>
+                      <a:endParaRPr lang="en-US" sz="1600" b="0" i="0" u="none" strike="noStrike" dirty="0">
+                        <a:solidFill>
+                          <a:schemeClr val="bg1"/>
+                        </a:solidFill>
+                        <a:effectLst/>
+                        <a:latin typeface="DIN Alternate" panose="020B0500000000000000" pitchFamily="34" charset="77"/>
+                      </a:endParaRPr>
                     </a:p>
                   </a:txBody>
                   <a:tcPr marL="95250" marR="95250" marT="95250" marB="95250">
@@ -25564,7 +25058,7 @@
             <a:hlinkClick r:id="" action="ppaction://hlinkshowjump?jump=lastslide"/>
             <a:extLst>
               <a:ext uri="{FF2B5EF4-FFF2-40B4-BE49-F238E27FC236}">
-                <a16:creationId xmlns:a16="http://schemas.microsoft.com/office/drawing/2014/main" id="{8D257348-F2B8-D445-9DF9-B7B6DE572694}"/>
+                <a16:creationId xmlns:a16="http://schemas.microsoft.com/office/drawing/2014/main" id="{6EC8D4D5-9CC5-2047-B6DD-0FE7D6CEDF5F}"/>
               </a:ext>
             </a:extLst>
           </p:cNvPr>
@@ -25610,7 +25104,7 @@
     </p:spTree>
     <p:extLst>
       <p:ext uri="{BB962C8B-B14F-4D97-AF65-F5344CB8AC3E}">
-        <p14:creationId xmlns:p14="http://schemas.microsoft.com/office/powerpoint/2010/main" val="1454731962"/>
+        <p14:creationId xmlns:p14="http://schemas.microsoft.com/office/powerpoint/2010/main" val="922290852"/>
       </p:ext>
     </p:extLst>
   </p:cSld>
@@ -25840,14 +25334,14 @@
           <p:nvPr>
             <p:extLst>
               <p:ext uri="{D42A27DB-BD31-4B8C-83A1-F6EECF244321}">
-                <p14:modId xmlns:p14="http://schemas.microsoft.com/office/powerpoint/2010/main" val="2991008581"/>
+                <p14:modId xmlns:p14="http://schemas.microsoft.com/office/powerpoint/2010/main" val="4089545240"/>
               </p:ext>
             </p:extLst>
           </p:nvPr>
         </p:nvGraphicFramePr>
         <p:xfrm>
           <a:off x="304800" y="1158240"/>
-          <a:ext cx="8534396" cy="3505200"/>
+          <a:ext cx="8534396" cy="4607560"/>
         </p:xfrm>
         <a:graphic>
           <a:graphicData uri="http://schemas.openxmlformats.org/drawingml/2006/table">
@@ -26450,7 +25944,7 @@
                           <a:spcPts val="1000"/>
                         </a:spcAft>
                         <a:buFont typeface="+mj-lt"/>
-                        <a:buAutoNum type="arabicPeriod" startAt="13"/>
+                        <a:buAutoNum type="arabicPeriod" startAt="10"/>
                       </a:pPr>
                       <a:r>
                         <a:rPr lang="en-US" sz="1800" b="0" i="0" u="none" strike="noStrike" kern="1200" dirty="0">
@@ -26462,7 +25956,7 @@
                           <a:ea typeface="+mn-ea"/>
                           <a:cs typeface="+mn-cs"/>
                         </a:rPr>
-                        <a:t>Able to draw right triangle</a:t>
+                        <a:t>Able to draw rectangle</a:t>
                       </a:r>
                     </a:p>
                     <a:p>
@@ -26489,7 +25983,7 @@
                           <a:ea typeface="+mn-ea"/>
                           <a:cs typeface="+mn-cs"/>
                         </a:rPr>
-                        <a:t>One angle +/-1° of 90°</a:t>
+                        <a:t>Four angles within +/- 1° of 90°</a:t>
                       </a:r>
                     </a:p>
                     <a:p>
@@ -26516,11 +26010,38 @@
                           <a:ea typeface="+mn-ea"/>
                           <a:cs typeface="+mn-cs"/>
                         </a:rPr>
-                        <a:t>Two angles +/-1° of 45°</a:t>
+                        <a:t>Two sets of sides same length to within +/- 5mm</a:t>
                       </a:r>
                     </a:p>
                     <a:p>
-                      <a:pPr marL="804672" lvl="2" indent="-347472" algn="l" defTabSz="914400" rtl="0" eaLnBrk="1" fontAlgn="base" latinLnBrk="0" hangingPunct="1">
+                      <a:pPr marL="342900" indent="-342900" algn="l" defTabSz="914400" rtl="0" eaLnBrk="1" fontAlgn="base" latinLnBrk="0" hangingPunct="1">
+                        <a:lnSpc>
+                          <a:spcPct val="100000"/>
+                        </a:lnSpc>
+                        <a:spcBef>
+                          <a:spcPts val="0"/>
+                        </a:spcBef>
+                        <a:spcAft>
+                          <a:spcPts val="1000"/>
+                        </a:spcAft>
+                        <a:buFont typeface="+mj-lt"/>
+                        <a:buAutoNum type="arabicPeriod" startAt="10"/>
+                      </a:pPr>
+                      <a:r>
+                        <a:rPr lang="en-US" sz="1800" b="0" i="0" u="none" strike="noStrike" kern="1200" dirty="0">
+                          <a:solidFill>
+                            <a:schemeClr val="bg1"/>
+                          </a:solidFill>
+                          <a:effectLst/>
+                          <a:latin typeface="DIN Alternate" panose="020B0500000000000000" pitchFamily="34" charset="77"/>
+                          <a:ea typeface="+mn-ea"/>
+                          <a:cs typeface="+mn-cs"/>
+                        </a:rPr>
+                        <a:t>Able to draw circle</a:t>
+                      </a:r>
+                    </a:p>
+                    <a:p>
+                      <a:pPr marL="800100" lvl="1" indent="-342900" algn="l" defTabSz="914400" rtl="0" eaLnBrk="1" fontAlgn="base" latinLnBrk="0" hangingPunct="1">
                         <a:lnSpc>
                           <a:spcPct val="100000"/>
                         </a:lnSpc>
@@ -26543,7 +26064,7 @@
                           <a:ea typeface="+mn-ea"/>
                           <a:cs typeface="+mn-cs"/>
                         </a:rPr>
-                        <a:t>Length of sides adjacent to 90° angle are same length within +/- 5mm</a:t>
+                        <a:t>No segment of circumference varies by more than +/- 5% of radius length in distance from the center</a:t>
                       </a:r>
                     </a:p>
                   </a:txBody>
@@ -26683,7 +26204,7 @@
             <a:hlinkClick r:id="" action="ppaction://hlinkshowjump?jump=lastslide"/>
             <a:extLst>
               <a:ext uri="{FF2B5EF4-FFF2-40B4-BE49-F238E27FC236}">
-                <a16:creationId xmlns:a16="http://schemas.microsoft.com/office/drawing/2014/main" id="{3924840A-0828-F64D-ACC6-45794A7EE0E0}"/>
+                <a16:creationId xmlns:a16="http://schemas.microsoft.com/office/drawing/2014/main" id="{8D257348-F2B8-D445-9DF9-B7B6DE572694}"/>
               </a:ext>
             </a:extLst>
           </p:cNvPr>
@@ -26729,7 +26250,7 @@
     </p:spTree>
     <p:extLst>
       <p:ext uri="{BB962C8B-B14F-4D97-AF65-F5344CB8AC3E}">
-        <p14:creationId xmlns:p14="http://schemas.microsoft.com/office/powerpoint/2010/main" val="3310159151"/>
+        <p14:creationId xmlns:p14="http://schemas.microsoft.com/office/powerpoint/2010/main" val="1454731962"/>
       </p:ext>
     </p:extLst>
   </p:cSld>
@@ -26959,14 +26480,14 @@
           <p:nvPr>
             <p:extLst>
               <p:ext uri="{D42A27DB-BD31-4B8C-83A1-F6EECF244321}">
-                <p14:modId xmlns:p14="http://schemas.microsoft.com/office/powerpoint/2010/main" val="863423134"/>
+                <p14:modId xmlns:p14="http://schemas.microsoft.com/office/powerpoint/2010/main" val="2991008581"/>
               </p:ext>
             </p:extLst>
           </p:nvPr>
         </p:nvGraphicFramePr>
         <p:xfrm>
           <a:off x="304800" y="1158240"/>
-          <a:ext cx="8534396" cy="3992880"/>
+          <a:ext cx="8534396" cy="3505200"/>
         </p:xfrm>
         <a:graphic>
           <a:graphicData uri="http://schemas.openxmlformats.org/drawingml/2006/table">
@@ -27391,7 +26912,7 @@
                           <a:effectLst/>
                           <a:latin typeface="DIN Alternate" panose="020B0500000000000000" pitchFamily="34" charset="77"/>
                         </a:rPr>
-                        <a:t>7</a:t>
+                        <a:t>6</a:t>
                       </a:r>
                     </a:p>
                   </a:txBody>
@@ -27469,7 +26990,27 @@
                           <a:effectLst/>
                           <a:latin typeface="DIN Alternate" panose="020B0500000000000000" pitchFamily="34" charset="77"/>
                         </a:rPr>
-                        <a:t>Interact with Subject</a:t>
+                        <a:t>Draw Object</a:t>
+                      </a:r>
+                    </a:p>
+                    <a:p>
+                      <a:pPr algn="l" rtl="0" fontAlgn="t">
+                        <a:spcBef>
+                          <a:spcPts val="0"/>
+                        </a:spcBef>
+                        <a:spcAft>
+                          <a:spcPts val="0"/>
+                        </a:spcAft>
+                      </a:pPr>
+                      <a:r>
+                        <a:rPr lang="en-US" sz="2000" b="0" i="1" u="none" strike="noStrike" dirty="0">
+                          <a:solidFill>
+                            <a:schemeClr val="bg1"/>
+                          </a:solidFill>
+                          <a:effectLst/>
+                          <a:latin typeface="DIN Alternate" panose="020B0500000000000000" pitchFamily="34" charset="77"/>
+                        </a:rPr>
+                        <a:t>(continued)</a:t>
                       </a:r>
                       <a:endParaRPr lang="en-US" sz="2000" i="1" dirty="0">
                         <a:solidFill>
@@ -27538,7 +27079,10 @@
                     <a:bodyPr/>
                     <a:lstStyle/>
                     <a:p>
-                      <a:pPr marL="347472" indent="-347472" rtl="0" fontAlgn="base">
+                      <a:pPr marL="342900" indent="-342900" algn="l" defTabSz="914400" rtl="0" eaLnBrk="1" fontAlgn="base" latinLnBrk="0" hangingPunct="1">
+                        <a:lnSpc>
+                          <a:spcPct val="100000"/>
+                        </a:lnSpc>
                         <a:spcBef>
                           <a:spcPts val="0"/>
                         </a:spcBef>
@@ -27546,21 +27090,26 @@
                           <a:spcPts val="1000"/>
                         </a:spcAft>
                         <a:buFont typeface="+mj-lt"/>
-                        <a:buAutoNum type="arabicPeriod"/>
+                        <a:buAutoNum type="arabicPeriod" startAt="13"/>
                       </a:pPr>
                       <a:r>
-                        <a:rPr lang="en-US" sz="1800" b="0" i="0" u="none" strike="noStrike">
+                        <a:rPr lang="en-US" sz="1800" b="0" i="0" u="none" strike="noStrike" kern="1200" dirty="0">
                           <a:solidFill>
                             <a:schemeClr val="bg1"/>
                           </a:solidFill>
                           <a:effectLst/>
                           <a:latin typeface="DIN Alternate" panose="020B0500000000000000" pitchFamily="34" charset="77"/>
+                          <a:ea typeface="+mn-ea"/>
+                          <a:cs typeface="+mn-cs"/>
                         </a:rPr>
-                        <a:t>Select an appropriate user interaction statement</a:t>
+                        <a:t>Able to draw right triangle</a:t>
                       </a:r>
                     </a:p>
                     <a:p>
-                      <a:pPr marL="347472" indent="-347472" rtl="0" fontAlgn="base">
+                      <a:pPr marL="804672" lvl="2" indent="-347472" algn="l" defTabSz="914400" rtl="0" eaLnBrk="1" fontAlgn="base" latinLnBrk="0" hangingPunct="1">
+                        <a:lnSpc>
+                          <a:spcPct val="100000"/>
+                        </a:lnSpc>
                         <a:spcBef>
                           <a:spcPts val="0"/>
                         </a:spcBef>
@@ -27568,21 +27117,26 @@
                           <a:spcPts val="1000"/>
                         </a:spcAft>
                         <a:buFont typeface="+mj-lt"/>
-                        <a:buAutoNum type="arabicPeriod"/>
+                        <a:buAutoNum type="alphaLcPeriod"/>
                       </a:pPr>
                       <a:r>
-                        <a:rPr lang="en-US" sz="1800" b="0" i="0" u="none" strike="noStrike">
+                        <a:rPr lang="en-US" sz="1600" b="0" i="0" u="none" strike="noStrike" kern="1200" dirty="0">
                           <a:solidFill>
                             <a:schemeClr val="bg1"/>
                           </a:solidFill>
                           <a:effectLst/>
                           <a:latin typeface="DIN Alternate" panose="020B0500000000000000" pitchFamily="34" charset="77"/>
+                          <a:ea typeface="+mn-ea"/>
+                          <a:cs typeface="+mn-cs"/>
                         </a:rPr>
-                        <a:t>Speak interaction statement to subject</a:t>
+                        <a:t>One angle +/-1° of 90°</a:t>
                       </a:r>
                     </a:p>
                     <a:p>
-                      <a:pPr marL="347472" indent="-347472" rtl="0" fontAlgn="base">
+                      <a:pPr marL="804672" lvl="2" indent="-347472" algn="l" defTabSz="914400" rtl="0" eaLnBrk="1" fontAlgn="base" latinLnBrk="0" hangingPunct="1">
+                        <a:lnSpc>
+                          <a:spcPct val="100000"/>
+                        </a:lnSpc>
                         <a:spcBef>
                           <a:spcPts val="0"/>
                         </a:spcBef>
@@ -27590,21 +27144,26 @@
                           <a:spcPts val="1000"/>
                         </a:spcAft>
                         <a:buFont typeface="+mj-lt"/>
-                        <a:buAutoNum type="arabicPeriod"/>
+                        <a:buAutoNum type="alphaLcPeriod"/>
                       </a:pPr>
                       <a:r>
-                        <a:rPr lang="en-US" sz="1800" b="0" i="0" u="none" strike="noStrike">
+                        <a:rPr lang="en-US" sz="1600" b="0" i="0" u="none" strike="noStrike" kern="1200" dirty="0">
                           <a:solidFill>
                             <a:schemeClr val="bg1"/>
                           </a:solidFill>
                           <a:effectLst/>
                           <a:latin typeface="DIN Alternate" panose="020B0500000000000000" pitchFamily="34" charset="77"/>
+                          <a:ea typeface="+mn-ea"/>
+                          <a:cs typeface="+mn-cs"/>
                         </a:rPr>
-                        <a:t>Listen for verbal response to an interrogative statement</a:t>
+                        <a:t>Two angles +/-1° of 45°</a:t>
                       </a:r>
                     </a:p>
                     <a:p>
-                      <a:pPr marL="347472" indent="-347472" rtl="0" fontAlgn="base">
+                      <a:pPr marL="804672" lvl="2" indent="-347472" algn="l" defTabSz="914400" rtl="0" eaLnBrk="1" fontAlgn="base" latinLnBrk="0" hangingPunct="1">
+                        <a:lnSpc>
+                          <a:spcPct val="100000"/>
+                        </a:lnSpc>
                         <a:spcBef>
                           <a:spcPts val="0"/>
                         </a:spcBef>
@@ -27612,17 +27171,19 @@
                           <a:spcPts val="1000"/>
                         </a:spcAft>
                         <a:buFont typeface="+mj-lt"/>
-                        <a:buAutoNum type="arabicPeriod"/>
+                        <a:buAutoNum type="alphaLcPeriod"/>
                       </a:pPr>
                       <a:r>
-                        <a:rPr lang="en-US" sz="1800" b="0" i="0" u="none" strike="noStrike">
+                        <a:rPr lang="en-US" sz="1600" b="0" i="0" u="none" strike="noStrike" kern="1200" dirty="0">
                           <a:solidFill>
                             <a:schemeClr val="bg1"/>
                           </a:solidFill>
                           <a:effectLst/>
                           <a:latin typeface="DIN Alternate" panose="020B0500000000000000" pitchFamily="34" charset="77"/>
+                          <a:ea typeface="+mn-ea"/>
+                          <a:cs typeface="+mn-cs"/>
                         </a:rPr>
-                        <a:t>Evaluate response statement</a:t>
+                        <a:t>Length of sides adjacent to 90° angle are same length within +/- 5mm</a:t>
                       </a:r>
                     </a:p>
                   </a:txBody>
@@ -27684,47 +27245,12 @@
                     <a:bodyPr/>
                     <a:lstStyle/>
                     <a:p>
-                      <a:pPr marL="347472" indent="-347472" rtl="0" fontAlgn="base">
-                        <a:spcBef>
-                          <a:spcPts val="0"/>
-                        </a:spcBef>
-                        <a:spcAft>
-                          <a:spcPts val="1000"/>
-                        </a:spcAft>
-                        <a:buFont typeface="+mj-lt"/>
-                        <a:buAutoNum type="arabicPeriod"/>
-                      </a:pPr>
+                      <a:pPr fontAlgn="t"/>
                       <a:r>
-                        <a:rPr lang="en-US" sz="1800" b="0" i="0" u="none" strike="noStrike" dirty="0">
-                          <a:solidFill>
-                            <a:schemeClr val="bg1"/>
-                          </a:solidFill>
+                        <a:rPr lang="en-US" dirty="0">
                           <a:effectLst/>
-                          <a:latin typeface="DIN Alternate" panose="020B0500000000000000" pitchFamily="34" charset="77"/>
                         </a:rPr>
-                        <a:t>Select or generate an interaction statement in &lt;= 3s</a:t>
-                      </a:r>
-                    </a:p>
-                    <a:p>
-                      <a:pPr marL="347472" indent="-347472" rtl="0" fontAlgn="base">
-                        <a:spcBef>
-                          <a:spcPts val="0"/>
-                        </a:spcBef>
-                        <a:spcAft>
-                          <a:spcPts val="1000"/>
-                        </a:spcAft>
-                        <a:buFont typeface="+mj-lt"/>
-                        <a:buAutoNum type="arabicPeriod"/>
-                      </a:pPr>
-                      <a:r>
-                        <a:rPr lang="en-US" sz="1800" b="0" i="0" u="none" strike="noStrike" dirty="0">
-                          <a:solidFill>
-                            <a:schemeClr val="bg1"/>
-                          </a:solidFill>
-                          <a:effectLst/>
-                          <a:latin typeface="DIN Alternate" panose="020B0500000000000000" pitchFamily="34" charset="77"/>
-                        </a:rPr>
-                        <a:t>Evaluate a response statement in &lt;= 3s</a:t>
+                        <a:t> </a:t>
                       </a:r>
                     </a:p>
                   </a:txBody>
@@ -27797,7 +27323,7 @@
             <a:hlinkClick r:id="" action="ppaction://hlinkshowjump?jump=lastslide"/>
             <a:extLst>
               <a:ext uri="{FF2B5EF4-FFF2-40B4-BE49-F238E27FC236}">
-                <a16:creationId xmlns:a16="http://schemas.microsoft.com/office/drawing/2014/main" id="{BA10155F-84BA-7042-B83B-5B2C314EBB5B}"/>
+                <a16:creationId xmlns:a16="http://schemas.microsoft.com/office/drawing/2014/main" id="{3924840A-0828-F64D-ACC6-45794A7EE0E0}"/>
               </a:ext>
             </a:extLst>
           </p:cNvPr>
@@ -27843,7 +27369,7 @@
     </p:spTree>
     <p:extLst>
       <p:ext uri="{BB962C8B-B14F-4D97-AF65-F5344CB8AC3E}">
-        <p14:creationId xmlns:p14="http://schemas.microsoft.com/office/powerpoint/2010/main" val="4060291561"/>
+        <p14:creationId xmlns:p14="http://schemas.microsoft.com/office/powerpoint/2010/main" val="3310159151"/>
       </p:ext>
     </p:extLst>
   </p:cSld>
@@ -28073,14 +27599,14 @@
           <p:nvPr>
             <p:extLst>
               <p:ext uri="{D42A27DB-BD31-4B8C-83A1-F6EECF244321}">
-                <p14:modId xmlns:p14="http://schemas.microsoft.com/office/powerpoint/2010/main" val="2058543739"/>
+                <p14:modId xmlns:p14="http://schemas.microsoft.com/office/powerpoint/2010/main" val="863423134"/>
               </p:ext>
             </p:extLst>
           </p:nvPr>
         </p:nvGraphicFramePr>
         <p:xfrm>
           <a:off x="304800" y="1158240"/>
-          <a:ext cx="8534396" cy="4394200"/>
+          <a:ext cx="8534396" cy="3992880"/>
         </p:xfrm>
         <a:graphic>
           <a:graphicData uri="http://schemas.openxmlformats.org/drawingml/2006/table">
@@ -28505,7 +28031,7 @@
                           <a:effectLst/>
                           <a:latin typeface="DIN Alternate" panose="020B0500000000000000" pitchFamily="34" charset="77"/>
                         </a:rPr>
-                        <a:t>8</a:t>
+                        <a:t>7</a:t>
                       </a:r>
                     </a:p>
                   </a:txBody>
@@ -28583,7 +28109,7 @@
                           <a:effectLst/>
                           <a:latin typeface="DIN Alternate" panose="020B0500000000000000" pitchFamily="34" charset="77"/>
                         </a:rPr>
-                        <a:t>Complete Activity</a:t>
+                        <a:t>Interact with Subject</a:t>
                       </a:r>
                       <a:endParaRPr lang="en-US" sz="2000" i="1" dirty="0">
                         <a:solidFill>
@@ -28592,6 +28118,152 @@
                         <a:effectLst/>
                         <a:latin typeface="DIN Alternate" panose="020B0500000000000000" pitchFamily="34" charset="77"/>
                       </a:endParaRPr>
+                    </a:p>
+                  </a:txBody>
+                  <a:tcPr marL="95250" marR="95250" marT="95250" marB="95250">
+                    <a:lnL w="12700" cap="flat" cmpd="sng" algn="ctr">
+                      <a:solidFill>
+                        <a:schemeClr val="bg2">
+                          <a:lumMod val="50000"/>
+                        </a:schemeClr>
+                      </a:solidFill>
+                      <a:prstDash val="solid"/>
+                      <a:round/>
+                      <a:headEnd type="none" w="med" len="med"/>
+                      <a:tailEnd type="none" w="med" len="med"/>
+                    </a:lnL>
+                    <a:lnR w="12700" cap="flat" cmpd="sng" algn="ctr">
+                      <a:solidFill>
+                        <a:schemeClr val="bg2">
+                          <a:lumMod val="50000"/>
+                        </a:schemeClr>
+                      </a:solidFill>
+                      <a:prstDash val="solid"/>
+                      <a:round/>
+                      <a:headEnd type="none" w="med" len="med"/>
+                      <a:tailEnd type="none" w="med" len="med"/>
+                    </a:lnR>
+                    <a:lnT w="12700" cap="flat" cmpd="sng" algn="ctr">
+                      <a:solidFill>
+                        <a:schemeClr val="bg2">
+                          <a:lumMod val="50000"/>
+                        </a:schemeClr>
+                      </a:solidFill>
+                      <a:prstDash val="solid"/>
+                      <a:round/>
+                      <a:headEnd type="none" w="med" len="med"/>
+                      <a:tailEnd type="none" w="med" len="med"/>
+                    </a:lnT>
+                    <a:lnB w="12700" cap="flat" cmpd="sng" algn="ctr">
+                      <a:solidFill>
+                        <a:schemeClr val="bg2">
+                          <a:lumMod val="50000"/>
+                        </a:schemeClr>
+                      </a:solidFill>
+                      <a:prstDash val="solid"/>
+                      <a:round/>
+                      <a:headEnd type="none" w="med" len="med"/>
+                      <a:tailEnd type="none" w="med" len="med"/>
+                    </a:lnB>
+                    <a:solidFill>
+                      <a:schemeClr val="tx1">
+                        <a:lumMod val="65000"/>
+                        <a:lumOff val="35000"/>
+                      </a:schemeClr>
+                    </a:solidFill>
+                  </a:tcPr>
+                </a:tc>
+                <a:tc>
+                  <a:txBody>
+                    <a:bodyPr/>
+                    <a:lstStyle/>
+                    <a:p>
+                      <a:pPr marL="347472" indent="-347472" rtl="0" fontAlgn="base">
+                        <a:spcBef>
+                          <a:spcPts val="0"/>
+                        </a:spcBef>
+                        <a:spcAft>
+                          <a:spcPts val="1000"/>
+                        </a:spcAft>
+                        <a:buFont typeface="+mj-lt"/>
+                        <a:buAutoNum type="arabicPeriod"/>
+                      </a:pPr>
+                      <a:r>
+                        <a:rPr lang="en-US" sz="1800" b="0" i="0" u="none" strike="noStrike">
+                          <a:solidFill>
+                            <a:schemeClr val="bg1"/>
+                          </a:solidFill>
+                          <a:effectLst/>
+                          <a:latin typeface="DIN Alternate" panose="020B0500000000000000" pitchFamily="34" charset="77"/>
+                        </a:rPr>
+                        <a:t>Select an appropriate user interaction statement</a:t>
+                      </a:r>
+                    </a:p>
+                    <a:p>
+                      <a:pPr marL="347472" indent="-347472" rtl="0" fontAlgn="base">
+                        <a:spcBef>
+                          <a:spcPts val="0"/>
+                        </a:spcBef>
+                        <a:spcAft>
+                          <a:spcPts val="1000"/>
+                        </a:spcAft>
+                        <a:buFont typeface="+mj-lt"/>
+                        <a:buAutoNum type="arabicPeriod"/>
+                      </a:pPr>
+                      <a:r>
+                        <a:rPr lang="en-US" sz="1800" b="0" i="0" u="none" strike="noStrike">
+                          <a:solidFill>
+                            <a:schemeClr val="bg1"/>
+                          </a:solidFill>
+                          <a:effectLst/>
+                          <a:latin typeface="DIN Alternate" panose="020B0500000000000000" pitchFamily="34" charset="77"/>
+                        </a:rPr>
+                        <a:t>Speak interaction statement to subject</a:t>
+                      </a:r>
+                    </a:p>
+                    <a:p>
+                      <a:pPr marL="347472" indent="-347472" rtl="0" fontAlgn="base">
+                        <a:spcBef>
+                          <a:spcPts val="0"/>
+                        </a:spcBef>
+                        <a:spcAft>
+                          <a:spcPts val="1000"/>
+                        </a:spcAft>
+                        <a:buFont typeface="+mj-lt"/>
+                        <a:buAutoNum type="arabicPeriod"/>
+                      </a:pPr>
+                      <a:r>
+                        <a:rPr lang="en-US" sz="1800" b="0" i="0" u="none" strike="noStrike">
+                          <a:solidFill>
+                            <a:schemeClr val="bg1"/>
+                          </a:solidFill>
+                          <a:effectLst/>
+                          <a:latin typeface="DIN Alternate" panose="020B0500000000000000" pitchFamily="34" charset="77"/>
+                        </a:rPr>
+                        <a:t>Listen for verbal response to an interrogative statement</a:t>
+                      </a:r>
+                    </a:p>
+                    <a:p>
+                      <a:pPr marL="347472" indent="-347472" rtl="0" fontAlgn="base">
+                        <a:spcBef>
+                          <a:spcPts val="0"/>
+                        </a:spcBef>
+                        <a:spcAft>
+                          <a:spcPts val="1000"/>
+                        </a:spcAft>
+                        <a:buFont typeface="+mj-lt"/>
+                        <a:buAutoNum type="arabicPeriod"/>
+                      </a:pPr>
+                      <a:r>
+                        <a:rPr lang="en-US" sz="1800" b="0" i="0" u="none" strike="noStrike">
+                          <a:solidFill>
+                            <a:schemeClr val="bg1"/>
+                          </a:solidFill>
+                          <a:effectLst/>
+                          <a:latin typeface="DIN Alternate" panose="020B0500000000000000" pitchFamily="34" charset="77"/>
+                        </a:rPr>
+                        <a:t>Evaluate response statement</a:t>
+                      </a:r>
                     </a:p>
                   </a:txBody>
                   <a:tcPr marL="95250" marR="95250" marT="95250" marB="95250">
@@ -28670,7 +28342,7 @@
                           <a:effectLst/>
                           <a:latin typeface="DIN Alternate" panose="020B0500000000000000" pitchFamily="34" charset="77"/>
                         </a:rPr>
-                        <a:t>Evaluate whether activity can be repeated</a:t>
+                        <a:t>Select or generate an interaction statement in &lt;= 3s</a:t>
                       </a:r>
                     </a:p>
                     <a:p>
@@ -28692,153 +28364,7 @@
                           <a:effectLst/>
                           <a:latin typeface="DIN Alternate" panose="020B0500000000000000" pitchFamily="34" charset="77"/>
                         </a:rPr>
-                        <a:t>Ask whether to repeat activity or exit activity</a:t>
-                      </a:r>
-                    </a:p>
-                    <a:p>
-                      <a:pPr marL="347472" indent="-347472" rtl="0" fontAlgn="base">
-                        <a:spcBef>
-                          <a:spcPts val="0"/>
-                        </a:spcBef>
-                        <a:spcAft>
-                          <a:spcPts val="1000"/>
-                        </a:spcAft>
-                        <a:buFont typeface="+mj-lt"/>
-                        <a:buAutoNum type="arabicPeriod"/>
-                      </a:pPr>
-                      <a:r>
-                        <a:rPr lang="en-US" sz="1800" b="0" i="0" u="none" strike="noStrike" dirty="0">
-                          <a:solidFill>
-                            <a:schemeClr val="bg1"/>
-                          </a:solidFill>
-                          <a:effectLst/>
-                          <a:latin typeface="DIN Alternate" panose="020B0500000000000000" pitchFamily="34" charset="77"/>
-                        </a:rPr>
-                        <a:t>Verify and verbally acknowledge choice to repeat or exit the activity</a:t>
-                      </a:r>
-                    </a:p>
-                    <a:p>
-                      <a:pPr marL="347472" indent="-347472" rtl="0" fontAlgn="base">
-                        <a:spcBef>
-                          <a:spcPts val="0"/>
-                        </a:spcBef>
-                        <a:spcAft>
-                          <a:spcPts val="1000"/>
-                        </a:spcAft>
-                        <a:buFont typeface="+mj-lt"/>
-                        <a:buAutoNum type="arabicPeriod"/>
-                      </a:pPr>
-                      <a:r>
-                        <a:rPr lang="en-US" sz="1800" b="0" i="0" u="none" strike="noStrike" dirty="0">
-                          <a:solidFill>
-                            <a:schemeClr val="bg1"/>
-                          </a:solidFill>
-                          <a:effectLst/>
-                          <a:latin typeface="DIN Alternate" panose="020B0500000000000000" pitchFamily="34" charset="77"/>
-                        </a:rPr>
-                        <a:t>Re-initialize activity module</a:t>
-                      </a:r>
-                    </a:p>
-                    <a:p>
-                      <a:pPr marL="347472" indent="-347472" rtl="0" fontAlgn="base">
-                        <a:spcBef>
-                          <a:spcPts val="0"/>
-                        </a:spcBef>
-                        <a:spcAft>
-                          <a:spcPts val="1000"/>
-                        </a:spcAft>
-                        <a:buFont typeface="+mj-lt"/>
-                        <a:buAutoNum type="arabicPeriod"/>
-                      </a:pPr>
-                      <a:r>
-                        <a:rPr lang="en-US" sz="1800" b="0" i="0" u="none" strike="noStrike" dirty="0">
-                          <a:solidFill>
-                            <a:schemeClr val="bg1"/>
-                          </a:solidFill>
-                          <a:effectLst/>
-                          <a:latin typeface="DIN Alternate" panose="020B0500000000000000" pitchFamily="34" charset="77"/>
-                        </a:rPr>
-                        <a:t>Exit an unload activity module</a:t>
-                      </a:r>
-                    </a:p>
-                  </a:txBody>
-                  <a:tcPr marL="95250" marR="95250" marT="95250" marB="95250">
-                    <a:lnL w="12700" cap="flat" cmpd="sng" algn="ctr">
-                      <a:solidFill>
-                        <a:schemeClr val="bg2">
-                          <a:lumMod val="50000"/>
-                        </a:schemeClr>
-                      </a:solidFill>
-                      <a:prstDash val="solid"/>
-                      <a:round/>
-                      <a:headEnd type="none" w="med" len="med"/>
-                      <a:tailEnd type="none" w="med" len="med"/>
-                    </a:lnL>
-                    <a:lnR w="12700" cap="flat" cmpd="sng" algn="ctr">
-                      <a:solidFill>
-                        <a:schemeClr val="bg2">
-                          <a:lumMod val="50000"/>
-                        </a:schemeClr>
-                      </a:solidFill>
-                      <a:prstDash val="solid"/>
-                      <a:round/>
-                      <a:headEnd type="none" w="med" len="med"/>
-                      <a:tailEnd type="none" w="med" len="med"/>
-                    </a:lnR>
-                    <a:lnT w="12700" cap="flat" cmpd="sng" algn="ctr">
-                      <a:solidFill>
-                        <a:schemeClr val="bg2">
-                          <a:lumMod val="50000"/>
-                        </a:schemeClr>
-                      </a:solidFill>
-                      <a:prstDash val="solid"/>
-                      <a:round/>
-                      <a:headEnd type="none" w="med" len="med"/>
-                      <a:tailEnd type="none" w="med" len="med"/>
-                    </a:lnT>
-                    <a:lnB w="12700" cap="flat" cmpd="sng" algn="ctr">
-                      <a:solidFill>
-                        <a:schemeClr val="bg2">
-                          <a:lumMod val="50000"/>
-                        </a:schemeClr>
-                      </a:solidFill>
-                      <a:prstDash val="solid"/>
-                      <a:round/>
-                      <a:headEnd type="none" w="med" len="med"/>
-                      <a:tailEnd type="none" w="med" len="med"/>
-                    </a:lnB>
-                    <a:solidFill>
-                      <a:schemeClr val="tx1">
-                        <a:lumMod val="65000"/>
-                        <a:lumOff val="35000"/>
-                      </a:schemeClr>
-                    </a:solidFill>
-                  </a:tcPr>
-                </a:tc>
-                <a:tc>
-                  <a:txBody>
-                    <a:bodyPr/>
-                    <a:lstStyle/>
-                    <a:p>
-                      <a:pPr marL="347472" indent="-347472" rtl="0" fontAlgn="base">
-                        <a:spcBef>
-                          <a:spcPts val="1000"/>
-                        </a:spcBef>
-                        <a:spcAft>
-                          <a:spcPts val="0"/>
-                        </a:spcAft>
-                        <a:buFont typeface="+mj-lt"/>
-                        <a:buAutoNum type="arabicPeriod"/>
-                      </a:pPr>
-                      <a:r>
-                        <a:rPr lang="en-US" sz="1800" b="0" i="0" u="none" strike="noStrike" dirty="0">
-                          <a:solidFill>
-                            <a:schemeClr val="bg1"/>
-                          </a:solidFill>
-                          <a:effectLst/>
-                          <a:latin typeface="DIN Alternate" panose="020B0500000000000000" pitchFamily="34" charset="77"/>
-                        </a:rPr>
-                        <a:t>Verify and acknowledge selections &lt;= 1s after heard</a:t>
+                        <a:t>Evaluate a response statement in &lt;= 3s</a:t>
                       </a:r>
                     </a:p>
                   </a:txBody>
@@ -28911,7 +28437,7 @@
             <a:hlinkClick r:id="" action="ppaction://hlinkshowjump?jump=lastslide"/>
             <a:extLst>
               <a:ext uri="{FF2B5EF4-FFF2-40B4-BE49-F238E27FC236}">
-                <a16:creationId xmlns:a16="http://schemas.microsoft.com/office/drawing/2014/main" id="{46064A05-F5B9-0C40-B2C1-6195364D776C}"/>
+                <a16:creationId xmlns:a16="http://schemas.microsoft.com/office/drawing/2014/main" id="{BA10155F-84BA-7042-B83B-5B2C314EBB5B}"/>
               </a:ext>
             </a:extLst>
           </p:cNvPr>
@@ -28957,7 +28483,7 @@
     </p:spTree>
     <p:extLst>
       <p:ext uri="{BB962C8B-B14F-4D97-AF65-F5344CB8AC3E}">
-        <p14:creationId xmlns:p14="http://schemas.microsoft.com/office/powerpoint/2010/main" val="2986775755"/>
+        <p14:creationId xmlns:p14="http://schemas.microsoft.com/office/powerpoint/2010/main" val="4060291561"/>
       </p:ext>
     </p:extLst>
   </p:cSld>
@@ -29137,6 +28663,1120 @@
                 </a:effectLst>
                 <a:latin typeface="DIN Alternate" panose="020B0500000000000000" pitchFamily="34" charset="77"/>
               </a:rPr>
+              <a:t>REQUIREMENTS SPECIFICATIONS</a:t>
+            </a:r>
+          </a:p>
+        </p:txBody>
+      </p:sp>
+      <p:sp>
+        <p:nvSpPr>
+          <p:cNvPr id="4" name="Slide Number Placeholder 3">
+            <a:extLst>
+              <a:ext uri="{FF2B5EF4-FFF2-40B4-BE49-F238E27FC236}">
+                <a16:creationId xmlns:a16="http://schemas.microsoft.com/office/drawing/2014/main" id="{81F78564-DDBC-C349-9023-BCC92159213B}"/>
+              </a:ext>
+            </a:extLst>
+          </p:cNvPr>
+          <p:cNvSpPr>
+            <a:spLocks noGrp="1"/>
+          </p:cNvSpPr>
+          <p:nvPr>
+            <p:ph type="sldNum" sz="quarter" idx="12"/>
+          </p:nvPr>
+        </p:nvSpPr>
+        <p:spPr/>
+        <p:txBody>
+          <a:bodyPr/>
+          <a:lstStyle/>
+          <a:p>
+            <a:fld id="{9E3EFB43-BEAF-4970-A06C-24B01B76FA99}" type="slidenum">
+              <a:rPr lang="en-US" smtClean="0"/>
+              <a:pPr/>
+              <a:t>26</a:t>
+            </a:fld>
+            <a:endParaRPr lang="en-US" dirty="0"/>
+          </a:p>
+        </p:txBody>
+      </p:sp>
+      <p:graphicFrame>
+        <p:nvGraphicFramePr>
+          <p:cNvPr id="9" name="Table 4">
+            <a:extLst>
+              <a:ext uri="{FF2B5EF4-FFF2-40B4-BE49-F238E27FC236}">
+                <a16:creationId xmlns:a16="http://schemas.microsoft.com/office/drawing/2014/main" id="{527F4E51-BEC0-8A4F-B4B3-8826C96D1D96}"/>
+              </a:ext>
+            </a:extLst>
+          </p:cNvPr>
+          <p:cNvGraphicFramePr>
+            <a:graphicFrameLocks noGrp="1"/>
+          </p:cNvGraphicFramePr>
+          <p:nvPr>
+            <p:extLst>
+              <p:ext uri="{D42A27DB-BD31-4B8C-83A1-F6EECF244321}">
+                <p14:modId xmlns:p14="http://schemas.microsoft.com/office/powerpoint/2010/main" val="2058543739"/>
+              </p:ext>
+            </p:extLst>
+          </p:nvPr>
+        </p:nvGraphicFramePr>
+        <p:xfrm>
+          <a:off x="304800" y="1158240"/>
+          <a:ext cx="8534396" cy="4394200"/>
+        </p:xfrm>
+        <a:graphic>
+          <a:graphicData uri="http://schemas.openxmlformats.org/drawingml/2006/table">
+            <a:tbl>
+              <a:tblPr firstRow="1" bandRow="1">
+                <a:tableStyleId>{2D5ABB26-0587-4C30-8999-92F81FD0307C}</a:tableStyleId>
+              </a:tblPr>
+              <a:tblGrid>
+                <a:gridCol w="849073">
+                  <a:extLst>
+                    <a:ext uri="{9D8B030D-6E8A-4147-A177-3AD203B41FA5}">
+                      <a16:colId xmlns:a16="http://schemas.microsoft.com/office/drawing/2014/main" val="1157327237"/>
+                    </a:ext>
+                  </a:extLst>
+                </a:gridCol>
+                <a:gridCol w="1970328">
+                  <a:extLst>
+                    <a:ext uri="{9D8B030D-6E8A-4147-A177-3AD203B41FA5}">
+                      <a16:colId xmlns:a16="http://schemas.microsoft.com/office/drawing/2014/main" val="1339879689"/>
+                    </a:ext>
+                  </a:extLst>
+                </a:gridCol>
+                <a:gridCol w="2895600">
+                  <a:extLst>
+                    <a:ext uri="{9D8B030D-6E8A-4147-A177-3AD203B41FA5}">
+                      <a16:colId xmlns:a16="http://schemas.microsoft.com/office/drawing/2014/main" val="1074314558"/>
+                    </a:ext>
+                  </a:extLst>
+                </a:gridCol>
+                <a:gridCol w="2819395">
+                  <a:extLst>
+                    <a:ext uri="{9D8B030D-6E8A-4147-A177-3AD203B41FA5}">
+                      <a16:colId xmlns:a16="http://schemas.microsoft.com/office/drawing/2014/main" val="3764330725"/>
+                    </a:ext>
+                  </a:extLst>
+                </a:gridCol>
+              </a:tblGrid>
+              <a:tr h="522605">
+                <a:tc>
+                  <a:txBody>
+                    <a:bodyPr/>
+                    <a:lstStyle/>
+                    <a:p>
+                      <a:pPr algn="ctr" rtl="0" fontAlgn="ctr">
+                        <a:spcBef>
+                          <a:spcPts val="0"/>
+                        </a:spcBef>
+                        <a:spcAft>
+                          <a:spcPts val="0"/>
+                        </a:spcAft>
+                      </a:pPr>
+                      <a:r>
+                        <a:rPr lang="en-US" sz="1600" b="1" i="0" u="none" strike="noStrike" dirty="0">
+                          <a:solidFill>
+                            <a:schemeClr val="bg2">
+                              <a:lumMod val="50000"/>
+                            </a:schemeClr>
+                          </a:solidFill>
+                          <a:effectLst/>
+                          <a:latin typeface="DIN Alternate" panose="020B0500000000000000" pitchFamily="34" charset="77"/>
+                        </a:rPr>
+                        <a:t>#</a:t>
+                      </a:r>
+                      <a:endParaRPr lang="en-US" sz="1600" dirty="0">
+                        <a:solidFill>
+                          <a:schemeClr val="bg2">
+                            <a:lumMod val="50000"/>
+                          </a:schemeClr>
+                        </a:solidFill>
+                        <a:effectLst/>
+                        <a:latin typeface="DIN Alternate" panose="020B0500000000000000" pitchFamily="34" charset="77"/>
+                      </a:endParaRPr>
+                    </a:p>
+                  </a:txBody>
+                  <a:tcPr marL="95250" marR="95250" marT="95250" marB="95250" anchor="ctr">
+                    <a:lnL w="12700" cap="flat" cmpd="sng" algn="ctr">
+                      <a:solidFill>
+                        <a:schemeClr val="bg2">
+                          <a:lumMod val="50000"/>
+                        </a:schemeClr>
+                      </a:solidFill>
+                      <a:prstDash val="solid"/>
+                      <a:round/>
+                      <a:headEnd type="none" w="med" len="med"/>
+                      <a:tailEnd type="none" w="med" len="med"/>
+                    </a:lnL>
+                    <a:lnR w="12700" cap="flat" cmpd="sng" algn="ctr">
+                      <a:solidFill>
+                        <a:schemeClr val="bg2">
+                          <a:lumMod val="50000"/>
+                        </a:schemeClr>
+                      </a:solidFill>
+                      <a:prstDash val="solid"/>
+                      <a:round/>
+                      <a:headEnd type="none" w="med" len="med"/>
+                      <a:tailEnd type="none" w="med" len="med"/>
+                    </a:lnR>
+                    <a:lnT w="12700" cap="flat" cmpd="sng" algn="ctr">
+                      <a:solidFill>
+                        <a:schemeClr val="bg2">
+                          <a:lumMod val="50000"/>
+                        </a:schemeClr>
+                      </a:solidFill>
+                      <a:prstDash val="solid"/>
+                      <a:round/>
+                      <a:headEnd type="none" w="med" len="med"/>
+                      <a:tailEnd type="none" w="med" len="med"/>
+                    </a:lnT>
+                    <a:lnB w="12700" cap="flat" cmpd="sng" algn="ctr">
+                      <a:solidFill>
+                        <a:schemeClr val="bg2">
+                          <a:lumMod val="50000"/>
+                        </a:schemeClr>
+                      </a:solidFill>
+                      <a:prstDash val="solid"/>
+                      <a:round/>
+                      <a:headEnd type="none" w="med" len="med"/>
+                      <a:tailEnd type="none" w="med" len="med"/>
+                    </a:lnB>
+                    <a:solidFill>
+                      <a:schemeClr val="tx1">
+                        <a:lumMod val="85000"/>
+                        <a:lumOff val="15000"/>
+                      </a:schemeClr>
+                    </a:solidFill>
+                  </a:tcPr>
+                </a:tc>
+                <a:tc>
+                  <a:txBody>
+                    <a:bodyPr/>
+                    <a:lstStyle/>
+                    <a:p>
+                      <a:pPr algn="ctr" rtl="0" fontAlgn="ctr">
+                        <a:spcBef>
+                          <a:spcPts val="0"/>
+                        </a:spcBef>
+                        <a:spcAft>
+                          <a:spcPts val="0"/>
+                        </a:spcAft>
+                      </a:pPr>
+                      <a:r>
+                        <a:rPr lang="en-US" sz="1600" b="1" i="0" u="none" strike="noStrike" dirty="0">
+                          <a:solidFill>
+                            <a:schemeClr val="bg2">
+                              <a:lumMod val="50000"/>
+                            </a:schemeClr>
+                          </a:solidFill>
+                          <a:effectLst/>
+                          <a:latin typeface="DIN Alternate" panose="020B0500000000000000" pitchFamily="34" charset="77"/>
+                        </a:rPr>
+                        <a:t>Use Case</a:t>
+                      </a:r>
+                      <a:endParaRPr lang="en-US" sz="1600" dirty="0">
+                        <a:solidFill>
+                          <a:schemeClr val="bg2">
+                            <a:lumMod val="50000"/>
+                          </a:schemeClr>
+                        </a:solidFill>
+                        <a:effectLst/>
+                        <a:latin typeface="DIN Alternate" panose="020B0500000000000000" pitchFamily="34" charset="77"/>
+                      </a:endParaRPr>
+                    </a:p>
+                  </a:txBody>
+                  <a:tcPr marL="95250" marR="95250" marT="95250" marB="95250" anchor="ctr">
+                    <a:lnL w="12700" cap="flat" cmpd="sng" algn="ctr">
+                      <a:solidFill>
+                        <a:schemeClr val="bg2">
+                          <a:lumMod val="50000"/>
+                        </a:schemeClr>
+                      </a:solidFill>
+                      <a:prstDash val="solid"/>
+                      <a:round/>
+                      <a:headEnd type="none" w="med" len="med"/>
+                      <a:tailEnd type="none" w="med" len="med"/>
+                    </a:lnL>
+                    <a:lnR w="12700" cap="flat" cmpd="sng" algn="ctr">
+                      <a:solidFill>
+                        <a:schemeClr val="bg2">
+                          <a:lumMod val="50000"/>
+                        </a:schemeClr>
+                      </a:solidFill>
+                      <a:prstDash val="solid"/>
+                      <a:round/>
+                      <a:headEnd type="none" w="med" len="med"/>
+                      <a:tailEnd type="none" w="med" len="med"/>
+                    </a:lnR>
+                    <a:lnT w="12700" cap="flat" cmpd="sng" algn="ctr">
+                      <a:solidFill>
+                        <a:schemeClr val="bg2">
+                          <a:lumMod val="50000"/>
+                        </a:schemeClr>
+                      </a:solidFill>
+                      <a:prstDash val="solid"/>
+                      <a:round/>
+                      <a:headEnd type="none" w="med" len="med"/>
+                      <a:tailEnd type="none" w="med" len="med"/>
+                    </a:lnT>
+                    <a:lnB w="12700" cap="flat" cmpd="sng" algn="ctr">
+                      <a:solidFill>
+                        <a:schemeClr val="bg2">
+                          <a:lumMod val="50000"/>
+                        </a:schemeClr>
+                      </a:solidFill>
+                      <a:prstDash val="solid"/>
+                      <a:round/>
+                      <a:headEnd type="none" w="med" len="med"/>
+                      <a:tailEnd type="none" w="med" len="med"/>
+                    </a:lnB>
+                    <a:solidFill>
+                      <a:schemeClr val="tx1">
+                        <a:lumMod val="85000"/>
+                        <a:lumOff val="15000"/>
+                      </a:schemeClr>
+                    </a:solidFill>
+                  </a:tcPr>
+                </a:tc>
+                <a:tc>
+                  <a:txBody>
+                    <a:bodyPr/>
+                    <a:lstStyle/>
+                    <a:p>
+                      <a:pPr algn="ctr" rtl="0" fontAlgn="ctr">
+                        <a:spcBef>
+                          <a:spcPts val="0"/>
+                        </a:spcBef>
+                        <a:spcAft>
+                          <a:spcPts val="0"/>
+                        </a:spcAft>
+                      </a:pPr>
+                      <a:r>
+                        <a:rPr lang="en-US" sz="1600" b="1" i="0" u="none" strike="noStrike" dirty="0">
+                          <a:solidFill>
+                            <a:schemeClr val="bg2">
+                              <a:lumMod val="50000"/>
+                            </a:schemeClr>
+                          </a:solidFill>
+                          <a:effectLst/>
+                          <a:latin typeface="DIN Alternate" panose="020B0500000000000000" pitchFamily="34" charset="77"/>
+                        </a:rPr>
+                        <a:t>Functional Requirements</a:t>
+                      </a:r>
+                      <a:endParaRPr lang="en-US" sz="1600" dirty="0">
+                        <a:solidFill>
+                          <a:schemeClr val="bg2">
+                            <a:lumMod val="50000"/>
+                          </a:schemeClr>
+                        </a:solidFill>
+                        <a:effectLst/>
+                        <a:latin typeface="DIN Alternate" panose="020B0500000000000000" pitchFamily="34" charset="77"/>
+                      </a:endParaRPr>
+                    </a:p>
+                  </a:txBody>
+                  <a:tcPr marL="95250" marR="95250" marT="95250" marB="95250" anchor="ctr">
+                    <a:lnL w="12700" cap="flat" cmpd="sng" algn="ctr">
+                      <a:solidFill>
+                        <a:schemeClr val="bg2">
+                          <a:lumMod val="50000"/>
+                        </a:schemeClr>
+                      </a:solidFill>
+                      <a:prstDash val="solid"/>
+                      <a:round/>
+                      <a:headEnd type="none" w="med" len="med"/>
+                      <a:tailEnd type="none" w="med" len="med"/>
+                    </a:lnL>
+                    <a:lnR w="12700" cap="flat" cmpd="sng" algn="ctr">
+                      <a:solidFill>
+                        <a:schemeClr val="bg2">
+                          <a:lumMod val="50000"/>
+                        </a:schemeClr>
+                      </a:solidFill>
+                      <a:prstDash val="solid"/>
+                      <a:round/>
+                      <a:headEnd type="none" w="med" len="med"/>
+                      <a:tailEnd type="none" w="med" len="med"/>
+                    </a:lnR>
+                    <a:lnT w="12700" cap="flat" cmpd="sng" algn="ctr">
+                      <a:solidFill>
+                        <a:schemeClr val="bg2">
+                          <a:lumMod val="50000"/>
+                        </a:schemeClr>
+                      </a:solidFill>
+                      <a:prstDash val="solid"/>
+                      <a:round/>
+                      <a:headEnd type="none" w="med" len="med"/>
+                      <a:tailEnd type="none" w="med" len="med"/>
+                    </a:lnT>
+                    <a:lnB w="12700" cap="flat" cmpd="sng" algn="ctr">
+                      <a:solidFill>
+                        <a:schemeClr val="bg2">
+                          <a:lumMod val="50000"/>
+                        </a:schemeClr>
+                      </a:solidFill>
+                      <a:prstDash val="solid"/>
+                      <a:round/>
+                      <a:headEnd type="none" w="med" len="med"/>
+                      <a:tailEnd type="none" w="med" len="med"/>
+                    </a:lnB>
+                    <a:solidFill>
+                      <a:schemeClr val="tx1">
+                        <a:lumMod val="85000"/>
+                        <a:lumOff val="15000"/>
+                      </a:schemeClr>
+                    </a:solidFill>
+                  </a:tcPr>
+                </a:tc>
+                <a:tc>
+                  <a:txBody>
+                    <a:bodyPr/>
+                    <a:lstStyle/>
+                    <a:p>
+                      <a:pPr algn="ctr" rtl="0" fontAlgn="ctr">
+                        <a:spcBef>
+                          <a:spcPts val="0"/>
+                        </a:spcBef>
+                        <a:spcAft>
+                          <a:spcPts val="0"/>
+                        </a:spcAft>
+                      </a:pPr>
+                      <a:r>
+                        <a:rPr lang="en-US" sz="1600" b="1" i="0" u="none" strike="noStrike" dirty="0">
+                          <a:solidFill>
+                            <a:schemeClr val="bg2">
+                              <a:lumMod val="50000"/>
+                            </a:schemeClr>
+                          </a:solidFill>
+                          <a:effectLst/>
+                          <a:latin typeface="DIN Alternate" panose="020B0500000000000000" pitchFamily="34" charset="77"/>
+                        </a:rPr>
+                        <a:t>Quality of Service Requirements</a:t>
+                      </a:r>
+                      <a:endParaRPr lang="en-US" sz="1600" dirty="0">
+                        <a:solidFill>
+                          <a:schemeClr val="bg2">
+                            <a:lumMod val="50000"/>
+                          </a:schemeClr>
+                        </a:solidFill>
+                        <a:effectLst/>
+                        <a:latin typeface="DIN Alternate" panose="020B0500000000000000" pitchFamily="34" charset="77"/>
+                      </a:endParaRPr>
+                    </a:p>
+                  </a:txBody>
+                  <a:tcPr marL="95250" marR="95250" marT="95250" marB="95250" anchor="ctr">
+                    <a:lnL w="12700" cap="flat" cmpd="sng" algn="ctr">
+                      <a:solidFill>
+                        <a:schemeClr val="bg2">
+                          <a:lumMod val="50000"/>
+                        </a:schemeClr>
+                      </a:solidFill>
+                      <a:prstDash val="solid"/>
+                      <a:round/>
+                      <a:headEnd type="none" w="med" len="med"/>
+                      <a:tailEnd type="none" w="med" len="med"/>
+                    </a:lnL>
+                    <a:lnR w="12700" cap="flat" cmpd="sng" algn="ctr">
+                      <a:solidFill>
+                        <a:schemeClr val="bg2">
+                          <a:lumMod val="50000"/>
+                        </a:schemeClr>
+                      </a:solidFill>
+                      <a:prstDash val="solid"/>
+                      <a:round/>
+                      <a:headEnd type="none" w="med" len="med"/>
+                      <a:tailEnd type="none" w="med" len="med"/>
+                    </a:lnR>
+                    <a:lnT w="12700" cap="flat" cmpd="sng" algn="ctr">
+                      <a:solidFill>
+                        <a:schemeClr val="bg2">
+                          <a:lumMod val="50000"/>
+                        </a:schemeClr>
+                      </a:solidFill>
+                      <a:prstDash val="solid"/>
+                      <a:round/>
+                      <a:headEnd type="none" w="med" len="med"/>
+                      <a:tailEnd type="none" w="med" len="med"/>
+                    </a:lnT>
+                    <a:lnB w="12700" cap="flat" cmpd="sng" algn="ctr">
+                      <a:solidFill>
+                        <a:schemeClr val="bg2">
+                          <a:lumMod val="50000"/>
+                        </a:schemeClr>
+                      </a:solidFill>
+                      <a:prstDash val="solid"/>
+                      <a:round/>
+                      <a:headEnd type="none" w="med" len="med"/>
+                      <a:tailEnd type="none" w="med" len="med"/>
+                    </a:lnB>
+                    <a:solidFill>
+                      <a:schemeClr val="tx1">
+                        <a:lumMod val="85000"/>
+                        <a:lumOff val="15000"/>
+                      </a:schemeClr>
+                    </a:solidFill>
+                  </a:tcPr>
+                </a:tc>
+                <a:extLst>
+                  <a:ext uri="{0D108BD9-81ED-4DB2-BD59-A6C34878D82A}">
+                    <a16:rowId xmlns:a16="http://schemas.microsoft.com/office/drawing/2014/main" val="3899037037"/>
+                  </a:ext>
+                </a:extLst>
+              </a:tr>
+              <a:tr h="370840">
+                <a:tc>
+                  <a:txBody>
+                    <a:bodyPr/>
+                    <a:lstStyle/>
+                    <a:p>
+                      <a:pPr algn="ctr" rtl="0" fontAlgn="t">
+                        <a:spcBef>
+                          <a:spcPts val="0"/>
+                        </a:spcBef>
+                        <a:spcAft>
+                          <a:spcPts val="0"/>
+                        </a:spcAft>
+                      </a:pPr>
+                      <a:r>
+                        <a:rPr lang="en-US" sz="4000" dirty="0">
+                          <a:solidFill>
+                            <a:schemeClr val="bg2">
+                              <a:lumMod val="50000"/>
+                            </a:schemeClr>
+                          </a:solidFill>
+                          <a:effectLst/>
+                          <a:latin typeface="DIN Alternate" panose="020B0500000000000000" pitchFamily="34" charset="77"/>
+                        </a:rPr>
+                        <a:t>8</a:t>
+                      </a:r>
+                    </a:p>
+                  </a:txBody>
+                  <a:tcPr marL="95250" marR="95250" marT="95250" marB="95250" anchor="ctr">
+                    <a:lnL w="12700" cap="flat" cmpd="sng" algn="ctr">
+                      <a:solidFill>
+                        <a:schemeClr val="bg2">
+                          <a:lumMod val="50000"/>
+                        </a:schemeClr>
+                      </a:solidFill>
+                      <a:prstDash val="solid"/>
+                      <a:round/>
+                      <a:headEnd type="none" w="med" len="med"/>
+                      <a:tailEnd type="none" w="med" len="med"/>
+                    </a:lnL>
+                    <a:lnR w="12700" cap="flat" cmpd="sng" algn="ctr">
+                      <a:solidFill>
+                        <a:schemeClr val="bg2">
+                          <a:lumMod val="50000"/>
+                        </a:schemeClr>
+                      </a:solidFill>
+                      <a:prstDash val="solid"/>
+                      <a:round/>
+                      <a:headEnd type="none" w="med" len="med"/>
+                      <a:tailEnd type="none" w="med" len="med"/>
+                    </a:lnR>
+                    <a:lnT w="12700" cap="flat" cmpd="sng" algn="ctr">
+                      <a:solidFill>
+                        <a:schemeClr val="bg2">
+                          <a:lumMod val="50000"/>
+                        </a:schemeClr>
+                      </a:solidFill>
+                      <a:prstDash val="solid"/>
+                      <a:round/>
+                      <a:headEnd type="none" w="med" len="med"/>
+                      <a:tailEnd type="none" w="med" len="med"/>
+                    </a:lnT>
+                    <a:lnB w="12700" cap="flat" cmpd="sng" algn="ctr">
+                      <a:solidFill>
+                        <a:schemeClr val="bg2">
+                          <a:lumMod val="50000"/>
+                        </a:schemeClr>
+                      </a:solidFill>
+                      <a:prstDash val="solid"/>
+                      <a:round/>
+                      <a:headEnd type="none" w="med" len="med"/>
+                      <a:tailEnd type="none" w="med" len="med"/>
+                    </a:lnB>
+                    <a:solidFill>
+                      <a:schemeClr val="tx1">
+                        <a:lumMod val="85000"/>
+                        <a:lumOff val="15000"/>
+                      </a:schemeClr>
+                    </a:solidFill>
+                  </a:tcPr>
+                </a:tc>
+                <a:tc>
+                  <a:txBody>
+                    <a:bodyPr/>
+                    <a:lstStyle/>
+                    <a:p>
+                      <a:pPr algn="l" rtl="0" fontAlgn="t">
+                        <a:spcBef>
+                          <a:spcPts val="0"/>
+                        </a:spcBef>
+                        <a:spcAft>
+                          <a:spcPts val="0"/>
+                        </a:spcAft>
+                      </a:pPr>
+                      <a:r>
+                        <a:rPr lang="en-US" sz="2000" b="0" i="0" u="none" strike="noStrike" dirty="0">
+                          <a:solidFill>
+                            <a:schemeClr val="bg1"/>
+                          </a:solidFill>
+                          <a:effectLst/>
+                          <a:latin typeface="DIN Alternate" panose="020B0500000000000000" pitchFamily="34" charset="77"/>
+                        </a:rPr>
+                        <a:t>Complete Activity</a:t>
+                      </a:r>
+                      <a:endParaRPr lang="en-US" sz="2000" i="1" dirty="0">
+                        <a:solidFill>
+                          <a:schemeClr val="bg1"/>
+                        </a:solidFill>
+                        <a:effectLst/>
+                        <a:latin typeface="DIN Alternate" panose="020B0500000000000000" pitchFamily="34" charset="77"/>
+                      </a:endParaRPr>
+                    </a:p>
+                  </a:txBody>
+                  <a:tcPr marL="95250" marR="95250" marT="95250" marB="95250">
+                    <a:lnL w="12700" cap="flat" cmpd="sng" algn="ctr">
+                      <a:solidFill>
+                        <a:schemeClr val="bg2">
+                          <a:lumMod val="50000"/>
+                        </a:schemeClr>
+                      </a:solidFill>
+                      <a:prstDash val="solid"/>
+                      <a:round/>
+                      <a:headEnd type="none" w="med" len="med"/>
+                      <a:tailEnd type="none" w="med" len="med"/>
+                    </a:lnL>
+                    <a:lnR w="12700" cap="flat" cmpd="sng" algn="ctr">
+                      <a:solidFill>
+                        <a:schemeClr val="bg2">
+                          <a:lumMod val="50000"/>
+                        </a:schemeClr>
+                      </a:solidFill>
+                      <a:prstDash val="solid"/>
+                      <a:round/>
+                      <a:headEnd type="none" w="med" len="med"/>
+                      <a:tailEnd type="none" w="med" len="med"/>
+                    </a:lnR>
+                    <a:lnT w="12700" cap="flat" cmpd="sng" algn="ctr">
+                      <a:solidFill>
+                        <a:schemeClr val="bg2">
+                          <a:lumMod val="50000"/>
+                        </a:schemeClr>
+                      </a:solidFill>
+                      <a:prstDash val="solid"/>
+                      <a:round/>
+                      <a:headEnd type="none" w="med" len="med"/>
+                      <a:tailEnd type="none" w="med" len="med"/>
+                    </a:lnT>
+                    <a:lnB w="12700" cap="flat" cmpd="sng" algn="ctr">
+                      <a:solidFill>
+                        <a:schemeClr val="bg2">
+                          <a:lumMod val="50000"/>
+                        </a:schemeClr>
+                      </a:solidFill>
+                      <a:prstDash val="solid"/>
+                      <a:round/>
+                      <a:headEnd type="none" w="med" len="med"/>
+                      <a:tailEnd type="none" w="med" len="med"/>
+                    </a:lnB>
+                    <a:solidFill>
+                      <a:schemeClr val="tx1">
+                        <a:lumMod val="65000"/>
+                        <a:lumOff val="35000"/>
+                      </a:schemeClr>
+                    </a:solidFill>
+                  </a:tcPr>
+                </a:tc>
+                <a:tc>
+                  <a:txBody>
+                    <a:bodyPr/>
+                    <a:lstStyle/>
+                    <a:p>
+                      <a:pPr marL="347472" indent="-347472" rtl="0" fontAlgn="base">
+                        <a:spcBef>
+                          <a:spcPts val="0"/>
+                        </a:spcBef>
+                        <a:spcAft>
+                          <a:spcPts val="1000"/>
+                        </a:spcAft>
+                        <a:buFont typeface="+mj-lt"/>
+                        <a:buAutoNum type="arabicPeriod"/>
+                      </a:pPr>
+                      <a:r>
+                        <a:rPr lang="en-US" sz="1800" b="0" i="0" u="none" strike="noStrike" dirty="0">
+                          <a:solidFill>
+                            <a:schemeClr val="bg1"/>
+                          </a:solidFill>
+                          <a:effectLst/>
+                          <a:latin typeface="DIN Alternate" panose="020B0500000000000000" pitchFamily="34" charset="77"/>
+                        </a:rPr>
+                        <a:t>Evaluate whether activity can be repeated</a:t>
+                      </a:r>
+                    </a:p>
+                    <a:p>
+                      <a:pPr marL="347472" indent="-347472" rtl="0" fontAlgn="base">
+                        <a:spcBef>
+                          <a:spcPts val="0"/>
+                        </a:spcBef>
+                        <a:spcAft>
+                          <a:spcPts val="1000"/>
+                        </a:spcAft>
+                        <a:buFont typeface="+mj-lt"/>
+                        <a:buAutoNum type="arabicPeriod"/>
+                      </a:pPr>
+                      <a:r>
+                        <a:rPr lang="en-US" sz="1800" b="0" i="0" u="none" strike="noStrike" dirty="0">
+                          <a:solidFill>
+                            <a:schemeClr val="bg1"/>
+                          </a:solidFill>
+                          <a:effectLst/>
+                          <a:latin typeface="DIN Alternate" panose="020B0500000000000000" pitchFamily="34" charset="77"/>
+                        </a:rPr>
+                        <a:t>Ask whether to repeat activity or exit activity</a:t>
+                      </a:r>
+                    </a:p>
+                    <a:p>
+                      <a:pPr marL="347472" indent="-347472" rtl="0" fontAlgn="base">
+                        <a:spcBef>
+                          <a:spcPts val="0"/>
+                        </a:spcBef>
+                        <a:spcAft>
+                          <a:spcPts val="1000"/>
+                        </a:spcAft>
+                        <a:buFont typeface="+mj-lt"/>
+                        <a:buAutoNum type="arabicPeriod"/>
+                      </a:pPr>
+                      <a:r>
+                        <a:rPr lang="en-US" sz="1800" b="0" i="0" u="none" strike="noStrike" dirty="0">
+                          <a:solidFill>
+                            <a:schemeClr val="bg1"/>
+                          </a:solidFill>
+                          <a:effectLst/>
+                          <a:latin typeface="DIN Alternate" panose="020B0500000000000000" pitchFamily="34" charset="77"/>
+                        </a:rPr>
+                        <a:t>Verify and verbally acknowledge choice to repeat or exit the activity</a:t>
+                      </a:r>
+                    </a:p>
+                    <a:p>
+                      <a:pPr marL="347472" indent="-347472" rtl="0" fontAlgn="base">
+                        <a:spcBef>
+                          <a:spcPts val="0"/>
+                        </a:spcBef>
+                        <a:spcAft>
+                          <a:spcPts val="1000"/>
+                        </a:spcAft>
+                        <a:buFont typeface="+mj-lt"/>
+                        <a:buAutoNum type="arabicPeriod"/>
+                      </a:pPr>
+                      <a:r>
+                        <a:rPr lang="en-US" sz="1800" b="0" i="0" u="none" strike="noStrike" dirty="0">
+                          <a:solidFill>
+                            <a:schemeClr val="bg1"/>
+                          </a:solidFill>
+                          <a:effectLst/>
+                          <a:latin typeface="DIN Alternate" panose="020B0500000000000000" pitchFamily="34" charset="77"/>
+                        </a:rPr>
+                        <a:t>Re-initialize activity module</a:t>
+                      </a:r>
+                    </a:p>
+                    <a:p>
+                      <a:pPr marL="347472" indent="-347472" rtl="0" fontAlgn="base">
+                        <a:spcBef>
+                          <a:spcPts val="0"/>
+                        </a:spcBef>
+                        <a:spcAft>
+                          <a:spcPts val="1000"/>
+                        </a:spcAft>
+                        <a:buFont typeface="+mj-lt"/>
+                        <a:buAutoNum type="arabicPeriod"/>
+                      </a:pPr>
+                      <a:r>
+                        <a:rPr lang="en-US" sz="1800" b="0" i="0" u="none" strike="noStrike" dirty="0">
+                          <a:solidFill>
+                            <a:schemeClr val="bg1"/>
+                          </a:solidFill>
+                          <a:effectLst/>
+                          <a:latin typeface="DIN Alternate" panose="020B0500000000000000" pitchFamily="34" charset="77"/>
+                        </a:rPr>
+                        <a:t>Exit an unload activity module</a:t>
+                      </a:r>
+                    </a:p>
+                  </a:txBody>
+                  <a:tcPr marL="95250" marR="95250" marT="95250" marB="95250">
+                    <a:lnL w="12700" cap="flat" cmpd="sng" algn="ctr">
+                      <a:solidFill>
+                        <a:schemeClr val="bg2">
+                          <a:lumMod val="50000"/>
+                        </a:schemeClr>
+                      </a:solidFill>
+                      <a:prstDash val="solid"/>
+                      <a:round/>
+                      <a:headEnd type="none" w="med" len="med"/>
+                      <a:tailEnd type="none" w="med" len="med"/>
+                    </a:lnL>
+                    <a:lnR w="12700" cap="flat" cmpd="sng" algn="ctr">
+                      <a:solidFill>
+                        <a:schemeClr val="bg2">
+                          <a:lumMod val="50000"/>
+                        </a:schemeClr>
+                      </a:solidFill>
+                      <a:prstDash val="solid"/>
+                      <a:round/>
+                      <a:headEnd type="none" w="med" len="med"/>
+                      <a:tailEnd type="none" w="med" len="med"/>
+                    </a:lnR>
+                    <a:lnT w="12700" cap="flat" cmpd="sng" algn="ctr">
+                      <a:solidFill>
+                        <a:schemeClr val="bg2">
+                          <a:lumMod val="50000"/>
+                        </a:schemeClr>
+                      </a:solidFill>
+                      <a:prstDash val="solid"/>
+                      <a:round/>
+                      <a:headEnd type="none" w="med" len="med"/>
+                      <a:tailEnd type="none" w="med" len="med"/>
+                    </a:lnT>
+                    <a:lnB w="12700" cap="flat" cmpd="sng" algn="ctr">
+                      <a:solidFill>
+                        <a:schemeClr val="bg2">
+                          <a:lumMod val="50000"/>
+                        </a:schemeClr>
+                      </a:solidFill>
+                      <a:prstDash val="solid"/>
+                      <a:round/>
+                      <a:headEnd type="none" w="med" len="med"/>
+                      <a:tailEnd type="none" w="med" len="med"/>
+                    </a:lnB>
+                    <a:solidFill>
+                      <a:schemeClr val="tx1">
+                        <a:lumMod val="65000"/>
+                        <a:lumOff val="35000"/>
+                      </a:schemeClr>
+                    </a:solidFill>
+                  </a:tcPr>
+                </a:tc>
+                <a:tc>
+                  <a:txBody>
+                    <a:bodyPr/>
+                    <a:lstStyle/>
+                    <a:p>
+                      <a:pPr marL="347472" indent="-347472" rtl="0" fontAlgn="base">
+                        <a:spcBef>
+                          <a:spcPts val="1000"/>
+                        </a:spcBef>
+                        <a:spcAft>
+                          <a:spcPts val="0"/>
+                        </a:spcAft>
+                        <a:buFont typeface="+mj-lt"/>
+                        <a:buAutoNum type="arabicPeriod"/>
+                      </a:pPr>
+                      <a:r>
+                        <a:rPr lang="en-US" sz="1800" b="0" i="0" u="none" strike="noStrike" dirty="0">
+                          <a:solidFill>
+                            <a:schemeClr val="bg1"/>
+                          </a:solidFill>
+                          <a:effectLst/>
+                          <a:latin typeface="DIN Alternate" panose="020B0500000000000000" pitchFamily="34" charset="77"/>
+                        </a:rPr>
+                        <a:t>Verify and acknowledge selections &lt;= 1s after heard</a:t>
+                      </a:r>
+                    </a:p>
+                  </a:txBody>
+                  <a:tcPr marL="95250" marR="95250" marT="95250" marB="95250">
+                    <a:lnL w="12700" cap="flat" cmpd="sng" algn="ctr">
+                      <a:solidFill>
+                        <a:schemeClr val="bg2">
+                          <a:lumMod val="50000"/>
+                        </a:schemeClr>
+                      </a:solidFill>
+                      <a:prstDash val="solid"/>
+                      <a:round/>
+                      <a:headEnd type="none" w="med" len="med"/>
+                      <a:tailEnd type="none" w="med" len="med"/>
+                    </a:lnL>
+                    <a:lnR w="12700" cap="flat" cmpd="sng" algn="ctr">
+                      <a:solidFill>
+                        <a:schemeClr val="bg2">
+                          <a:lumMod val="50000"/>
+                        </a:schemeClr>
+                      </a:solidFill>
+                      <a:prstDash val="solid"/>
+                      <a:round/>
+                      <a:headEnd type="none" w="med" len="med"/>
+                      <a:tailEnd type="none" w="med" len="med"/>
+                    </a:lnR>
+                    <a:lnT w="12700" cap="flat" cmpd="sng" algn="ctr">
+                      <a:solidFill>
+                        <a:schemeClr val="bg2">
+                          <a:lumMod val="50000"/>
+                        </a:schemeClr>
+                      </a:solidFill>
+                      <a:prstDash val="solid"/>
+                      <a:round/>
+                      <a:headEnd type="none" w="med" len="med"/>
+                      <a:tailEnd type="none" w="med" len="med"/>
+                    </a:lnT>
+                    <a:lnB w="12700" cap="flat" cmpd="sng" algn="ctr">
+                      <a:solidFill>
+                        <a:schemeClr val="bg2">
+                          <a:lumMod val="50000"/>
+                        </a:schemeClr>
+                      </a:solidFill>
+                      <a:prstDash val="solid"/>
+                      <a:round/>
+                      <a:headEnd type="none" w="med" len="med"/>
+                      <a:tailEnd type="none" w="med" len="med"/>
+                    </a:lnB>
+                    <a:solidFill>
+                      <a:schemeClr val="tx1">
+                        <a:lumMod val="65000"/>
+                        <a:lumOff val="35000"/>
+                      </a:schemeClr>
+                    </a:solidFill>
+                  </a:tcPr>
+                </a:tc>
+                <a:extLst>
+                  <a:ext uri="{0D108BD9-81ED-4DB2-BD59-A6C34878D82A}">
+                    <a16:rowId xmlns:a16="http://schemas.microsoft.com/office/drawing/2014/main" val="4165890635"/>
+                  </a:ext>
+                </a:extLst>
+              </a:tr>
+            </a:tbl>
+          </a:graphicData>
+        </a:graphic>
+      </p:graphicFrame>
+      <p:pic>
+        <p:nvPicPr>
+          <p:cNvPr id="5" name="Graphic 4" descr="Hamburger Menu Icon with solid fill">
+            <a:hlinkClick r:id="" action="ppaction://hlinkshowjump?jump=lastslide"/>
+            <a:extLst>
+              <a:ext uri="{FF2B5EF4-FFF2-40B4-BE49-F238E27FC236}">
+                <a16:creationId xmlns:a16="http://schemas.microsoft.com/office/drawing/2014/main" id="{46064A05-F5B9-0C40-B2C1-6195364D776C}"/>
+              </a:ext>
+            </a:extLst>
+          </p:cNvPr>
+          <p:cNvPicPr>
+            <a:picLocks noChangeAspect="1"/>
+          </p:cNvPicPr>
+          <p:nvPr/>
+        </p:nvPicPr>
+        <p:blipFill>
+          <a:blip r:embed="rId3">
+            <a:extLst>
+              <a:ext uri="{28A0092B-C50C-407E-A947-70E740481C1C}">
+                <a14:useLocalDpi xmlns:a14="http://schemas.microsoft.com/office/drawing/2010/main" val="0"/>
+              </a:ext>
+              <a:ext uri="{96DAC541-7B7A-43D3-8B79-37D633B846F1}">
+                <asvg:svgBlip xmlns:asvg="http://schemas.microsoft.com/office/drawing/2016/SVG/main" r:embed="rId4"/>
+              </a:ext>
+            </a:extLst>
+          </a:blip>
+          <a:stretch>
+            <a:fillRect/>
+          </a:stretch>
+        </p:blipFill>
+        <p:spPr>
+          <a:xfrm>
+            <a:off x="97798" y="6346198"/>
+            <a:ext cx="359402" cy="359402"/>
+          </a:xfrm>
+          <a:prstGeom prst="rect">
+            <a:avLst/>
+          </a:prstGeom>
+          <a:effectLst>
+            <a:glow rad="101600">
+              <a:schemeClr val="tx1">
+                <a:lumMod val="75000"/>
+                <a:lumOff val="25000"/>
+                <a:alpha val="60000"/>
+              </a:schemeClr>
+            </a:glow>
+          </a:effectLst>
+        </p:spPr>
+      </p:pic>
+    </p:spTree>
+    <p:extLst>
+      <p:ext uri="{BB962C8B-B14F-4D97-AF65-F5344CB8AC3E}">
+        <p14:creationId xmlns:p14="http://schemas.microsoft.com/office/powerpoint/2010/main" val="2986775755"/>
+      </p:ext>
+    </p:extLst>
+  </p:cSld>
+  <p:clrMapOvr>
+    <a:masterClrMapping/>
+  </p:clrMapOvr>
+  <mc:AlternateContent xmlns:mc="http://schemas.openxmlformats.org/markup-compatibility/2006" xmlns:p14="http://schemas.microsoft.com/office/powerpoint/2010/main">
+    <mc:Choice Requires="p14">
+      <p:transition spd="slow" p14:dur="800">
+        <p14:glitter dir="r" pattern="hexagon"/>
+      </p:transition>
+    </mc:Choice>
+    <mc:Fallback xmlns="">
+      <p:transition spd="slow">
+        <p:fade/>
+      </p:transition>
+    </mc:Fallback>
+  </mc:AlternateContent>
+  <p:timing>
+    <p:tnLst>
+      <p:par>
+        <p:cTn id="1" dur="indefinite" restart="never" nodeType="tmRoot">
+          <p:childTnLst>
+            <p:seq concurrent="1" nextAc="seek">
+              <p:cTn id="2" restart="whenNotActive" fill="hold" evtFilter="cancelBubble" nodeType="interactiveSeq">
+                <p:stCondLst>
+                  <p:cond evt="onClick" delay="0">
+                    <p:tgtEl>
+                      <p:spTgt spid="2"/>
+                    </p:tgtEl>
+                  </p:cond>
+                </p:stCondLst>
+                <p:endSync evt="end" delay="0">
+                  <p:rtn val="all"/>
+                </p:endSync>
+                <p:childTnLst>
+                  <p:par>
+                    <p:cTn id="3" fill="hold">
+                      <p:stCondLst>
+                        <p:cond delay="0"/>
+                      </p:stCondLst>
+                      <p:childTnLst>
+                        <p:par>
+                          <p:cTn id="4" fill="hold">
+                            <p:stCondLst>
+                              <p:cond delay="0"/>
+                            </p:stCondLst>
+                            <p:childTnLst>
+                              <p:par>
+                                <p:cTn id="5" presetID="26" presetClass="emph" presetSubtype="0" fill="hold" nodeType="clickEffect">
+                                  <p:stCondLst>
+                                    <p:cond delay="0"/>
+                                  </p:stCondLst>
+                                  <p:childTnLst>
+                                    <p:animEffect transition="out" filter="fade">
+                                      <p:cBhvr>
+                                        <p:cTn id="6" dur="500" tmFilter="0, 0; .2, .5; .8, .5; 1, 0"/>
+                                        <p:tgtEl>
+                                          <p:spTgt spid="5"/>
+                                        </p:tgtEl>
+                                      </p:cBhvr>
+                                    </p:animEffect>
+                                    <p:animScale>
+                                      <p:cBhvr>
+                                        <p:cTn id="7" dur="250" autoRev="1" fill="hold"/>
+                                        <p:tgtEl>
+                                          <p:spTgt spid="5"/>
+                                        </p:tgtEl>
+                                      </p:cBhvr>
+                                      <p:by x="105000" y="105000"/>
+                                    </p:animScale>
+                                  </p:childTnLst>
+                                </p:cTn>
+                              </p:par>
+                            </p:childTnLst>
+                          </p:cTn>
+                        </p:par>
+                      </p:childTnLst>
+                    </p:cTn>
+                  </p:par>
+                </p:childTnLst>
+              </p:cTn>
+              <p:nextCondLst>
+                <p:cond evt="onClick" delay="0">
+                  <p:tgtEl>
+                    <p:spTgt spid="2"/>
+                  </p:tgtEl>
+                </p:cond>
+              </p:nextCondLst>
+            </p:seq>
+          </p:childTnLst>
+        </p:cTn>
+      </p:par>
+    </p:tnLst>
+  </p:timing>
+</p:sld>
+</file>
+
+<file path=ppt/slides/slide27.xml><?xml version="1.0" encoding="utf-8"?>
+<p:sld xmlns:a="http://schemas.openxmlformats.org/drawingml/2006/main" xmlns:r="http://schemas.openxmlformats.org/officeDocument/2006/relationships" xmlns:p="http://schemas.openxmlformats.org/presentationml/2006/main">
+  <p:cSld>
+    <p:bg>
+      <p:bgPr>
+        <a:solidFill>
+          <a:schemeClr val="tx1"/>
+        </a:solidFill>
+        <a:effectLst/>
+      </p:bgPr>
+    </p:bg>
+    <p:spTree>
+      <p:nvGrpSpPr>
+        <p:cNvPr id="1" name=""/>
+        <p:cNvGrpSpPr/>
+        <p:nvPr/>
+      </p:nvGrpSpPr>
+      <p:grpSpPr>
+        <a:xfrm>
+          <a:off x="0" y="0"/>
+          <a:ext cx="0" cy="0"/>
+          <a:chOff x="0" y="0"/>
+          <a:chExt cx="0" cy="0"/>
+        </a:xfrm>
+      </p:grpSpPr>
+      <p:sp>
+        <p:nvSpPr>
+          <p:cNvPr id="2" name="Title 1">
+            <a:extLst>
+              <a:ext uri="{FF2B5EF4-FFF2-40B4-BE49-F238E27FC236}">
+                <a16:creationId xmlns:a16="http://schemas.microsoft.com/office/drawing/2014/main" id="{DD6F7378-717F-9548-B681-E7D3777FFE5E}"/>
+              </a:ext>
+            </a:extLst>
+          </p:cNvPr>
+          <p:cNvSpPr>
+            <a:spLocks noGrp="1"/>
+          </p:cNvSpPr>
+          <p:nvPr>
+            <p:ph type="title"/>
+          </p:nvPr>
+        </p:nvSpPr>
+        <p:spPr>
+          <a:xfrm>
+            <a:off x="304799" y="274638"/>
+            <a:ext cx="8534397" cy="715962"/>
+          </a:xfrm>
+          <a:prstGeom prst="roundRect">
+            <a:avLst/>
+          </a:prstGeom>
+          <a:solidFill>
+            <a:schemeClr val="bg2">
+              <a:lumMod val="50000"/>
+            </a:schemeClr>
+          </a:solidFill>
+          <a:effectLst/>
+        </p:spPr>
+        <p:txBody>
+          <a:bodyPr>
+            <a:normAutofit fontScale="90000"/>
+          </a:bodyPr>
+          <a:lstStyle/>
+          <a:p>
+            <a:r>
+              <a:rPr lang="en-US" dirty="0">
+                <a:solidFill>
+                  <a:schemeClr val="bg1"/>
+                </a:solidFill>
+                <a:effectLst>
+                  <a:glow rad="101600">
+                    <a:schemeClr val="tx1">
+                      <a:alpha val="60000"/>
+                    </a:schemeClr>
+                  </a:glow>
+                  <a:outerShdw blurRad="50800" dist="38100" dir="8100000" algn="tr" rotWithShape="0">
+                    <a:prstClr val="black">
+                      <a:alpha val="40000"/>
+                    </a:prstClr>
+                  </a:outerShdw>
+                </a:effectLst>
+                <a:latin typeface="DIN Alternate" panose="020B0500000000000000" pitchFamily="34" charset="77"/>
+              </a:rPr>
               <a:t>BLOCK DIAGRAM</a:t>
             </a:r>
           </a:p>
@@ -29166,7 +29806,7 @@
             <a:fld id="{9E3EFB43-BEAF-4970-A06C-24B01B76FA99}" type="slidenum">
               <a:rPr lang="en-US" smtClean="0"/>
               <a:pPr/>
-              <a:t>26</a:t>
+              <a:t>27</a:t>
             </a:fld>
             <a:endParaRPr lang="en-US" dirty="0"/>
           </a:p>
@@ -29386,7 +30026,7 @@
 </p:sld>
 </file>
 
-<file path=ppt/slides/slide27.xml><?xml version="1.0" encoding="utf-8"?>
+<file path=ppt/slides/slide28.xml><?xml version="1.0" encoding="utf-8"?>
 <p:sld xmlns:a="http://schemas.openxmlformats.org/drawingml/2006/main" xmlns:r="http://schemas.openxmlformats.org/officeDocument/2006/relationships" xmlns:p="http://schemas.openxmlformats.org/presentationml/2006/main">
   <p:cSld>
     <p:bg>
@@ -29544,7 +30184,7 @@
             <a:fld id="{9E3EFB43-BEAF-4970-A06C-24B01B76FA99}" type="slidenum">
               <a:rPr lang="en-US" smtClean="0"/>
               <a:pPr/>
-              <a:t>27</a:t>
+              <a:t>28</a:t>
             </a:fld>
             <a:endParaRPr lang="en-US" dirty="0"/>
           </a:p>
@@ -29967,7 +30607,7 @@
 </p:sld>
 </file>
 
-<file path=ppt/slides/slide28.xml><?xml version="1.0" encoding="utf-8"?>
+<file path=ppt/slides/slide29.xml><?xml version="1.0" encoding="utf-8"?>
 <p:sld xmlns:a="http://schemas.openxmlformats.org/drawingml/2006/main" xmlns:r="http://schemas.openxmlformats.org/officeDocument/2006/relationships" xmlns:p="http://schemas.openxmlformats.org/presentationml/2006/main">
   <p:cSld>
     <p:bg>
@@ -30125,7 +30765,7 @@
             <a:fld id="{9E3EFB43-BEAF-4970-A06C-24B01B76FA99}" type="slidenum">
               <a:rPr lang="en-US" smtClean="0"/>
               <a:pPr/>
-              <a:t>28</a:t>
+              <a:t>29</a:t>
             </a:fld>
             <a:endParaRPr lang="en-US" dirty="0"/>
           </a:p>
@@ -30412,7 +31052,428 @@
 </p:sld>
 </file>
 
-<file path=ppt/slides/slide29.xml><?xml version="1.0" encoding="utf-8"?>
+<file path=ppt/slides/slide3.xml><?xml version="1.0" encoding="utf-8"?>
+<p:sld xmlns:a="http://schemas.openxmlformats.org/drawingml/2006/main" xmlns:r="http://schemas.openxmlformats.org/officeDocument/2006/relationships" xmlns:p="http://schemas.openxmlformats.org/presentationml/2006/main">
+  <p:cSld>
+    <p:bg>
+      <p:bgPr>
+        <a:solidFill>
+          <a:schemeClr val="tx1"/>
+        </a:solidFill>
+        <a:effectLst/>
+      </p:bgPr>
+    </p:bg>
+    <p:spTree>
+      <p:nvGrpSpPr>
+        <p:cNvPr id="1" name=""/>
+        <p:cNvGrpSpPr/>
+        <p:nvPr/>
+      </p:nvGrpSpPr>
+      <p:grpSpPr>
+        <a:xfrm>
+          <a:off x="0" y="0"/>
+          <a:ext cx="0" cy="0"/>
+          <a:chOff x="0" y="0"/>
+          <a:chExt cx="0" cy="0"/>
+        </a:xfrm>
+      </p:grpSpPr>
+      <p:pic>
+        <p:nvPicPr>
+          <p:cNvPr id="8" name="Graphic 7" descr="World outline">
+            <a:extLst>
+              <a:ext uri="{FF2B5EF4-FFF2-40B4-BE49-F238E27FC236}">
+                <a16:creationId xmlns:a16="http://schemas.microsoft.com/office/drawing/2014/main" id="{1D149CB9-7EB9-5744-9FF4-C2FE0E69B24B}"/>
+              </a:ext>
+            </a:extLst>
+          </p:cNvPr>
+          <p:cNvPicPr>
+            <a:picLocks noChangeAspect="1"/>
+          </p:cNvPicPr>
+          <p:nvPr/>
+        </p:nvPicPr>
+        <p:blipFill>
+          <a:blip r:embed="rId3">
+            <a:extLst>
+              <a:ext uri="{28A0092B-C50C-407E-A947-70E740481C1C}">
+                <a14:useLocalDpi xmlns:a14="http://schemas.microsoft.com/office/drawing/2010/main" val="0"/>
+              </a:ext>
+              <a:ext uri="{96DAC541-7B7A-43D3-8B79-37D633B846F1}">
+                <asvg:svgBlip xmlns:asvg="http://schemas.microsoft.com/office/drawing/2016/SVG/main" r:embed="rId4"/>
+              </a:ext>
+            </a:extLst>
+          </a:blip>
+          <a:stretch>
+            <a:fillRect/>
+          </a:stretch>
+        </p:blipFill>
+        <p:spPr>
+          <a:xfrm>
+            <a:off x="1447800" y="609600"/>
+            <a:ext cx="5867400" cy="5867400"/>
+          </a:xfrm>
+          <a:prstGeom prst="rect">
+            <a:avLst/>
+          </a:prstGeom>
+          <a:effectLst>
+            <a:glow rad="101600">
+              <a:schemeClr val="tx1">
+                <a:lumMod val="75000"/>
+                <a:lumOff val="25000"/>
+                <a:alpha val="60000"/>
+              </a:schemeClr>
+            </a:glow>
+          </a:effectLst>
+        </p:spPr>
+      </p:pic>
+      <p:sp>
+        <p:nvSpPr>
+          <p:cNvPr id="2" name="Title 1">
+            <a:extLst>
+              <a:ext uri="{FF2B5EF4-FFF2-40B4-BE49-F238E27FC236}">
+                <a16:creationId xmlns:a16="http://schemas.microsoft.com/office/drawing/2014/main" id="{DD6F7378-717F-9548-B681-E7D3777FFE5E}"/>
+              </a:ext>
+            </a:extLst>
+          </p:cNvPr>
+          <p:cNvSpPr>
+            <a:spLocks noGrp="1"/>
+          </p:cNvSpPr>
+          <p:nvPr>
+            <p:ph type="title"/>
+          </p:nvPr>
+        </p:nvSpPr>
+        <p:spPr>
+          <a:xfrm>
+            <a:off x="304800" y="274638"/>
+            <a:ext cx="8534400" cy="715962"/>
+          </a:xfrm>
+          <a:prstGeom prst="roundRect">
+            <a:avLst/>
+          </a:prstGeom>
+          <a:solidFill>
+            <a:schemeClr val="bg2">
+              <a:lumMod val="50000"/>
+            </a:schemeClr>
+          </a:solidFill>
+          <a:effectLst/>
+        </p:spPr>
+        <p:txBody>
+          <a:bodyPr>
+            <a:normAutofit fontScale="90000"/>
+          </a:bodyPr>
+          <a:lstStyle/>
+          <a:p>
+            <a:r>
+              <a:rPr lang="en-US" dirty="0">
+                <a:solidFill>
+                  <a:schemeClr val="bg1"/>
+                </a:solidFill>
+                <a:effectLst>
+                  <a:glow rad="101600">
+                    <a:schemeClr val="tx1">
+                      <a:alpha val="60000"/>
+                    </a:schemeClr>
+                  </a:glow>
+                  <a:outerShdw blurRad="50800" dist="38100" dir="8100000" algn="tr" rotWithShape="0">
+                    <a:prstClr val="black">
+                      <a:alpha val="40000"/>
+                    </a:prstClr>
+                  </a:outerShdw>
+                </a:effectLst>
+                <a:latin typeface="DIN Alternate" panose="020B0500000000000000" pitchFamily="34" charset="77"/>
+              </a:rPr>
+              <a:t>PROBLEM OVERVIEW</a:t>
+            </a:r>
+          </a:p>
+        </p:txBody>
+      </p:sp>
+      <p:sp>
+        <p:nvSpPr>
+          <p:cNvPr id="4" name="Slide Number Placeholder 3">
+            <a:extLst>
+              <a:ext uri="{FF2B5EF4-FFF2-40B4-BE49-F238E27FC236}">
+                <a16:creationId xmlns:a16="http://schemas.microsoft.com/office/drawing/2014/main" id="{81F78564-DDBC-C349-9023-BCC92159213B}"/>
+              </a:ext>
+            </a:extLst>
+          </p:cNvPr>
+          <p:cNvSpPr>
+            <a:spLocks noGrp="1"/>
+          </p:cNvSpPr>
+          <p:nvPr>
+            <p:ph type="sldNum" sz="quarter" idx="12"/>
+          </p:nvPr>
+        </p:nvSpPr>
+        <p:spPr/>
+        <p:txBody>
+          <a:bodyPr/>
+          <a:lstStyle/>
+          <a:p>
+            <a:fld id="{9E3EFB43-BEAF-4970-A06C-24B01B76FA99}" type="slidenum">
+              <a:rPr lang="en-US" smtClean="0"/>
+              <a:pPr/>
+              <a:t>3</a:t>
+            </a:fld>
+            <a:endParaRPr lang="en-US" dirty="0"/>
+          </a:p>
+        </p:txBody>
+      </p:sp>
+      <p:sp>
+        <p:nvSpPr>
+          <p:cNvPr id="6" name="Rounded Rectangle 5">
+            <a:extLst>
+              <a:ext uri="{FF2B5EF4-FFF2-40B4-BE49-F238E27FC236}">
+                <a16:creationId xmlns:a16="http://schemas.microsoft.com/office/drawing/2014/main" id="{A15D5860-F3B3-8049-A456-E0401261676B}"/>
+              </a:ext>
+            </a:extLst>
+          </p:cNvPr>
+          <p:cNvSpPr/>
+          <p:nvPr/>
+        </p:nvSpPr>
+        <p:spPr>
+          <a:xfrm>
+            <a:off x="304800" y="1676400"/>
+            <a:ext cx="8534400" cy="3733800"/>
+          </a:xfrm>
+          <a:prstGeom prst="roundRect">
+            <a:avLst>
+              <a:gd name="adj" fmla="val 3540"/>
+            </a:avLst>
+          </a:prstGeom>
+          <a:solidFill>
+            <a:schemeClr val="tx1">
+              <a:lumMod val="85000"/>
+              <a:lumOff val="15000"/>
+              <a:alpha val="90000"/>
+            </a:schemeClr>
+          </a:solidFill>
+          <a:ln w="12700">
+            <a:solidFill>
+              <a:schemeClr val="bg2">
+                <a:lumMod val="50000"/>
+              </a:schemeClr>
+            </a:solidFill>
+          </a:ln>
+        </p:spPr>
+        <p:style>
+          <a:lnRef idx="2">
+            <a:schemeClr val="accent1">
+              <a:shade val="50000"/>
+            </a:schemeClr>
+          </a:lnRef>
+          <a:fillRef idx="1">
+            <a:schemeClr val="accent1"/>
+          </a:fillRef>
+          <a:effectRef idx="0">
+            <a:schemeClr val="accent1"/>
+          </a:effectRef>
+          <a:fontRef idx="minor">
+            <a:schemeClr val="lt1"/>
+          </a:fontRef>
+        </p:style>
+        <p:txBody>
+          <a:bodyPr rtlCol="0" anchor="ctr"/>
+          <a:lstStyle/>
+          <a:p>
+            <a:pPr marL="285750" indent="-285750" fontAlgn="base">
+              <a:buFont typeface="Arial" panose="020B0604020202020204" pitchFamily="34" charset="0"/>
+              <a:buChar char="•"/>
+            </a:pPr>
+            <a:r>
+              <a:rPr lang="en-US" sz="3200" dirty="0">
+                <a:latin typeface="DIN Alternate" panose="020B0500000000000000" pitchFamily="34" charset="77"/>
+              </a:rPr>
+              <a:t>ASD impairs social interactions</a:t>
+            </a:r>
+          </a:p>
+          <a:p>
+            <a:pPr marL="285750" indent="-285750" fontAlgn="base">
+              <a:buFont typeface="Arial" panose="020B0604020202020204" pitchFamily="34" charset="0"/>
+              <a:buChar char="•"/>
+            </a:pPr>
+            <a:r>
+              <a:rPr lang="en-US" sz="3200" dirty="0">
+                <a:latin typeface="DIN Alternate" panose="020B0500000000000000" pitchFamily="34" charset="77"/>
+              </a:rPr>
+              <a:t>Even more important to learn these skills while young</a:t>
+            </a:r>
+          </a:p>
+          <a:p>
+            <a:pPr marL="285750" indent="-285750" fontAlgn="base">
+              <a:buFont typeface="Arial" panose="020B0604020202020204" pitchFamily="34" charset="0"/>
+              <a:buChar char="•"/>
+            </a:pPr>
+            <a:r>
+              <a:rPr lang="en-US" sz="3200" dirty="0">
+                <a:latin typeface="DIN Alternate" panose="020B0500000000000000" pitchFamily="34" charset="77"/>
+              </a:rPr>
+              <a:t>Social interactions are critical for future success</a:t>
+            </a:r>
+          </a:p>
+          <a:p>
+            <a:pPr marL="285750" indent="-285750" fontAlgn="base">
+              <a:buFont typeface="Arial" panose="020B0604020202020204" pitchFamily="34" charset="0"/>
+              <a:buChar char="•"/>
+            </a:pPr>
+            <a:r>
+              <a:rPr lang="en-US" sz="3200" dirty="0">
+                <a:latin typeface="DIN Alternate" panose="020B0500000000000000" pitchFamily="34" charset="77"/>
+              </a:rPr>
+              <a:t>Robotics may be a key solution to developing these social skills</a:t>
+            </a:r>
+          </a:p>
+        </p:txBody>
+      </p:sp>
+      <p:pic>
+        <p:nvPicPr>
+          <p:cNvPr id="9" name="Graphic 8" descr="Hamburger Menu Icon with solid fill">
+            <a:hlinkClick r:id="" action="ppaction://hlinkshowjump?jump=lastslide"/>
+            <a:extLst>
+              <a:ext uri="{FF2B5EF4-FFF2-40B4-BE49-F238E27FC236}">
+                <a16:creationId xmlns:a16="http://schemas.microsoft.com/office/drawing/2014/main" id="{E200C87F-E2CC-B044-AFA8-34A938BCF4AB}"/>
+              </a:ext>
+            </a:extLst>
+          </p:cNvPr>
+          <p:cNvPicPr>
+            <a:picLocks noChangeAspect="1"/>
+          </p:cNvPicPr>
+          <p:nvPr/>
+        </p:nvPicPr>
+        <p:blipFill>
+          <a:blip r:embed="rId5">
+            <a:extLst>
+              <a:ext uri="{28A0092B-C50C-407E-A947-70E740481C1C}">
+                <a14:useLocalDpi xmlns:a14="http://schemas.microsoft.com/office/drawing/2010/main" val="0"/>
+              </a:ext>
+              <a:ext uri="{96DAC541-7B7A-43D3-8B79-37D633B846F1}">
+                <asvg:svgBlip xmlns:asvg="http://schemas.microsoft.com/office/drawing/2016/SVG/main" r:embed="rId6"/>
+              </a:ext>
+            </a:extLst>
+          </a:blip>
+          <a:stretch>
+            <a:fillRect/>
+          </a:stretch>
+        </p:blipFill>
+        <p:spPr>
+          <a:xfrm>
+            <a:off x="97798" y="6346198"/>
+            <a:ext cx="359402" cy="359402"/>
+          </a:xfrm>
+          <a:prstGeom prst="rect">
+            <a:avLst/>
+          </a:prstGeom>
+          <a:effectLst>
+            <a:glow rad="101600">
+              <a:schemeClr val="tx1">
+                <a:lumMod val="75000"/>
+                <a:lumOff val="25000"/>
+                <a:alpha val="60000"/>
+              </a:schemeClr>
+            </a:glow>
+          </a:effectLst>
+        </p:spPr>
+      </p:pic>
+    </p:spTree>
+    <p:extLst>
+      <p:ext uri="{BB962C8B-B14F-4D97-AF65-F5344CB8AC3E}">
+        <p14:creationId xmlns:p14="http://schemas.microsoft.com/office/powerpoint/2010/main" val="3381695789"/>
+      </p:ext>
+    </p:extLst>
+  </p:cSld>
+  <p:clrMapOvr>
+    <a:masterClrMapping/>
+  </p:clrMapOvr>
+  <mc:AlternateContent xmlns:mc="http://schemas.openxmlformats.org/markup-compatibility/2006" xmlns:p14="http://schemas.microsoft.com/office/powerpoint/2010/main">
+    <mc:Choice Requires="p14">
+      <p:transition spd="slow" p14:dur="800">
+        <p14:glitter dir="r" pattern="hexagon"/>
+      </p:transition>
+    </mc:Choice>
+    <mc:Fallback xmlns="">
+      <p:transition spd="slow">
+        <p:fade/>
+      </p:transition>
+    </mc:Fallback>
+  </mc:AlternateContent>
+  <p:timing>
+    <p:tnLst>
+      <p:par>
+        <p:cTn id="1" dur="indefinite" restart="never" nodeType="tmRoot">
+          <p:childTnLst>
+            <p:seq concurrent="1" nextAc="seek">
+              <p:cTn id="2" restart="whenNotActive" fill="hold" evtFilter="cancelBubble" nodeType="interactiveSeq">
+                <p:stCondLst>
+                  <p:cond evt="onClick" delay="0">
+                    <p:tgtEl>
+                      <p:spTgt spid="8"/>
+                    </p:tgtEl>
+                  </p:cond>
+                </p:stCondLst>
+                <p:endSync evt="end" delay="0">
+                  <p:rtn val="all"/>
+                </p:endSync>
+                <p:childTnLst>
+                  <p:par>
+                    <p:cTn id="3" fill="hold">
+                      <p:stCondLst>
+                        <p:cond delay="0"/>
+                      </p:stCondLst>
+                      <p:childTnLst>
+                        <p:par>
+                          <p:cTn id="4" fill="hold">
+                            <p:stCondLst>
+                              <p:cond delay="0"/>
+                            </p:stCondLst>
+                            <p:childTnLst>
+                              <p:par>
+                                <p:cTn id="5" presetID="26" presetClass="emph" presetSubtype="0" fill="hold" nodeType="clickEffect">
+                                  <p:stCondLst>
+                                    <p:cond delay="0"/>
+                                  </p:stCondLst>
+                                  <p:childTnLst>
+                                    <p:animEffect transition="out" filter="fade">
+                                      <p:cBhvr>
+                                        <p:cTn id="6" dur="500" tmFilter="0, 0; .2, .5; .8, .5; 1, 0"/>
+                                        <p:tgtEl>
+                                          <p:spTgt spid="9"/>
+                                        </p:tgtEl>
+                                      </p:cBhvr>
+                                    </p:animEffect>
+                                    <p:animScale>
+                                      <p:cBhvr>
+                                        <p:cTn id="7" dur="250" autoRev="1" fill="hold"/>
+                                        <p:tgtEl>
+                                          <p:spTgt spid="9"/>
+                                        </p:tgtEl>
+                                      </p:cBhvr>
+                                      <p:by x="105000" y="105000"/>
+                                    </p:animScale>
+                                  </p:childTnLst>
+                                </p:cTn>
+                              </p:par>
+                            </p:childTnLst>
+                          </p:cTn>
+                        </p:par>
+                      </p:childTnLst>
+                    </p:cTn>
+                  </p:par>
+                </p:childTnLst>
+              </p:cTn>
+              <p:nextCondLst>
+                <p:cond evt="onClick" delay="0">
+                  <p:tgtEl>
+                    <p:spTgt spid="8"/>
+                  </p:tgtEl>
+                </p:cond>
+              </p:nextCondLst>
+            </p:seq>
+          </p:childTnLst>
+        </p:cTn>
+      </p:par>
+    </p:tnLst>
+  </p:timing>
+</p:sld>
+</file>
+
+<file path=ppt/slides/slide30.xml><?xml version="1.0" encoding="utf-8"?>
 <p:sld xmlns:a="http://schemas.openxmlformats.org/drawingml/2006/main" xmlns:r="http://schemas.openxmlformats.org/officeDocument/2006/relationships" xmlns:p="http://schemas.openxmlformats.org/presentationml/2006/main">
   <p:cSld>
     <p:bg>
@@ -30524,7 +31585,7 @@
                 <a:latin typeface="DIN Alternate" panose="020B0500000000000000" pitchFamily="34" charset="77"/>
               </a:rPr>
               <a:pPr/>
-              <a:t>29</a:t>
+              <a:t>30</a:t>
             </a:fld>
             <a:endParaRPr lang="en-US" dirty="0">
               <a:latin typeface="DIN Alternate" panose="020B0500000000000000" pitchFamily="34" charset="77"/>
@@ -31710,428 +32771,7 @@
 </p:sld>
 </file>
 
-<file path=ppt/slides/slide3.xml><?xml version="1.0" encoding="utf-8"?>
-<p:sld xmlns:a="http://schemas.openxmlformats.org/drawingml/2006/main" xmlns:r="http://schemas.openxmlformats.org/officeDocument/2006/relationships" xmlns:p="http://schemas.openxmlformats.org/presentationml/2006/main">
-  <p:cSld>
-    <p:bg>
-      <p:bgPr>
-        <a:solidFill>
-          <a:schemeClr val="tx1"/>
-        </a:solidFill>
-        <a:effectLst/>
-      </p:bgPr>
-    </p:bg>
-    <p:spTree>
-      <p:nvGrpSpPr>
-        <p:cNvPr id="1" name=""/>
-        <p:cNvGrpSpPr/>
-        <p:nvPr/>
-      </p:nvGrpSpPr>
-      <p:grpSpPr>
-        <a:xfrm>
-          <a:off x="0" y="0"/>
-          <a:ext cx="0" cy="0"/>
-          <a:chOff x="0" y="0"/>
-          <a:chExt cx="0" cy="0"/>
-        </a:xfrm>
-      </p:grpSpPr>
-      <p:pic>
-        <p:nvPicPr>
-          <p:cNvPr id="8" name="Graphic 7" descr="World outline">
-            <a:extLst>
-              <a:ext uri="{FF2B5EF4-FFF2-40B4-BE49-F238E27FC236}">
-                <a16:creationId xmlns:a16="http://schemas.microsoft.com/office/drawing/2014/main" id="{1D149CB9-7EB9-5744-9FF4-C2FE0E69B24B}"/>
-              </a:ext>
-            </a:extLst>
-          </p:cNvPr>
-          <p:cNvPicPr>
-            <a:picLocks noChangeAspect="1"/>
-          </p:cNvPicPr>
-          <p:nvPr/>
-        </p:nvPicPr>
-        <p:blipFill>
-          <a:blip r:embed="rId3">
-            <a:extLst>
-              <a:ext uri="{28A0092B-C50C-407E-A947-70E740481C1C}">
-                <a14:useLocalDpi xmlns:a14="http://schemas.microsoft.com/office/drawing/2010/main" val="0"/>
-              </a:ext>
-              <a:ext uri="{96DAC541-7B7A-43D3-8B79-37D633B846F1}">
-                <asvg:svgBlip xmlns:asvg="http://schemas.microsoft.com/office/drawing/2016/SVG/main" r:embed="rId4"/>
-              </a:ext>
-            </a:extLst>
-          </a:blip>
-          <a:stretch>
-            <a:fillRect/>
-          </a:stretch>
-        </p:blipFill>
-        <p:spPr>
-          <a:xfrm>
-            <a:off x="1447800" y="609600"/>
-            <a:ext cx="5867400" cy="5867400"/>
-          </a:xfrm>
-          <a:prstGeom prst="rect">
-            <a:avLst/>
-          </a:prstGeom>
-          <a:effectLst>
-            <a:glow rad="101600">
-              <a:schemeClr val="tx1">
-                <a:lumMod val="75000"/>
-                <a:lumOff val="25000"/>
-                <a:alpha val="60000"/>
-              </a:schemeClr>
-            </a:glow>
-          </a:effectLst>
-        </p:spPr>
-      </p:pic>
-      <p:sp>
-        <p:nvSpPr>
-          <p:cNvPr id="2" name="Title 1">
-            <a:extLst>
-              <a:ext uri="{FF2B5EF4-FFF2-40B4-BE49-F238E27FC236}">
-                <a16:creationId xmlns:a16="http://schemas.microsoft.com/office/drawing/2014/main" id="{DD6F7378-717F-9548-B681-E7D3777FFE5E}"/>
-              </a:ext>
-            </a:extLst>
-          </p:cNvPr>
-          <p:cNvSpPr>
-            <a:spLocks noGrp="1"/>
-          </p:cNvSpPr>
-          <p:nvPr>
-            <p:ph type="title"/>
-          </p:nvPr>
-        </p:nvSpPr>
-        <p:spPr>
-          <a:xfrm>
-            <a:off x="304800" y="274638"/>
-            <a:ext cx="8534400" cy="715962"/>
-          </a:xfrm>
-          <a:prstGeom prst="roundRect">
-            <a:avLst/>
-          </a:prstGeom>
-          <a:solidFill>
-            <a:schemeClr val="bg2">
-              <a:lumMod val="50000"/>
-            </a:schemeClr>
-          </a:solidFill>
-          <a:effectLst/>
-        </p:spPr>
-        <p:txBody>
-          <a:bodyPr>
-            <a:normAutofit fontScale="90000"/>
-          </a:bodyPr>
-          <a:lstStyle/>
-          <a:p>
-            <a:r>
-              <a:rPr lang="en-US" dirty="0">
-                <a:solidFill>
-                  <a:schemeClr val="bg1"/>
-                </a:solidFill>
-                <a:effectLst>
-                  <a:glow rad="101600">
-                    <a:schemeClr val="tx1">
-                      <a:alpha val="60000"/>
-                    </a:schemeClr>
-                  </a:glow>
-                  <a:outerShdw blurRad="50800" dist="38100" dir="8100000" algn="tr" rotWithShape="0">
-                    <a:prstClr val="black">
-                      <a:alpha val="40000"/>
-                    </a:prstClr>
-                  </a:outerShdw>
-                </a:effectLst>
-                <a:latin typeface="DIN Alternate" panose="020B0500000000000000" pitchFamily="34" charset="77"/>
-              </a:rPr>
-              <a:t>PROBLEM OVERVIEW</a:t>
-            </a:r>
-          </a:p>
-        </p:txBody>
-      </p:sp>
-      <p:sp>
-        <p:nvSpPr>
-          <p:cNvPr id="4" name="Slide Number Placeholder 3">
-            <a:extLst>
-              <a:ext uri="{FF2B5EF4-FFF2-40B4-BE49-F238E27FC236}">
-                <a16:creationId xmlns:a16="http://schemas.microsoft.com/office/drawing/2014/main" id="{81F78564-DDBC-C349-9023-BCC92159213B}"/>
-              </a:ext>
-            </a:extLst>
-          </p:cNvPr>
-          <p:cNvSpPr>
-            <a:spLocks noGrp="1"/>
-          </p:cNvSpPr>
-          <p:nvPr>
-            <p:ph type="sldNum" sz="quarter" idx="12"/>
-          </p:nvPr>
-        </p:nvSpPr>
-        <p:spPr/>
-        <p:txBody>
-          <a:bodyPr/>
-          <a:lstStyle/>
-          <a:p>
-            <a:fld id="{9E3EFB43-BEAF-4970-A06C-24B01B76FA99}" type="slidenum">
-              <a:rPr lang="en-US" smtClean="0"/>
-              <a:pPr/>
-              <a:t>3</a:t>
-            </a:fld>
-            <a:endParaRPr lang="en-US" dirty="0"/>
-          </a:p>
-        </p:txBody>
-      </p:sp>
-      <p:sp>
-        <p:nvSpPr>
-          <p:cNvPr id="6" name="Rounded Rectangle 5">
-            <a:extLst>
-              <a:ext uri="{FF2B5EF4-FFF2-40B4-BE49-F238E27FC236}">
-                <a16:creationId xmlns:a16="http://schemas.microsoft.com/office/drawing/2014/main" id="{A15D5860-F3B3-8049-A456-E0401261676B}"/>
-              </a:ext>
-            </a:extLst>
-          </p:cNvPr>
-          <p:cNvSpPr/>
-          <p:nvPr/>
-        </p:nvSpPr>
-        <p:spPr>
-          <a:xfrm>
-            <a:off x="304800" y="1676400"/>
-            <a:ext cx="8534400" cy="3733800"/>
-          </a:xfrm>
-          <a:prstGeom prst="roundRect">
-            <a:avLst>
-              <a:gd name="adj" fmla="val 3540"/>
-            </a:avLst>
-          </a:prstGeom>
-          <a:solidFill>
-            <a:schemeClr val="tx1">
-              <a:lumMod val="85000"/>
-              <a:lumOff val="15000"/>
-              <a:alpha val="90000"/>
-            </a:schemeClr>
-          </a:solidFill>
-          <a:ln w="12700">
-            <a:solidFill>
-              <a:schemeClr val="bg2">
-                <a:lumMod val="50000"/>
-              </a:schemeClr>
-            </a:solidFill>
-          </a:ln>
-        </p:spPr>
-        <p:style>
-          <a:lnRef idx="2">
-            <a:schemeClr val="accent1">
-              <a:shade val="50000"/>
-            </a:schemeClr>
-          </a:lnRef>
-          <a:fillRef idx="1">
-            <a:schemeClr val="accent1"/>
-          </a:fillRef>
-          <a:effectRef idx="0">
-            <a:schemeClr val="accent1"/>
-          </a:effectRef>
-          <a:fontRef idx="minor">
-            <a:schemeClr val="lt1"/>
-          </a:fontRef>
-        </p:style>
-        <p:txBody>
-          <a:bodyPr rtlCol="0" anchor="ctr"/>
-          <a:lstStyle/>
-          <a:p>
-            <a:pPr marL="285750" indent="-285750" fontAlgn="base">
-              <a:buFont typeface="Arial" panose="020B0604020202020204" pitchFamily="34" charset="0"/>
-              <a:buChar char="•"/>
-            </a:pPr>
-            <a:r>
-              <a:rPr lang="en-US" sz="3200" dirty="0">
-                <a:latin typeface="DIN Alternate" panose="020B0500000000000000" pitchFamily="34" charset="77"/>
-              </a:rPr>
-              <a:t>ASD impairs social interactions</a:t>
-            </a:r>
-          </a:p>
-          <a:p>
-            <a:pPr marL="285750" indent="-285750" fontAlgn="base">
-              <a:buFont typeface="Arial" panose="020B0604020202020204" pitchFamily="34" charset="0"/>
-              <a:buChar char="•"/>
-            </a:pPr>
-            <a:r>
-              <a:rPr lang="en-US" sz="3200" dirty="0">
-                <a:latin typeface="DIN Alternate" panose="020B0500000000000000" pitchFamily="34" charset="77"/>
-              </a:rPr>
-              <a:t>Even more important to learn these skills while young</a:t>
-            </a:r>
-          </a:p>
-          <a:p>
-            <a:pPr marL="285750" indent="-285750" fontAlgn="base">
-              <a:buFont typeface="Arial" panose="020B0604020202020204" pitchFamily="34" charset="0"/>
-              <a:buChar char="•"/>
-            </a:pPr>
-            <a:r>
-              <a:rPr lang="en-US" sz="3200" dirty="0">
-                <a:latin typeface="DIN Alternate" panose="020B0500000000000000" pitchFamily="34" charset="77"/>
-              </a:rPr>
-              <a:t>Social interactions are critical for future success</a:t>
-            </a:r>
-          </a:p>
-          <a:p>
-            <a:pPr marL="285750" indent="-285750" fontAlgn="base">
-              <a:buFont typeface="Arial" panose="020B0604020202020204" pitchFamily="34" charset="0"/>
-              <a:buChar char="•"/>
-            </a:pPr>
-            <a:r>
-              <a:rPr lang="en-US" sz="3200" dirty="0">
-                <a:latin typeface="DIN Alternate" panose="020B0500000000000000" pitchFamily="34" charset="77"/>
-              </a:rPr>
-              <a:t>Robotics may be a key solution to developing these social skills</a:t>
-            </a:r>
-          </a:p>
-        </p:txBody>
-      </p:sp>
-      <p:pic>
-        <p:nvPicPr>
-          <p:cNvPr id="9" name="Graphic 8" descr="Hamburger Menu Icon with solid fill">
-            <a:hlinkClick r:id="" action="ppaction://hlinkshowjump?jump=lastslide"/>
-            <a:extLst>
-              <a:ext uri="{FF2B5EF4-FFF2-40B4-BE49-F238E27FC236}">
-                <a16:creationId xmlns:a16="http://schemas.microsoft.com/office/drawing/2014/main" id="{E200C87F-E2CC-B044-AFA8-34A938BCF4AB}"/>
-              </a:ext>
-            </a:extLst>
-          </p:cNvPr>
-          <p:cNvPicPr>
-            <a:picLocks noChangeAspect="1"/>
-          </p:cNvPicPr>
-          <p:nvPr/>
-        </p:nvPicPr>
-        <p:blipFill>
-          <a:blip r:embed="rId5">
-            <a:extLst>
-              <a:ext uri="{28A0092B-C50C-407E-A947-70E740481C1C}">
-                <a14:useLocalDpi xmlns:a14="http://schemas.microsoft.com/office/drawing/2010/main" val="0"/>
-              </a:ext>
-              <a:ext uri="{96DAC541-7B7A-43D3-8B79-37D633B846F1}">
-                <asvg:svgBlip xmlns:asvg="http://schemas.microsoft.com/office/drawing/2016/SVG/main" r:embed="rId6"/>
-              </a:ext>
-            </a:extLst>
-          </a:blip>
-          <a:stretch>
-            <a:fillRect/>
-          </a:stretch>
-        </p:blipFill>
-        <p:spPr>
-          <a:xfrm>
-            <a:off x="97798" y="6346198"/>
-            <a:ext cx="359402" cy="359402"/>
-          </a:xfrm>
-          <a:prstGeom prst="rect">
-            <a:avLst/>
-          </a:prstGeom>
-          <a:effectLst>
-            <a:glow rad="101600">
-              <a:schemeClr val="tx1">
-                <a:lumMod val="75000"/>
-                <a:lumOff val="25000"/>
-                <a:alpha val="60000"/>
-              </a:schemeClr>
-            </a:glow>
-          </a:effectLst>
-        </p:spPr>
-      </p:pic>
-    </p:spTree>
-    <p:extLst>
-      <p:ext uri="{BB962C8B-B14F-4D97-AF65-F5344CB8AC3E}">
-        <p14:creationId xmlns:p14="http://schemas.microsoft.com/office/powerpoint/2010/main" val="3381695789"/>
-      </p:ext>
-    </p:extLst>
-  </p:cSld>
-  <p:clrMapOvr>
-    <a:masterClrMapping/>
-  </p:clrMapOvr>
-  <mc:AlternateContent xmlns:mc="http://schemas.openxmlformats.org/markup-compatibility/2006" xmlns:p14="http://schemas.microsoft.com/office/powerpoint/2010/main">
-    <mc:Choice Requires="p14">
-      <p:transition spd="slow" p14:dur="800">
-        <p14:glitter dir="r" pattern="hexagon"/>
-      </p:transition>
-    </mc:Choice>
-    <mc:Fallback xmlns="">
-      <p:transition spd="slow">
-        <p:fade/>
-      </p:transition>
-    </mc:Fallback>
-  </mc:AlternateContent>
-  <p:timing>
-    <p:tnLst>
-      <p:par>
-        <p:cTn id="1" dur="indefinite" restart="never" nodeType="tmRoot">
-          <p:childTnLst>
-            <p:seq concurrent="1" nextAc="seek">
-              <p:cTn id="2" restart="whenNotActive" fill="hold" evtFilter="cancelBubble" nodeType="interactiveSeq">
-                <p:stCondLst>
-                  <p:cond evt="onClick" delay="0">
-                    <p:tgtEl>
-                      <p:spTgt spid="8"/>
-                    </p:tgtEl>
-                  </p:cond>
-                </p:stCondLst>
-                <p:endSync evt="end" delay="0">
-                  <p:rtn val="all"/>
-                </p:endSync>
-                <p:childTnLst>
-                  <p:par>
-                    <p:cTn id="3" fill="hold">
-                      <p:stCondLst>
-                        <p:cond delay="0"/>
-                      </p:stCondLst>
-                      <p:childTnLst>
-                        <p:par>
-                          <p:cTn id="4" fill="hold">
-                            <p:stCondLst>
-                              <p:cond delay="0"/>
-                            </p:stCondLst>
-                            <p:childTnLst>
-                              <p:par>
-                                <p:cTn id="5" presetID="26" presetClass="emph" presetSubtype="0" fill="hold" nodeType="clickEffect">
-                                  <p:stCondLst>
-                                    <p:cond delay="0"/>
-                                  </p:stCondLst>
-                                  <p:childTnLst>
-                                    <p:animEffect transition="out" filter="fade">
-                                      <p:cBhvr>
-                                        <p:cTn id="6" dur="500" tmFilter="0, 0; .2, .5; .8, .5; 1, 0"/>
-                                        <p:tgtEl>
-                                          <p:spTgt spid="9"/>
-                                        </p:tgtEl>
-                                      </p:cBhvr>
-                                    </p:animEffect>
-                                    <p:animScale>
-                                      <p:cBhvr>
-                                        <p:cTn id="7" dur="250" autoRev="1" fill="hold"/>
-                                        <p:tgtEl>
-                                          <p:spTgt spid="9"/>
-                                        </p:tgtEl>
-                                      </p:cBhvr>
-                                      <p:by x="105000" y="105000"/>
-                                    </p:animScale>
-                                  </p:childTnLst>
-                                </p:cTn>
-                              </p:par>
-                            </p:childTnLst>
-                          </p:cTn>
-                        </p:par>
-                      </p:childTnLst>
-                    </p:cTn>
-                  </p:par>
-                </p:childTnLst>
-              </p:cTn>
-              <p:nextCondLst>
-                <p:cond evt="onClick" delay="0">
-                  <p:tgtEl>
-                    <p:spTgt spid="8"/>
-                  </p:tgtEl>
-                </p:cond>
-              </p:nextCondLst>
-            </p:seq>
-          </p:childTnLst>
-        </p:cTn>
-      </p:par>
-    </p:tnLst>
-  </p:timing>
-</p:sld>
-</file>
-
-<file path=ppt/slides/slide30.xml><?xml version="1.0" encoding="utf-8"?>
+<file path=ppt/slides/slide31.xml><?xml version="1.0" encoding="utf-8"?>
 <p:sld xmlns:a="http://schemas.openxmlformats.org/drawingml/2006/main" xmlns:r="http://schemas.openxmlformats.org/officeDocument/2006/relationships" xmlns:p="http://schemas.openxmlformats.org/presentationml/2006/main">
   <p:cSld>
     <p:bg>
@@ -32243,7 +32883,7 @@
                 <a:latin typeface="DIN Alternate" panose="020B0500000000000000" pitchFamily="34" charset="77"/>
               </a:rPr>
               <a:pPr/>
-              <a:t>30</a:t>
+              <a:t>31</a:t>
             </a:fld>
             <a:endParaRPr lang="en-US" dirty="0">
               <a:latin typeface="DIN Alternate" panose="020B0500000000000000" pitchFamily="34" charset="77"/>
@@ -35070,7 +35710,7 @@
 </p:sld>
 </file>
 
-<file path=ppt/slides/slide31.xml><?xml version="1.0" encoding="utf-8"?>
+<file path=ppt/slides/slide32.xml><?xml version="1.0" encoding="utf-8"?>
 <p:sld xmlns:a="http://schemas.openxmlformats.org/drawingml/2006/main" xmlns:r="http://schemas.openxmlformats.org/officeDocument/2006/relationships" xmlns:p="http://schemas.openxmlformats.org/presentationml/2006/main">
   <p:cSld>
     <p:bg>
@@ -35228,7 +35868,7 @@
             <a:fld id="{9E3EFB43-BEAF-4970-A06C-24B01B76FA99}" type="slidenum">
               <a:rPr lang="en-US" smtClean="0"/>
               <a:pPr/>
-              <a:t>31</a:t>
+              <a:t>32</a:t>
             </a:fld>
             <a:endParaRPr lang="en-US" dirty="0"/>
           </a:p>
@@ -35685,7 +36325,7 @@
 </p:sld>
 </file>
 
-<file path=ppt/slides/slide32.xml><?xml version="1.0" encoding="utf-8"?>
+<file path=ppt/slides/slide33.xml><?xml version="1.0" encoding="utf-8"?>
 <p:sld xmlns:a="http://schemas.openxmlformats.org/drawingml/2006/main" xmlns:r="http://schemas.openxmlformats.org/officeDocument/2006/relationships" xmlns:p="http://schemas.openxmlformats.org/presentationml/2006/main">
   <p:cSld>
     <p:bg>
@@ -35843,7 +36483,7 @@
             <a:fld id="{9E3EFB43-BEAF-4970-A06C-24B01B76FA99}" type="slidenum">
               <a:rPr lang="en-US" smtClean="0"/>
               <a:pPr/>
-              <a:t>32</a:t>
+              <a:t>33</a:t>
             </a:fld>
             <a:endParaRPr lang="en-US" dirty="0"/>
           </a:p>
@@ -36166,7 +36806,7 @@
 </p:sld>
 </file>
 
-<file path=ppt/slides/slide33.xml><?xml version="1.0" encoding="utf-8"?>
+<file path=ppt/slides/slide34.xml><?xml version="1.0" encoding="utf-8"?>
 <p:sld xmlns:a="http://schemas.openxmlformats.org/drawingml/2006/main" xmlns:r="http://schemas.openxmlformats.org/officeDocument/2006/relationships" xmlns:p="http://schemas.openxmlformats.org/presentationml/2006/main">
   <p:cSld>
     <p:bg>
@@ -36324,7 +36964,7 @@
             <a:fld id="{9E3EFB43-BEAF-4970-A06C-24B01B76FA99}" type="slidenum">
               <a:rPr lang="en-US" smtClean="0"/>
               <a:pPr/>
-              <a:t>33</a:t>
+              <a:t>34</a:t>
             </a:fld>
             <a:endParaRPr lang="en-US" dirty="0"/>
           </a:p>
@@ -36785,7 +37425,7 @@
 </p:sld>
 </file>
 
-<file path=ppt/slides/slide34.xml><?xml version="1.0" encoding="utf-8"?>
+<file path=ppt/slides/slide35.xml><?xml version="1.0" encoding="utf-8"?>
 <p:sld xmlns:a="http://schemas.openxmlformats.org/drawingml/2006/main" xmlns:r="http://schemas.openxmlformats.org/officeDocument/2006/relationships" xmlns:p="http://schemas.openxmlformats.org/presentationml/2006/main">
   <p:cSld>
     <p:bg>
@@ -36882,7 +37522,7 @@
             <a:fld id="{9E3EFB43-BEAF-4970-A06C-24B01B76FA99}" type="slidenum">
               <a:rPr lang="en-US" smtClean="0"/>
               <a:pPr/>
-              <a:t>34</a:t>
+              <a:t>35</a:t>
             </a:fld>
             <a:endParaRPr lang="en-US" dirty="0"/>
           </a:p>
@@ -39989,7 +40629,7 @@
           <p:nvPr>
             <p:extLst>
               <p:ext uri="{D42A27DB-BD31-4B8C-83A1-F6EECF244321}">
-                <p14:modId xmlns:p14="http://schemas.microsoft.com/office/powerpoint/2010/main" val="275941100"/>
+                <p14:modId xmlns:p14="http://schemas.microsoft.com/office/powerpoint/2010/main" val="461043935"/>
               </p:ext>
             </p:extLst>
           </p:nvPr>
@@ -40235,8 +40875,8 @@
                     </a:lnB>
                     <a:solidFill>
                       <a:schemeClr val="tx1">
-                        <a:lumMod val="85000"/>
-                        <a:lumOff val="15000"/>
+                        <a:lumMod val="65000"/>
+                        <a:lumOff val="35000"/>
                         <a:alpha val="90000"/>
                       </a:schemeClr>
                     </a:solidFill>
@@ -40418,8 +41058,8 @@
                     </a:lnB>
                     <a:solidFill>
                       <a:schemeClr val="tx1">
-                        <a:lumMod val="85000"/>
-                        <a:lumOff val="15000"/>
+                        <a:lumMod val="65000"/>
+                        <a:lumOff val="35000"/>
                         <a:alpha val="90000"/>
                       </a:schemeClr>
                     </a:solidFill>
@@ -40843,8 +41483,8 @@
         </p:nvSpPr>
         <p:spPr>
           <a:xfrm>
-            <a:off x="304800" y="1066800"/>
-            <a:ext cx="8534400" cy="914400"/>
+            <a:off x="302424" y="1308728"/>
+            <a:ext cx="8534400" cy="1333498"/>
           </a:xfrm>
           <a:prstGeom prst="roundRect">
             <a:avLst>
@@ -40887,18 +41527,34 @@
           <a:lstStyle/>
           <a:p>
             <a:r>
-              <a:rPr lang="en-US" dirty="0">
+              <a:rPr lang="en-US" sz="2400" dirty="0">
                 <a:solidFill>
                   <a:schemeClr val="bg2">
                     <a:lumMod val="50000"/>
                   </a:schemeClr>
                 </a:solidFill>
               </a:rPr>
-              <a:t>Economics: </a:t>
+              <a:t>Economics</a:t>
             </a:r>
+          </a:p>
+          <a:p>
+            <a:pPr marL="285750" indent="-285750">
+              <a:buFont typeface="Arial" panose="020B0604020202020204" pitchFamily="34" charset="0"/>
+              <a:buChar char="•"/>
+            </a:pPr>
             <a:r>
-              <a:rPr lang="en-US" dirty="0"/>
-              <a:t>Constraint would be budget in this case Don’t need many outside supplies, won’t be a huge factor </a:t>
+              <a:rPr lang="en-US" sz="2400" dirty="0"/>
+              <a:t>Constraint would be budget in this case </a:t>
+            </a:r>
+          </a:p>
+          <a:p>
+            <a:pPr marL="285750" indent="-285750">
+              <a:buFont typeface="Arial" panose="020B0604020202020204" pitchFamily="34" charset="0"/>
+              <a:buChar char="•"/>
+            </a:pPr>
+            <a:r>
+              <a:rPr lang="en-US" sz="2400" dirty="0"/>
+              <a:t>Don’t need many outside supplies, won’t be a huge factor </a:t>
             </a:r>
           </a:p>
         </p:txBody>
@@ -40966,8 +41622,8 @@
         </p:nvSpPr>
         <p:spPr>
           <a:xfrm>
-            <a:off x="304800" y="2095501"/>
-            <a:ext cx="8534400" cy="723899"/>
+            <a:off x="304800" y="2845203"/>
+            <a:ext cx="8534400" cy="1333499"/>
           </a:xfrm>
           <a:prstGeom prst="roundRect">
             <a:avLst>
@@ -41010,17 +41666,19 @@
           <a:lstStyle/>
           <a:p>
             <a:r>
-              <a:rPr lang="en-US" dirty="0">
+              <a:rPr lang="en-US" sz="2400" dirty="0">
                 <a:solidFill>
                   <a:schemeClr val="bg2">
                     <a:lumMod val="50000"/>
                   </a:schemeClr>
                 </a:solidFill>
               </a:rPr>
-              <a:t>Social: </a:t>
+              <a:t>Social</a:t>
             </a:r>
+          </a:p>
+          <a:p>
             <a:r>
-              <a:rPr lang="en-US" dirty="0"/>
+              <a:rPr lang="en-US" sz="2400" dirty="0"/>
               <a:t>Project is meant to promote social interaction within ASD kids, must be designed for this purpose</a:t>
             </a:r>
           </a:p>
@@ -41040,8 +41698,8 @@
         </p:nvSpPr>
         <p:spPr>
           <a:xfrm>
-            <a:off x="301712" y="2953641"/>
-            <a:ext cx="8534400" cy="800100"/>
+            <a:off x="302424" y="4381679"/>
+            <a:ext cx="8534400" cy="1563757"/>
           </a:xfrm>
           <a:prstGeom prst="roundRect">
             <a:avLst>
@@ -41084,240 +41742,34 @@
           <a:lstStyle/>
           <a:p>
             <a:r>
-              <a:rPr lang="en-US" dirty="0">
+              <a:rPr lang="en-US" sz="2400" dirty="0">
                 <a:solidFill>
                   <a:schemeClr val="bg2">
                     <a:lumMod val="50000"/>
                   </a:schemeClr>
                 </a:solidFill>
               </a:rPr>
-              <a:t>Ethical: </a:t>
-            </a:r>
-            <a:r>
-              <a:rPr lang="en-US" dirty="0"/>
-              <a:t>When dealing with ASD children, they must always be treated with respect Must make sure to focus on social development </a:t>
+              <a:t>Ethical</a:t>
             </a:r>
           </a:p>
-        </p:txBody>
-      </p:sp>
-      <p:sp>
-        <p:nvSpPr>
-          <p:cNvPr id="10" name="Rounded Rectangle 9">
-            <a:extLst>
-              <a:ext uri="{FF2B5EF4-FFF2-40B4-BE49-F238E27FC236}">
-                <a16:creationId xmlns:a16="http://schemas.microsoft.com/office/drawing/2014/main" id="{BE592D13-23E0-D64E-8704-80F5BB0E1D5B}"/>
-              </a:ext>
-            </a:extLst>
-          </p:cNvPr>
-          <p:cNvSpPr/>
-          <p:nvPr/>
-        </p:nvSpPr>
-        <p:spPr>
-          <a:xfrm>
-            <a:off x="301712" y="3869698"/>
-            <a:ext cx="8534400" cy="800100"/>
-          </a:xfrm>
-          <a:prstGeom prst="roundRect">
-            <a:avLst>
-              <a:gd name="adj" fmla="val 4084"/>
-            </a:avLst>
-          </a:prstGeom>
-          <a:solidFill>
-            <a:schemeClr val="tx1">
-              <a:lumMod val="85000"/>
-              <a:lumOff val="15000"/>
-              <a:alpha val="90000"/>
-            </a:schemeClr>
-          </a:solidFill>
-          <a:ln w="12700">
-            <a:solidFill>
-              <a:schemeClr val="bg2">
-                <a:lumMod val="50000"/>
-              </a:schemeClr>
-            </a:solidFill>
-          </a:ln>
-        </p:spPr>
-        <p:style>
-          <a:lnRef idx="2">
-            <a:schemeClr val="accent1">
-              <a:shade val="50000"/>
-            </a:schemeClr>
-          </a:lnRef>
-          <a:fillRef idx="1">
-            <a:schemeClr val="accent1"/>
-          </a:fillRef>
-          <a:effectRef idx="0">
-            <a:schemeClr val="accent1"/>
-          </a:effectRef>
-          <a:fontRef idx="minor">
-            <a:schemeClr val="lt1"/>
-          </a:fontRef>
-        </p:style>
-        <p:txBody>
-          <a:bodyPr rtlCol="0" anchor="ctr"/>
-          <a:lstStyle/>
           <a:p>
+            <a:pPr marL="285750" indent="-285750">
+              <a:buFont typeface="Arial" panose="020B0604020202020204" pitchFamily="34" charset="0"/>
+              <a:buChar char="•"/>
+            </a:pPr>
             <a:r>
-              <a:rPr lang="en-US" dirty="0">
-                <a:solidFill>
-                  <a:schemeClr val="bg2">
-                    <a:lumMod val="50000"/>
-                  </a:schemeClr>
-                </a:solidFill>
-              </a:rPr>
-              <a:t>Health and Safety: </a:t>
-            </a:r>
-            <a:r>
-              <a:rPr lang="en-US" dirty="0"/>
-              <a:t>Must make sure NAO programming doesn’t prompt it to do anything dangerous</a:t>
+              <a:rPr lang="en-US" sz="2400" dirty="0"/>
+              <a:t>When dealing with ASD children, they must always be treated with respect </a:t>
             </a:r>
           </a:p>
-        </p:txBody>
-      </p:sp>
-      <p:sp>
-        <p:nvSpPr>
-          <p:cNvPr id="11" name="Rounded Rectangle 10">
-            <a:extLst>
-              <a:ext uri="{FF2B5EF4-FFF2-40B4-BE49-F238E27FC236}">
-                <a16:creationId xmlns:a16="http://schemas.microsoft.com/office/drawing/2014/main" id="{56B14118-2CA0-3541-B247-15A54DE67EAB}"/>
-              </a:ext>
-            </a:extLst>
-          </p:cNvPr>
-          <p:cNvSpPr/>
-          <p:nvPr/>
-        </p:nvSpPr>
-        <p:spPr>
-          <a:xfrm>
-            <a:off x="321652" y="4790377"/>
-            <a:ext cx="8534400" cy="711898"/>
-          </a:xfrm>
-          <a:prstGeom prst="roundRect">
-            <a:avLst>
-              <a:gd name="adj" fmla="val 4084"/>
-            </a:avLst>
-          </a:prstGeom>
-          <a:solidFill>
-            <a:schemeClr val="tx1">
-              <a:lumMod val="85000"/>
-              <a:lumOff val="15000"/>
-              <a:alpha val="90000"/>
-            </a:schemeClr>
-          </a:solidFill>
-          <a:ln w="12700">
-            <a:solidFill>
-              <a:schemeClr val="bg2">
-                <a:lumMod val="50000"/>
-              </a:schemeClr>
-            </a:solidFill>
-          </a:ln>
-        </p:spPr>
-        <p:style>
-          <a:lnRef idx="2">
-            <a:schemeClr val="accent1">
-              <a:shade val="50000"/>
-            </a:schemeClr>
-          </a:lnRef>
-          <a:fillRef idx="1">
-            <a:schemeClr val="accent1"/>
-          </a:fillRef>
-          <a:effectRef idx="0">
-            <a:schemeClr val="accent1"/>
-          </a:effectRef>
-          <a:fontRef idx="minor">
-            <a:schemeClr val="lt1"/>
-          </a:fontRef>
-        </p:style>
-        <p:txBody>
-          <a:bodyPr rtlCol="0" anchor="ctr"/>
-          <a:lstStyle/>
           <a:p>
+            <a:pPr marL="285750" indent="-285750">
+              <a:buFont typeface="Arial" panose="020B0604020202020204" pitchFamily="34" charset="0"/>
+              <a:buChar char="•"/>
+            </a:pPr>
             <a:r>
-              <a:rPr lang="en-US" dirty="0">
-                <a:solidFill>
-                  <a:schemeClr val="bg2">
-                    <a:lumMod val="50000"/>
-                  </a:schemeClr>
-                </a:solidFill>
-              </a:rPr>
-              <a:t>Manufacturability: </a:t>
-            </a:r>
-            <a:r>
-              <a:rPr lang="en-US" dirty="0"/>
-              <a:t>Since project is adding software to existing hardware, we are only limited by the hardware provided and the software we write</a:t>
-            </a:r>
-          </a:p>
-        </p:txBody>
-      </p:sp>
-      <p:sp>
-        <p:nvSpPr>
-          <p:cNvPr id="12" name="Rounded Rectangle 11">
-            <a:extLst>
-              <a:ext uri="{FF2B5EF4-FFF2-40B4-BE49-F238E27FC236}">
-                <a16:creationId xmlns:a16="http://schemas.microsoft.com/office/drawing/2014/main" id="{8DE21657-692C-3445-BF35-42FEC325D5C8}"/>
-              </a:ext>
-            </a:extLst>
-          </p:cNvPr>
-          <p:cNvSpPr/>
-          <p:nvPr/>
-        </p:nvSpPr>
-        <p:spPr>
-          <a:xfrm>
-            <a:off x="333047" y="5614360"/>
-            <a:ext cx="8534400" cy="664202"/>
-          </a:xfrm>
-          <a:prstGeom prst="roundRect">
-            <a:avLst>
-              <a:gd name="adj" fmla="val 4084"/>
-            </a:avLst>
-          </a:prstGeom>
-          <a:solidFill>
-            <a:schemeClr val="tx1">
-              <a:lumMod val="85000"/>
-              <a:lumOff val="15000"/>
-              <a:alpha val="90000"/>
-            </a:schemeClr>
-          </a:solidFill>
-          <a:ln w="12700">
-            <a:solidFill>
-              <a:schemeClr val="bg2">
-                <a:lumMod val="50000"/>
-              </a:schemeClr>
-            </a:solidFill>
-          </a:ln>
-        </p:spPr>
-        <p:style>
-          <a:lnRef idx="2">
-            <a:schemeClr val="accent1">
-              <a:shade val="50000"/>
-            </a:schemeClr>
-          </a:lnRef>
-          <a:fillRef idx="1">
-            <a:schemeClr val="accent1"/>
-          </a:fillRef>
-          <a:effectRef idx="0">
-            <a:schemeClr val="accent1"/>
-          </a:effectRef>
-          <a:fontRef idx="minor">
-            <a:schemeClr val="lt1"/>
-          </a:fontRef>
-        </p:style>
-        <p:txBody>
-          <a:bodyPr rtlCol="0" anchor="ctr"/>
-          <a:lstStyle/>
-          <a:p>
-            <a:r>
-              <a:rPr lang="en-US" dirty="0">
-                <a:solidFill>
-                  <a:schemeClr val="bg2">
-                    <a:lumMod val="50000"/>
-                  </a:schemeClr>
-                </a:solidFill>
-              </a:rPr>
-              <a:t>Sustainability: </a:t>
-            </a:r>
-            <a:r>
-              <a:rPr lang="en-US" dirty="0"/>
-              <a:t>Project will be sustainable as long as nothing is changed to the NAO robot that we are running it on and we stay consistent with Python version</a:t>
+              <a:rPr lang="en-US" sz="2400" dirty="0"/>
+              <a:t>Must make sure to focus on social development </a:t>
             </a:r>
           </a:p>
         </p:txBody>
@@ -41425,6 +41877,554 @@
 </file>
 
 <file path=ppt/slides/slide7.xml><?xml version="1.0" encoding="utf-8"?>
+<p:sld xmlns:a="http://schemas.openxmlformats.org/drawingml/2006/main" xmlns:r="http://schemas.openxmlformats.org/officeDocument/2006/relationships" xmlns:p="http://schemas.openxmlformats.org/presentationml/2006/main">
+  <p:cSld>
+    <p:bg>
+      <p:bgPr>
+        <a:solidFill>
+          <a:schemeClr val="tx1"/>
+        </a:solidFill>
+        <a:effectLst/>
+      </p:bgPr>
+    </p:bg>
+    <p:spTree>
+      <p:nvGrpSpPr>
+        <p:cNvPr id="1" name=""/>
+        <p:cNvGrpSpPr/>
+        <p:nvPr/>
+      </p:nvGrpSpPr>
+      <p:grpSpPr>
+        <a:xfrm>
+          <a:off x="0" y="0"/>
+          <a:ext cx="0" cy="0"/>
+          <a:chOff x="0" y="0"/>
+          <a:chExt cx="0" cy="0"/>
+        </a:xfrm>
+      </p:grpSpPr>
+      <p:pic>
+        <p:nvPicPr>
+          <p:cNvPr id="7" name="Graphic 6" descr="Link outline">
+            <a:extLst>
+              <a:ext uri="{FF2B5EF4-FFF2-40B4-BE49-F238E27FC236}">
+                <a16:creationId xmlns:a16="http://schemas.microsoft.com/office/drawing/2014/main" id="{AE93CB13-CC90-F14C-8279-97C6BAAFE8D9}"/>
+              </a:ext>
+            </a:extLst>
+          </p:cNvPr>
+          <p:cNvPicPr>
+            <a:picLocks noChangeAspect="1"/>
+          </p:cNvPicPr>
+          <p:nvPr/>
+        </p:nvPicPr>
+        <p:blipFill>
+          <a:blip r:embed="rId3">
+            <a:extLst>
+              <a:ext uri="{28A0092B-C50C-407E-A947-70E740481C1C}">
+                <a14:useLocalDpi xmlns:a14="http://schemas.microsoft.com/office/drawing/2010/main" val="0"/>
+              </a:ext>
+              <a:ext uri="{96DAC541-7B7A-43D3-8B79-37D633B846F1}">
+                <asvg:svgBlip xmlns:asvg="http://schemas.microsoft.com/office/drawing/2016/SVG/main" r:embed="rId4"/>
+              </a:ext>
+            </a:extLst>
+          </a:blip>
+          <a:stretch>
+            <a:fillRect/>
+          </a:stretch>
+        </p:blipFill>
+        <p:spPr>
+          <a:xfrm>
+            <a:off x="1104900" y="152400"/>
+            <a:ext cx="6934200" cy="6934200"/>
+          </a:xfrm>
+          <a:prstGeom prst="rect">
+            <a:avLst/>
+          </a:prstGeom>
+          <a:effectLst>
+            <a:glow rad="101600">
+              <a:schemeClr val="tx1">
+                <a:lumMod val="75000"/>
+                <a:lumOff val="25000"/>
+                <a:alpha val="60000"/>
+              </a:schemeClr>
+            </a:glow>
+          </a:effectLst>
+        </p:spPr>
+      </p:pic>
+      <p:sp>
+        <p:nvSpPr>
+          <p:cNvPr id="2" name="Title 1">
+            <a:extLst>
+              <a:ext uri="{FF2B5EF4-FFF2-40B4-BE49-F238E27FC236}">
+                <a16:creationId xmlns:a16="http://schemas.microsoft.com/office/drawing/2014/main" id="{DD6F7378-717F-9548-B681-E7D3777FFE5E}"/>
+              </a:ext>
+            </a:extLst>
+          </p:cNvPr>
+          <p:cNvSpPr>
+            <a:spLocks noGrp="1"/>
+          </p:cNvSpPr>
+          <p:nvPr>
+            <p:ph type="title"/>
+          </p:nvPr>
+        </p:nvSpPr>
+        <p:spPr>
+          <a:xfrm>
+            <a:off x="304800" y="274638"/>
+            <a:ext cx="8534400" cy="715962"/>
+          </a:xfrm>
+          <a:prstGeom prst="roundRect">
+            <a:avLst/>
+          </a:prstGeom>
+          <a:solidFill>
+            <a:schemeClr val="bg2">
+              <a:lumMod val="50000"/>
+            </a:schemeClr>
+          </a:solidFill>
+          <a:effectLst/>
+        </p:spPr>
+        <p:txBody>
+          <a:bodyPr>
+            <a:normAutofit fontScale="90000"/>
+          </a:bodyPr>
+          <a:lstStyle/>
+          <a:p>
+            <a:r>
+              <a:rPr lang="en-US" dirty="0">
+                <a:solidFill>
+                  <a:schemeClr val="bg1"/>
+                </a:solidFill>
+                <a:effectLst>
+                  <a:glow rad="101600">
+                    <a:schemeClr val="tx1">
+                      <a:alpha val="60000"/>
+                    </a:schemeClr>
+                  </a:glow>
+                  <a:outerShdw blurRad="50800" dist="38100" dir="8100000" algn="tr" rotWithShape="0">
+                    <a:prstClr val="black">
+                      <a:alpha val="40000"/>
+                    </a:prstClr>
+                  </a:outerShdw>
+                </a:effectLst>
+                <a:latin typeface="DIN Alternate" panose="020B0500000000000000" pitchFamily="34" charset="77"/>
+              </a:rPr>
+              <a:t>CONSTRAINTS</a:t>
+            </a:r>
+          </a:p>
+        </p:txBody>
+      </p:sp>
+      <p:sp>
+        <p:nvSpPr>
+          <p:cNvPr id="4" name="Slide Number Placeholder 3">
+            <a:extLst>
+              <a:ext uri="{FF2B5EF4-FFF2-40B4-BE49-F238E27FC236}">
+                <a16:creationId xmlns:a16="http://schemas.microsoft.com/office/drawing/2014/main" id="{81F78564-DDBC-C349-9023-BCC92159213B}"/>
+              </a:ext>
+            </a:extLst>
+          </p:cNvPr>
+          <p:cNvSpPr>
+            <a:spLocks noGrp="1"/>
+          </p:cNvSpPr>
+          <p:nvPr>
+            <p:ph type="sldNum" sz="quarter" idx="12"/>
+          </p:nvPr>
+        </p:nvSpPr>
+        <p:spPr>
+          <a:xfrm>
+            <a:off x="6629400" y="5502275"/>
+            <a:ext cx="2133600" cy="365125"/>
+          </a:xfrm>
+        </p:spPr>
+        <p:txBody>
+          <a:bodyPr/>
+          <a:lstStyle/>
+          <a:p>
+            <a:fld id="{9E3EFB43-BEAF-4970-A06C-24B01B76FA99}" type="slidenum">
+              <a:rPr lang="en-US" smtClean="0"/>
+              <a:pPr/>
+              <a:t>7</a:t>
+            </a:fld>
+            <a:endParaRPr lang="en-US" dirty="0"/>
+          </a:p>
+        </p:txBody>
+      </p:sp>
+      <p:pic>
+        <p:nvPicPr>
+          <p:cNvPr id="5" name="Graphic 4" descr="Hamburger Menu Icon with solid fill">
+            <a:hlinkClick r:id="" action="ppaction://hlinkshowjump?jump=lastslide"/>
+            <a:extLst>
+              <a:ext uri="{FF2B5EF4-FFF2-40B4-BE49-F238E27FC236}">
+                <a16:creationId xmlns:a16="http://schemas.microsoft.com/office/drawing/2014/main" id="{F33ED9A7-8B6A-9242-A407-F0729E543021}"/>
+              </a:ext>
+            </a:extLst>
+          </p:cNvPr>
+          <p:cNvPicPr>
+            <a:picLocks noChangeAspect="1"/>
+          </p:cNvPicPr>
+          <p:nvPr/>
+        </p:nvPicPr>
+        <p:blipFill>
+          <a:blip r:embed="rId5">
+            <a:extLst>
+              <a:ext uri="{28A0092B-C50C-407E-A947-70E740481C1C}">
+                <a14:useLocalDpi xmlns:a14="http://schemas.microsoft.com/office/drawing/2010/main" val="0"/>
+              </a:ext>
+              <a:ext uri="{96DAC541-7B7A-43D3-8B79-37D633B846F1}">
+                <asvg:svgBlip xmlns:asvg="http://schemas.microsoft.com/office/drawing/2016/SVG/main" r:embed="rId6"/>
+              </a:ext>
+            </a:extLst>
+          </a:blip>
+          <a:stretch>
+            <a:fillRect/>
+          </a:stretch>
+        </p:blipFill>
+        <p:spPr>
+          <a:xfrm>
+            <a:off x="97798" y="6346198"/>
+            <a:ext cx="359402" cy="359402"/>
+          </a:xfrm>
+          <a:prstGeom prst="rect">
+            <a:avLst/>
+          </a:prstGeom>
+          <a:effectLst>
+            <a:glow rad="101600">
+              <a:schemeClr val="tx1">
+                <a:lumMod val="75000"/>
+                <a:lumOff val="25000"/>
+                <a:alpha val="60000"/>
+              </a:schemeClr>
+            </a:glow>
+          </a:effectLst>
+        </p:spPr>
+      </p:pic>
+      <p:sp>
+        <p:nvSpPr>
+          <p:cNvPr id="10" name="Rounded Rectangle 9">
+            <a:extLst>
+              <a:ext uri="{FF2B5EF4-FFF2-40B4-BE49-F238E27FC236}">
+                <a16:creationId xmlns:a16="http://schemas.microsoft.com/office/drawing/2014/main" id="{BE592D13-23E0-D64E-8704-80F5BB0E1D5B}"/>
+              </a:ext>
+            </a:extLst>
+          </p:cNvPr>
+          <p:cNvSpPr/>
+          <p:nvPr/>
+        </p:nvSpPr>
+        <p:spPr>
+          <a:xfrm>
+            <a:off x="325925" y="1355725"/>
+            <a:ext cx="8534400" cy="1240798"/>
+          </a:xfrm>
+          <a:prstGeom prst="roundRect">
+            <a:avLst>
+              <a:gd name="adj" fmla="val 4084"/>
+            </a:avLst>
+          </a:prstGeom>
+          <a:solidFill>
+            <a:schemeClr val="tx1">
+              <a:lumMod val="85000"/>
+              <a:lumOff val="15000"/>
+              <a:alpha val="90000"/>
+            </a:schemeClr>
+          </a:solidFill>
+          <a:ln w="12700">
+            <a:solidFill>
+              <a:schemeClr val="bg2">
+                <a:lumMod val="50000"/>
+              </a:schemeClr>
+            </a:solidFill>
+          </a:ln>
+        </p:spPr>
+        <p:style>
+          <a:lnRef idx="2">
+            <a:schemeClr val="accent1">
+              <a:shade val="50000"/>
+            </a:schemeClr>
+          </a:lnRef>
+          <a:fillRef idx="1">
+            <a:schemeClr val="accent1"/>
+          </a:fillRef>
+          <a:effectRef idx="0">
+            <a:schemeClr val="accent1"/>
+          </a:effectRef>
+          <a:fontRef idx="minor">
+            <a:schemeClr val="lt1"/>
+          </a:fontRef>
+        </p:style>
+        <p:txBody>
+          <a:bodyPr rtlCol="0" anchor="ctr"/>
+          <a:lstStyle/>
+          <a:p>
+            <a:r>
+              <a:rPr lang="en-US" sz="2400" dirty="0">
+                <a:solidFill>
+                  <a:schemeClr val="bg2">
+                    <a:lumMod val="50000"/>
+                  </a:schemeClr>
+                </a:solidFill>
+              </a:rPr>
+              <a:t>Health and Safety</a:t>
+            </a:r>
+          </a:p>
+          <a:p>
+            <a:r>
+              <a:rPr lang="en-US" sz="2400" dirty="0"/>
+              <a:t>Must make sure NAO programming doesn’t prompt it to do anything dangerous</a:t>
+            </a:r>
+          </a:p>
+        </p:txBody>
+      </p:sp>
+      <p:sp>
+        <p:nvSpPr>
+          <p:cNvPr id="11" name="Rounded Rectangle 10">
+            <a:extLst>
+              <a:ext uri="{FF2B5EF4-FFF2-40B4-BE49-F238E27FC236}">
+                <a16:creationId xmlns:a16="http://schemas.microsoft.com/office/drawing/2014/main" id="{56B14118-2CA0-3541-B247-15A54DE67EAB}"/>
+              </a:ext>
+            </a:extLst>
+          </p:cNvPr>
+          <p:cNvSpPr/>
+          <p:nvPr/>
+        </p:nvSpPr>
+        <p:spPr>
+          <a:xfrm>
+            <a:off x="340168" y="2819400"/>
+            <a:ext cx="8534400" cy="1520419"/>
+          </a:xfrm>
+          <a:prstGeom prst="roundRect">
+            <a:avLst>
+              <a:gd name="adj" fmla="val 4084"/>
+            </a:avLst>
+          </a:prstGeom>
+          <a:solidFill>
+            <a:schemeClr val="tx1">
+              <a:lumMod val="85000"/>
+              <a:lumOff val="15000"/>
+              <a:alpha val="90000"/>
+            </a:schemeClr>
+          </a:solidFill>
+          <a:ln w="12700">
+            <a:solidFill>
+              <a:schemeClr val="bg2">
+                <a:lumMod val="50000"/>
+              </a:schemeClr>
+            </a:solidFill>
+          </a:ln>
+        </p:spPr>
+        <p:style>
+          <a:lnRef idx="2">
+            <a:schemeClr val="accent1">
+              <a:shade val="50000"/>
+            </a:schemeClr>
+          </a:lnRef>
+          <a:fillRef idx="1">
+            <a:schemeClr val="accent1"/>
+          </a:fillRef>
+          <a:effectRef idx="0">
+            <a:schemeClr val="accent1"/>
+          </a:effectRef>
+          <a:fontRef idx="minor">
+            <a:schemeClr val="lt1"/>
+          </a:fontRef>
+        </p:style>
+        <p:txBody>
+          <a:bodyPr rtlCol="0" anchor="ctr"/>
+          <a:lstStyle/>
+          <a:p>
+            <a:r>
+              <a:rPr lang="en-US" sz="2400" dirty="0">
+                <a:solidFill>
+                  <a:schemeClr val="bg2">
+                    <a:lumMod val="50000"/>
+                  </a:schemeClr>
+                </a:solidFill>
+              </a:rPr>
+              <a:t>Manufacturability</a:t>
+            </a:r>
+          </a:p>
+          <a:p>
+            <a:r>
+              <a:rPr lang="en-US" sz="2400" dirty="0"/>
+              <a:t>Since project is adding software to existing hardware, we are only limited by the hardware provided and the software we write</a:t>
+            </a:r>
+          </a:p>
+        </p:txBody>
+      </p:sp>
+      <p:sp>
+        <p:nvSpPr>
+          <p:cNvPr id="12" name="Rounded Rectangle 11">
+            <a:extLst>
+              <a:ext uri="{FF2B5EF4-FFF2-40B4-BE49-F238E27FC236}">
+                <a16:creationId xmlns:a16="http://schemas.microsoft.com/office/drawing/2014/main" id="{8DE21657-692C-3445-BF35-42FEC325D5C8}"/>
+              </a:ext>
+            </a:extLst>
+          </p:cNvPr>
+          <p:cNvSpPr/>
+          <p:nvPr/>
+        </p:nvSpPr>
+        <p:spPr>
+          <a:xfrm>
+            <a:off x="325925" y="4562696"/>
+            <a:ext cx="8534400" cy="1520419"/>
+          </a:xfrm>
+          <a:prstGeom prst="roundRect">
+            <a:avLst>
+              <a:gd name="adj" fmla="val 4084"/>
+            </a:avLst>
+          </a:prstGeom>
+          <a:solidFill>
+            <a:schemeClr val="tx1">
+              <a:lumMod val="85000"/>
+              <a:lumOff val="15000"/>
+              <a:alpha val="90000"/>
+            </a:schemeClr>
+          </a:solidFill>
+          <a:ln w="12700">
+            <a:solidFill>
+              <a:schemeClr val="bg2">
+                <a:lumMod val="50000"/>
+              </a:schemeClr>
+            </a:solidFill>
+          </a:ln>
+        </p:spPr>
+        <p:style>
+          <a:lnRef idx="2">
+            <a:schemeClr val="accent1">
+              <a:shade val="50000"/>
+            </a:schemeClr>
+          </a:lnRef>
+          <a:fillRef idx="1">
+            <a:schemeClr val="accent1"/>
+          </a:fillRef>
+          <a:effectRef idx="0">
+            <a:schemeClr val="accent1"/>
+          </a:effectRef>
+          <a:fontRef idx="minor">
+            <a:schemeClr val="lt1"/>
+          </a:fontRef>
+        </p:style>
+        <p:txBody>
+          <a:bodyPr rtlCol="0" anchor="ctr"/>
+          <a:lstStyle/>
+          <a:p>
+            <a:r>
+              <a:rPr lang="en-US" sz="2400" dirty="0">
+                <a:solidFill>
+                  <a:schemeClr val="bg2">
+                    <a:lumMod val="50000"/>
+                  </a:schemeClr>
+                </a:solidFill>
+              </a:rPr>
+              <a:t>Sustainability</a:t>
+            </a:r>
+          </a:p>
+          <a:p>
+            <a:r>
+              <a:rPr lang="en-US" sz="2400" dirty="0"/>
+              <a:t>Project will be sustainable as long as no changes are made to the NAO robot that we are running it on, and we stay consistent with Python version</a:t>
+            </a:r>
+          </a:p>
+        </p:txBody>
+      </p:sp>
+    </p:spTree>
+    <p:extLst>
+      <p:ext uri="{BB962C8B-B14F-4D97-AF65-F5344CB8AC3E}">
+        <p14:creationId xmlns:p14="http://schemas.microsoft.com/office/powerpoint/2010/main" val="2935124192"/>
+      </p:ext>
+    </p:extLst>
+  </p:cSld>
+  <p:clrMapOvr>
+    <a:masterClrMapping/>
+  </p:clrMapOvr>
+  <mc:AlternateContent xmlns:mc="http://schemas.openxmlformats.org/markup-compatibility/2006">
+    <mc:Choice xmlns:p14="http://schemas.microsoft.com/office/powerpoint/2010/main" Requires="p14">
+      <p:transition spd="slow" p14:dur="800">
+        <p14:glitter dir="r" pattern="hexagon"/>
+      </p:transition>
+    </mc:Choice>
+    <mc:Fallback>
+      <p:transition spd="slow">
+        <p:fade/>
+      </p:transition>
+    </mc:Fallback>
+  </mc:AlternateContent>
+  <p:timing>
+    <p:tnLst>
+      <p:par>
+        <p:cTn id="1" dur="indefinite" restart="never" nodeType="tmRoot">
+          <p:childTnLst>
+            <p:seq concurrent="1" nextAc="seek">
+              <p:cTn id="2" restart="whenNotActive" fill="hold" evtFilter="cancelBubble" nodeType="interactiveSeq">
+                <p:stCondLst>
+                  <p:cond evt="onClick" delay="0">
+                    <p:tgtEl>
+                      <p:spTgt spid="7"/>
+                    </p:tgtEl>
+                  </p:cond>
+                </p:stCondLst>
+                <p:endSync evt="end" delay="0">
+                  <p:rtn val="all"/>
+                </p:endSync>
+                <p:childTnLst>
+                  <p:par>
+                    <p:cTn id="3" fill="hold">
+                      <p:stCondLst>
+                        <p:cond delay="0"/>
+                      </p:stCondLst>
+                      <p:childTnLst>
+                        <p:par>
+                          <p:cTn id="4" fill="hold">
+                            <p:stCondLst>
+                              <p:cond delay="0"/>
+                            </p:stCondLst>
+                            <p:childTnLst>
+                              <p:par>
+                                <p:cTn id="5" presetID="26" presetClass="emph" presetSubtype="0" fill="hold" nodeType="clickEffect">
+                                  <p:stCondLst>
+                                    <p:cond delay="0"/>
+                                  </p:stCondLst>
+                                  <p:childTnLst>
+                                    <p:animEffect transition="out" filter="fade">
+                                      <p:cBhvr>
+                                        <p:cTn id="6" dur="500" tmFilter="0, 0; .2, .5; .8, .5; 1, 0"/>
+                                        <p:tgtEl>
+                                          <p:spTgt spid="5"/>
+                                        </p:tgtEl>
+                                      </p:cBhvr>
+                                    </p:animEffect>
+                                    <p:animScale>
+                                      <p:cBhvr>
+                                        <p:cTn id="7" dur="250" autoRev="1" fill="hold"/>
+                                        <p:tgtEl>
+                                          <p:spTgt spid="5"/>
+                                        </p:tgtEl>
+                                      </p:cBhvr>
+                                      <p:by x="105000" y="105000"/>
+                                    </p:animScale>
+                                  </p:childTnLst>
+                                </p:cTn>
+                              </p:par>
+                            </p:childTnLst>
+                          </p:cTn>
+                        </p:par>
+                      </p:childTnLst>
+                    </p:cTn>
+                  </p:par>
+                </p:childTnLst>
+              </p:cTn>
+              <p:nextCondLst>
+                <p:cond evt="onClick" delay="0">
+                  <p:tgtEl>
+                    <p:spTgt spid="7"/>
+                  </p:tgtEl>
+                </p:cond>
+              </p:nextCondLst>
+            </p:seq>
+          </p:childTnLst>
+        </p:cTn>
+      </p:par>
+    </p:tnLst>
+  </p:timing>
+</p:sld>
+</file>
+
+<file path=ppt/slides/slide8.xml><?xml version="1.0" encoding="utf-8"?>
 <p:sld xmlns:a="http://schemas.openxmlformats.org/drawingml/2006/main" xmlns:r="http://schemas.openxmlformats.org/officeDocument/2006/relationships" xmlns:p="http://schemas.openxmlformats.org/presentationml/2006/main">
   <p:cSld>
     <p:bg>
@@ -41582,7 +42582,7 @@
             <a:fld id="{9E3EFB43-BEAF-4970-A06C-24B01B76FA99}" type="slidenum">
               <a:rPr lang="en-US" smtClean="0"/>
               <a:pPr/>
-              <a:t>7</a:t>
+              <a:t>8</a:t>
             </a:fld>
             <a:endParaRPr lang="en-US" dirty="0"/>
           </a:p>
@@ -44853,7 +45853,7 @@
 </p:sld>
 </file>
 
-<file path=ppt/slides/slide8.xml><?xml version="1.0" encoding="utf-8"?>
+<file path=ppt/slides/slide9.xml><?xml version="1.0" encoding="utf-8"?>
 <p:sld xmlns:a="http://schemas.openxmlformats.org/drawingml/2006/main" xmlns:r="http://schemas.openxmlformats.org/officeDocument/2006/relationships" xmlns:p="http://schemas.openxmlformats.org/presentationml/2006/main">
   <p:cSld>
     <p:bg>
@@ -45011,7 +46011,7 @@
             <a:fld id="{9E3EFB43-BEAF-4970-A06C-24B01B76FA99}" type="slidenum">
               <a:rPr lang="en-US" smtClean="0"/>
               <a:pPr/>
-              <a:t>8</a:t>
+              <a:t>9</a:t>
             </a:fld>
             <a:endParaRPr lang="en-US" dirty="0"/>
           </a:p>
@@ -45474,557 +46474,6 @@
                 <p:cond evt="onClick" delay="0">
                   <p:tgtEl>
                     <p:spTgt spid="9"/>
-                  </p:tgtEl>
-                </p:cond>
-              </p:nextCondLst>
-            </p:seq>
-          </p:childTnLst>
-        </p:cTn>
-      </p:par>
-    </p:tnLst>
-  </p:timing>
-</p:sld>
-</file>
-
-<file path=ppt/slides/slide9.xml><?xml version="1.0" encoding="utf-8"?>
-<p:sld xmlns:a="http://schemas.openxmlformats.org/drawingml/2006/main" xmlns:r="http://schemas.openxmlformats.org/officeDocument/2006/relationships" xmlns:p="http://schemas.openxmlformats.org/presentationml/2006/main">
-  <p:cSld>
-    <p:bg>
-      <p:bgPr>
-        <a:solidFill>
-          <a:schemeClr val="tx1"/>
-        </a:solidFill>
-        <a:effectLst/>
-      </p:bgPr>
-    </p:bg>
-    <p:spTree>
-      <p:nvGrpSpPr>
-        <p:cNvPr id="1" name=""/>
-        <p:cNvGrpSpPr/>
-        <p:nvPr/>
-      </p:nvGrpSpPr>
-      <p:grpSpPr>
-        <a:xfrm>
-          <a:off x="0" y="0"/>
-          <a:ext cx="0" cy="0"/>
-          <a:chOff x="0" y="0"/>
-          <a:chExt cx="0" cy="0"/>
-        </a:xfrm>
-      </p:grpSpPr>
-      <p:pic>
-        <p:nvPicPr>
-          <p:cNvPr id="5" name="Graphic 4" descr="Circular flowchart outline">
-            <a:extLst>
-              <a:ext uri="{FF2B5EF4-FFF2-40B4-BE49-F238E27FC236}">
-                <a16:creationId xmlns:a16="http://schemas.microsoft.com/office/drawing/2014/main" id="{3CAE6604-AF99-C64B-855D-A0E31A992F41}"/>
-              </a:ext>
-            </a:extLst>
-          </p:cNvPr>
-          <p:cNvPicPr>
-            <a:picLocks noChangeAspect="1"/>
-          </p:cNvPicPr>
-          <p:nvPr/>
-        </p:nvPicPr>
-        <p:blipFill>
-          <a:blip r:embed="rId3">
-            <a:extLst>
-              <a:ext uri="{28A0092B-C50C-407E-A947-70E740481C1C}">
-                <a14:useLocalDpi xmlns:a14="http://schemas.microsoft.com/office/drawing/2010/main" val="0"/>
-              </a:ext>
-              <a:ext uri="{96DAC541-7B7A-43D3-8B79-37D633B846F1}">
-                <asvg:svgBlip xmlns:asvg="http://schemas.microsoft.com/office/drawing/2016/SVG/main" r:embed="rId4"/>
-              </a:ext>
-            </a:extLst>
-          </a:blip>
-          <a:stretch>
-            <a:fillRect/>
-          </a:stretch>
-        </p:blipFill>
-        <p:spPr>
-          <a:xfrm>
-            <a:off x="674158" y="76200"/>
-            <a:ext cx="7186084" cy="7186084"/>
-          </a:xfrm>
-          <a:prstGeom prst="rect">
-            <a:avLst/>
-          </a:prstGeom>
-          <a:effectLst>
-            <a:glow rad="101600">
-              <a:schemeClr val="tx1">
-                <a:lumMod val="75000"/>
-                <a:lumOff val="25000"/>
-                <a:alpha val="60000"/>
-              </a:schemeClr>
-            </a:glow>
-          </a:effectLst>
-        </p:spPr>
-      </p:pic>
-      <p:sp>
-        <p:nvSpPr>
-          <p:cNvPr id="2" name="Title 1">
-            <a:extLst>
-              <a:ext uri="{FF2B5EF4-FFF2-40B4-BE49-F238E27FC236}">
-                <a16:creationId xmlns:a16="http://schemas.microsoft.com/office/drawing/2014/main" id="{DD6F7378-717F-9548-B681-E7D3777FFE5E}"/>
-              </a:ext>
-            </a:extLst>
-          </p:cNvPr>
-          <p:cNvSpPr>
-            <a:spLocks noGrp="1"/>
-          </p:cNvSpPr>
-          <p:nvPr>
-            <p:ph type="title"/>
-          </p:nvPr>
-        </p:nvSpPr>
-        <p:spPr>
-          <a:xfrm>
-            <a:off x="304799" y="274638"/>
-            <a:ext cx="8534397" cy="715962"/>
-          </a:xfrm>
-          <a:prstGeom prst="roundRect">
-            <a:avLst/>
-          </a:prstGeom>
-          <a:solidFill>
-            <a:schemeClr val="bg2">
-              <a:lumMod val="50000"/>
-            </a:schemeClr>
-          </a:solidFill>
-          <a:effectLst/>
-        </p:spPr>
-        <p:txBody>
-          <a:bodyPr>
-            <a:normAutofit fontScale="90000"/>
-          </a:bodyPr>
-          <a:lstStyle/>
-          <a:p>
-            <a:r>
-              <a:rPr lang="en-US" dirty="0">
-                <a:solidFill>
-                  <a:schemeClr val="bg1"/>
-                </a:solidFill>
-                <a:effectLst>
-                  <a:glow rad="101600">
-                    <a:schemeClr val="tx1">
-                      <a:alpha val="60000"/>
-                    </a:schemeClr>
-                  </a:glow>
-                  <a:outerShdw blurRad="50800" dist="38100" dir="8100000" algn="tr" rotWithShape="0">
-                    <a:prstClr val="black">
-                      <a:alpha val="40000"/>
-                    </a:prstClr>
-                  </a:outerShdw>
-                </a:effectLst>
-                <a:latin typeface="DIN Alternate" panose="020B0500000000000000" pitchFamily="34" charset="77"/>
-              </a:rPr>
-              <a:t>PROJECT SCOPE</a:t>
-            </a:r>
-          </a:p>
-        </p:txBody>
-      </p:sp>
-      <p:sp>
-        <p:nvSpPr>
-          <p:cNvPr id="4" name="Slide Number Placeholder 3">
-            <a:extLst>
-              <a:ext uri="{FF2B5EF4-FFF2-40B4-BE49-F238E27FC236}">
-                <a16:creationId xmlns:a16="http://schemas.microsoft.com/office/drawing/2014/main" id="{81F78564-DDBC-C349-9023-BCC92159213B}"/>
-              </a:ext>
-            </a:extLst>
-          </p:cNvPr>
-          <p:cNvSpPr>
-            <a:spLocks noGrp="1"/>
-          </p:cNvSpPr>
-          <p:nvPr>
-            <p:ph type="sldNum" sz="quarter" idx="12"/>
-          </p:nvPr>
-        </p:nvSpPr>
-        <p:spPr/>
-        <p:txBody>
-          <a:bodyPr/>
-          <a:lstStyle/>
-          <a:p>
-            <a:fld id="{9E3EFB43-BEAF-4970-A06C-24B01B76FA99}" type="slidenum">
-              <a:rPr lang="en-US" smtClean="0"/>
-              <a:pPr/>
-              <a:t>9</a:t>
-            </a:fld>
-            <a:endParaRPr lang="en-US" dirty="0"/>
-          </a:p>
-        </p:txBody>
-      </p:sp>
-      <p:sp>
-        <p:nvSpPr>
-          <p:cNvPr id="6" name="Rounded Rectangle 5">
-            <a:extLst>
-              <a:ext uri="{FF2B5EF4-FFF2-40B4-BE49-F238E27FC236}">
-                <a16:creationId xmlns:a16="http://schemas.microsoft.com/office/drawing/2014/main" id="{A15D5860-F3B3-8049-A456-E0401261676B}"/>
-              </a:ext>
-            </a:extLst>
-          </p:cNvPr>
-          <p:cNvSpPr/>
-          <p:nvPr/>
-        </p:nvSpPr>
-        <p:spPr>
-          <a:xfrm>
-            <a:off x="304799" y="1600200"/>
-            <a:ext cx="3886200" cy="3581400"/>
-          </a:xfrm>
-          <a:prstGeom prst="roundRect">
-            <a:avLst>
-              <a:gd name="adj" fmla="val 6988"/>
-            </a:avLst>
-          </a:prstGeom>
-          <a:solidFill>
-            <a:schemeClr val="tx1">
-              <a:lumMod val="85000"/>
-              <a:lumOff val="15000"/>
-              <a:alpha val="90000"/>
-            </a:schemeClr>
-          </a:solidFill>
-          <a:ln w="12700">
-            <a:solidFill>
-              <a:schemeClr val="bg2">
-                <a:lumMod val="50000"/>
-              </a:schemeClr>
-            </a:solidFill>
-          </a:ln>
-        </p:spPr>
-        <p:style>
-          <a:lnRef idx="2">
-            <a:schemeClr val="accent1">
-              <a:shade val="50000"/>
-            </a:schemeClr>
-          </a:lnRef>
-          <a:fillRef idx="1">
-            <a:schemeClr val="accent1"/>
-          </a:fillRef>
-          <a:effectRef idx="0">
-            <a:schemeClr val="accent1"/>
-          </a:effectRef>
-          <a:fontRef idx="minor">
-            <a:schemeClr val="lt1"/>
-          </a:fontRef>
-        </p:style>
-        <p:txBody>
-          <a:bodyPr rtlCol="0" anchor="t" anchorCtr="0"/>
-          <a:lstStyle/>
-          <a:p>
-            <a:pPr algn="ctr"/>
-            <a:r>
-              <a:rPr lang="en-US" sz="3200" dirty="0">
-                <a:effectLst>
-                  <a:glow rad="101600">
-                    <a:schemeClr val="tx1">
-                      <a:alpha val="60000"/>
-                    </a:schemeClr>
-                  </a:glow>
-                </a:effectLst>
-                <a:latin typeface="DIN Alternate" panose="020B0500000000000000" pitchFamily="34" charset="77"/>
-              </a:rPr>
-              <a:t>Outside Scope</a:t>
-            </a:r>
-            <a:endParaRPr lang="en-US" sz="2800" dirty="0">
-              <a:latin typeface="DIN Alternate" panose="020B0500000000000000" pitchFamily="34" charset="77"/>
-            </a:endParaRPr>
-          </a:p>
-          <a:p>
-            <a:pPr marL="285750" indent="-285750" fontAlgn="base">
-              <a:buFont typeface="Arial" panose="020B0604020202020204" pitchFamily="34" charset="0"/>
-              <a:buChar char="•"/>
-            </a:pPr>
-            <a:r>
-              <a:rPr lang="en-US" sz="2400" dirty="0">
-                <a:latin typeface="DIN Alternate" panose="020B0500000000000000" pitchFamily="34" charset="77"/>
-              </a:rPr>
-              <a:t>Not aiming to produce diagnostic test</a:t>
-            </a:r>
-          </a:p>
-          <a:p>
-            <a:pPr marL="285750" indent="-285750" fontAlgn="base">
-              <a:buFont typeface="Arial" panose="020B0604020202020204" pitchFamily="34" charset="0"/>
-              <a:buChar char="•"/>
-            </a:pPr>
-            <a:r>
-              <a:rPr lang="en-US" sz="2400" dirty="0">
-                <a:latin typeface="DIN Alternate" panose="020B0500000000000000" pitchFamily="34" charset="77"/>
-              </a:rPr>
-              <a:t>Not aiming to create therapeutic experience</a:t>
-            </a:r>
-          </a:p>
-          <a:p>
-            <a:pPr marL="285750" indent="-285750" fontAlgn="base">
-              <a:buFont typeface="Arial" panose="020B0604020202020204" pitchFamily="34" charset="0"/>
-              <a:buChar char="•"/>
-            </a:pPr>
-            <a:r>
-              <a:rPr lang="en-US" sz="2400" dirty="0">
-                <a:latin typeface="DIN Alternate" panose="020B0500000000000000" pitchFamily="34" charset="77"/>
-              </a:rPr>
-              <a:t>Not aiming to design or conduct a particular research experiment</a:t>
-            </a:r>
-          </a:p>
-          <a:p>
-            <a:endParaRPr lang="en-US" sz="2800" dirty="0">
-              <a:latin typeface="DIN Alternate" panose="020B0500000000000000" pitchFamily="34" charset="77"/>
-            </a:endParaRPr>
-          </a:p>
-        </p:txBody>
-      </p:sp>
-      <p:sp>
-        <p:nvSpPr>
-          <p:cNvPr id="7" name="Rounded Rectangle 6">
-            <a:extLst>
-              <a:ext uri="{FF2B5EF4-FFF2-40B4-BE49-F238E27FC236}">
-                <a16:creationId xmlns:a16="http://schemas.microsoft.com/office/drawing/2014/main" id="{EA808AFB-A957-054A-BFD2-00F67E6F506A}"/>
-              </a:ext>
-            </a:extLst>
-          </p:cNvPr>
-          <p:cNvSpPr/>
-          <p:nvPr/>
-        </p:nvSpPr>
-        <p:spPr>
-          <a:xfrm>
-            <a:off x="4343400" y="1594945"/>
-            <a:ext cx="4495796" cy="3581400"/>
-          </a:xfrm>
-          <a:prstGeom prst="roundRect">
-            <a:avLst>
-              <a:gd name="adj" fmla="val 6988"/>
-            </a:avLst>
-          </a:prstGeom>
-          <a:solidFill>
-            <a:schemeClr val="tx1">
-              <a:lumMod val="85000"/>
-              <a:lumOff val="15000"/>
-              <a:alpha val="90000"/>
-            </a:schemeClr>
-          </a:solidFill>
-          <a:ln w="12700">
-            <a:solidFill>
-              <a:schemeClr val="bg2">
-                <a:lumMod val="50000"/>
-              </a:schemeClr>
-            </a:solidFill>
-          </a:ln>
-        </p:spPr>
-        <p:style>
-          <a:lnRef idx="2">
-            <a:schemeClr val="accent1">
-              <a:shade val="50000"/>
-            </a:schemeClr>
-          </a:lnRef>
-          <a:fillRef idx="1">
-            <a:schemeClr val="accent1"/>
-          </a:fillRef>
-          <a:effectRef idx="0">
-            <a:schemeClr val="accent1"/>
-          </a:effectRef>
-          <a:fontRef idx="minor">
-            <a:schemeClr val="lt1"/>
-          </a:fontRef>
-        </p:style>
-        <p:txBody>
-          <a:bodyPr rtlCol="0" anchor="t" anchorCtr="0"/>
-          <a:lstStyle/>
-          <a:p>
-            <a:pPr algn="ctr"/>
-            <a:r>
-              <a:rPr lang="en-US" sz="3200" dirty="0">
-                <a:effectLst>
-                  <a:glow rad="101600">
-                    <a:schemeClr val="tx1">
-                      <a:alpha val="60000"/>
-                    </a:schemeClr>
-                  </a:glow>
-                </a:effectLst>
-                <a:latin typeface="DIN Alternate" panose="020B0500000000000000" pitchFamily="34" charset="77"/>
-              </a:rPr>
-              <a:t>Within Scope</a:t>
-            </a:r>
-            <a:endParaRPr lang="en-US" sz="2800" dirty="0">
-              <a:latin typeface="DIN Alternate" panose="020B0500000000000000" pitchFamily="34" charset="77"/>
-            </a:endParaRPr>
-          </a:p>
-          <a:p>
-            <a:pPr marL="285750" indent="-285750" fontAlgn="base">
-              <a:buFont typeface="Arial" panose="020B0604020202020204" pitchFamily="34" charset="0"/>
-              <a:buChar char="•"/>
-            </a:pPr>
-            <a:r>
-              <a:rPr lang="en-US" sz="2000" dirty="0">
-                <a:latin typeface="DIN Alternate" panose="020B0500000000000000" pitchFamily="34" charset="77"/>
-              </a:rPr>
-              <a:t>Create a framework to aid the development and implementation of advanced behaviors to support diagnostic and therapeutic applications</a:t>
-            </a:r>
-          </a:p>
-          <a:p>
-            <a:pPr marL="285750" indent="-285750" fontAlgn="base">
-              <a:buFont typeface="Arial" panose="020B0604020202020204" pitchFamily="34" charset="0"/>
-              <a:buChar char="•"/>
-            </a:pPr>
-            <a:r>
-              <a:rPr lang="en-US" sz="2000" dirty="0">
-                <a:latin typeface="DIN Alternate" panose="020B0500000000000000" pitchFamily="34" charset="77"/>
-              </a:rPr>
-              <a:t>Develop behavior components for a specific scenario as a POC</a:t>
-            </a:r>
-          </a:p>
-          <a:p>
-            <a:pPr marL="742950" lvl="1" indent="-285750" fontAlgn="base">
-              <a:buFont typeface="Arial" panose="020B0604020202020204" pitchFamily="34" charset="0"/>
-              <a:buChar char="•"/>
-            </a:pPr>
-            <a:r>
-              <a:rPr lang="en-US" sz="2000" dirty="0">
-                <a:latin typeface="DIN Alternate" panose="020B0500000000000000" pitchFamily="34" charset="77"/>
-              </a:rPr>
-              <a:t>Interactive drawing exercise with a human subject</a:t>
-            </a:r>
-          </a:p>
-          <a:p>
-            <a:endParaRPr lang="en-US" sz="2400" dirty="0">
-              <a:latin typeface="DIN Alternate" panose="020B0500000000000000" pitchFamily="34" charset="77"/>
-            </a:endParaRPr>
-          </a:p>
-        </p:txBody>
-      </p:sp>
-      <p:pic>
-        <p:nvPicPr>
-          <p:cNvPr id="9" name="Graphic 8" descr="Hamburger Menu Icon with solid fill">
-            <a:hlinkClick r:id="" action="ppaction://hlinkshowjump?jump=lastslide"/>
-            <a:extLst>
-              <a:ext uri="{FF2B5EF4-FFF2-40B4-BE49-F238E27FC236}">
-                <a16:creationId xmlns:a16="http://schemas.microsoft.com/office/drawing/2014/main" id="{F460958D-DBDD-6C46-B81C-A77A5CB927BD}"/>
-              </a:ext>
-            </a:extLst>
-          </p:cNvPr>
-          <p:cNvPicPr>
-            <a:picLocks noChangeAspect="1"/>
-          </p:cNvPicPr>
-          <p:nvPr/>
-        </p:nvPicPr>
-        <p:blipFill>
-          <a:blip r:embed="rId5">
-            <a:extLst>
-              <a:ext uri="{28A0092B-C50C-407E-A947-70E740481C1C}">
-                <a14:useLocalDpi xmlns:a14="http://schemas.microsoft.com/office/drawing/2010/main" val="0"/>
-              </a:ext>
-              <a:ext uri="{96DAC541-7B7A-43D3-8B79-37D633B846F1}">
-                <asvg:svgBlip xmlns:asvg="http://schemas.microsoft.com/office/drawing/2016/SVG/main" r:embed="rId6"/>
-              </a:ext>
-            </a:extLst>
-          </a:blip>
-          <a:stretch>
-            <a:fillRect/>
-          </a:stretch>
-        </p:blipFill>
-        <p:spPr>
-          <a:xfrm>
-            <a:off x="97798" y="6346198"/>
-            <a:ext cx="359402" cy="359402"/>
-          </a:xfrm>
-          <a:prstGeom prst="rect">
-            <a:avLst/>
-          </a:prstGeom>
-          <a:effectLst>
-            <a:glow rad="101600">
-              <a:schemeClr val="tx1">
-                <a:lumMod val="75000"/>
-                <a:lumOff val="25000"/>
-                <a:alpha val="60000"/>
-              </a:schemeClr>
-            </a:glow>
-          </a:effectLst>
-        </p:spPr>
-      </p:pic>
-    </p:spTree>
-    <p:extLst>
-      <p:ext uri="{BB962C8B-B14F-4D97-AF65-F5344CB8AC3E}">
-        <p14:creationId xmlns:p14="http://schemas.microsoft.com/office/powerpoint/2010/main" val="535997282"/>
-      </p:ext>
-    </p:extLst>
-  </p:cSld>
-  <p:clrMapOvr>
-    <a:masterClrMapping/>
-  </p:clrMapOvr>
-  <mc:AlternateContent xmlns:mc="http://schemas.openxmlformats.org/markup-compatibility/2006" xmlns:p14="http://schemas.microsoft.com/office/powerpoint/2010/main">
-    <mc:Choice Requires="p14">
-      <p:transition spd="slow" p14:dur="800">
-        <p14:glitter dir="r" pattern="hexagon"/>
-      </p:transition>
-    </mc:Choice>
-    <mc:Fallback xmlns="">
-      <p:transition spd="slow">
-        <p:fade/>
-      </p:transition>
-    </mc:Fallback>
-  </mc:AlternateContent>
-  <p:timing>
-    <p:tnLst>
-      <p:par>
-        <p:cTn id="1" dur="indefinite" restart="never" nodeType="tmRoot">
-          <p:childTnLst>
-            <p:seq concurrent="1" nextAc="seek">
-              <p:cTn id="2" restart="whenNotActive" fill="hold" evtFilter="cancelBubble" nodeType="interactiveSeq">
-                <p:stCondLst>
-                  <p:cond evt="onClick" delay="0">
-                    <p:tgtEl>
-                      <p:spTgt spid="5"/>
-                    </p:tgtEl>
-                  </p:cond>
-                </p:stCondLst>
-                <p:endSync evt="end" delay="0">
-                  <p:rtn val="all"/>
-                </p:endSync>
-                <p:childTnLst>
-                  <p:par>
-                    <p:cTn id="3" fill="hold">
-                      <p:stCondLst>
-                        <p:cond delay="0"/>
-                      </p:stCondLst>
-                      <p:childTnLst>
-                        <p:par>
-                          <p:cTn id="4" fill="hold">
-                            <p:stCondLst>
-                              <p:cond delay="0"/>
-                            </p:stCondLst>
-                            <p:childTnLst>
-                              <p:par>
-                                <p:cTn id="5" presetID="26" presetClass="emph" presetSubtype="0" fill="hold" nodeType="clickEffect">
-                                  <p:stCondLst>
-                                    <p:cond delay="0"/>
-                                  </p:stCondLst>
-                                  <p:childTnLst>
-                                    <p:animEffect transition="out" filter="fade">
-                                      <p:cBhvr>
-                                        <p:cTn id="6" dur="500" tmFilter="0, 0; .2, .5; .8, .5; 1, 0"/>
-                                        <p:tgtEl>
-                                          <p:spTgt spid="9"/>
-                                        </p:tgtEl>
-                                      </p:cBhvr>
-                                    </p:animEffect>
-                                    <p:animScale>
-                                      <p:cBhvr>
-                                        <p:cTn id="7" dur="250" autoRev="1" fill="hold"/>
-                                        <p:tgtEl>
-                                          <p:spTgt spid="9"/>
-                                        </p:tgtEl>
-                                      </p:cBhvr>
-                                      <p:by x="105000" y="105000"/>
-                                    </p:animScale>
-                                  </p:childTnLst>
-                                </p:cTn>
-                              </p:par>
-                            </p:childTnLst>
-                          </p:cTn>
-                        </p:par>
-                      </p:childTnLst>
-                    </p:cTn>
-                  </p:par>
-                </p:childTnLst>
-              </p:cTn>
-              <p:nextCondLst>
-                <p:cond evt="onClick" delay="0">
-                  <p:tgtEl>
-                    <p:spTgt spid="5"/>
                   </p:tgtEl>
                 </p:cond>
               </p:nextCondLst>

--- a/docs/FinalSeminarPresentation.pptx
+++ b/docs/FinalSeminarPresentation.pptx
@@ -8296,18 +8296,6 @@
   <p:clrMapOvr>
     <a:masterClrMapping/>
   </p:clrMapOvr>
-  <mc:AlternateContent xmlns:mc="http://schemas.openxmlformats.org/markup-compatibility/2006">
-    <mc:Choice xmlns:p14="http://schemas.microsoft.com/office/powerpoint/2010/main" Requires="p14">
-      <p:transition spd="slow" p14:dur="800">
-        <p14:glitter dir="r" pattern="hexagon"/>
-      </p:transition>
-    </mc:Choice>
-    <mc:Fallback>
-      <p:transition spd="slow">
-        <p:fade/>
-      </p:transition>
-    </mc:Fallback>
-  </mc:AlternateContent>
 </p:sldLayout>
 </file>
 
@@ -8483,18 +8471,6 @@
   <p:clrMapOvr>
     <a:masterClrMapping/>
   </p:clrMapOvr>
-  <mc:AlternateContent xmlns:mc="http://schemas.openxmlformats.org/markup-compatibility/2006">
-    <mc:Choice xmlns:p14="http://schemas.microsoft.com/office/powerpoint/2010/main" Requires="p14">
-      <p:transition spd="slow" p14:dur="800">
-        <p14:glitter dir="r" pattern="hexagon"/>
-      </p:transition>
-    </mc:Choice>
-    <mc:Fallback>
-      <p:transition spd="slow">
-        <p:fade/>
-      </p:transition>
-    </mc:Fallback>
-  </mc:AlternateContent>
 </p:sldLayout>
 </file>
 
@@ -8680,18 +8656,6 @@
   <p:clrMapOvr>
     <a:masterClrMapping/>
   </p:clrMapOvr>
-  <mc:AlternateContent xmlns:mc="http://schemas.openxmlformats.org/markup-compatibility/2006">
-    <mc:Choice xmlns:p14="http://schemas.microsoft.com/office/powerpoint/2010/main" Requires="p14">
-      <p:transition spd="slow" p14:dur="800">
-        <p14:glitter dir="r" pattern="hexagon"/>
-      </p:transition>
-    </mc:Choice>
-    <mc:Fallback>
-      <p:transition spd="slow">
-        <p:fade/>
-      </p:transition>
-    </mc:Fallback>
-  </mc:AlternateContent>
 </p:sldLayout>
 </file>
 
@@ -8823,18 +8787,6 @@
   <p:clrMapOvr>
     <a:masterClrMapping/>
   </p:clrMapOvr>
-  <mc:AlternateContent xmlns:mc="http://schemas.openxmlformats.org/markup-compatibility/2006">
-    <mc:Choice xmlns:p14="http://schemas.microsoft.com/office/powerpoint/2010/main" Requires="p14">
-      <p:transition spd="slow" p14:dur="800">
-        <p14:glitter dir="r" pattern="hexagon"/>
-      </p:transition>
-    </mc:Choice>
-    <mc:Fallback>
-      <p:transition spd="slow">
-        <p:fade/>
-      </p:transition>
-    </mc:Fallback>
-  </mc:AlternateContent>
 </p:sldLayout>
 </file>
 
@@ -9010,18 +8962,6 @@
   <p:clrMapOvr>
     <a:masterClrMapping/>
   </p:clrMapOvr>
-  <mc:AlternateContent xmlns:mc="http://schemas.openxmlformats.org/markup-compatibility/2006">
-    <mc:Choice xmlns:p14="http://schemas.microsoft.com/office/powerpoint/2010/main" Requires="p14">
-      <p:transition spd="slow" p14:dur="800">
-        <p14:glitter dir="r" pattern="hexagon"/>
-      </p:transition>
-    </mc:Choice>
-    <mc:Fallback>
-      <p:transition spd="slow">
-        <p:fade/>
-      </p:transition>
-    </mc:Fallback>
-  </mc:AlternateContent>
 </p:sldLayout>
 </file>
 
@@ -9275,18 +9215,6 @@
   <p:clrMapOvr>
     <a:masterClrMapping/>
   </p:clrMapOvr>
-  <mc:AlternateContent xmlns:mc="http://schemas.openxmlformats.org/markup-compatibility/2006">
-    <mc:Choice xmlns:p14="http://schemas.microsoft.com/office/powerpoint/2010/main" Requires="p14">
-      <p:transition spd="slow" p14:dur="800">
-        <p14:glitter dir="r" pattern="hexagon"/>
-      </p:transition>
-    </mc:Choice>
-    <mc:Fallback>
-      <p:transition spd="slow">
-        <p:fade/>
-      </p:transition>
-    </mc:Fallback>
-  </mc:AlternateContent>
 </p:sldLayout>
 </file>
 
@@ -9579,18 +9507,6 @@
   <p:clrMapOvr>
     <a:masterClrMapping/>
   </p:clrMapOvr>
-  <mc:AlternateContent xmlns:mc="http://schemas.openxmlformats.org/markup-compatibility/2006">
-    <mc:Choice xmlns:p14="http://schemas.microsoft.com/office/powerpoint/2010/main" Requires="p14">
-      <p:transition spd="slow" p14:dur="800">
-        <p14:glitter dir="r" pattern="hexagon"/>
-      </p:transition>
-    </mc:Choice>
-    <mc:Fallback>
-      <p:transition spd="slow">
-        <p:fade/>
-      </p:transition>
-    </mc:Fallback>
-  </mc:AlternateContent>
 </p:sldLayout>
 </file>
 
@@ -10018,18 +9934,6 @@
   <p:clrMapOvr>
     <a:masterClrMapping/>
   </p:clrMapOvr>
-  <mc:AlternateContent xmlns:mc="http://schemas.openxmlformats.org/markup-compatibility/2006">
-    <mc:Choice xmlns:p14="http://schemas.microsoft.com/office/powerpoint/2010/main" Requires="p14">
-      <p:transition spd="slow" p14:dur="800">
-        <p14:glitter dir="r" pattern="hexagon"/>
-      </p:transition>
-    </mc:Choice>
-    <mc:Fallback>
-      <p:transition spd="slow">
-        <p:fade/>
-      </p:transition>
-    </mc:Fallback>
-  </mc:AlternateContent>
 </p:sldLayout>
 </file>
 
@@ -10154,18 +10058,6 @@
   <p:clrMapOvr>
     <a:masterClrMapping/>
   </p:clrMapOvr>
-  <mc:AlternateContent xmlns:mc="http://schemas.openxmlformats.org/markup-compatibility/2006">
-    <mc:Choice xmlns:p14="http://schemas.microsoft.com/office/powerpoint/2010/main" Requires="p14">
-      <p:transition spd="slow" p14:dur="800">
-        <p14:glitter dir="r" pattern="hexagon"/>
-      </p:transition>
-    </mc:Choice>
-    <mc:Fallback>
-      <p:transition spd="slow">
-        <p:fade/>
-      </p:transition>
-    </mc:Fallback>
-  </mc:AlternateContent>
 </p:sldLayout>
 </file>
 
@@ -10268,18 +10160,6 @@
   <p:clrMapOvr>
     <a:masterClrMapping/>
   </p:clrMapOvr>
-  <mc:AlternateContent xmlns:mc="http://schemas.openxmlformats.org/markup-compatibility/2006">
-    <mc:Choice xmlns:p14="http://schemas.microsoft.com/office/powerpoint/2010/main" Requires="p14">
-      <p:transition spd="slow" p14:dur="800">
-        <p14:glitter dir="r" pattern="hexagon"/>
-      </p:transition>
-    </mc:Choice>
-    <mc:Fallback>
-      <p:transition spd="slow">
-        <p:fade/>
-      </p:transition>
-    </mc:Fallback>
-  </mc:AlternateContent>
 </p:sldLayout>
 </file>
 
@@ -10562,18 +10442,6 @@
   <p:clrMapOvr>
     <a:masterClrMapping/>
   </p:clrMapOvr>
-  <mc:AlternateContent xmlns:mc="http://schemas.openxmlformats.org/markup-compatibility/2006">
-    <mc:Choice xmlns:p14="http://schemas.microsoft.com/office/powerpoint/2010/main" Requires="p14">
-      <p:transition spd="slow" p14:dur="800">
-        <p14:glitter dir="r" pattern="hexagon"/>
-      </p:transition>
-    </mc:Choice>
-    <mc:Fallback>
-      <p:transition spd="slow">
-        <p:fade/>
-      </p:transition>
-    </mc:Fallback>
-  </mc:AlternateContent>
 </p:sldLayout>
 </file>
 
@@ -10836,18 +10704,6 @@
   <p:clrMapOvr>
     <a:masterClrMapping/>
   </p:clrMapOvr>
-  <mc:AlternateContent xmlns:mc="http://schemas.openxmlformats.org/markup-compatibility/2006">
-    <mc:Choice xmlns:p14="http://schemas.microsoft.com/office/powerpoint/2010/main" Requires="p14">
-      <p:transition spd="slow" p14:dur="800">
-        <p14:glitter dir="r" pattern="hexagon"/>
-      </p:transition>
-    </mc:Choice>
-    <mc:Fallback>
-      <p:transition spd="slow">
-        <p:fade/>
-      </p:transition>
-    </mc:Fallback>
-  </mc:AlternateContent>
 </p:sldLayout>
 </file>
 
@@ -11212,18 +11068,6 @@
     <p:sldLayoutId id="2147483659" r:id="rId11"/>
     <p:sldLayoutId id="2147483660" r:id="rId12"/>
   </p:sldLayoutIdLst>
-  <mc:AlternateContent xmlns:mc="http://schemas.openxmlformats.org/markup-compatibility/2006">
-    <mc:Choice xmlns:p14="http://schemas.microsoft.com/office/powerpoint/2010/main" Requires="p14">
-      <p:transition spd="slow" p14:dur="800">
-        <p14:glitter dir="r" pattern="hexagon"/>
-      </p:transition>
-    </mc:Choice>
-    <mc:Fallback>
-      <p:transition spd="slow">
-        <p:fade/>
-      </p:transition>
-    </mc:Fallback>
-  </mc:AlternateContent>
   <p:hf hdr="0" ftr="0" dt="0"/>
   <p:txStyles>
     <p:titleStyle>
@@ -12179,14 +12023,6 @@
   <p:clrMapOvr>
     <a:masterClrMapping/>
   </p:clrMapOvr>
-  <mc:AlternateContent xmlns:mc="http://schemas.openxmlformats.org/markup-compatibility/2006">
-    <mc:Choice xmlns:p14="http://schemas.microsoft.com/office/powerpoint/2010/main" Requires="p14">
-      <p:transition p14:dur="0"/>
-    </mc:Choice>
-    <mc:Fallback>
-      <p:transition/>
-    </mc:Fallback>
-  </mc:AlternateContent>
 </p:sld>
 </file>
 
@@ -12670,18 +12506,6 @@
   <p:clrMapOvr>
     <a:masterClrMapping/>
   </p:clrMapOvr>
-  <mc:AlternateContent xmlns:mc="http://schemas.openxmlformats.org/markup-compatibility/2006">
-    <mc:Choice xmlns:p14="http://schemas.microsoft.com/office/powerpoint/2010/main" Requires="p14">
-      <p:transition spd="slow" p14:dur="800">
-        <p14:glitter dir="r" pattern="hexagon"/>
-      </p:transition>
-    </mc:Choice>
-    <mc:Fallback>
-      <p:transition spd="slow">
-        <p:fade/>
-      </p:transition>
-    </mc:Fallback>
-  </mc:AlternateContent>
 </p:sld>
 </file>
 
@@ -13535,18 +13359,6 @@
   <p:clrMapOvr>
     <a:masterClrMapping/>
   </p:clrMapOvr>
-  <mc:AlternateContent xmlns:mc="http://schemas.openxmlformats.org/markup-compatibility/2006">
-    <mc:Choice xmlns:p14="http://schemas.microsoft.com/office/powerpoint/2010/main" Requires="p14">
-      <p:transition spd="slow" p14:dur="800">
-        <p14:glitter dir="r" pattern="hexagon"/>
-      </p:transition>
-    </mc:Choice>
-    <mc:Fallback>
-      <p:transition spd="slow">
-        <p:fade/>
-      </p:transition>
-    </mc:Fallback>
-  </mc:AlternateContent>
 </p:sld>
 </file>
 
@@ -14037,18 +13849,6 @@
   <p:clrMapOvr>
     <a:masterClrMapping/>
   </p:clrMapOvr>
-  <mc:AlternateContent xmlns:mc="http://schemas.openxmlformats.org/markup-compatibility/2006">
-    <mc:Choice xmlns:p14="http://schemas.microsoft.com/office/powerpoint/2010/main" Requires="p14">
-      <p:transition spd="slow" p14:dur="800">
-        <p14:glitter dir="r" pattern="hexagon"/>
-      </p:transition>
-    </mc:Choice>
-    <mc:Fallback>
-      <p:transition spd="slow">
-        <p:fade/>
-      </p:transition>
-    </mc:Fallback>
-  </mc:AlternateContent>
 </p:sld>
 </file>
 
@@ -14726,18 +14526,6 @@
   <p:clrMapOvr>
     <a:masterClrMapping/>
   </p:clrMapOvr>
-  <mc:AlternateContent xmlns:mc="http://schemas.openxmlformats.org/markup-compatibility/2006">
-    <mc:Choice xmlns:p14="http://schemas.microsoft.com/office/powerpoint/2010/main" Requires="p14">
-      <p:transition spd="slow" p14:dur="800">
-        <p14:glitter dir="r" pattern="hexagon"/>
-      </p:transition>
-    </mc:Choice>
-    <mc:Fallback>
-      <p:transition spd="slow">
-        <p:fade/>
-      </p:transition>
-    </mc:Fallback>
-  </mc:AlternateContent>
 </p:sld>
 </file>
 
@@ -15316,18 +15104,6 @@
   <p:clrMapOvr>
     <a:masterClrMapping/>
   </p:clrMapOvr>
-  <mc:AlternateContent xmlns:mc="http://schemas.openxmlformats.org/markup-compatibility/2006">
-    <mc:Choice xmlns:p14="http://schemas.microsoft.com/office/powerpoint/2010/main" Requires="p14">
-      <p:transition spd="slow" p14:dur="800">
-        <p14:glitter dir="r" pattern="hexagon"/>
-      </p:transition>
-    </mc:Choice>
-    <mc:Fallback>
-      <p:transition spd="slow">
-        <p:fade/>
-      </p:transition>
-    </mc:Fallback>
-  </mc:AlternateContent>
 </p:sld>
 </file>
 
@@ -15862,18 +15638,6 @@
   <p:clrMapOvr>
     <a:masterClrMapping/>
   </p:clrMapOvr>
-  <mc:AlternateContent xmlns:mc="http://schemas.openxmlformats.org/markup-compatibility/2006">
-    <mc:Choice xmlns:p14="http://schemas.microsoft.com/office/powerpoint/2010/main" Requires="p14">
-      <p:transition spd="slow" p14:dur="800">
-        <p14:glitter dir="r" pattern="hexagon"/>
-      </p:transition>
-    </mc:Choice>
-    <mc:Fallback>
-      <p:transition spd="slow">
-        <p:fade/>
-      </p:transition>
-    </mc:Fallback>
-  </mc:AlternateContent>
 </p:sld>
 </file>
 
@@ -17212,18 +16976,6 @@
   <p:clrMapOvr>
     <a:masterClrMapping/>
   </p:clrMapOvr>
-  <mc:AlternateContent xmlns:mc="http://schemas.openxmlformats.org/markup-compatibility/2006">
-    <mc:Choice xmlns:p14="http://schemas.microsoft.com/office/powerpoint/2010/main" Requires="p14">
-      <p:transition spd="slow" p14:dur="800">
-        <p14:glitter dir="r" pattern="hexagon"/>
-      </p:transition>
-    </mc:Choice>
-    <mc:Fallback>
-      <p:transition spd="slow">
-        <p:fade/>
-      </p:transition>
-    </mc:Fallback>
-  </mc:AlternateContent>
 </p:sld>
 </file>
 
@@ -18225,18 +17977,6 @@
   <p:clrMapOvr>
     <a:masterClrMapping/>
   </p:clrMapOvr>
-  <mc:AlternateContent xmlns:mc="http://schemas.openxmlformats.org/markup-compatibility/2006">
-    <mc:Choice xmlns:p14="http://schemas.microsoft.com/office/powerpoint/2010/main" Requires="p14">
-      <p:transition spd="slow" p14:dur="800">
-        <p14:glitter dir="r" pattern="hexagon"/>
-      </p:transition>
-    </mc:Choice>
-    <mc:Fallback>
-      <p:transition spd="slow">
-        <p:fade/>
-      </p:transition>
-    </mc:Fallback>
-  </mc:AlternateContent>
 </p:sld>
 </file>
 
@@ -19258,18 +18998,6 @@
   <p:clrMapOvr>
     <a:masterClrMapping/>
   </p:clrMapOvr>
-  <mc:AlternateContent xmlns:mc="http://schemas.openxmlformats.org/markup-compatibility/2006">
-    <mc:Choice xmlns:p14="http://schemas.microsoft.com/office/powerpoint/2010/main" Requires="p14">
-      <p:transition spd="slow" p14:dur="800">
-        <p14:glitter dir="r" pattern="hexagon"/>
-      </p:transition>
-    </mc:Choice>
-    <mc:Fallback>
-      <p:transition spd="slow">
-        <p:fade/>
-      </p:transition>
-    </mc:Fallback>
-  </mc:AlternateContent>
 </p:sld>
 </file>
 
@@ -20339,18 +20067,6 @@
   <p:clrMapOvr>
     <a:masterClrMapping/>
   </p:clrMapOvr>
-  <mc:AlternateContent xmlns:mc="http://schemas.openxmlformats.org/markup-compatibility/2006">
-    <mc:Choice xmlns:p14="http://schemas.microsoft.com/office/powerpoint/2010/main" Requires="p14">
-      <p:transition spd="slow" p14:dur="800">
-        <p14:glitter dir="r" pattern="hexagon"/>
-      </p:transition>
-    </mc:Choice>
-    <mc:Fallback>
-      <p:transition spd="slow">
-        <p:fade/>
-      </p:transition>
-    </mc:Fallback>
-  </mc:AlternateContent>
 </p:sld>
 </file>
 
@@ -21141,18 +20857,6 @@
   <p:clrMapOvr>
     <a:masterClrMapping/>
   </p:clrMapOvr>
-  <mc:AlternateContent xmlns:mc="http://schemas.openxmlformats.org/markup-compatibility/2006">
-    <mc:Choice xmlns:p14="http://schemas.microsoft.com/office/powerpoint/2010/main" Requires="p14">
-      <p:transition>
-        <p14:glitter dir="r" pattern="hexagon"/>
-      </p:transition>
-    </mc:Choice>
-    <mc:Fallback>
-      <p:transition>
-        <p:fade/>
-      </p:transition>
-    </mc:Fallback>
-  </mc:AlternateContent>
 </p:sld>
 </file>
 
@@ -22303,18 +22007,6 @@
   <p:clrMapOvr>
     <a:masterClrMapping/>
   </p:clrMapOvr>
-  <mc:AlternateContent xmlns:mc="http://schemas.openxmlformats.org/markup-compatibility/2006">
-    <mc:Choice xmlns:p14="http://schemas.microsoft.com/office/powerpoint/2010/main" Requires="p14">
-      <p:transition spd="slow" p14:dur="800">
-        <p14:glitter dir="r" pattern="hexagon"/>
-      </p:transition>
-    </mc:Choice>
-    <mc:Fallback>
-      <p:transition spd="slow">
-        <p:fade/>
-      </p:transition>
-    </mc:Fallback>
-  </mc:AlternateContent>
 </p:sld>
 </file>
 
@@ -23288,18 +22980,6 @@
   <p:clrMapOvr>
     <a:masterClrMapping/>
   </p:clrMapOvr>
-  <mc:AlternateContent xmlns:mc="http://schemas.openxmlformats.org/markup-compatibility/2006">
-    <mc:Choice xmlns:p14="http://schemas.microsoft.com/office/powerpoint/2010/main" Requires="p14">
-      <p:transition spd="slow" p14:dur="800">
-        <p14:glitter dir="r" pattern="hexagon"/>
-      </p:transition>
-    </mc:Choice>
-    <mc:Fallback>
-      <p:transition spd="slow">
-        <p:fade/>
-      </p:transition>
-    </mc:Fallback>
-  </mc:AlternateContent>
 </p:sld>
 </file>
 
@@ -24325,18 +24005,6 @@
   <p:clrMapOvr>
     <a:masterClrMapping/>
   </p:clrMapOvr>
-  <mc:AlternateContent xmlns:mc="http://schemas.openxmlformats.org/markup-compatibility/2006">
-    <mc:Choice xmlns:p14="http://schemas.microsoft.com/office/powerpoint/2010/main" Requires="p14">
-      <p:transition spd="slow" p14:dur="800">
-        <p14:glitter dir="r" pattern="hexagon"/>
-      </p:transition>
-    </mc:Choice>
-    <mc:Fallback>
-      <p:transition spd="slow">
-        <p:fade/>
-      </p:transition>
-    </mc:Fallback>
-  </mc:AlternateContent>
 </p:sld>
 </file>
 
@@ -25432,18 +25100,6 @@
   <p:clrMapOvr>
     <a:masterClrMapping/>
   </p:clrMapOvr>
-  <mc:AlternateContent xmlns:mc="http://schemas.openxmlformats.org/markup-compatibility/2006">
-    <mc:Choice xmlns:p14="http://schemas.microsoft.com/office/powerpoint/2010/main" Requires="p14">
-      <p:transition spd="slow" p14:dur="800">
-        <p14:glitter dir="r" pattern="hexagon"/>
-      </p:transition>
-    </mc:Choice>
-    <mc:Fallback>
-      <p:transition spd="slow">
-        <p:fade/>
-      </p:transition>
-    </mc:Fallback>
-  </mc:AlternateContent>
 </p:sld>
 </file>
 
@@ -26501,18 +26157,6 @@
   <p:clrMapOvr>
     <a:masterClrMapping/>
   </p:clrMapOvr>
-  <mc:AlternateContent xmlns:mc="http://schemas.openxmlformats.org/markup-compatibility/2006">
-    <mc:Choice xmlns:p14="http://schemas.microsoft.com/office/powerpoint/2010/main" Requires="p14">
-      <p:transition spd="slow" p14:dur="800">
-        <p14:glitter dir="r" pattern="hexagon"/>
-      </p:transition>
-    </mc:Choice>
-    <mc:Fallback>
-      <p:transition spd="slow">
-        <p:fade/>
-      </p:transition>
-    </mc:Fallback>
-  </mc:AlternateContent>
 </p:sld>
 </file>
 
@@ -27543,18 +27187,6 @@
   <p:clrMapOvr>
     <a:masterClrMapping/>
   </p:clrMapOvr>
-  <mc:AlternateContent xmlns:mc="http://schemas.openxmlformats.org/markup-compatibility/2006">
-    <mc:Choice xmlns:p14="http://schemas.microsoft.com/office/powerpoint/2010/main" Requires="p14">
-      <p:transition spd="slow" p14:dur="800">
-        <p14:glitter dir="r" pattern="hexagon"/>
-      </p:transition>
-    </mc:Choice>
-    <mc:Fallback>
-      <p:transition spd="slow">
-        <p:fade/>
-      </p:transition>
-    </mc:Fallback>
-  </mc:AlternateContent>
 </p:sld>
 </file>
 
@@ -28580,18 +28212,6 @@
   <p:clrMapOvr>
     <a:masterClrMapping/>
   </p:clrMapOvr>
-  <mc:AlternateContent xmlns:mc="http://schemas.openxmlformats.org/markup-compatibility/2006">
-    <mc:Choice xmlns:p14="http://schemas.microsoft.com/office/powerpoint/2010/main" Requires="p14">
-      <p:transition spd="slow" p14:dur="800">
-        <p14:glitter dir="r" pattern="hexagon"/>
-      </p:transition>
-    </mc:Choice>
-    <mc:Fallback>
-      <p:transition spd="slow">
-        <p:fade/>
-      </p:transition>
-    </mc:Fallback>
-  </mc:AlternateContent>
 </p:sld>
 </file>
 
@@ -29617,18 +29237,6 @@
   <p:clrMapOvr>
     <a:masterClrMapping/>
   </p:clrMapOvr>
-  <mc:AlternateContent xmlns:mc="http://schemas.openxmlformats.org/markup-compatibility/2006">
-    <mc:Choice xmlns:p14="http://schemas.microsoft.com/office/powerpoint/2010/main" Requires="p14">
-      <p:transition spd="slow" p14:dur="800">
-        <p14:glitter dir="r" pattern="hexagon"/>
-      </p:transition>
-    </mc:Choice>
-    <mc:Fallback>
-      <p:transition spd="slow">
-        <p:fade/>
-      </p:transition>
-    </mc:Fallback>
-  </mc:AlternateContent>
 </p:sld>
 </file>
 
@@ -29870,18 +29478,6 @@
   <p:clrMapOvr>
     <a:masterClrMapping/>
   </p:clrMapOvr>
-  <mc:AlternateContent xmlns:mc="http://schemas.openxmlformats.org/markup-compatibility/2006">
-    <mc:Choice xmlns:p14="http://schemas.microsoft.com/office/powerpoint/2010/main" Requires="p14">
-      <p:transition spd="slow" p14:dur="800">
-        <p14:glitter dir="r" pattern="hexagon"/>
-      </p:transition>
-    </mc:Choice>
-    <mc:Fallback>
-      <p:transition spd="slow">
-        <p:fade/>
-      </p:transition>
-    </mc:Fallback>
-  </mc:AlternateContent>
 </p:sld>
 </file>
 
@@ -30374,18 +29970,6 @@
   <p:clrMapOvr>
     <a:masterClrMapping/>
   </p:clrMapOvr>
-  <mc:AlternateContent xmlns:mc="http://schemas.openxmlformats.org/markup-compatibility/2006">
-    <mc:Choice xmlns:p14="http://schemas.microsoft.com/office/powerpoint/2010/main" Requires="p14">
-      <p:transition spd="slow" p14:dur="800">
-        <p14:glitter dir="r" pattern="hexagon"/>
-      </p:transition>
-    </mc:Choice>
-    <mc:Fallback>
-      <p:transition spd="slow">
-        <p:fade/>
-      </p:transition>
-    </mc:Fallback>
-  </mc:AlternateContent>
 </p:sld>
 </file>
 
@@ -30718,18 +30302,6 @@
   <p:clrMapOvr>
     <a:masterClrMapping/>
   </p:clrMapOvr>
-  <mc:AlternateContent xmlns:mc="http://schemas.openxmlformats.org/markup-compatibility/2006">
-    <mc:Choice xmlns:p14="http://schemas.microsoft.com/office/powerpoint/2010/main" Requires="p14">
-      <p:transition spd="slow" p14:dur="800">
-        <p14:glitter dir="r" pattern="hexagon"/>
-      </p:transition>
-    </mc:Choice>
-    <mc:Fallback>
-      <p:transition spd="slow">
-        <p:fade/>
-      </p:transition>
-    </mc:Fallback>
-  </mc:AlternateContent>
 </p:sld>
 </file>
 
@@ -31086,18 +30658,6 @@
   <p:clrMapOvr>
     <a:masterClrMapping/>
   </p:clrMapOvr>
-  <mc:AlternateContent xmlns:mc="http://schemas.openxmlformats.org/markup-compatibility/2006">
-    <mc:Choice xmlns:p14="http://schemas.microsoft.com/office/powerpoint/2010/main" Requires="p14">
-      <p:transition spd="slow" p14:dur="800">
-        <p14:glitter dir="r" pattern="hexagon"/>
-      </p:transition>
-    </mc:Choice>
-    <mc:Fallback>
-      <p:transition spd="slow">
-        <p:fade/>
-      </p:transition>
-    </mc:Fallback>
-  </mc:AlternateContent>
 </p:sld>
 </file>
 
@@ -32509,18 +32069,6 @@
   <p:clrMapOvr>
     <a:masterClrMapping/>
   </p:clrMapOvr>
-  <mc:AlternateContent xmlns:mc="http://schemas.openxmlformats.org/markup-compatibility/2006">
-    <mc:Choice xmlns:p14="http://schemas.microsoft.com/office/powerpoint/2010/main" Requires="p14">
-      <p:transition spd="slow" p14:dur="800">
-        <p14:glitter dir="r" pattern="hexagon"/>
-      </p:transition>
-    </mc:Choice>
-    <mc:Fallback>
-      <p:transition spd="slow">
-        <p:fade/>
-      </p:transition>
-    </mc:Fallback>
-  </mc:AlternateContent>
 </p:sld>
 </file>
 
@@ -35371,18 +34919,6 @@
   <p:clrMapOvr>
     <a:masterClrMapping/>
   </p:clrMapOvr>
-  <mc:AlternateContent xmlns:mc="http://schemas.openxmlformats.org/markup-compatibility/2006">
-    <mc:Choice xmlns:p14="http://schemas.microsoft.com/office/powerpoint/2010/main" Requires="p14">
-      <p:transition spd="slow" p14:dur="800">
-        <p14:glitter dir="r" pattern="hexagon"/>
-      </p:transition>
-    </mc:Choice>
-    <mc:Fallback>
-      <p:transition spd="slow">
-        <p:fade/>
-      </p:transition>
-    </mc:Fallback>
-  </mc:AlternateContent>
 </p:sld>
 </file>
 
@@ -35909,18 +35445,6 @@
   <p:clrMapOvr>
     <a:masterClrMapping/>
   </p:clrMapOvr>
-  <mc:AlternateContent xmlns:mc="http://schemas.openxmlformats.org/markup-compatibility/2006">
-    <mc:Choice xmlns:p14="http://schemas.microsoft.com/office/powerpoint/2010/main" Requires="p14">
-      <p:transition spd="slow" p14:dur="800">
-        <p14:glitter dir="r" pattern="hexagon"/>
-      </p:transition>
-    </mc:Choice>
-    <mc:Fallback>
-      <p:transition spd="slow">
-        <p:fade/>
-      </p:transition>
-    </mc:Fallback>
-  </mc:AlternateContent>
 </p:sld>
 </file>
 
@@ -36313,18 +35837,6 @@
   <p:clrMapOvr>
     <a:masterClrMapping/>
   </p:clrMapOvr>
-  <mc:AlternateContent xmlns:mc="http://schemas.openxmlformats.org/markup-compatibility/2006">
-    <mc:Choice xmlns:p14="http://schemas.microsoft.com/office/powerpoint/2010/main" Requires="p14">
-      <p:transition spd="slow" p14:dur="800">
-        <p14:glitter dir="r" pattern="hexagon"/>
-      </p:transition>
-    </mc:Choice>
-    <mc:Fallback>
-      <p:transition spd="slow">
-        <p:fade/>
-      </p:transition>
-    </mc:Fallback>
-  </mc:AlternateContent>
 </p:sld>
 </file>
 
@@ -36855,18 +36367,6 @@
   <p:clrMapOvr>
     <a:masterClrMapping/>
   </p:clrMapOvr>
-  <mc:AlternateContent xmlns:mc="http://schemas.openxmlformats.org/markup-compatibility/2006">
-    <mc:Choice xmlns:p14="http://schemas.microsoft.com/office/powerpoint/2010/main" Requires="p14">
-      <p:transition spd="slow" p14:dur="800">
-        <p14:glitter dir="r" pattern="hexagon"/>
-      </p:transition>
-    </mc:Choice>
-    <mc:Fallback>
-      <p:transition spd="slow">
-        <p:fade/>
-      </p:transition>
-    </mc:Fallback>
-  </mc:AlternateContent>
 </p:sld>
 </file>
 
@@ -39424,18 +38924,6 @@
   <p:clrMapOvr>
     <a:masterClrMapping/>
   </p:clrMapOvr>
-  <mc:AlternateContent xmlns:mc="http://schemas.openxmlformats.org/markup-compatibility/2006">
-    <mc:Choice xmlns:p14="http://schemas.microsoft.com/office/powerpoint/2010/main" Requires="p14">
-      <p:transition spd="slow" p14:dur="800">
-        <p14:glitter dir="r" pattern="hexagon"/>
-      </p:transition>
-    </mc:Choice>
-    <mc:Fallback>
-      <p:transition spd="slow">
-        <p:fade/>
-      </p:transition>
-    </mc:Fallback>
-  </mc:AlternateContent>
 </p:sld>
 </file>
 
@@ -39756,18 +39244,6 @@
   <p:clrMapOvr>
     <a:masterClrMapping/>
   </p:clrMapOvr>
-  <mc:AlternateContent xmlns:mc="http://schemas.openxmlformats.org/markup-compatibility/2006">
-    <mc:Choice xmlns:p14="http://schemas.microsoft.com/office/powerpoint/2010/main" Requires="p14">
-      <p:transition spd="slow" p14:dur="800">
-        <p14:glitter dir="r" pattern="hexagon"/>
-      </p:transition>
-    </mc:Choice>
-    <mc:Fallback>
-      <p:transition spd="slow">
-        <p:fade/>
-      </p:transition>
-    </mc:Fallback>
-  </mc:AlternateContent>
 </p:sld>
 </file>
 
@@ -39999,18 +39475,6 @@
   <p:clrMapOvr>
     <a:masterClrMapping/>
   </p:clrMapOvr>
-  <mc:AlternateContent xmlns:mc="http://schemas.openxmlformats.org/markup-compatibility/2006">
-    <mc:Choice xmlns:p14="http://schemas.microsoft.com/office/powerpoint/2010/main" Requires="p14">
-      <p:transition spd="slow" p14:dur="800">
-        <p14:glitter dir="r" pattern="hexagon"/>
-      </p:transition>
-    </mc:Choice>
-    <mc:Fallback>
-      <p:transition spd="slow">
-        <p:fade/>
-      </p:transition>
-    </mc:Fallback>
-  </mc:AlternateContent>
 </p:sld>
 </file>
 
@@ -40502,18 +39966,6 @@
   <p:clrMapOvr>
     <a:masterClrMapping/>
   </p:clrMapOvr>
-  <mc:AlternateContent xmlns:mc="http://schemas.openxmlformats.org/markup-compatibility/2006">
-    <mc:Choice xmlns:p14="http://schemas.microsoft.com/office/powerpoint/2010/main" Requires="p14">
-      <p:transition spd="slow" p14:dur="800">
-        <p14:glitter dir="r" pattern="hexagon"/>
-      </p:transition>
-    </mc:Choice>
-    <mc:Fallback>
-      <p:transition spd="slow">
-        <p:fade/>
-      </p:transition>
-    </mc:Fallback>
-  </mc:AlternateContent>
 </p:sld>
 </file>
 
@@ -40995,18 +40447,6 @@
   <p:clrMapOvr>
     <a:masterClrMapping/>
   </p:clrMapOvr>
-  <mc:AlternateContent xmlns:mc="http://schemas.openxmlformats.org/markup-compatibility/2006">
-    <mc:Choice xmlns:p14="http://schemas.microsoft.com/office/powerpoint/2010/main" Requires="p14">
-      <p:transition spd="slow" p14:dur="800">
-        <p14:glitter dir="r" pattern="hexagon"/>
-      </p:transition>
-    </mc:Choice>
-    <mc:Fallback>
-      <p:transition spd="slow">
-        <p:fade/>
-      </p:transition>
-    </mc:Fallback>
-  </mc:AlternateContent>
 </p:sld>
 </file>
 
@@ -42944,29 +42384,8 @@
                           <a:ea typeface="+mn-ea"/>
                           <a:cs typeface="+mn-cs"/>
                         </a:rPr>
-                        <a:t>Emotive </a:t>
+                        <a:t>Emotive verbal expression</a:t>
                       </a:r>
-                      <a:r>
-                        <a:rPr lang="en-US" sz="1600" b="0" i="0" u="none" strike="noStrike" kern="1200">
-                          <a:solidFill>
-                            <a:schemeClr val="bg1"/>
-                          </a:solidFill>
-                          <a:effectLst/>
-                          <a:latin typeface="DIN Alternate" panose="020B0500000000000000" pitchFamily="34" charset="77"/>
-                          <a:ea typeface="+mn-ea"/>
-                          <a:cs typeface="+mn-cs"/>
-                        </a:rPr>
-                        <a:t>verbal expression</a:t>
-                      </a:r>
-                      <a:endParaRPr lang="en-US" sz="1600" b="0" i="0" u="none" strike="noStrike" kern="1200" dirty="0">
-                        <a:solidFill>
-                          <a:schemeClr val="bg1"/>
-                        </a:solidFill>
-                        <a:effectLst/>
-                        <a:latin typeface="DIN Alternate" panose="020B0500000000000000" pitchFamily="34" charset="77"/>
-                        <a:ea typeface="+mn-ea"/>
-                        <a:cs typeface="+mn-cs"/>
-                      </a:endParaRPr>
                     </a:p>
                   </a:txBody>
                   <a:tcPr anchor="ctr">
@@ -44888,18 +44307,6 @@
   <p:clrMapOvr>
     <a:masterClrMapping/>
   </p:clrMapOvr>
-  <mc:AlternateContent xmlns:mc="http://schemas.openxmlformats.org/markup-compatibility/2006">
-    <mc:Choice xmlns:p14="http://schemas.microsoft.com/office/powerpoint/2010/main" Requires="p14">
-      <p:transition spd="slow" p14:dur="800">
-        <p14:glitter dir="r" pattern="hexagon"/>
-      </p:transition>
-    </mc:Choice>
-    <mc:Fallback>
-      <p:transition spd="slow">
-        <p:fade/>
-      </p:transition>
-    </mc:Fallback>
-  </mc:AlternateContent>
 </p:sld>
 </file>
 
@@ -45444,18 +44851,6 @@
   <p:clrMapOvr>
     <a:masterClrMapping/>
   </p:clrMapOvr>
-  <mc:AlternateContent xmlns:mc="http://schemas.openxmlformats.org/markup-compatibility/2006">
-    <mc:Choice xmlns:p14="http://schemas.microsoft.com/office/powerpoint/2010/main" Requires="p14">
-      <p:transition spd="slow" p14:dur="800">
-        <p14:glitter dir="r" pattern="hexagon"/>
-      </p:transition>
-    </mc:Choice>
-    <mc:Fallback>
-      <p:transition spd="slow">
-        <p:fade/>
-      </p:transition>
-    </mc:Fallback>
-  </mc:AlternateContent>
 </p:sld>
 </file>
 

--- a/docs/FinalSeminarPresentation.pptx
+++ b/docs/FinalSeminarPresentation.pptx
@@ -8296,6 +8296,9 @@
   <p:clrMapOvr>
     <a:masterClrMapping/>
   </p:clrMapOvr>
+  <p:transition>
+    <p:fade/>
+  </p:transition>
 </p:sldLayout>
 </file>
 
@@ -8471,6 +8474,9 @@
   <p:clrMapOvr>
     <a:masterClrMapping/>
   </p:clrMapOvr>
+  <p:transition>
+    <p:fade/>
+  </p:transition>
 </p:sldLayout>
 </file>
 
@@ -8656,6 +8662,9 @@
   <p:clrMapOvr>
     <a:masterClrMapping/>
   </p:clrMapOvr>
+  <p:transition>
+    <p:fade/>
+  </p:transition>
 </p:sldLayout>
 </file>
 
@@ -8787,6 +8796,9 @@
   <p:clrMapOvr>
     <a:masterClrMapping/>
   </p:clrMapOvr>
+  <p:transition>
+    <p:fade/>
+  </p:transition>
 </p:sldLayout>
 </file>
 
@@ -8962,6 +8974,9 @@
   <p:clrMapOvr>
     <a:masterClrMapping/>
   </p:clrMapOvr>
+  <p:transition>
+    <p:fade/>
+  </p:transition>
 </p:sldLayout>
 </file>
 
@@ -9215,6 +9230,9 @@
   <p:clrMapOvr>
     <a:masterClrMapping/>
   </p:clrMapOvr>
+  <p:transition>
+    <p:fade/>
+  </p:transition>
 </p:sldLayout>
 </file>
 
@@ -9507,6 +9525,9 @@
   <p:clrMapOvr>
     <a:masterClrMapping/>
   </p:clrMapOvr>
+  <p:transition>
+    <p:fade/>
+  </p:transition>
 </p:sldLayout>
 </file>
 
@@ -9934,6 +9955,9 @@
   <p:clrMapOvr>
     <a:masterClrMapping/>
   </p:clrMapOvr>
+  <p:transition>
+    <p:fade/>
+  </p:transition>
 </p:sldLayout>
 </file>
 
@@ -10058,6 +10082,9 @@
   <p:clrMapOvr>
     <a:masterClrMapping/>
   </p:clrMapOvr>
+  <p:transition>
+    <p:fade/>
+  </p:transition>
 </p:sldLayout>
 </file>
 
@@ -10160,6 +10187,9 @@
   <p:clrMapOvr>
     <a:masterClrMapping/>
   </p:clrMapOvr>
+  <p:transition>
+    <p:fade/>
+  </p:transition>
 </p:sldLayout>
 </file>
 
@@ -10442,6 +10472,9 @@
   <p:clrMapOvr>
     <a:masterClrMapping/>
   </p:clrMapOvr>
+  <p:transition>
+    <p:fade/>
+  </p:transition>
 </p:sldLayout>
 </file>
 
@@ -10704,6 +10737,9 @@
   <p:clrMapOvr>
     <a:masterClrMapping/>
   </p:clrMapOvr>
+  <p:transition>
+    <p:fade/>
+  </p:transition>
 </p:sldLayout>
 </file>
 
@@ -11068,6 +11104,9 @@
     <p:sldLayoutId id="2147483659" r:id="rId11"/>
     <p:sldLayoutId id="2147483660" r:id="rId12"/>
   </p:sldLayoutIdLst>
+  <p:transition>
+    <p:fade/>
+  </p:transition>
   <p:hf hdr="0" ftr="0" dt="0"/>
   <p:txStyles>
     <p:titleStyle>
@@ -12023,6 +12062,9 @@
   <p:clrMapOvr>
     <a:masterClrMapping/>
   </p:clrMapOvr>
+  <p:transition>
+    <p:fade/>
+  </p:transition>
 </p:sld>
 </file>
 
@@ -12506,6 +12548,9 @@
   <p:clrMapOvr>
     <a:masterClrMapping/>
   </p:clrMapOvr>
+  <p:transition>
+    <p:fade/>
+  </p:transition>
 </p:sld>
 </file>
 
@@ -13359,6 +13404,9 @@
   <p:clrMapOvr>
     <a:masterClrMapping/>
   </p:clrMapOvr>
+  <p:transition>
+    <p:fade/>
+  </p:transition>
 </p:sld>
 </file>
 
@@ -13849,6 +13897,9 @@
   <p:clrMapOvr>
     <a:masterClrMapping/>
   </p:clrMapOvr>
+  <p:transition>
+    <p:fade/>
+  </p:transition>
 </p:sld>
 </file>
 
@@ -14526,6 +14577,9 @@
   <p:clrMapOvr>
     <a:masterClrMapping/>
   </p:clrMapOvr>
+  <p:transition>
+    <p:fade/>
+  </p:transition>
 </p:sld>
 </file>
 
@@ -15104,6 +15158,9 @@
   <p:clrMapOvr>
     <a:masterClrMapping/>
   </p:clrMapOvr>
+  <p:transition>
+    <p:fade/>
+  </p:transition>
 </p:sld>
 </file>
 
@@ -15638,6 +15695,9 @@
   <p:clrMapOvr>
     <a:masterClrMapping/>
   </p:clrMapOvr>
+  <p:transition>
+    <p:fade/>
+  </p:transition>
 </p:sld>
 </file>
 
@@ -16976,6 +17036,9 @@
   <p:clrMapOvr>
     <a:masterClrMapping/>
   </p:clrMapOvr>
+  <p:transition>
+    <p:fade/>
+  </p:transition>
 </p:sld>
 </file>
 
@@ -17977,6 +18040,9 @@
   <p:clrMapOvr>
     <a:masterClrMapping/>
   </p:clrMapOvr>
+  <p:transition>
+    <p:fade/>
+  </p:transition>
 </p:sld>
 </file>
 
@@ -18998,6 +19064,9 @@
   <p:clrMapOvr>
     <a:masterClrMapping/>
   </p:clrMapOvr>
+  <p:transition>
+    <p:fade/>
+  </p:transition>
 </p:sld>
 </file>
 
@@ -20067,6 +20136,9 @@
   <p:clrMapOvr>
     <a:masterClrMapping/>
   </p:clrMapOvr>
+  <p:transition>
+    <p:fade/>
+  </p:transition>
 </p:sld>
 </file>
 
@@ -20857,6 +20929,9 @@
   <p:clrMapOvr>
     <a:masterClrMapping/>
   </p:clrMapOvr>
+  <p:transition>
+    <p:fade/>
+  </p:transition>
 </p:sld>
 </file>
 
@@ -22007,6 +22082,9 @@
   <p:clrMapOvr>
     <a:masterClrMapping/>
   </p:clrMapOvr>
+  <p:transition>
+    <p:fade/>
+  </p:transition>
 </p:sld>
 </file>
 
@@ -22980,6 +23058,9 @@
   <p:clrMapOvr>
     <a:masterClrMapping/>
   </p:clrMapOvr>
+  <p:transition>
+    <p:fade/>
+  </p:transition>
 </p:sld>
 </file>
 
@@ -24005,6 +24086,9 @@
   <p:clrMapOvr>
     <a:masterClrMapping/>
   </p:clrMapOvr>
+  <p:transition>
+    <p:fade/>
+  </p:transition>
 </p:sld>
 </file>
 
@@ -25100,6 +25184,9 @@
   <p:clrMapOvr>
     <a:masterClrMapping/>
   </p:clrMapOvr>
+  <p:transition>
+    <p:fade/>
+  </p:transition>
 </p:sld>
 </file>
 
@@ -26157,6 +26244,9 @@
   <p:clrMapOvr>
     <a:masterClrMapping/>
   </p:clrMapOvr>
+  <p:transition>
+    <p:fade/>
+  </p:transition>
 </p:sld>
 </file>
 
@@ -27187,6 +27277,9 @@
   <p:clrMapOvr>
     <a:masterClrMapping/>
   </p:clrMapOvr>
+  <p:transition>
+    <p:fade/>
+  </p:transition>
 </p:sld>
 </file>
 
@@ -28212,6 +28305,9 @@
   <p:clrMapOvr>
     <a:masterClrMapping/>
   </p:clrMapOvr>
+  <p:transition>
+    <p:fade/>
+  </p:transition>
 </p:sld>
 </file>
 
@@ -29237,6 +29333,9 @@
   <p:clrMapOvr>
     <a:masterClrMapping/>
   </p:clrMapOvr>
+  <p:transition>
+    <p:fade/>
+  </p:transition>
 </p:sld>
 </file>
 
@@ -29478,6 +29577,9 @@
   <p:clrMapOvr>
     <a:masterClrMapping/>
   </p:clrMapOvr>
+  <p:transition>
+    <p:fade/>
+  </p:transition>
 </p:sld>
 </file>
 
@@ -29970,6 +30072,9 @@
   <p:clrMapOvr>
     <a:masterClrMapping/>
   </p:clrMapOvr>
+  <p:transition>
+    <p:fade/>
+  </p:transition>
 </p:sld>
 </file>
 
@@ -30302,6 +30407,9 @@
   <p:clrMapOvr>
     <a:masterClrMapping/>
   </p:clrMapOvr>
+  <p:transition>
+    <p:fade/>
+  </p:transition>
 </p:sld>
 </file>
 
@@ -30658,6 +30766,9 @@
   <p:clrMapOvr>
     <a:masterClrMapping/>
   </p:clrMapOvr>
+  <p:transition>
+    <p:fade/>
+  </p:transition>
 </p:sld>
 </file>
 
@@ -32069,6 +32180,9 @@
   <p:clrMapOvr>
     <a:masterClrMapping/>
   </p:clrMapOvr>
+  <p:transition>
+    <p:fade/>
+  </p:transition>
 </p:sld>
 </file>
 
@@ -34919,6 +35033,9 @@
   <p:clrMapOvr>
     <a:masterClrMapping/>
   </p:clrMapOvr>
+  <p:transition>
+    <p:fade/>
+  </p:transition>
 </p:sld>
 </file>
 
@@ -35445,6 +35562,9 @@
   <p:clrMapOvr>
     <a:masterClrMapping/>
   </p:clrMapOvr>
+  <p:transition>
+    <p:fade/>
+  </p:transition>
 </p:sld>
 </file>
 
@@ -35837,6 +35957,9 @@
   <p:clrMapOvr>
     <a:masterClrMapping/>
   </p:clrMapOvr>
+  <p:transition>
+    <p:fade/>
+  </p:transition>
 </p:sld>
 </file>
 
@@ -36367,6 +36490,9 @@
   <p:clrMapOvr>
     <a:masterClrMapping/>
   </p:clrMapOvr>
+  <p:transition>
+    <p:fade/>
+  </p:transition>
 </p:sld>
 </file>
 
@@ -38924,6 +39050,9 @@
   <p:clrMapOvr>
     <a:masterClrMapping/>
   </p:clrMapOvr>
+  <p:transition>
+    <p:fade/>
+  </p:transition>
 </p:sld>
 </file>
 
@@ -39244,6 +39373,9 @@
   <p:clrMapOvr>
     <a:masterClrMapping/>
   </p:clrMapOvr>
+  <p:transition>
+    <p:fade/>
+  </p:transition>
 </p:sld>
 </file>
 
@@ -39475,6 +39607,9 @@
   <p:clrMapOvr>
     <a:masterClrMapping/>
   </p:clrMapOvr>
+  <p:transition>
+    <p:fade/>
+  </p:transition>
 </p:sld>
 </file>
 
@@ -39966,6 +40101,9 @@
   <p:clrMapOvr>
     <a:masterClrMapping/>
   </p:clrMapOvr>
+  <p:transition>
+    <p:fade/>
+  </p:transition>
 </p:sld>
 </file>
 
@@ -40447,6 +40585,9 @@
   <p:clrMapOvr>
     <a:masterClrMapping/>
   </p:clrMapOvr>
+  <p:transition>
+    <p:fade/>
+  </p:transition>
 </p:sld>
 </file>
 
@@ -44307,6 +44448,9 @@
   <p:clrMapOvr>
     <a:masterClrMapping/>
   </p:clrMapOvr>
+  <p:transition>
+    <p:fade/>
+  </p:transition>
 </p:sld>
 </file>
 
@@ -44851,6 +44995,9 @@
   <p:clrMapOvr>
     <a:masterClrMapping/>
   </p:clrMapOvr>
+  <p:transition>
+    <p:fade/>
+  </p:transition>
 </p:sld>
 </file>
 

--- a/docs/FinalSeminarPresentation.pptx
+++ b/docs/FinalSeminarPresentation.pptx
@@ -8296,9 +8296,18 @@
   <p:clrMapOvr>
     <a:masterClrMapping/>
   </p:clrMapOvr>
-  <p:transition>
-    <p:fade/>
-  </p:transition>
+  <mc:AlternateContent xmlns:mc="http://schemas.openxmlformats.org/markup-compatibility/2006">
+    <mc:Choice xmlns:p14="http://schemas.microsoft.com/office/powerpoint/2010/main" Requires="p14">
+      <p:transition p14:dur="250">
+        <p:fade/>
+      </p:transition>
+    </mc:Choice>
+    <mc:Fallback>
+      <p:transition>
+        <p:fade/>
+      </p:transition>
+    </mc:Fallback>
+  </mc:AlternateContent>
 </p:sldLayout>
 </file>
 
@@ -8474,9 +8483,18 @@
   <p:clrMapOvr>
     <a:masterClrMapping/>
   </p:clrMapOvr>
-  <p:transition>
-    <p:fade/>
-  </p:transition>
+  <mc:AlternateContent xmlns:mc="http://schemas.openxmlformats.org/markup-compatibility/2006">
+    <mc:Choice xmlns:p14="http://schemas.microsoft.com/office/powerpoint/2010/main" Requires="p14">
+      <p:transition p14:dur="250">
+        <p:fade/>
+      </p:transition>
+    </mc:Choice>
+    <mc:Fallback>
+      <p:transition>
+        <p:fade/>
+      </p:transition>
+    </mc:Fallback>
+  </mc:AlternateContent>
 </p:sldLayout>
 </file>
 
@@ -8662,9 +8680,18 @@
   <p:clrMapOvr>
     <a:masterClrMapping/>
   </p:clrMapOvr>
-  <p:transition>
-    <p:fade/>
-  </p:transition>
+  <mc:AlternateContent xmlns:mc="http://schemas.openxmlformats.org/markup-compatibility/2006">
+    <mc:Choice xmlns:p14="http://schemas.microsoft.com/office/powerpoint/2010/main" Requires="p14">
+      <p:transition p14:dur="250">
+        <p:fade/>
+      </p:transition>
+    </mc:Choice>
+    <mc:Fallback>
+      <p:transition>
+        <p:fade/>
+      </p:transition>
+    </mc:Fallback>
+  </mc:AlternateContent>
 </p:sldLayout>
 </file>
 
@@ -8796,9 +8823,18 @@
   <p:clrMapOvr>
     <a:masterClrMapping/>
   </p:clrMapOvr>
-  <p:transition>
-    <p:fade/>
-  </p:transition>
+  <mc:AlternateContent xmlns:mc="http://schemas.openxmlformats.org/markup-compatibility/2006">
+    <mc:Choice xmlns:p14="http://schemas.microsoft.com/office/powerpoint/2010/main" Requires="p14">
+      <p:transition p14:dur="250">
+        <p:fade/>
+      </p:transition>
+    </mc:Choice>
+    <mc:Fallback>
+      <p:transition>
+        <p:fade/>
+      </p:transition>
+    </mc:Fallback>
+  </mc:AlternateContent>
 </p:sldLayout>
 </file>
 
@@ -8974,9 +9010,18 @@
   <p:clrMapOvr>
     <a:masterClrMapping/>
   </p:clrMapOvr>
-  <p:transition>
-    <p:fade/>
-  </p:transition>
+  <mc:AlternateContent xmlns:mc="http://schemas.openxmlformats.org/markup-compatibility/2006">
+    <mc:Choice xmlns:p14="http://schemas.microsoft.com/office/powerpoint/2010/main" Requires="p14">
+      <p:transition p14:dur="250">
+        <p:fade/>
+      </p:transition>
+    </mc:Choice>
+    <mc:Fallback>
+      <p:transition>
+        <p:fade/>
+      </p:transition>
+    </mc:Fallback>
+  </mc:AlternateContent>
 </p:sldLayout>
 </file>
 
@@ -9230,9 +9275,18 @@
   <p:clrMapOvr>
     <a:masterClrMapping/>
   </p:clrMapOvr>
-  <p:transition>
-    <p:fade/>
-  </p:transition>
+  <mc:AlternateContent xmlns:mc="http://schemas.openxmlformats.org/markup-compatibility/2006">
+    <mc:Choice xmlns:p14="http://schemas.microsoft.com/office/powerpoint/2010/main" Requires="p14">
+      <p:transition p14:dur="250">
+        <p:fade/>
+      </p:transition>
+    </mc:Choice>
+    <mc:Fallback>
+      <p:transition>
+        <p:fade/>
+      </p:transition>
+    </mc:Fallback>
+  </mc:AlternateContent>
 </p:sldLayout>
 </file>
 
@@ -9525,9 +9579,18 @@
   <p:clrMapOvr>
     <a:masterClrMapping/>
   </p:clrMapOvr>
-  <p:transition>
-    <p:fade/>
-  </p:transition>
+  <mc:AlternateContent xmlns:mc="http://schemas.openxmlformats.org/markup-compatibility/2006">
+    <mc:Choice xmlns:p14="http://schemas.microsoft.com/office/powerpoint/2010/main" Requires="p14">
+      <p:transition p14:dur="250">
+        <p:fade/>
+      </p:transition>
+    </mc:Choice>
+    <mc:Fallback>
+      <p:transition>
+        <p:fade/>
+      </p:transition>
+    </mc:Fallback>
+  </mc:AlternateContent>
 </p:sldLayout>
 </file>
 
@@ -9955,9 +10018,18 @@
   <p:clrMapOvr>
     <a:masterClrMapping/>
   </p:clrMapOvr>
-  <p:transition>
-    <p:fade/>
-  </p:transition>
+  <mc:AlternateContent xmlns:mc="http://schemas.openxmlformats.org/markup-compatibility/2006">
+    <mc:Choice xmlns:p14="http://schemas.microsoft.com/office/powerpoint/2010/main" Requires="p14">
+      <p:transition p14:dur="250">
+        <p:fade/>
+      </p:transition>
+    </mc:Choice>
+    <mc:Fallback>
+      <p:transition>
+        <p:fade/>
+      </p:transition>
+    </mc:Fallback>
+  </mc:AlternateContent>
 </p:sldLayout>
 </file>
 
@@ -10082,9 +10154,18 @@
   <p:clrMapOvr>
     <a:masterClrMapping/>
   </p:clrMapOvr>
-  <p:transition>
-    <p:fade/>
-  </p:transition>
+  <mc:AlternateContent xmlns:mc="http://schemas.openxmlformats.org/markup-compatibility/2006">
+    <mc:Choice xmlns:p14="http://schemas.microsoft.com/office/powerpoint/2010/main" Requires="p14">
+      <p:transition p14:dur="250">
+        <p:fade/>
+      </p:transition>
+    </mc:Choice>
+    <mc:Fallback>
+      <p:transition>
+        <p:fade/>
+      </p:transition>
+    </mc:Fallback>
+  </mc:AlternateContent>
 </p:sldLayout>
 </file>
 
@@ -10187,9 +10268,18 @@
   <p:clrMapOvr>
     <a:masterClrMapping/>
   </p:clrMapOvr>
-  <p:transition>
-    <p:fade/>
-  </p:transition>
+  <mc:AlternateContent xmlns:mc="http://schemas.openxmlformats.org/markup-compatibility/2006">
+    <mc:Choice xmlns:p14="http://schemas.microsoft.com/office/powerpoint/2010/main" Requires="p14">
+      <p:transition p14:dur="250">
+        <p:fade/>
+      </p:transition>
+    </mc:Choice>
+    <mc:Fallback>
+      <p:transition>
+        <p:fade/>
+      </p:transition>
+    </mc:Fallback>
+  </mc:AlternateContent>
 </p:sldLayout>
 </file>
 
@@ -10472,9 +10562,18 @@
   <p:clrMapOvr>
     <a:masterClrMapping/>
   </p:clrMapOvr>
-  <p:transition>
-    <p:fade/>
-  </p:transition>
+  <mc:AlternateContent xmlns:mc="http://schemas.openxmlformats.org/markup-compatibility/2006">
+    <mc:Choice xmlns:p14="http://schemas.microsoft.com/office/powerpoint/2010/main" Requires="p14">
+      <p:transition p14:dur="250">
+        <p:fade/>
+      </p:transition>
+    </mc:Choice>
+    <mc:Fallback>
+      <p:transition>
+        <p:fade/>
+      </p:transition>
+    </mc:Fallback>
+  </mc:AlternateContent>
 </p:sldLayout>
 </file>
 
@@ -10737,9 +10836,18 @@
   <p:clrMapOvr>
     <a:masterClrMapping/>
   </p:clrMapOvr>
-  <p:transition>
-    <p:fade/>
-  </p:transition>
+  <mc:AlternateContent xmlns:mc="http://schemas.openxmlformats.org/markup-compatibility/2006">
+    <mc:Choice xmlns:p14="http://schemas.microsoft.com/office/powerpoint/2010/main" Requires="p14">
+      <p:transition p14:dur="250">
+        <p:fade/>
+      </p:transition>
+    </mc:Choice>
+    <mc:Fallback>
+      <p:transition>
+        <p:fade/>
+      </p:transition>
+    </mc:Fallback>
+  </mc:AlternateContent>
 </p:sldLayout>
 </file>
 
@@ -11104,9 +11212,18 @@
     <p:sldLayoutId id="2147483659" r:id="rId11"/>
     <p:sldLayoutId id="2147483660" r:id="rId12"/>
   </p:sldLayoutIdLst>
-  <p:transition>
-    <p:fade/>
-  </p:transition>
+  <mc:AlternateContent xmlns:mc="http://schemas.openxmlformats.org/markup-compatibility/2006">
+    <mc:Choice xmlns:p14="http://schemas.microsoft.com/office/powerpoint/2010/main" Requires="p14">
+      <p:transition p14:dur="250">
+        <p:fade/>
+      </p:transition>
+    </mc:Choice>
+    <mc:Fallback>
+      <p:transition>
+        <p:fade/>
+      </p:transition>
+    </mc:Fallback>
+  </mc:AlternateContent>
   <p:hf hdr="0" ftr="0" dt="0"/>
   <p:txStyles>
     <p:titleStyle>
@@ -12062,9 +12179,14 @@
   <p:clrMapOvr>
     <a:masterClrMapping/>
   </p:clrMapOvr>
-  <p:transition>
-    <p:fade/>
-  </p:transition>
+  <mc:AlternateContent xmlns:mc="http://schemas.openxmlformats.org/markup-compatibility/2006">
+    <mc:Choice xmlns:p14="http://schemas.microsoft.com/office/powerpoint/2010/main" Requires="p14">
+      <p:transition p14:dur="0"/>
+    </mc:Choice>
+    <mc:Fallback>
+      <p:transition/>
+    </mc:Fallback>
+  </mc:AlternateContent>
 </p:sld>
 </file>
 
@@ -12548,9 +12670,18 @@
   <p:clrMapOvr>
     <a:masterClrMapping/>
   </p:clrMapOvr>
-  <p:transition>
-    <p:fade/>
-  </p:transition>
+  <mc:AlternateContent xmlns:mc="http://schemas.openxmlformats.org/markup-compatibility/2006">
+    <mc:Choice xmlns:p14="http://schemas.microsoft.com/office/powerpoint/2010/main" Requires="p14">
+      <p:transition p14:dur="250">
+        <p:fade/>
+      </p:transition>
+    </mc:Choice>
+    <mc:Fallback>
+      <p:transition>
+        <p:fade/>
+      </p:transition>
+    </mc:Fallback>
+  </mc:AlternateContent>
 </p:sld>
 </file>
 
@@ -13404,9 +13535,18 @@
   <p:clrMapOvr>
     <a:masterClrMapping/>
   </p:clrMapOvr>
-  <p:transition>
-    <p:fade/>
-  </p:transition>
+  <mc:AlternateContent xmlns:mc="http://schemas.openxmlformats.org/markup-compatibility/2006">
+    <mc:Choice xmlns:p14="http://schemas.microsoft.com/office/powerpoint/2010/main" Requires="p14">
+      <p:transition p14:dur="250">
+        <p:fade/>
+      </p:transition>
+    </mc:Choice>
+    <mc:Fallback>
+      <p:transition>
+        <p:fade/>
+      </p:transition>
+    </mc:Fallback>
+  </mc:AlternateContent>
 </p:sld>
 </file>
 
@@ -13897,9 +14037,18 @@
   <p:clrMapOvr>
     <a:masterClrMapping/>
   </p:clrMapOvr>
-  <p:transition>
-    <p:fade/>
-  </p:transition>
+  <mc:AlternateContent xmlns:mc="http://schemas.openxmlformats.org/markup-compatibility/2006">
+    <mc:Choice xmlns:p14="http://schemas.microsoft.com/office/powerpoint/2010/main" Requires="p14">
+      <p:transition p14:dur="250">
+        <p:fade/>
+      </p:transition>
+    </mc:Choice>
+    <mc:Fallback>
+      <p:transition>
+        <p:fade/>
+      </p:transition>
+    </mc:Fallback>
+  </mc:AlternateContent>
 </p:sld>
 </file>
 
@@ -14577,9 +14726,18 @@
   <p:clrMapOvr>
     <a:masterClrMapping/>
   </p:clrMapOvr>
-  <p:transition>
-    <p:fade/>
-  </p:transition>
+  <mc:AlternateContent xmlns:mc="http://schemas.openxmlformats.org/markup-compatibility/2006">
+    <mc:Choice xmlns:p14="http://schemas.microsoft.com/office/powerpoint/2010/main" Requires="p14">
+      <p:transition p14:dur="250">
+        <p:fade/>
+      </p:transition>
+    </mc:Choice>
+    <mc:Fallback>
+      <p:transition>
+        <p:fade/>
+      </p:transition>
+    </mc:Fallback>
+  </mc:AlternateContent>
 </p:sld>
 </file>
 
@@ -15158,9 +15316,18 @@
   <p:clrMapOvr>
     <a:masterClrMapping/>
   </p:clrMapOvr>
-  <p:transition>
-    <p:fade/>
-  </p:transition>
+  <mc:AlternateContent xmlns:mc="http://schemas.openxmlformats.org/markup-compatibility/2006">
+    <mc:Choice xmlns:p14="http://schemas.microsoft.com/office/powerpoint/2010/main" Requires="p14">
+      <p:transition p14:dur="250">
+        <p:fade/>
+      </p:transition>
+    </mc:Choice>
+    <mc:Fallback>
+      <p:transition>
+        <p:fade/>
+      </p:transition>
+    </mc:Fallback>
+  </mc:AlternateContent>
 </p:sld>
 </file>
 
@@ -15695,9 +15862,18 @@
   <p:clrMapOvr>
     <a:masterClrMapping/>
   </p:clrMapOvr>
-  <p:transition>
-    <p:fade/>
-  </p:transition>
+  <mc:AlternateContent xmlns:mc="http://schemas.openxmlformats.org/markup-compatibility/2006">
+    <mc:Choice xmlns:p14="http://schemas.microsoft.com/office/powerpoint/2010/main" Requires="p14">
+      <p:transition p14:dur="250">
+        <p:fade/>
+      </p:transition>
+    </mc:Choice>
+    <mc:Fallback>
+      <p:transition>
+        <p:fade/>
+      </p:transition>
+    </mc:Fallback>
+  </mc:AlternateContent>
 </p:sld>
 </file>
 
@@ -17036,9 +17212,18 @@
   <p:clrMapOvr>
     <a:masterClrMapping/>
   </p:clrMapOvr>
-  <p:transition>
-    <p:fade/>
-  </p:transition>
+  <mc:AlternateContent xmlns:mc="http://schemas.openxmlformats.org/markup-compatibility/2006">
+    <mc:Choice xmlns:p14="http://schemas.microsoft.com/office/powerpoint/2010/main" Requires="p14">
+      <p:transition p14:dur="250">
+        <p:fade/>
+      </p:transition>
+    </mc:Choice>
+    <mc:Fallback>
+      <p:transition>
+        <p:fade/>
+      </p:transition>
+    </mc:Fallback>
+  </mc:AlternateContent>
 </p:sld>
 </file>
 
@@ -18040,9 +18225,18 @@
   <p:clrMapOvr>
     <a:masterClrMapping/>
   </p:clrMapOvr>
-  <p:transition>
-    <p:fade/>
-  </p:transition>
+  <mc:AlternateContent xmlns:mc="http://schemas.openxmlformats.org/markup-compatibility/2006">
+    <mc:Choice xmlns:p14="http://schemas.microsoft.com/office/powerpoint/2010/main" Requires="p14">
+      <p:transition p14:dur="250">
+        <p:fade/>
+      </p:transition>
+    </mc:Choice>
+    <mc:Fallback>
+      <p:transition>
+        <p:fade/>
+      </p:transition>
+    </mc:Fallback>
+  </mc:AlternateContent>
 </p:sld>
 </file>
 
@@ -19064,9 +19258,18 @@
   <p:clrMapOvr>
     <a:masterClrMapping/>
   </p:clrMapOvr>
-  <p:transition>
-    <p:fade/>
-  </p:transition>
+  <mc:AlternateContent xmlns:mc="http://schemas.openxmlformats.org/markup-compatibility/2006">
+    <mc:Choice xmlns:p14="http://schemas.microsoft.com/office/powerpoint/2010/main" Requires="p14">
+      <p:transition p14:dur="250">
+        <p:fade/>
+      </p:transition>
+    </mc:Choice>
+    <mc:Fallback>
+      <p:transition>
+        <p:fade/>
+      </p:transition>
+    </mc:Fallback>
+  </mc:AlternateContent>
 </p:sld>
 </file>
 
@@ -20136,9 +20339,18 @@
   <p:clrMapOvr>
     <a:masterClrMapping/>
   </p:clrMapOvr>
-  <p:transition>
-    <p:fade/>
-  </p:transition>
+  <mc:AlternateContent xmlns:mc="http://schemas.openxmlformats.org/markup-compatibility/2006">
+    <mc:Choice xmlns:p14="http://schemas.microsoft.com/office/powerpoint/2010/main" Requires="p14">
+      <p:transition p14:dur="250">
+        <p:fade/>
+      </p:transition>
+    </mc:Choice>
+    <mc:Fallback>
+      <p:transition>
+        <p:fade/>
+      </p:transition>
+    </mc:Fallback>
+  </mc:AlternateContent>
 </p:sld>
 </file>
 
@@ -20929,9 +21141,18 @@
   <p:clrMapOvr>
     <a:masterClrMapping/>
   </p:clrMapOvr>
-  <p:transition>
-    <p:fade/>
-  </p:transition>
+  <mc:AlternateContent xmlns:mc="http://schemas.openxmlformats.org/markup-compatibility/2006">
+    <mc:Choice xmlns:p14="http://schemas.microsoft.com/office/powerpoint/2010/main" Requires="p14">
+      <p:transition p14:dur="250">
+        <p:fade/>
+      </p:transition>
+    </mc:Choice>
+    <mc:Fallback>
+      <p:transition>
+        <p:fade/>
+      </p:transition>
+    </mc:Fallback>
+  </mc:AlternateContent>
 </p:sld>
 </file>
 
@@ -22082,9 +22303,18 @@
   <p:clrMapOvr>
     <a:masterClrMapping/>
   </p:clrMapOvr>
-  <p:transition>
-    <p:fade/>
-  </p:transition>
+  <mc:AlternateContent xmlns:mc="http://schemas.openxmlformats.org/markup-compatibility/2006">
+    <mc:Choice xmlns:p14="http://schemas.microsoft.com/office/powerpoint/2010/main" Requires="p14">
+      <p:transition p14:dur="250">
+        <p:fade/>
+      </p:transition>
+    </mc:Choice>
+    <mc:Fallback>
+      <p:transition>
+        <p:fade/>
+      </p:transition>
+    </mc:Fallback>
+  </mc:AlternateContent>
 </p:sld>
 </file>
 
@@ -23058,9 +23288,18 @@
   <p:clrMapOvr>
     <a:masterClrMapping/>
   </p:clrMapOvr>
-  <p:transition>
-    <p:fade/>
-  </p:transition>
+  <mc:AlternateContent xmlns:mc="http://schemas.openxmlformats.org/markup-compatibility/2006">
+    <mc:Choice xmlns:p14="http://schemas.microsoft.com/office/powerpoint/2010/main" Requires="p14">
+      <p:transition p14:dur="250">
+        <p:fade/>
+      </p:transition>
+    </mc:Choice>
+    <mc:Fallback>
+      <p:transition>
+        <p:fade/>
+      </p:transition>
+    </mc:Fallback>
+  </mc:AlternateContent>
 </p:sld>
 </file>
 
@@ -24086,9 +24325,18 @@
   <p:clrMapOvr>
     <a:masterClrMapping/>
   </p:clrMapOvr>
-  <p:transition>
-    <p:fade/>
-  </p:transition>
+  <mc:AlternateContent xmlns:mc="http://schemas.openxmlformats.org/markup-compatibility/2006">
+    <mc:Choice xmlns:p14="http://schemas.microsoft.com/office/powerpoint/2010/main" Requires="p14">
+      <p:transition p14:dur="250">
+        <p:fade/>
+      </p:transition>
+    </mc:Choice>
+    <mc:Fallback>
+      <p:transition>
+        <p:fade/>
+      </p:transition>
+    </mc:Fallback>
+  </mc:AlternateContent>
 </p:sld>
 </file>
 
@@ -25184,9 +25432,18 @@
   <p:clrMapOvr>
     <a:masterClrMapping/>
   </p:clrMapOvr>
-  <p:transition>
-    <p:fade/>
-  </p:transition>
+  <mc:AlternateContent xmlns:mc="http://schemas.openxmlformats.org/markup-compatibility/2006">
+    <mc:Choice xmlns:p14="http://schemas.microsoft.com/office/powerpoint/2010/main" Requires="p14">
+      <p:transition p14:dur="250">
+        <p:fade/>
+      </p:transition>
+    </mc:Choice>
+    <mc:Fallback>
+      <p:transition>
+        <p:fade/>
+      </p:transition>
+    </mc:Fallback>
+  </mc:AlternateContent>
 </p:sld>
 </file>
 
@@ -26244,9 +26501,18 @@
   <p:clrMapOvr>
     <a:masterClrMapping/>
   </p:clrMapOvr>
-  <p:transition>
-    <p:fade/>
-  </p:transition>
+  <mc:AlternateContent xmlns:mc="http://schemas.openxmlformats.org/markup-compatibility/2006">
+    <mc:Choice xmlns:p14="http://schemas.microsoft.com/office/powerpoint/2010/main" Requires="p14">
+      <p:transition p14:dur="250">
+        <p:fade/>
+      </p:transition>
+    </mc:Choice>
+    <mc:Fallback>
+      <p:transition>
+        <p:fade/>
+      </p:transition>
+    </mc:Fallback>
+  </mc:AlternateContent>
 </p:sld>
 </file>
 
@@ -27277,9 +27543,18 @@
   <p:clrMapOvr>
     <a:masterClrMapping/>
   </p:clrMapOvr>
-  <p:transition>
-    <p:fade/>
-  </p:transition>
+  <mc:AlternateContent xmlns:mc="http://schemas.openxmlformats.org/markup-compatibility/2006">
+    <mc:Choice xmlns:p14="http://schemas.microsoft.com/office/powerpoint/2010/main" Requires="p14">
+      <p:transition p14:dur="250">
+        <p:fade/>
+      </p:transition>
+    </mc:Choice>
+    <mc:Fallback>
+      <p:transition>
+        <p:fade/>
+      </p:transition>
+    </mc:Fallback>
+  </mc:AlternateContent>
 </p:sld>
 </file>
 
@@ -28305,9 +28580,18 @@
   <p:clrMapOvr>
     <a:masterClrMapping/>
   </p:clrMapOvr>
-  <p:transition>
-    <p:fade/>
-  </p:transition>
+  <mc:AlternateContent xmlns:mc="http://schemas.openxmlformats.org/markup-compatibility/2006">
+    <mc:Choice xmlns:p14="http://schemas.microsoft.com/office/powerpoint/2010/main" Requires="p14">
+      <p:transition p14:dur="250">
+        <p:fade/>
+      </p:transition>
+    </mc:Choice>
+    <mc:Fallback>
+      <p:transition>
+        <p:fade/>
+      </p:transition>
+    </mc:Fallback>
+  </mc:AlternateContent>
 </p:sld>
 </file>
 
@@ -29333,9 +29617,18 @@
   <p:clrMapOvr>
     <a:masterClrMapping/>
   </p:clrMapOvr>
-  <p:transition>
-    <p:fade/>
-  </p:transition>
+  <mc:AlternateContent xmlns:mc="http://schemas.openxmlformats.org/markup-compatibility/2006">
+    <mc:Choice xmlns:p14="http://schemas.microsoft.com/office/powerpoint/2010/main" Requires="p14">
+      <p:transition p14:dur="250">
+        <p:fade/>
+      </p:transition>
+    </mc:Choice>
+    <mc:Fallback>
+      <p:transition>
+        <p:fade/>
+      </p:transition>
+    </mc:Fallback>
+  </mc:AlternateContent>
 </p:sld>
 </file>
 
@@ -29577,9 +29870,18 @@
   <p:clrMapOvr>
     <a:masterClrMapping/>
   </p:clrMapOvr>
-  <p:transition>
-    <p:fade/>
-  </p:transition>
+  <mc:AlternateContent xmlns:mc="http://schemas.openxmlformats.org/markup-compatibility/2006">
+    <mc:Choice xmlns:p14="http://schemas.microsoft.com/office/powerpoint/2010/main" Requires="p14">
+      <p:transition p14:dur="250">
+        <p:fade/>
+      </p:transition>
+    </mc:Choice>
+    <mc:Fallback>
+      <p:transition>
+        <p:fade/>
+      </p:transition>
+    </mc:Fallback>
+  </mc:AlternateContent>
 </p:sld>
 </file>
 
@@ -30072,9 +30374,18 @@
   <p:clrMapOvr>
     <a:masterClrMapping/>
   </p:clrMapOvr>
-  <p:transition>
-    <p:fade/>
-  </p:transition>
+  <mc:AlternateContent xmlns:mc="http://schemas.openxmlformats.org/markup-compatibility/2006">
+    <mc:Choice xmlns:p14="http://schemas.microsoft.com/office/powerpoint/2010/main" Requires="p14">
+      <p:transition p14:dur="250">
+        <p:fade/>
+      </p:transition>
+    </mc:Choice>
+    <mc:Fallback>
+      <p:transition>
+        <p:fade/>
+      </p:transition>
+    </mc:Fallback>
+  </mc:AlternateContent>
 </p:sld>
 </file>
 
@@ -30407,9 +30718,18 @@
   <p:clrMapOvr>
     <a:masterClrMapping/>
   </p:clrMapOvr>
-  <p:transition>
-    <p:fade/>
-  </p:transition>
+  <mc:AlternateContent xmlns:mc="http://schemas.openxmlformats.org/markup-compatibility/2006">
+    <mc:Choice xmlns:p14="http://schemas.microsoft.com/office/powerpoint/2010/main" Requires="p14">
+      <p:transition p14:dur="250">
+        <p:fade/>
+      </p:transition>
+    </mc:Choice>
+    <mc:Fallback>
+      <p:transition>
+        <p:fade/>
+      </p:transition>
+    </mc:Fallback>
+  </mc:AlternateContent>
 </p:sld>
 </file>
 
@@ -30766,9 +31086,18 @@
   <p:clrMapOvr>
     <a:masterClrMapping/>
   </p:clrMapOvr>
-  <p:transition>
-    <p:fade/>
-  </p:transition>
+  <mc:AlternateContent xmlns:mc="http://schemas.openxmlformats.org/markup-compatibility/2006">
+    <mc:Choice xmlns:p14="http://schemas.microsoft.com/office/powerpoint/2010/main" Requires="p14">
+      <p:transition p14:dur="250">
+        <p:fade/>
+      </p:transition>
+    </mc:Choice>
+    <mc:Fallback>
+      <p:transition>
+        <p:fade/>
+      </p:transition>
+    </mc:Fallback>
+  </mc:AlternateContent>
 </p:sld>
 </file>
 
@@ -32180,9 +32509,18 @@
   <p:clrMapOvr>
     <a:masterClrMapping/>
   </p:clrMapOvr>
-  <p:transition>
-    <p:fade/>
-  </p:transition>
+  <mc:AlternateContent xmlns:mc="http://schemas.openxmlformats.org/markup-compatibility/2006">
+    <mc:Choice xmlns:p14="http://schemas.microsoft.com/office/powerpoint/2010/main" Requires="p14">
+      <p:transition p14:dur="250">
+        <p:fade/>
+      </p:transition>
+    </mc:Choice>
+    <mc:Fallback>
+      <p:transition>
+        <p:fade/>
+      </p:transition>
+    </mc:Fallback>
+  </mc:AlternateContent>
 </p:sld>
 </file>
 
@@ -35033,9 +35371,18 @@
   <p:clrMapOvr>
     <a:masterClrMapping/>
   </p:clrMapOvr>
-  <p:transition>
-    <p:fade/>
-  </p:transition>
+  <mc:AlternateContent xmlns:mc="http://schemas.openxmlformats.org/markup-compatibility/2006">
+    <mc:Choice xmlns:p14="http://schemas.microsoft.com/office/powerpoint/2010/main" Requires="p14">
+      <p:transition p14:dur="250">
+        <p:fade/>
+      </p:transition>
+    </mc:Choice>
+    <mc:Fallback>
+      <p:transition>
+        <p:fade/>
+      </p:transition>
+    </mc:Fallback>
+  </mc:AlternateContent>
 </p:sld>
 </file>
 
@@ -35562,9 +35909,18 @@
   <p:clrMapOvr>
     <a:masterClrMapping/>
   </p:clrMapOvr>
-  <p:transition>
-    <p:fade/>
-  </p:transition>
+  <mc:AlternateContent xmlns:mc="http://schemas.openxmlformats.org/markup-compatibility/2006">
+    <mc:Choice xmlns:p14="http://schemas.microsoft.com/office/powerpoint/2010/main" Requires="p14">
+      <p:transition p14:dur="250">
+        <p:fade/>
+      </p:transition>
+    </mc:Choice>
+    <mc:Fallback>
+      <p:transition>
+        <p:fade/>
+      </p:transition>
+    </mc:Fallback>
+  </mc:AlternateContent>
 </p:sld>
 </file>
 
@@ -35957,9 +36313,18 @@
   <p:clrMapOvr>
     <a:masterClrMapping/>
   </p:clrMapOvr>
-  <p:transition>
-    <p:fade/>
-  </p:transition>
+  <mc:AlternateContent xmlns:mc="http://schemas.openxmlformats.org/markup-compatibility/2006">
+    <mc:Choice xmlns:p14="http://schemas.microsoft.com/office/powerpoint/2010/main" Requires="p14">
+      <p:transition p14:dur="250">
+        <p:fade/>
+      </p:transition>
+    </mc:Choice>
+    <mc:Fallback>
+      <p:transition>
+        <p:fade/>
+      </p:transition>
+    </mc:Fallback>
+  </mc:AlternateContent>
 </p:sld>
 </file>
 
@@ -36490,9 +36855,18 @@
   <p:clrMapOvr>
     <a:masterClrMapping/>
   </p:clrMapOvr>
-  <p:transition>
-    <p:fade/>
-  </p:transition>
+  <mc:AlternateContent xmlns:mc="http://schemas.openxmlformats.org/markup-compatibility/2006">
+    <mc:Choice xmlns:p14="http://schemas.microsoft.com/office/powerpoint/2010/main" Requires="p14">
+      <p:transition p14:dur="250">
+        <p:fade/>
+      </p:transition>
+    </mc:Choice>
+    <mc:Fallback>
+      <p:transition>
+        <p:fade/>
+      </p:transition>
+    </mc:Fallback>
+  </mc:AlternateContent>
 </p:sld>
 </file>
 
@@ -39050,9 +39424,18 @@
   <p:clrMapOvr>
     <a:masterClrMapping/>
   </p:clrMapOvr>
-  <p:transition>
-    <p:fade/>
-  </p:transition>
+  <mc:AlternateContent xmlns:mc="http://schemas.openxmlformats.org/markup-compatibility/2006">
+    <mc:Choice xmlns:p14="http://schemas.microsoft.com/office/powerpoint/2010/main" Requires="p14">
+      <p:transition p14:dur="250">
+        <p:fade/>
+      </p:transition>
+    </mc:Choice>
+    <mc:Fallback>
+      <p:transition>
+        <p:fade/>
+      </p:transition>
+    </mc:Fallback>
+  </mc:AlternateContent>
 </p:sld>
 </file>
 
@@ -39373,9 +39756,18 @@
   <p:clrMapOvr>
     <a:masterClrMapping/>
   </p:clrMapOvr>
-  <p:transition>
-    <p:fade/>
-  </p:transition>
+  <mc:AlternateContent xmlns:mc="http://schemas.openxmlformats.org/markup-compatibility/2006">
+    <mc:Choice xmlns:p14="http://schemas.microsoft.com/office/powerpoint/2010/main" Requires="p14">
+      <p:transition p14:dur="250">
+        <p:fade/>
+      </p:transition>
+    </mc:Choice>
+    <mc:Fallback>
+      <p:transition>
+        <p:fade/>
+      </p:transition>
+    </mc:Fallback>
+  </mc:AlternateContent>
 </p:sld>
 </file>
 
@@ -39607,9 +39999,18 @@
   <p:clrMapOvr>
     <a:masterClrMapping/>
   </p:clrMapOvr>
-  <p:transition>
-    <p:fade/>
-  </p:transition>
+  <mc:AlternateContent xmlns:mc="http://schemas.openxmlformats.org/markup-compatibility/2006">
+    <mc:Choice xmlns:p14="http://schemas.microsoft.com/office/powerpoint/2010/main" Requires="p14">
+      <p:transition p14:dur="250">
+        <p:fade/>
+      </p:transition>
+    </mc:Choice>
+    <mc:Fallback>
+      <p:transition>
+        <p:fade/>
+      </p:transition>
+    </mc:Fallback>
+  </mc:AlternateContent>
 </p:sld>
 </file>
 
@@ -40101,9 +40502,18 @@
   <p:clrMapOvr>
     <a:masterClrMapping/>
   </p:clrMapOvr>
-  <p:transition>
-    <p:fade/>
-  </p:transition>
+  <mc:AlternateContent xmlns:mc="http://schemas.openxmlformats.org/markup-compatibility/2006">
+    <mc:Choice xmlns:p14="http://schemas.microsoft.com/office/powerpoint/2010/main" Requires="p14">
+      <p:transition p14:dur="250">
+        <p:fade/>
+      </p:transition>
+    </mc:Choice>
+    <mc:Fallback>
+      <p:transition>
+        <p:fade/>
+      </p:transition>
+    </mc:Fallback>
+  </mc:AlternateContent>
 </p:sld>
 </file>
 
@@ -40585,9 +40995,18 @@
   <p:clrMapOvr>
     <a:masterClrMapping/>
   </p:clrMapOvr>
-  <p:transition>
-    <p:fade/>
-  </p:transition>
+  <mc:AlternateContent xmlns:mc="http://schemas.openxmlformats.org/markup-compatibility/2006">
+    <mc:Choice xmlns:p14="http://schemas.microsoft.com/office/powerpoint/2010/main" Requires="p14">
+      <p:transition p14:dur="250">
+        <p:fade/>
+      </p:transition>
+    </mc:Choice>
+    <mc:Fallback>
+      <p:transition>
+        <p:fade/>
+      </p:transition>
+    </mc:Fallback>
+  </mc:AlternateContent>
 </p:sld>
 </file>
 
@@ -44448,9 +44867,18 @@
   <p:clrMapOvr>
     <a:masterClrMapping/>
   </p:clrMapOvr>
-  <p:transition>
-    <p:fade/>
-  </p:transition>
+  <mc:AlternateContent xmlns:mc="http://schemas.openxmlformats.org/markup-compatibility/2006">
+    <mc:Choice xmlns:p14="http://schemas.microsoft.com/office/powerpoint/2010/main" Requires="p14">
+      <p:transition p14:dur="250">
+        <p:fade/>
+      </p:transition>
+    </mc:Choice>
+    <mc:Fallback>
+      <p:transition>
+        <p:fade/>
+      </p:transition>
+    </mc:Fallback>
+  </mc:AlternateContent>
 </p:sld>
 </file>
 
@@ -44995,9 +45423,18 @@
   <p:clrMapOvr>
     <a:masterClrMapping/>
   </p:clrMapOvr>
-  <p:transition>
-    <p:fade/>
-  </p:transition>
+  <mc:AlternateContent xmlns:mc="http://schemas.openxmlformats.org/markup-compatibility/2006">
+    <mc:Choice xmlns:p14="http://schemas.microsoft.com/office/powerpoint/2010/main" Requires="p14">
+      <p:transition p14:dur="250">
+        <p:fade/>
+      </p:transition>
+    </mc:Choice>
+    <mc:Fallback>
+      <p:transition>
+        <p:fade/>
+      </p:transition>
+    </mc:Fallback>
+  </mc:AlternateContent>
 </p:sld>
 </file>
 

--- a/docs/FinalSeminarPresentation.pptx
+++ b/docs/FinalSeminarPresentation.pptx
@@ -4141,7 +4141,7 @@
           <a:p>
             <a:fld id="{6D6A8138-D4C2-A24A-80FA-6A1EE5914956}" type="datetimeFigureOut">
               <a:rPr lang="en-US" smtClean="0"/>
-              <a:t>12/3/20</a:t>
+              <a:t>12/13/20</a:t>
             </a:fld>
             <a:endParaRPr lang="en-US"/>
           </a:p>
@@ -4318,7 +4318,7 @@
           <a:p>
             <a:fld id="{435793A2-C00B-48F1-8F7C-3BE850BB26D7}" type="datetimeFigureOut">
               <a:rPr lang="en-US" smtClean="0"/>
-              <a:t>12/3/20</a:t>
+              <a:t>12/13/20</a:t>
             </a:fld>
             <a:endParaRPr lang="en-US"/>
           </a:p>
@@ -8296,13 +8296,13 @@
   <p:clrMapOvr>
     <a:masterClrMapping/>
   </p:clrMapOvr>
-  <mc:AlternateContent xmlns:mc="http://schemas.openxmlformats.org/markup-compatibility/2006">
-    <mc:Choice xmlns:p14="http://schemas.microsoft.com/office/powerpoint/2010/main" Requires="p14">
+  <mc:AlternateContent xmlns:mc="http://schemas.openxmlformats.org/markup-compatibility/2006" xmlns:p14="http://schemas.microsoft.com/office/powerpoint/2010/main">
+    <mc:Choice Requires="p14">
       <p:transition p14:dur="250">
         <p:fade/>
       </p:transition>
     </mc:Choice>
-    <mc:Fallback>
+    <mc:Fallback xmlns="">
       <p:transition>
         <p:fade/>
       </p:transition>
@@ -8483,13 +8483,13 @@
   <p:clrMapOvr>
     <a:masterClrMapping/>
   </p:clrMapOvr>
-  <mc:AlternateContent xmlns:mc="http://schemas.openxmlformats.org/markup-compatibility/2006">
-    <mc:Choice xmlns:p14="http://schemas.microsoft.com/office/powerpoint/2010/main" Requires="p14">
+  <mc:AlternateContent xmlns:mc="http://schemas.openxmlformats.org/markup-compatibility/2006" xmlns:p14="http://schemas.microsoft.com/office/powerpoint/2010/main">
+    <mc:Choice Requires="p14">
       <p:transition p14:dur="250">
         <p:fade/>
       </p:transition>
     </mc:Choice>
-    <mc:Fallback>
+    <mc:Fallback xmlns="">
       <p:transition>
         <p:fade/>
       </p:transition>
@@ -8680,13 +8680,13 @@
   <p:clrMapOvr>
     <a:masterClrMapping/>
   </p:clrMapOvr>
-  <mc:AlternateContent xmlns:mc="http://schemas.openxmlformats.org/markup-compatibility/2006">
-    <mc:Choice xmlns:p14="http://schemas.microsoft.com/office/powerpoint/2010/main" Requires="p14">
+  <mc:AlternateContent xmlns:mc="http://schemas.openxmlformats.org/markup-compatibility/2006" xmlns:p14="http://schemas.microsoft.com/office/powerpoint/2010/main">
+    <mc:Choice Requires="p14">
       <p:transition p14:dur="250">
         <p:fade/>
       </p:transition>
     </mc:Choice>
-    <mc:Fallback>
+    <mc:Fallback xmlns="">
       <p:transition>
         <p:fade/>
       </p:transition>
@@ -8823,13 +8823,13 @@
   <p:clrMapOvr>
     <a:masterClrMapping/>
   </p:clrMapOvr>
-  <mc:AlternateContent xmlns:mc="http://schemas.openxmlformats.org/markup-compatibility/2006">
-    <mc:Choice xmlns:p14="http://schemas.microsoft.com/office/powerpoint/2010/main" Requires="p14">
+  <mc:AlternateContent xmlns:mc="http://schemas.openxmlformats.org/markup-compatibility/2006" xmlns:p14="http://schemas.microsoft.com/office/powerpoint/2010/main">
+    <mc:Choice Requires="p14">
       <p:transition p14:dur="250">
         <p:fade/>
       </p:transition>
     </mc:Choice>
-    <mc:Fallback>
+    <mc:Fallback xmlns="">
       <p:transition>
         <p:fade/>
       </p:transition>
@@ -9010,13 +9010,13 @@
   <p:clrMapOvr>
     <a:masterClrMapping/>
   </p:clrMapOvr>
-  <mc:AlternateContent xmlns:mc="http://schemas.openxmlformats.org/markup-compatibility/2006">
-    <mc:Choice xmlns:p14="http://schemas.microsoft.com/office/powerpoint/2010/main" Requires="p14">
+  <mc:AlternateContent xmlns:mc="http://schemas.openxmlformats.org/markup-compatibility/2006" xmlns:p14="http://schemas.microsoft.com/office/powerpoint/2010/main">
+    <mc:Choice Requires="p14">
       <p:transition p14:dur="250">
         <p:fade/>
       </p:transition>
     </mc:Choice>
-    <mc:Fallback>
+    <mc:Fallback xmlns="">
       <p:transition>
         <p:fade/>
       </p:transition>
@@ -9275,13 +9275,13 @@
   <p:clrMapOvr>
     <a:masterClrMapping/>
   </p:clrMapOvr>
-  <mc:AlternateContent xmlns:mc="http://schemas.openxmlformats.org/markup-compatibility/2006">
-    <mc:Choice xmlns:p14="http://schemas.microsoft.com/office/powerpoint/2010/main" Requires="p14">
+  <mc:AlternateContent xmlns:mc="http://schemas.openxmlformats.org/markup-compatibility/2006" xmlns:p14="http://schemas.microsoft.com/office/powerpoint/2010/main">
+    <mc:Choice Requires="p14">
       <p:transition p14:dur="250">
         <p:fade/>
       </p:transition>
     </mc:Choice>
-    <mc:Fallback>
+    <mc:Fallback xmlns="">
       <p:transition>
         <p:fade/>
       </p:transition>
@@ -9579,13 +9579,13 @@
   <p:clrMapOvr>
     <a:masterClrMapping/>
   </p:clrMapOvr>
-  <mc:AlternateContent xmlns:mc="http://schemas.openxmlformats.org/markup-compatibility/2006">
-    <mc:Choice xmlns:p14="http://schemas.microsoft.com/office/powerpoint/2010/main" Requires="p14">
+  <mc:AlternateContent xmlns:mc="http://schemas.openxmlformats.org/markup-compatibility/2006" xmlns:p14="http://schemas.microsoft.com/office/powerpoint/2010/main">
+    <mc:Choice Requires="p14">
       <p:transition p14:dur="250">
         <p:fade/>
       </p:transition>
     </mc:Choice>
-    <mc:Fallback>
+    <mc:Fallback xmlns="">
       <p:transition>
         <p:fade/>
       </p:transition>
@@ -10018,13 +10018,13 @@
   <p:clrMapOvr>
     <a:masterClrMapping/>
   </p:clrMapOvr>
-  <mc:AlternateContent xmlns:mc="http://schemas.openxmlformats.org/markup-compatibility/2006">
-    <mc:Choice xmlns:p14="http://schemas.microsoft.com/office/powerpoint/2010/main" Requires="p14">
+  <mc:AlternateContent xmlns:mc="http://schemas.openxmlformats.org/markup-compatibility/2006" xmlns:p14="http://schemas.microsoft.com/office/powerpoint/2010/main">
+    <mc:Choice Requires="p14">
       <p:transition p14:dur="250">
         <p:fade/>
       </p:transition>
     </mc:Choice>
-    <mc:Fallback>
+    <mc:Fallback xmlns="">
       <p:transition>
         <p:fade/>
       </p:transition>
@@ -10154,13 +10154,13 @@
   <p:clrMapOvr>
     <a:masterClrMapping/>
   </p:clrMapOvr>
-  <mc:AlternateContent xmlns:mc="http://schemas.openxmlformats.org/markup-compatibility/2006">
-    <mc:Choice xmlns:p14="http://schemas.microsoft.com/office/powerpoint/2010/main" Requires="p14">
+  <mc:AlternateContent xmlns:mc="http://schemas.openxmlformats.org/markup-compatibility/2006" xmlns:p14="http://schemas.microsoft.com/office/powerpoint/2010/main">
+    <mc:Choice Requires="p14">
       <p:transition p14:dur="250">
         <p:fade/>
       </p:transition>
     </mc:Choice>
-    <mc:Fallback>
+    <mc:Fallback xmlns="">
       <p:transition>
         <p:fade/>
       </p:transition>
@@ -10268,13 +10268,13 @@
   <p:clrMapOvr>
     <a:masterClrMapping/>
   </p:clrMapOvr>
-  <mc:AlternateContent xmlns:mc="http://schemas.openxmlformats.org/markup-compatibility/2006">
-    <mc:Choice xmlns:p14="http://schemas.microsoft.com/office/powerpoint/2010/main" Requires="p14">
+  <mc:AlternateContent xmlns:mc="http://schemas.openxmlformats.org/markup-compatibility/2006" xmlns:p14="http://schemas.microsoft.com/office/powerpoint/2010/main">
+    <mc:Choice Requires="p14">
       <p:transition p14:dur="250">
         <p:fade/>
       </p:transition>
     </mc:Choice>
-    <mc:Fallback>
+    <mc:Fallback xmlns="">
       <p:transition>
         <p:fade/>
       </p:transition>
@@ -10562,13 +10562,13 @@
   <p:clrMapOvr>
     <a:masterClrMapping/>
   </p:clrMapOvr>
-  <mc:AlternateContent xmlns:mc="http://schemas.openxmlformats.org/markup-compatibility/2006">
-    <mc:Choice xmlns:p14="http://schemas.microsoft.com/office/powerpoint/2010/main" Requires="p14">
+  <mc:AlternateContent xmlns:mc="http://schemas.openxmlformats.org/markup-compatibility/2006" xmlns:p14="http://schemas.microsoft.com/office/powerpoint/2010/main">
+    <mc:Choice Requires="p14">
       <p:transition p14:dur="250">
         <p:fade/>
       </p:transition>
     </mc:Choice>
-    <mc:Fallback>
+    <mc:Fallback xmlns="">
       <p:transition>
         <p:fade/>
       </p:transition>
@@ -10836,13 +10836,13 @@
   <p:clrMapOvr>
     <a:masterClrMapping/>
   </p:clrMapOvr>
-  <mc:AlternateContent xmlns:mc="http://schemas.openxmlformats.org/markup-compatibility/2006">
-    <mc:Choice xmlns:p14="http://schemas.microsoft.com/office/powerpoint/2010/main" Requires="p14">
+  <mc:AlternateContent xmlns:mc="http://schemas.openxmlformats.org/markup-compatibility/2006" xmlns:p14="http://schemas.microsoft.com/office/powerpoint/2010/main">
+    <mc:Choice Requires="p14">
       <p:transition p14:dur="250">
         <p:fade/>
       </p:transition>
     </mc:Choice>
-    <mc:Fallback>
+    <mc:Fallback xmlns="">
       <p:transition>
         <p:fade/>
       </p:transition>
@@ -11212,13 +11212,13 @@
     <p:sldLayoutId id="2147483659" r:id="rId11"/>
     <p:sldLayoutId id="2147483660" r:id="rId12"/>
   </p:sldLayoutIdLst>
-  <mc:AlternateContent xmlns:mc="http://schemas.openxmlformats.org/markup-compatibility/2006">
-    <mc:Choice xmlns:p14="http://schemas.microsoft.com/office/powerpoint/2010/main" Requires="p14">
+  <mc:AlternateContent xmlns:mc="http://schemas.openxmlformats.org/markup-compatibility/2006" xmlns:p14="http://schemas.microsoft.com/office/powerpoint/2010/main">
+    <mc:Choice Requires="p14">
       <p:transition p14:dur="250">
         <p:fade/>
       </p:transition>
     </mc:Choice>
-    <mc:Fallback>
+    <mc:Fallback xmlns="">
       <p:transition>
         <p:fade/>
       </p:transition>
@@ -12179,11 +12179,11 @@
   <p:clrMapOvr>
     <a:masterClrMapping/>
   </p:clrMapOvr>
-  <mc:AlternateContent xmlns:mc="http://schemas.openxmlformats.org/markup-compatibility/2006">
-    <mc:Choice xmlns:p14="http://schemas.microsoft.com/office/powerpoint/2010/main" Requires="p14">
+  <mc:AlternateContent xmlns:mc="http://schemas.openxmlformats.org/markup-compatibility/2006" xmlns:p14="http://schemas.microsoft.com/office/powerpoint/2010/main">
+    <mc:Choice Requires="p14">
       <p:transition p14:dur="0"/>
     </mc:Choice>
-    <mc:Fallback>
+    <mc:Fallback xmlns="">
       <p:transition/>
     </mc:Fallback>
   </mc:AlternateContent>
@@ -12670,13 +12670,13 @@
   <p:clrMapOvr>
     <a:masterClrMapping/>
   </p:clrMapOvr>
-  <mc:AlternateContent xmlns:mc="http://schemas.openxmlformats.org/markup-compatibility/2006">
-    <mc:Choice xmlns:p14="http://schemas.microsoft.com/office/powerpoint/2010/main" Requires="p14">
+  <mc:AlternateContent xmlns:mc="http://schemas.openxmlformats.org/markup-compatibility/2006" xmlns:p14="http://schemas.microsoft.com/office/powerpoint/2010/main">
+    <mc:Choice Requires="p14">
       <p:transition p14:dur="250">
         <p:fade/>
       </p:transition>
     </mc:Choice>
-    <mc:Fallback>
+    <mc:Fallback xmlns="">
       <p:transition>
         <p:fade/>
       </p:transition>
@@ -13535,13 +13535,13 @@
   <p:clrMapOvr>
     <a:masterClrMapping/>
   </p:clrMapOvr>
-  <mc:AlternateContent xmlns:mc="http://schemas.openxmlformats.org/markup-compatibility/2006">
-    <mc:Choice xmlns:p14="http://schemas.microsoft.com/office/powerpoint/2010/main" Requires="p14">
+  <mc:AlternateContent xmlns:mc="http://schemas.openxmlformats.org/markup-compatibility/2006" xmlns:p14="http://schemas.microsoft.com/office/powerpoint/2010/main">
+    <mc:Choice Requires="p14">
       <p:transition p14:dur="250">
         <p:fade/>
       </p:transition>
     </mc:Choice>
-    <mc:Fallback>
+    <mc:Fallback xmlns="">
       <p:transition>
         <p:fade/>
       </p:transition>
@@ -14037,13 +14037,13 @@
   <p:clrMapOvr>
     <a:masterClrMapping/>
   </p:clrMapOvr>
-  <mc:AlternateContent xmlns:mc="http://schemas.openxmlformats.org/markup-compatibility/2006">
-    <mc:Choice xmlns:p14="http://schemas.microsoft.com/office/powerpoint/2010/main" Requires="p14">
+  <mc:AlternateContent xmlns:mc="http://schemas.openxmlformats.org/markup-compatibility/2006" xmlns:p14="http://schemas.microsoft.com/office/powerpoint/2010/main">
+    <mc:Choice Requires="p14">
       <p:transition p14:dur="250">
         <p:fade/>
       </p:transition>
     </mc:Choice>
-    <mc:Fallback>
+    <mc:Fallback xmlns="">
       <p:transition>
         <p:fade/>
       </p:transition>
@@ -14726,13 +14726,13 @@
   <p:clrMapOvr>
     <a:masterClrMapping/>
   </p:clrMapOvr>
-  <mc:AlternateContent xmlns:mc="http://schemas.openxmlformats.org/markup-compatibility/2006">
-    <mc:Choice xmlns:p14="http://schemas.microsoft.com/office/powerpoint/2010/main" Requires="p14">
+  <mc:AlternateContent xmlns:mc="http://schemas.openxmlformats.org/markup-compatibility/2006" xmlns:p14="http://schemas.microsoft.com/office/powerpoint/2010/main">
+    <mc:Choice Requires="p14">
       <p:transition p14:dur="250">
         <p:fade/>
       </p:transition>
     </mc:Choice>
-    <mc:Fallback>
+    <mc:Fallback xmlns="">
       <p:transition>
         <p:fade/>
       </p:transition>
@@ -15316,13 +15316,13 @@
   <p:clrMapOvr>
     <a:masterClrMapping/>
   </p:clrMapOvr>
-  <mc:AlternateContent xmlns:mc="http://schemas.openxmlformats.org/markup-compatibility/2006">
-    <mc:Choice xmlns:p14="http://schemas.microsoft.com/office/powerpoint/2010/main" Requires="p14">
+  <mc:AlternateContent xmlns:mc="http://schemas.openxmlformats.org/markup-compatibility/2006" xmlns:p14="http://schemas.microsoft.com/office/powerpoint/2010/main">
+    <mc:Choice Requires="p14">
       <p:transition p14:dur="250">
         <p:fade/>
       </p:transition>
     </mc:Choice>
-    <mc:Fallback>
+    <mc:Fallback xmlns="">
       <p:transition>
         <p:fade/>
       </p:transition>
@@ -15862,13 +15862,13 @@
   <p:clrMapOvr>
     <a:masterClrMapping/>
   </p:clrMapOvr>
-  <mc:AlternateContent xmlns:mc="http://schemas.openxmlformats.org/markup-compatibility/2006">
-    <mc:Choice xmlns:p14="http://schemas.microsoft.com/office/powerpoint/2010/main" Requires="p14">
+  <mc:AlternateContent xmlns:mc="http://schemas.openxmlformats.org/markup-compatibility/2006" xmlns:p14="http://schemas.microsoft.com/office/powerpoint/2010/main">
+    <mc:Choice Requires="p14">
       <p:transition p14:dur="250">
         <p:fade/>
       </p:transition>
     </mc:Choice>
-    <mc:Fallback>
+    <mc:Fallback xmlns="">
       <p:transition>
         <p:fade/>
       </p:transition>
@@ -17212,13 +17212,13 @@
   <p:clrMapOvr>
     <a:masterClrMapping/>
   </p:clrMapOvr>
-  <mc:AlternateContent xmlns:mc="http://schemas.openxmlformats.org/markup-compatibility/2006">
-    <mc:Choice xmlns:p14="http://schemas.microsoft.com/office/powerpoint/2010/main" Requires="p14">
+  <mc:AlternateContent xmlns:mc="http://schemas.openxmlformats.org/markup-compatibility/2006" xmlns:p14="http://schemas.microsoft.com/office/powerpoint/2010/main">
+    <mc:Choice Requires="p14">
       <p:transition p14:dur="250">
         <p:fade/>
       </p:transition>
     </mc:Choice>
-    <mc:Fallback>
+    <mc:Fallback xmlns="">
       <p:transition>
         <p:fade/>
       </p:transition>
@@ -18225,13 +18225,13 @@
   <p:clrMapOvr>
     <a:masterClrMapping/>
   </p:clrMapOvr>
-  <mc:AlternateContent xmlns:mc="http://schemas.openxmlformats.org/markup-compatibility/2006">
-    <mc:Choice xmlns:p14="http://schemas.microsoft.com/office/powerpoint/2010/main" Requires="p14">
+  <mc:AlternateContent xmlns:mc="http://schemas.openxmlformats.org/markup-compatibility/2006" xmlns:p14="http://schemas.microsoft.com/office/powerpoint/2010/main">
+    <mc:Choice Requires="p14">
       <p:transition p14:dur="250">
         <p:fade/>
       </p:transition>
     </mc:Choice>
-    <mc:Fallback>
+    <mc:Fallback xmlns="">
       <p:transition>
         <p:fade/>
       </p:transition>
@@ -19258,13 +19258,13 @@
   <p:clrMapOvr>
     <a:masterClrMapping/>
   </p:clrMapOvr>
-  <mc:AlternateContent xmlns:mc="http://schemas.openxmlformats.org/markup-compatibility/2006">
-    <mc:Choice xmlns:p14="http://schemas.microsoft.com/office/powerpoint/2010/main" Requires="p14">
+  <mc:AlternateContent xmlns:mc="http://schemas.openxmlformats.org/markup-compatibility/2006" xmlns:p14="http://schemas.microsoft.com/office/powerpoint/2010/main">
+    <mc:Choice Requires="p14">
       <p:transition p14:dur="250">
         <p:fade/>
       </p:transition>
     </mc:Choice>
-    <mc:Fallback>
+    <mc:Fallback xmlns="">
       <p:transition>
         <p:fade/>
       </p:transition>
@@ -20339,13 +20339,13 @@
   <p:clrMapOvr>
     <a:masterClrMapping/>
   </p:clrMapOvr>
-  <mc:AlternateContent xmlns:mc="http://schemas.openxmlformats.org/markup-compatibility/2006">
-    <mc:Choice xmlns:p14="http://schemas.microsoft.com/office/powerpoint/2010/main" Requires="p14">
+  <mc:AlternateContent xmlns:mc="http://schemas.openxmlformats.org/markup-compatibility/2006" xmlns:p14="http://schemas.microsoft.com/office/powerpoint/2010/main">
+    <mc:Choice Requires="p14">
       <p:transition p14:dur="250">
         <p:fade/>
       </p:transition>
     </mc:Choice>
-    <mc:Fallback>
+    <mc:Fallback xmlns="">
       <p:transition>
         <p:fade/>
       </p:transition>
@@ -21141,13 +21141,13 @@
   <p:clrMapOvr>
     <a:masterClrMapping/>
   </p:clrMapOvr>
-  <mc:AlternateContent xmlns:mc="http://schemas.openxmlformats.org/markup-compatibility/2006">
-    <mc:Choice xmlns:p14="http://schemas.microsoft.com/office/powerpoint/2010/main" Requires="p14">
+  <mc:AlternateContent xmlns:mc="http://schemas.openxmlformats.org/markup-compatibility/2006" xmlns:p14="http://schemas.microsoft.com/office/powerpoint/2010/main">
+    <mc:Choice Requires="p14">
       <p:transition p14:dur="250">
         <p:fade/>
       </p:transition>
     </mc:Choice>
-    <mc:Fallback>
+    <mc:Fallback xmlns="">
       <p:transition>
         <p:fade/>
       </p:transition>
@@ -22303,13 +22303,13 @@
   <p:clrMapOvr>
     <a:masterClrMapping/>
   </p:clrMapOvr>
-  <mc:AlternateContent xmlns:mc="http://schemas.openxmlformats.org/markup-compatibility/2006">
-    <mc:Choice xmlns:p14="http://schemas.microsoft.com/office/powerpoint/2010/main" Requires="p14">
+  <mc:AlternateContent xmlns:mc="http://schemas.openxmlformats.org/markup-compatibility/2006" xmlns:p14="http://schemas.microsoft.com/office/powerpoint/2010/main">
+    <mc:Choice Requires="p14">
       <p:transition p14:dur="250">
         <p:fade/>
       </p:transition>
     </mc:Choice>
-    <mc:Fallback>
+    <mc:Fallback xmlns="">
       <p:transition>
         <p:fade/>
       </p:transition>
@@ -23288,13 +23288,13 @@
   <p:clrMapOvr>
     <a:masterClrMapping/>
   </p:clrMapOvr>
-  <mc:AlternateContent xmlns:mc="http://schemas.openxmlformats.org/markup-compatibility/2006">
-    <mc:Choice xmlns:p14="http://schemas.microsoft.com/office/powerpoint/2010/main" Requires="p14">
+  <mc:AlternateContent xmlns:mc="http://schemas.openxmlformats.org/markup-compatibility/2006" xmlns:p14="http://schemas.microsoft.com/office/powerpoint/2010/main">
+    <mc:Choice Requires="p14">
       <p:transition p14:dur="250">
         <p:fade/>
       </p:transition>
     </mc:Choice>
-    <mc:Fallback>
+    <mc:Fallback xmlns="">
       <p:transition>
         <p:fade/>
       </p:transition>
@@ -24325,13 +24325,13 @@
   <p:clrMapOvr>
     <a:masterClrMapping/>
   </p:clrMapOvr>
-  <mc:AlternateContent xmlns:mc="http://schemas.openxmlformats.org/markup-compatibility/2006">
-    <mc:Choice xmlns:p14="http://schemas.microsoft.com/office/powerpoint/2010/main" Requires="p14">
+  <mc:AlternateContent xmlns:mc="http://schemas.openxmlformats.org/markup-compatibility/2006" xmlns:p14="http://schemas.microsoft.com/office/powerpoint/2010/main">
+    <mc:Choice Requires="p14">
       <p:transition p14:dur="250">
         <p:fade/>
       </p:transition>
     </mc:Choice>
-    <mc:Fallback>
+    <mc:Fallback xmlns="">
       <p:transition>
         <p:fade/>
       </p:transition>
@@ -24380,7 +24380,7 @@
           <p:nvPr>
             <p:extLst>
               <p:ext uri="{D42A27DB-BD31-4B8C-83A1-F6EECF244321}">
-                <p14:modId xmlns:p14="http://schemas.microsoft.com/office/powerpoint/2010/main" val="1247627005"/>
+                <p14:modId xmlns:p14="http://schemas.microsoft.com/office/powerpoint/2010/main" val="3991515434"/>
               </p:ext>
             </p:extLst>
           </p:nvPr>
@@ -25432,13 +25432,13 @@
   <p:clrMapOvr>
     <a:masterClrMapping/>
   </p:clrMapOvr>
-  <mc:AlternateContent xmlns:mc="http://schemas.openxmlformats.org/markup-compatibility/2006">
-    <mc:Choice xmlns:p14="http://schemas.microsoft.com/office/powerpoint/2010/main" Requires="p14">
+  <mc:AlternateContent xmlns:mc="http://schemas.openxmlformats.org/markup-compatibility/2006" xmlns:p14="http://schemas.microsoft.com/office/powerpoint/2010/main">
+    <mc:Choice Requires="p14">
       <p:transition p14:dur="250">
         <p:fade/>
       </p:transition>
     </mc:Choice>
-    <mc:Fallback>
+    <mc:Fallback xmlns="">
       <p:transition>
         <p:fade/>
       </p:transition>
@@ -26501,13 +26501,13 @@
   <p:clrMapOvr>
     <a:masterClrMapping/>
   </p:clrMapOvr>
-  <mc:AlternateContent xmlns:mc="http://schemas.openxmlformats.org/markup-compatibility/2006">
-    <mc:Choice xmlns:p14="http://schemas.microsoft.com/office/powerpoint/2010/main" Requires="p14">
+  <mc:AlternateContent xmlns:mc="http://schemas.openxmlformats.org/markup-compatibility/2006" xmlns:p14="http://schemas.microsoft.com/office/powerpoint/2010/main">
+    <mc:Choice Requires="p14">
       <p:transition p14:dur="250">
         <p:fade/>
       </p:transition>
     </mc:Choice>
-    <mc:Fallback>
+    <mc:Fallback xmlns="">
       <p:transition>
         <p:fade/>
       </p:transition>
@@ -27543,13 +27543,13 @@
   <p:clrMapOvr>
     <a:masterClrMapping/>
   </p:clrMapOvr>
-  <mc:AlternateContent xmlns:mc="http://schemas.openxmlformats.org/markup-compatibility/2006">
-    <mc:Choice xmlns:p14="http://schemas.microsoft.com/office/powerpoint/2010/main" Requires="p14">
+  <mc:AlternateContent xmlns:mc="http://schemas.openxmlformats.org/markup-compatibility/2006" xmlns:p14="http://schemas.microsoft.com/office/powerpoint/2010/main">
+    <mc:Choice Requires="p14">
       <p:transition p14:dur="250">
         <p:fade/>
       </p:transition>
     </mc:Choice>
-    <mc:Fallback>
+    <mc:Fallback xmlns="">
       <p:transition>
         <p:fade/>
       </p:transition>
@@ -28279,7 +28279,7 @@
                         <a:buAutoNum type="arabicPeriod"/>
                       </a:pPr>
                       <a:r>
-                        <a:rPr lang="en-US" sz="1800" b="0" i="0" u="none" strike="noStrike">
+                        <a:rPr lang="en-US" sz="1800" b="0" i="0" u="none" strike="noStrike" dirty="0">
                           <a:solidFill>
                             <a:schemeClr val="bg1"/>
                           </a:solidFill>
@@ -28301,7 +28301,7 @@
                         <a:buAutoNum type="arabicPeriod"/>
                       </a:pPr>
                       <a:r>
-                        <a:rPr lang="en-US" sz="1800" b="0" i="0" u="none" strike="noStrike">
+                        <a:rPr lang="en-US" sz="1800" b="0" i="0" u="none" strike="noStrike" dirty="0">
                           <a:solidFill>
                             <a:schemeClr val="bg1"/>
                           </a:solidFill>
@@ -28323,7 +28323,7 @@
                         <a:buAutoNum type="arabicPeriod"/>
                       </a:pPr>
                       <a:r>
-                        <a:rPr lang="en-US" sz="1800" b="0" i="0" u="none" strike="noStrike">
+                        <a:rPr lang="en-US" sz="1800" b="0" i="0" u="none" strike="noStrike" dirty="0">
                           <a:solidFill>
                             <a:schemeClr val="bg1"/>
                           </a:solidFill>
@@ -28345,7 +28345,7 @@
                         <a:buAutoNum type="arabicPeriod"/>
                       </a:pPr>
                       <a:r>
-                        <a:rPr lang="en-US" sz="1800" b="0" i="0" u="none" strike="noStrike">
+                        <a:rPr lang="en-US" sz="1800" b="0" i="0" u="none" strike="noStrike" dirty="0">
                           <a:solidFill>
                             <a:schemeClr val="bg1"/>
                           </a:solidFill>
@@ -28580,13 +28580,13 @@
   <p:clrMapOvr>
     <a:masterClrMapping/>
   </p:clrMapOvr>
-  <mc:AlternateContent xmlns:mc="http://schemas.openxmlformats.org/markup-compatibility/2006">
-    <mc:Choice xmlns:p14="http://schemas.microsoft.com/office/powerpoint/2010/main" Requires="p14">
+  <mc:AlternateContent xmlns:mc="http://schemas.openxmlformats.org/markup-compatibility/2006" xmlns:p14="http://schemas.microsoft.com/office/powerpoint/2010/main">
+    <mc:Choice Requires="p14">
       <p:transition p14:dur="250">
         <p:fade/>
       </p:transition>
     </mc:Choice>
-    <mc:Fallback>
+    <mc:Fallback xmlns="">
       <p:transition>
         <p:fade/>
       </p:transition>
@@ -29617,13 +29617,13 @@
   <p:clrMapOvr>
     <a:masterClrMapping/>
   </p:clrMapOvr>
-  <mc:AlternateContent xmlns:mc="http://schemas.openxmlformats.org/markup-compatibility/2006">
-    <mc:Choice xmlns:p14="http://schemas.microsoft.com/office/powerpoint/2010/main" Requires="p14">
+  <mc:AlternateContent xmlns:mc="http://schemas.openxmlformats.org/markup-compatibility/2006" xmlns:p14="http://schemas.microsoft.com/office/powerpoint/2010/main">
+    <mc:Choice Requires="p14">
       <p:transition p14:dur="250">
         <p:fade/>
       </p:transition>
     </mc:Choice>
-    <mc:Fallback>
+    <mc:Fallback xmlns="">
       <p:transition>
         <p:fade/>
       </p:transition>
@@ -29870,13 +29870,13 @@
   <p:clrMapOvr>
     <a:masterClrMapping/>
   </p:clrMapOvr>
-  <mc:AlternateContent xmlns:mc="http://schemas.openxmlformats.org/markup-compatibility/2006">
-    <mc:Choice xmlns:p14="http://schemas.microsoft.com/office/powerpoint/2010/main" Requires="p14">
+  <mc:AlternateContent xmlns:mc="http://schemas.openxmlformats.org/markup-compatibility/2006" xmlns:p14="http://schemas.microsoft.com/office/powerpoint/2010/main">
+    <mc:Choice Requires="p14">
       <p:transition p14:dur="250">
         <p:fade/>
       </p:transition>
     </mc:Choice>
-    <mc:Fallback>
+    <mc:Fallback xmlns="">
       <p:transition>
         <p:fade/>
       </p:transition>
@@ -30374,13 +30374,13 @@
   <p:clrMapOvr>
     <a:masterClrMapping/>
   </p:clrMapOvr>
-  <mc:AlternateContent xmlns:mc="http://schemas.openxmlformats.org/markup-compatibility/2006">
-    <mc:Choice xmlns:p14="http://schemas.microsoft.com/office/powerpoint/2010/main" Requires="p14">
+  <mc:AlternateContent xmlns:mc="http://schemas.openxmlformats.org/markup-compatibility/2006" xmlns:p14="http://schemas.microsoft.com/office/powerpoint/2010/main">
+    <mc:Choice Requires="p14">
       <p:transition p14:dur="250">
         <p:fade/>
       </p:transition>
     </mc:Choice>
-    <mc:Fallback>
+    <mc:Fallback xmlns="">
       <p:transition>
         <p:fade/>
       </p:transition>
@@ -30718,13 +30718,13 @@
   <p:clrMapOvr>
     <a:masterClrMapping/>
   </p:clrMapOvr>
-  <mc:AlternateContent xmlns:mc="http://schemas.openxmlformats.org/markup-compatibility/2006">
-    <mc:Choice xmlns:p14="http://schemas.microsoft.com/office/powerpoint/2010/main" Requires="p14">
+  <mc:AlternateContent xmlns:mc="http://schemas.openxmlformats.org/markup-compatibility/2006" xmlns:p14="http://schemas.microsoft.com/office/powerpoint/2010/main">
+    <mc:Choice Requires="p14">
       <p:transition p14:dur="250">
         <p:fade/>
       </p:transition>
     </mc:Choice>
-    <mc:Fallback>
+    <mc:Fallback xmlns="">
       <p:transition>
         <p:fade/>
       </p:transition>
@@ -31086,13 +31086,13 @@
   <p:clrMapOvr>
     <a:masterClrMapping/>
   </p:clrMapOvr>
-  <mc:AlternateContent xmlns:mc="http://schemas.openxmlformats.org/markup-compatibility/2006">
-    <mc:Choice xmlns:p14="http://schemas.microsoft.com/office/powerpoint/2010/main" Requires="p14">
+  <mc:AlternateContent xmlns:mc="http://schemas.openxmlformats.org/markup-compatibility/2006" xmlns:p14="http://schemas.microsoft.com/office/powerpoint/2010/main">
+    <mc:Choice Requires="p14">
       <p:transition p14:dur="250">
         <p:fade/>
       </p:transition>
     </mc:Choice>
-    <mc:Fallback>
+    <mc:Fallback xmlns="">
       <p:transition>
         <p:fade/>
       </p:transition>
@@ -32509,13 +32509,13 @@
   <p:clrMapOvr>
     <a:masterClrMapping/>
   </p:clrMapOvr>
-  <mc:AlternateContent xmlns:mc="http://schemas.openxmlformats.org/markup-compatibility/2006">
-    <mc:Choice xmlns:p14="http://schemas.microsoft.com/office/powerpoint/2010/main" Requires="p14">
+  <mc:AlternateContent xmlns:mc="http://schemas.openxmlformats.org/markup-compatibility/2006" xmlns:p14="http://schemas.microsoft.com/office/powerpoint/2010/main">
+    <mc:Choice Requires="p14">
       <p:transition p14:dur="250">
         <p:fade/>
       </p:transition>
     </mc:Choice>
-    <mc:Fallback>
+    <mc:Fallback xmlns="">
       <p:transition>
         <p:fade/>
       </p:transition>
@@ -35371,13 +35371,13 @@
   <p:clrMapOvr>
     <a:masterClrMapping/>
   </p:clrMapOvr>
-  <mc:AlternateContent xmlns:mc="http://schemas.openxmlformats.org/markup-compatibility/2006">
-    <mc:Choice xmlns:p14="http://schemas.microsoft.com/office/powerpoint/2010/main" Requires="p14">
+  <mc:AlternateContent xmlns:mc="http://schemas.openxmlformats.org/markup-compatibility/2006" xmlns:p14="http://schemas.microsoft.com/office/powerpoint/2010/main">
+    <mc:Choice Requires="p14">
       <p:transition p14:dur="250">
         <p:fade/>
       </p:transition>
     </mc:Choice>
-    <mc:Fallback>
+    <mc:Fallback xmlns="">
       <p:transition>
         <p:fade/>
       </p:transition>
@@ -35909,13 +35909,13 @@
   <p:clrMapOvr>
     <a:masterClrMapping/>
   </p:clrMapOvr>
-  <mc:AlternateContent xmlns:mc="http://schemas.openxmlformats.org/markup-compatibility/2006">
-    <mc:Choice xmlns:p14="http://schemas.microsoft.com/office/powerpoint/2010/main" Requires="p14">
+  <mc:AlternateContent xmlns:mc="http://schemas.openxmlformats.org/markup-compatibility/2006" xmlns:p14="http://schemas.microsoft.com/office/powerpoint/2010/main">
+    <mc:Choice Requires="p14">
       <p:transition p14:dur="250">
         <p:fade/>
       </p:transition>
     </mc:Choice>
-    <mc:Fallback>
+    <mc:Fallback xmlns="">
       <p:transition>
         <p:fade/>
       </p:transition>
@@ -36313,13 +36313,13 @@
   <p:clrMapOvr>
     <a:masterClrMapping/>
   </p:clrMapOvr>
-  <mc:AlternateContent xmlns:mc="http://schemas.openxmlformats.org/markup-compatibility/2006">
-    <mc:Choice xmlns:p14="http://schemas.microsoft.com/office/powerpoint/2010/main" Requires="p14">
+  <mc:AlternateContent xmlns:mc="http://schemas.openxmlformats.org/markup-compatibility/2006" xmlns:p14="http://schemas.microsoft.com/office/powerpoint/2010/main">
+    <mc:Choice Requires="p14">
       <p:transition p14:dur="250">
         <p:fade/>
       </p:transition>
     </mc:Choice>
-    <mc:Fallback>
+    <mc:Fallback xmlns="">
       <p:transition>
         <p:fade/>
       </p:transition>
@@ -36855,13 +36855,13 @@
   <p:clrMapOvr>
     <a:masterClrMapping/>
   </p:clrMapOvr>
-  <mc:AlternateContent xmlns:mc="http://schemas.openxmlformats.org/markup-compatibility/2006">
-    <mc:Choice xmlns:p14="http://schemas.microsoft.com/office/powerpoint/2010/main" Requires="p14">
+  <mc:AlternateContent xmlns:mc="http://schemas.openxmlformats.org/markup-compatibility/2006" xmlns:p14="http://schemas.microsoft.com/office/powerpoint/2010/main">
+    <mc:Choice Requires="p14">
       <p:transition p14:dur="250">
         <p:fade/>
       </p:transition>
     </mc:Choice>
-    <mc:Fallback>
+    <mc:Fallback xmlns="">
       <p:transition>
         <p:fade/>
       </p:transition>
@@ -38576,7 +38576,7 @@
             </p:grpSpPr>
             <p:pic>
               <p:nvPicPr>
-                <p:cNvPr id="35" name="Picture 35">
+                <p:cNvPr id="2" name="Picture 2">
                   <a:hlinkClick r:id="rId5" action="ppaction://hlinksldjump"/>
                 </p:cNvPr>
                 <p:cNvPicPr>
@@ -38607,7 +38607,7 @@
             </p:pic>
             <p:pic>
               <p:nvPicPr>
-                <p:cNvPr id="36" name="Picture 36">
+                <p:cNvPr id="3" name="Picture 3">
                   <a:hlinkClick r:id="rId6" action="ppaction://hlinksldjump"/>
                 </p:cNvPr>
                 <p:cNvPicPr>
@@ -38638,7 +38638,7 @@
             </p:pic>
             <p:pic>
               <p:nvPicPr>
-                <p:cNvPr id="37" name="Picture 37">
+                <p:cNvPr id="5" name="Picture 5">
                   <a:hlinkClick r:id="rId7" action="ppaction://hlinksldjump"/>
                 </p:cNvPr>
                 <p:cNvPicPr>
@@ -38669,7 +38669,7 @@
             </p:pic>
             <p:pic>
               <p:nvPicPr>
-                <p:cNvPr id="38" name="Picture 38">
+                <p:cNvPr id="8" name="Picture 8">
                   <a:hlinkClick r:id="rId8" action="ppaction://hlinksldjump"/>
                 </p:cNvPr>
                 <p:cNvPicPr>
@@ -38700,7 +38700,7 @@
             </p:pic>
             <p:pic>
               <p:nvPicPr>
-                <p:cNvPr id="39" name="Picture 39">
+                <p:cNvPr id="9" name="Picture 9">
                   <a:hlinkClick r:id="rId9" action="ppaction://hlinksldjump"/>
                 </p:cNvPr>
                 <p:cNvPicPr>
@@ -38731,7 +38731,7 @@
             </p:pic>
             <p:pic>
               <p:nvPicPr>
-                <p:cNvPr id="40" name="Picture 40">
+                <p:cNvPr id="11" name="Picture 11">
                   <a:hlinkClick r:id="rId10" action="ppaction://hlinksldjump"/>
                 </p:cNvPr>
                 <p:cNvPicPr>
@@ -38762,7 +38762,7 @@
             </p:pic>
             <p:pic>
               <p:nvPicPr>
-                <p:cNvPr id="41" name="Picture 41">
+                <p:cNvPr id="12" name="Picture 12">
                   <a:hlinkClick r:id="rId11" action="ppaction://hlinksldjump"/>
                 </p:cNvPr>
                 <p:cNvPicPr>
@@ -38793,7 +38793,7 @@
             </p:pic>
             <p:pic>
               <p:nvPicPr>
-                <p:cNvPr id="42" name="Picture 42">
+                <p:cNvPr id="13" name="Picture 13">
                   <a:hlinkClick r:id="rId58" action="ppaction://hlinksldjump"/>
                 </p:cNvPr>
                 <p:cNvPicPr>
@@ -38824,7 +38824,7 @@
             </p:pic>
             <p:pic>
               <p:nvPicPr>
-                <p:cNvPr id="43" name="Picture 43">
+                <p:cNvPr id="14" name="Picture 14">
                   <a:hlinkClick r:id="rId13" action="ppaction://hlinksldjump"/>
                 </p:cNvPr>
                 <p:cNvPicPr>
@@ -38855,7 +38855,7 @@
             </p:pic>
             <p:pic>
               <p:nvPicPr>
-                <p:cNvPr id="44" name="Picture 44">
+                <p:cNvPr id="15" name="Picture 15">
                   <a:hlinkClick r:id="rId14" action="ppaction://hlinksldjump"/>
                 </p:cNvPr>
                 <p:cNvPicPr>
@@ -38886,7 +38886,7 @@
             </p:pic>
             <p:pic>
               <p:nvPicPr>
-                <p:cNvPr id="45" name="Picture 45">
+                <p:cNvPr id="16" name="Picture 16">
                   <a:hlinkClick r:id="rId15" action="ppaction://hlinksldjump"/>
                 </p:cNvPr>
                 <p:cNvPicPr>
@@ -38917,7 +38917,7 @@
             </p:pic>
             <p:pic>
               <p:nvPicPr>
-                <p:cNvPr id="46" name="Picture 46">
+                <p:cNvPr id="17" name="Picture 17">
                   <a:hlinkClick r:id="rId59" action="ppaction://hlinksldjump"/>
                 </p:cNvPr>
                 <p:cNvPicPr>
@@ -38948,7 +38948,7 @@
             </p:pic>
             <p:pic>
               <p:nvPicPr>
-                <p:cNvPr id="47" name="Picture 47">
+                <p:cNvPr id="18" name="Picture 18">
                   <a:hlinkClick r:id="rId16" action="ppaction://hlinksldjump"/>
                 </p:cNvPr>
                 <p:cNvPicPr>
@@ -38979,7 +38979,7 @@
             </p:pic>
             <p:pic>
               <p:nvPicPr>
-                <p:cNvPr id="48" name="Picture 48">
+                <p:cNvPr id="19" name="Picture 19">
                   <a:hlinkClick r:id="rId17" action="ppaction://hlinksldjump"/>
                 </p:cNvPr>
                 <p:cNvPicPr>
@@ -39010,7 +39010,7 @@
             </p:pic>
             <p:pic>
               <p:nvPicPr>
-                <p:cNvPr id="49" name="Picture 49">
+                <p:cNvPr id="20" name="Picture 20">
                   <a:hlinkClick r:id="rId18" action="ppaction://hlinksldjump"/>
                 </p:cNvPr>
                 <p:cNvPicPr>
@@ -39041,7 +39041,7 @@
             </p:pic>
             <p:pic>
               <p:nvPicPr>
-                <p:cNvPr id="50" name="Picture 50">
+                <p:cNvPr id="21" name="Picture 21">
                   <a:hlinkClick r:id="rId19" action="ppaction://hlinksldjump"/>
                 </p:cNvPr>
                 <p:cNvPicPr>
@@ -39072,7 +39072,7 @@
             </p:pic>
             <p:pic>
               <p:nvPicPr>
-                <p:cNvPr id="51" name="Picture 51">
+                <p:cNvPr id="22" name="Picture 22">
                   <a:hlinkClick r:id="rId20" action="ppaction://hlinksldjump"/>
                 </p:cNvPr>
                 <p:cNvPicPr>
@@ -39103,7 +39103,7 @@
             </p:pic>
             <p:pic>
               <p:nvPicPr>
-                <p:cNvPr id="52" name="Picture 52">
+                <p:cNvPr id="23" name="Picture 23">
                   <a:hlinkClick r:id="rId21" action="ppaction://hlinksldjump"/>
                 </p:cNvPr>
                 <p:cNvPicPr>
@@ -39134,7 +39134,7 @@
             </p:pic>
             <p:pic>
               <p:nvPicPr>
-                <p:cNvPr id="53" name="Picture 53">
+                <p:cNvPr id="24" name="Picture 24">
                   <a:hlinkClick r:id="rId22" action="ppaction://hlinksldjump"/>
                 </p:cNvPr>
                 <p:cNvPicPr>
@@ -39165,7 +39165,7 @@
             </p:pic>
             <p:pic>
               <p:nvPicPr>
-                <p:cNvPr id="54" name="Picture 54">
+                <p:cNvPr id="25" name="Picture 25">
                   <a:hlinkClick r:id="rId23" action="ppaction://hlinksldjump"/>
                 </p:cNvPr>
                 <p:cNvPicPr>
@@ -39196,7 +39196,7 @@
             </p:pic>
             <p:pic>
               <p:nvPicPr>
-                <p:cNvPr id="55" name="Picture 55">
+                <p:cNvPr id="26" name="Picture 26">
                   <a:hlinkClick r:id="rId24" action="ppaction://hlinksldjump"/>
                 </p:cNvPr>
                 <p:cNvPicPr>
@@ -39227,7 +39227,7 @@
             </p:pic>
             <p:pic>
               <p:nvPicPr>
-                <p:cNvPr id="56" name="Picture 56">
+                <p:cNvPr id="27" name="Picture 27">
                   <a:hlinkClick r:id="rId25" action="ppaction://hlinksldjump"/>
                 </p:cNvPr>
                 <p:cNvPicPr>
@@ -39258,7 +39258,7 @@
             </p:pic>
             <p:pic>
               <p:nvPicPr>
-                <p:cNvPr id="57" name="Picture 57">
+                <p:cNvPr id="28" name="Picture 28">
                   <a:hlinkClick r:id="rId26" action="ppaction://hlinksldjump"/>
                 </p:cNvPr>
                 <p:cNvPicPr>
@@ -39289,7 +39289,7 @@
             </p:pic>
             <p:pic>
               <p:nvPicPr>
-                <p:cNvPr id="58" name="Picture 58">
+                <p:cNvPr id="29" name="Picture 29">
                   <a:hlinkClick r:id="rId27" action="ppaction://hlinksldjump"/>
                 </p:cNvPr>
                 <p:cNvPicPr>
@@ -39320,7 +39320,7 @@
             </p:pic>
             <p:pic>
               <p:nvPicPr>
-                <p:cNvPr id="59" name="Picture 59">
+                <p:cNvPr id="30" name="Picture 30">
                   <a:hlinkClick r:id="rId28" action="ppaction://hlinksldjump"/>
                 </p:cNvPr>
                 <p:cNvPicPr>
@@ -39351,7 +39351,7 @@
             </p:pic>
             <p:pic>
               <p:nvPicPr>
-                <p:cNvPr id="60" name="Picture 60">
+                <p:cNvPr id="31" name="Picture 31">
                   <a:hlinkClick r:id="rId29" action="ppaction://hlinksldjump"/>
                 </p:cNvPr>
                 <p:cNvPicPr>
@@ -39382,7 +39382,7 @@
             </p:pic>
             <p:pic>
               <p:nvPicPr>
-                <p:cNvPr id="61" name="Picture 61">
+                <p:cNvPr id="32" name="Picture 32">
                   <a:hlinkClick r:id="rId30" action="ppaction://hlinksldjump"/>
                 </p:cNvPr>
                 <p:cNvPicPr>
@@ -39424,13 +39424,13 @@
   <p:clrMapOvr>
     <a:masterClrMapping/>
   </p:clrMapOvr>
-  <mc:AlternateContent xmlns:mc="http://schemas.openxmlformats.org/markup-compatibility/2006">
-    <mc:Choice xmlns:p14="http://schemas.microsoft.com/office/powerpoint/2010/main" Requires="p14">
+  <mc:AlternateContent xmlns:mc="http://schemas.openxmlformats.org/markup-compatibility/2006" xmlns:p14="http://schemas.microsoft.com/office/powerpoint/2010/main">
+    <mc:Choice Requires="p14">
       <p:transition p14:dur="250">
         <p:fade/>
       </p:transition>
     </mc:Choice>
-    <mc:Fallback>
+    <mc:Fallback xmlns="">
       <p:transition>
         <p:fade/>
       </p:transition>
@@ -39756,13 +39756,13 @@
   <p:clrMapOvr>
     <a:masterClrMapping/>
   </p:clrMapOvr>
-  <mc:AlternateContent xmlns:mc="http://schemas.openxmlformats.org/markup-compatibility/2006">
-    <mc:Choice xmlns:p14="http://schemas.microsoft.com/office/powerpoint/2010/main" Requires="p14">
+  <mc:AlternateContent xmlns:mc="http://schemas.openxmlformats.org/markup-compatibility/2006" xmlns:p14="http://schemas.microsoft.com/office/powerpoint/2010/main">
+    <mc:Choice Requires="p14">
       <p:transition p14:dur="250">
         <p:fade/>
       </p:transition>
     </mc:Choice>
-    <mc:Fallback>
+    <mc:Fallback xmlns="">
       <p:transition>
         <p:fade/>
       </p:transition>
@@ -39999,13 +39999,13 @@
   <p:clrMapOvr>
     <a:masterClrMapping/>
   </p:clrMapOvr>
-  <mc:AlternateContent xmlns:mc="http://schemas.openxmlformats.org/markup-compatibility/2006">
-    <mc:Choice xmlns:p14="http://schemas.microsoft.com/office/powerpoint/2010/main" Requires="p14">
+  <mc:AlternateContent xmlns:mc="http://schemas.openxmlformats.org/markup-compatibility/2006" xmlns:p14="http://schemas.microsoft.com/office/powerpoint/2010/main">
+    <mc:Choice Requires="p14">
       <p:transition p14:dur="250">
         <p:fade/>
       </p:transition>
     </mc:Choice>
-    <mc:Fallback>
+    <mc:Fallback xmlns="">
       <p:transition>
         <p:fade/>
       </p:transition>
@@ -40502,13 +40502,13 @@
   <p:clrMapOvr>
     <a:masterClrMapping/>
   </p:clrMapOvr>
-  <mc:AlternateContent xmlns:mc="http://schemas.openxmlformats.org/markup-compatibility/2006">
-    <mc:Choice xmlns:p14="http://schemas.microsoft.com/office/powerpoint/2010/main" Requires="p14">
+  <mc:AlternateContent xmlns:mc="http://schemas.openxmlformats.org/markup-compatibility/2006" xmlns:p14="http://schemas.microsoft.com/office/powerpoint/2010/main">
+    <mc:Choice Requires="p14">
       <p:transition p14:dur="250">
         <p:fade/>
       </p:transition>
     </mc:Choice>
-    <mc:Fallback>
+    <mc:Fallback xmlns="">
       <p:transition>
         <p:fade/>
       </p:transition>
@@ -40995,13 +40995,13 @@
   <p:clrMapOvr>
     <a:masterClrMapping/>
   </p:clrMapOvr>
-  <mc:AlternateContent xmlns:mc="http://schemas.openxmlformats.org/markup-compatibility/2006">
-    <mc:Choice xmlns:p14="http://schemas.microsoft.com/office/powerpoint/2010/main" Requires="p14">
+  <mc:AlternateContent xmlns:mc="http://schemas.openxmlformats.org/markup-compatibility/2006" xmlns:p14="http://schemas.microsoft.com/office/powerpoint/2010/main">
+    <mc:Choice Requires="p14">
       <p:transition p14:dur="250">
         <p:fade/>
       </p:transition>
     </mc:Choice>
-    <mc:Fallback>
+    <mc:Fallback xmlns="">
       <p:transition>
         <p:fade/>
       </p:transition>
@@ -44867,13 +44867,13 @@
   <p:clrMapOvr>
     <a:masterClrMapping/>
   </p:clrMapOvr>
-  <mc:AlternateContent xmlns:mc="http://schemas.openxmlformats.org/markup-compatibility/2006">
-    <mc:Choice xmlns:p14="http://schemas.microsoft.com/office/powerpoint/2010/main" Requires="p14">
+  <mc:AlternateContent xmlns:mc="http://schemas.openxmlformats.org/markup-compatibility/2006" xmlns:p14="http://schemas.microsoft.com/office/powerpoint/2010/main">
+    <mc:Choice Requires="p14">
       <p:transition p14:dur="250">
         <p:fade/>
       </p:transition>
     </mc:Choice>
-    <mc:Fallback>
+    <mc:Fallback xmlns="">
       <p:transition>
         <p:fade/>
       </p:transition>
@@ -45423,13 +45423,13 @@
   <p:clrMapOvr>
     <a:masterClrMapping/>
   </p:clrMapOvr>
-  <mc:AlternateContent xmlns:mc="http://schemas.openxmlformats.org/markup-compatibility/2006">
-    <mc:Choice xmlns:p14="http://schemas.microsoft.com/office/powerpoint/2010/main" Requires="p14">
+  <mc:AlternateContent xmlns:mc="http://schemas.openxmlformats.org/markup-compatibility/2006" xmlns:p14="http://schemas.microsoft.com/office/powerpoint/2010/main">
+    <mc:Choice Requires="p14">
       <p:transition p14:dur="250">
         <p:fade/>
       </p:transition>
     </mc:Choice>
-    <mc:Fallback>
+    <mc:Fallback xmlns="">
       <p:transition>
         <p:fade/>
       </p:transition>
